--- a/clase 5/Capacitación Maratones.pptx
+++ b/clase 5/Capacitación Maratones.pptx
@@ -23,8 +23,8 @@
     <p:sldId id="399" r:id="rId14"/>
     <p:sldId id="405" r:id="rId15"/>
     <p:sldId id="346" r:id="rId16"/>
-    <p:sldId id="410" r:id="rId17"/>
-    <p:sldId id="411" r:id="rId18"/>
+    <p:sldId id="411" r:id="rId17"/>
+    <p:sldId id="410" r:id="rId18"/>
     <p:sldId id="409" r:id="rId19"/>
     <p:sldId id="390" r:id="rId20"/>
     <p:sldId id="398" r:id="rId21"/>
@@ -1231,7 +1231,7 @@
     </p:spTree>
     <p:extLst>
       <p:ext uri="{BB962C8B-B14F-4D97-AF65-F5344CB8AC3E}">
-        <p14:creationId xmlns:p14="http://schemas.microsoft.com/office/powerpoint/2010/main" val="1071785948"/>
+        <p14:creationId xmlns:p14="http://schemas.microsoft.com/office/powerpoint/2010/main" val="3782119068"/>
       </p:ext>
     </p:extLst>
   </p:cSld>
@@ -1297,7 +1297,7 @@
     </p:spTree>
     <p:extLst>
       <p:ext uri="{BB962C8B-B14F-4D97-AF65-F5344CB8AC3E}">
-        <p14:creationId xmlns:p14="http://schemas.microsoft.com/office/powerpoint/2010/main" val="3782119068"/>
+        <p14:creationId xmlns:p14="http://schemas.microsoft.com/office/powerpoint/2010/main" val="1071785948"/>
       </p:ext>
     </p:extLst>
   </p:cSld>
@@ -7778,7 +7778,7 @@
             <a:avLst/>
           </a:prstGeom>
           <a:solidFill>
-            <a:srgbClr val="F7F7F7"/>
+            <a:srgbClr val="FFFFFF"/>
           </a:solidFill>
         </p:spPr>
         <p:style>
@@ -8124,10 +8124,10 @@
       </p:pic>
       <p:pic>
         <p:nvPicPr>
-          <p:cNvPr id="7" name="Gráfico 6">
+          <p:cNvPr id="6" name="Imagen 5">
             <a:extLst>
               <a:ext uri="{FF2B5EF4-FFF2-40B4-BE49-F238E27FC236}">
-                <a16:creationId xmlns:a16="http://schemas.microsoft.com/office/drawing/2014/main" id="{5DCC6F48-FBB3-4041-B07E-E9627BE571C2}"/>
+                <a16:creationId xmlns:a16="http://schemas.microsoft.com/office/drawing/2014/main" id="{82B2A6DD-99A8-47B4-807E-F33EB8C76395}"/>
               </a:ext>
             </a:extLst>
           </p:cNvPr>
@@ -8136,58 +8136,15 @@
           </p:cNvPicPr>
           <p:nvPr/>
         </p:nvPicPr>
-        <p:blipFill>
-          <a:blip r:embed="rId5">
-            <a:extLst>
-              <a:ext uri="{96DAC541-7B7A-43D3-8B79-37D633B846F1}">
-                <asvg:svgBlip xmlns:asvg="http://schemas.microsoft.com/office/drawing/2016/SVG/main" r:embed="rId6"/>
-              </a:ext>
-            </a:extLst>
-          </a:blip>
-          <a:stretch>
-            <a:fillRect/>
-          </a:stretch>
+        <p:blipFill rotWithShape="1">
+          <a:blip r:embed="rId5"/>
+          <a:srcRect t="4284"/>
+          <a:stretch/>
         </p:blipFill>
         <p:spPr>
           <a:xfrm>
-            <a:off x="4960044" y="2010766"/>
-            <a:ext cx="2292415" cy="2433016"/>
-          </a:xfrm>
-          <a:prstGeom prst="rect">
-            <a:avLst/>
-          </a:prstGeom>
-        </p:spPr>
-      </p:pic>
-      <p:pic>
-        <p:nvPicPr>
-          <p:cNvPr id="10" name="Gráfico 9">
-            <a:extLst>
-              <a:ext uri="{FF2B5EF4-FFF2-40B4-BE49-F238E27FC236}">
-                <a16:creationId xmlns:a16="http://schemas.microsoft.com/office/drawing/2014/main" id="{F59ABD10-1F01-4CBD-B883-FAEA075D64FC}"/>
-              </a:ext>
-            </a:extLst>
-          </p:cNvPr>
-          <p:cNvPicPr>
-            <a:picLocks noChangeAspect="1"/>
-          </p:cNvPicPr>
-          <p:nvPr/>
-        </p:nvPicPr>
-        <p:blipFill>
-          <a:blip r:embed="rId7">
-            <a:extLst>
-              <a:ext uri="{96DAC541-7B7A-43D3-8B79-37D633B846F1}">
-                <asvg:svgBlip xmlns:asvg="http://schemas.microsoft.com/office/drawing/2016/SVG/main" r:embed="rId8"/>
-              </a:ext>
-            </a:extLst>
-          </a:blip>
-          <a:stretch>
-            <a:fillRect/>
-          </a:stretch>
-        </p:blipFill>
-        <p:spPr>
-          <a:xfrm>
-            <a:off x="1837372" y="1852715"/>
-            <a:ext cx="3176587" cy="2509837"/>
+            <a:off x="2644473" y="1752942"/>
+            <a:ext cx="3693360" cy="2690840"/>
           </a:xfrm>
           <a:prstGeom prst="rect">
             <a:avLst/>
@@ -8197,7 +8154,7 @@
     </p:spTree>
     <p:extLst>
       <p:ext uri="{BB962C8B-B14F-4D97-AF65-F5344CB8AC3E}">
-        <p14:creationId xmlns:p14="http://schemas.microsoft.com/office/powerpoint/2010/main" val="1118077777"/>
+        <p14:creationId xmlns:p14="http://schemas.microsoft.com/office/powerpoint/2010/main" val="2939270348"/>
       </p:ext>
     </p:extLst>
   </p:cSld>
@@ -8245,7 +8202,7 @@
             <a:avLst/>
           </a:prstGeom>
           <a:solidFill>
-            <a:srgbClr val="FFFFFF"/>
+            <a:srgbClr val="F7F7F7"/>
           </a:solidFill>
         </p:spPr>
         <p:style>
@@ -8591,10 +8548,10 @@
       </p:pic>
       <p:pic>
         <p:nvPicPr>
-          <p:cNvPr id="6" name="Imagen 5">
+          <p:cNvPr id="7" name="Gráfico 6">
             <a:extLst>
               <a:ext uri="{FF2B5EF4-FFF2-40B4-BE49-F238E27FC236}">
-                <a16:creationId xmlns:a16="http://schemas.microsoft.com/office/drawing/2014/main" id="{82B2A6DD-99A8-47B4-807E-F33EB8C76395}"/>
+                <a16:creationId xmlns:a16="http://schemas.microsoft.com/office/drawing/2014/main" id="{5DCC6F48-FBB3-4041-B07E-E9627BE571C2}"/>
               </a:ext>
             </a:extLst>
           </p:cNvPr>
@@ -8603,15 +8560,58 @@
           </p:cNvPicPr>
           <p:nvPr/>
         </p:nvPicPr>
-        <p:blipFill rotWithShape="1">
-          <a:blip r:embed="rId5"/>
-          <a:srcRect t="4284"/>
-          <a:stretch/>
+        <p:blipFill>
+          <a:blip r:embed="rId5">
+            <a:extLst>
+              <a:ext uri="{96DAC541-7B7A-43D3-8B79-37D633B846F1}">
+                <asvg:svgBlip xmlns:asvg="http://schemas.microsoft.com/office/drawing/2016/SVG/main" r:embed="rId6"/>
+              </a:ext>
+            </a:extLst>
+          </a:blip>
+          <a:stretch>
+            <a:fillRect/>
+          </a:stretch>
         </p:blipFill>
         <p:spPr>
           <a:xfrm>
-            <a:off x="2644473" y="1752942"/>
-            <a:ext cx="3693360" cy="2690840"/>
+            <a:off x="4960044" y="2010766"/>
+            <a:ext cx="2292415" cy="2433016"/>
+          </a:xfrm>
+          <a:prstGeom prst="rect">
+            <a:avLst/>
+          </a:prstGeom>
+        </p:spPr>
+      </p:pic>
+      <p:pic>
+        <p:nvPicPr>
+          <p:cNvPr id="10" name="Gráfico 9">
+            <a:extLst>
+              <a:ext uri="{FF2B5EF4-FFF2-40B4-BE49-F238E27FC236}">
+                <a16:creationId xmlns:a16="http://schemas.microsoft.com/office/drawing/2014/main" id="{F59ABD10-1F01-4CBD-B883-FAEA075D64FC}"/>
+              </a:ext>
+            </a:extLst>
+          </p:cNvPr>
+          <p:cNvPicPr>
+            <a:picLocks noChangeAspect="1"/>
+          </p:cNvPicPr>
+          <p:nvPr/>
+        </p:nvPicPr>
+        <p:blipFill>
+          <a:blip r:embed="rId7">
+            <a:extLst>
+              <a:ext uri="{96DAC541-7B7A-43D3-8B79-37D633B846F1}">
+                <asvg:svgBlip xmlns:asvg="http://schemas.microsoft.com/office/drawing/2016/SVG/main" r:embed="rId8"/>
+              </a:ext>
+            </a:extLst>
+          </a:blip>
+          <a:stretch>
+            <a:fillRect/>
+          </a:stretch>
+        </p:blipFill>
+        <p:spPr>
+          <a:xfrm>
+            <a:off x="1837372" y="1852715"/>
+            <a:ext cx="3176587" cy="2509837"/>
           </a:xfrm>
           <a:prstGeom prst="rect">
             <a:avLst/>
@@ -8621,7 +8621,7 @@
     </p:spTree>
     <p:extLst>
       <p:ext uri="{BB962C8B-B14F-4D97-AF65-F5344CB8AC3E}">
-        <p14:creationId xmlns:p14="http://schemas.microsoft.com/office/powerpoint/2010/main" val="2939270348"/>
+        <p14:creationId xmlns:p14="http://schemas.microsoft.com/office/powerpoint/2010/main" val="1118077777"/>
       </p:ext>
     </p:extLst>
   </p:cSld>
@@ -8648,8 +8648,8 @@
           <a:chExt cx="0" cy="0"/>
         </a:xfrm>
       </p:grpSpPr>
-      <mc:AlternateContent xmlns:mc="http://schemas.openxmlformats.org/markup-compatibility/2006">
-        <mc:Choice xmlns:a14="http://schemas.microsoft.com/office/drawing/2010/main" Requires="a14">
+      <mc:AlternateContent xmlns:mc="http://schemas.openxmlformats.org/markup-compatibility/2006" xmlns:a14="http://schemas.microsoft.com/office/drawing/2010/main">
+        <mc:Choice Requires="a14">
           <p:sp>
             <p:nvSpPr>
               <p:cNvPr id="2" name="Subtítulo 1">
@@ -8979,7 +8979,7 @@
             </p:txBody>
           </p:sp>
         </mc:Choice>
-        <mc:Fallback>
+        <mc:Fallback xmlns="">
           <p:sp>
             <p:nvSpPr>
               <p:cNvPr id="2" name="Subtítulo 1">

--- a/clase 5/Capacitación Maratones.pptx
+++ b/clase 5/Capacitación Maratones.pptx
@@ -5,77 +5,66 @@
     <p:sldMasterId id="2147483670" r:id="rId1"/>
   </p:sldMasterIdLst>
   <p:notesMasterIdLst>
-    <p:notesMasterId r:id="rId23"/>
+    <p:notesMasterId r:id="rId12"/>
   </p:notesMasterIdLst>
   <p:sldIdLst>
     <p:sldId id="340" r:id="rId2"/>
-    <p:sldId id="345" r:id="rId3"/>
-    <p:sldId id="363" r:id="rId4"/>
-    <p:sldId id="364" r:id="rId5"/>
-    <p:sldId id="395" r:id="rId6"/>
-    <p:sldId id="396" r:id="rId7"/>
-    <p:sldId id="397" r:id="rId8"/>
-    <p:sldId id="406" r:id="rId9"/>
-    <p:sldId id="408" r:id="rId10"/>
-    <p:sldId id="407" r:id="rId11"/>
-    <p:sldId id="394" r:id="rId12"/>
-    <p:sldId id="385" r:id="rId13"/>
-    <p:sldId id="399" r:id="rId14"/>
-    <p:sldId id="405" r:id="rId15"/>
-    <p:sldId id="346" r:id="rId16"/>
-    <p:sldId id="411" r:id="rId17"/>
-    <p:sldId id="410" r:id="rId18"/>
-    <p:sldId id="409" r:id="rId19"/>
-    <p:sldId id="390" r:id="rId20"/>
-    <p:sldId id="398" r:id="rId21"/>
-    <p:sldId id="276" r:id="rId22"/>
+    <p:sldId id="394" r:id="rId3"/>
+    <p:sldId id="385" r:id="rId4"/>
+    <p:sldId id="399" r:id="rId5"/>
+    <p:sldId id="405" r:id="rId6"/>
+    <p:sldId id="406" r:id="rId7"/>
+    <p:sldId id="390" r:id="rId8"/>
+    <p:sldId id="398" r:id="rId9"/>
+    <p:sldId id="400" r:id="rId10"/>
+    <p:sldId id="276" r:id="rId11"/>
   </p:sldIdLst>
   <p:sldSz cx="9144000" cy="5143500" type="screen16x9"/>
   <p:notesSz cx="6858000" cy="9144000"/>
   <p:embeddedFontLst>
     <p:embeddedFont>
       <p:font typeface="Abadi" panose="020B0604020104020204" pitchFamily="34" charset="0"/>
-      <p:regular r:id="rId24"/>
+      <p:regular r:id="rId13"/>
     </p:embeddedFont>
     <p:embeddedFont>
       <p:font typeface="Anaheim" panose="020B0604020202020204" charset="0"/>
-      <p:regular r:id="rId25"/>
+      <p:regular r:id="rId14"/>
     </p:embeddedFont>
     <p:embeddedFont>
       <p:font typeface="Bahnschrift" panose="020B0502040204020203" pitchFamily="34" charset="0"/>
-      <p:regular r:id="rId26"/>
-      <p:bold r:id="rId27"/>
+      <p:regular r:id="rId15"/>
+      <p:bold r:id="rId16"/>
     </p:embeddedFont>
     <p:embeddedFont>
       <p:font typeface="Bahnschrift Light" panose="020B0502040204020203" pitchFamily="34" charset="0"/>
-      <p:regular r:id="rId28"/>
+      <p:regular r:id="rId17"/>
     </p:embeddedFont>
     <p:embeddedFont>
       <p:font typeface="Cambria Math" panose="02040503050406030204" pitchFamily="18" charset="0"/>
-      <p:regular r:id="rId29"/>
+      <p:regular r:id="rId18"/>
     </p:embeddedFont>
     <p:embeddedFont>
       <p:font typeface="Josefin Sans" pitchFamily="2" charset="0"/>
-      <p:regular r:id="rId30"/>
-      <p:bold r:id="rId31"/>
-      <p:italic r:id="rId32"/>
-      <p:boldItalic r:id="rId33"/>
+      <p:regular r:id="rId19"/>
+      <p:bold r:id="rId20"/>
+      <p:italic r:id="rId21"/>
+      <p:boldItalic r:id="rId22"/>
     </p:embeddedFont>
     <p:embeddedFont>
       <p:font typeface="Josefin Slab" pitchFamily="2" charset="0"/>
-      <p:regular r:id="rId34"/>
-      <p:bold r:id="rId35"/>
-      <p:italic r:id="rId36"/>
-      <p:boldItalic r:id="rId37"/>
+      <p:regular r:id="rId23"/>
+      <p:bold r:id="rId24"/>
+      <p:italic r:id="rId25"/>
+      <p:boldItalic r:id="rId26"/>
     </p:embeddedFont>
     <p:embeddedFont>
       <p:font typeface="Josefin Slab SemiBold" pitchFamily="2" charset="0"/>
-      <p:bold r:id="rId38"/>
-      <p:boldItalic r:id="rId39"/>
+      <p:bold r:id="rId27"/>
+      <p:boldItalic r:id="rId28"/>
     </p:embeddedFont>
     <p:embeddedFont>
       <p:font typeface="Staatliches" panose="020B0604020202020204" charset="0"/>
-      <p:regular r:id="rId40"/>
+      <p:regular r:id="rId29"/>
     </p:embeddedFont>
   </p:embeddedFontLst>
   <p:defaultTextStyle>
@@ -339,6 +328,58 @@
     </p:ext>
   </p:extLst>
 </p:presentation>
+</file>
+
+<file path=ppt/ink/ink1.xml><?xml version="1.0" encoding="utf-8"?>
+<inkml:ink xmlns:inkml="http://www.w3.org/2003/InkML">
+  <inkml:definitions>
+    <inkml:context xml:id="ctx0">
+      <inkml:inkSource xml:id="inkSrc0">
+        <inkml:traceFormat>
+          <inkml:channel name="X" type="integer" min="-2.14748E9" max="2.14748E9" units="cm"/>
+          <inkml:channel name="Y" type="integer" min="-2.14748E9" max="2.14748E9" units="cm"/>
+        </inkml:traceFormat>
+        <inkml:channelProperties>
+          <inkml:channelProperty channel="X" name="resolution" value="1000" units="1/cm"/>
+          <inkml:channelProperty channel="Y" name="resolution" value="1000" units="1/cm"/>
+        </inkml:channelProperties>
+      </inkml:inkSource>
+      <inkml:timestamp xml:id="ts0" timeString="2021-12-01T19:20:12.375"/>
+    </inkml:context>
+    <inkml:brush xml:id="br0">
+      <inkml:brushProperty name="width" value="0.05" units="cm"/>
+      <inkml:brushProperty name="height" value="0.05" units="cm"/>
+      <inkml:brushProperty name="ignorePressure" value="1"/>
+    </inkml:brush>
+  </inkml:definitions>
+  <inkml:trace contextRef="#ctx0" brushRef="#br0">1 1,'1230'1230,"-1218"-1218</inkml:trace>
+</inkml:ink>
+</file>
+
+<file path=ppt/ink/ink2.xml><?xml version="1.0" encoding="utf-8"?>
+<inkml:ink xmlns:inkml="http://www.w3.org/2003/InkML">
+  <inkml:definitions>
+    <inkml:context xml:id="ctx0">
+      <inkml:inkSource xml:id="inkSrc0">
+        <inkml:traceFormat>
+          <inkml:channel name="X" type="integer" min="-2.14748E9" max="2.14748E9" units="cm"/>
+          <inkml:channel name="Y" type="integer" min="-2.14748E9" max="2.14748E9" units="cm"/>
+        </inkml:traceFormat>
+        <inkml:channelProperties>
+          <inkml:channelProperty channel="X" name="resolution" value="1000" units="1/cm"/>
+          <inkml:channelProperty channel="Y" name="resolution" value="1000" units="1/cm"/>
+        </inkml:channelProperties>
+      </inkml:inkSource>
+      <inkml:timestamp xml:id="ts0" timeString="2021-12-01T19:20:38.247"/>
+    </inkml:context>
+    <inkml:brush xml:id="br0">
+      <inkml:brushProperty name="width" value="0.05" units="cm"/>
+      <inkml:brushProperty name="height" value="0.05" units="cm"/>
+      <inkml:brushProperty name="ignorePressure" value="1"/>
+    </inkml:brush>
+  </inkml:definitions>
+  <inkml:trace contextRef="#ctx0" brushRef="#br0">1 1,'1230'1230,"-1218"-1218</inkml:trace>
+</inkml:ink>
 </file>
 
 <file path=ppt/notesMasters/notesMaster1.xml><?xml version="1.0" encoding="utf-8"?>
@@ -881,7 +922,7 @@
     </p:spTree>
     <p:extLst>
       <p:ext uri="{BB962C8B-B14F-4D97-AF65-F5344CB8AC3E}">
-        <p14:creationId xmlns:p14="http://schemas.microsoft.com/office/powerpoint/2010/main" val="2332511129"/>
+        <p14:creationId xmlns:p14="http://schemas.microsoft.com/office/powerpoint/2010/main" val="3125784424"/>
       </p:ext>
     </p:extLst>
   </p:cSld>
@@ -990,7 +1031,7 @@
     </p:spTree>
     <p:extLst>
       <p:ext uri="{BB962C8B-B14F-4D97-AF65-F5344CB8AC3E}">
-        <p14:creationId xmlns:p14="http://schemas.microsoft.com/office/powerpoint/2010/main" val="3125784424"/>
+        <p14:creationId xmlns:p14="http://schemas.microsoft.com/office/powerpoint/2010/main" val="752451786"/>
       </p:ext>
     </p:extLst>
   </p:cSld>
@@ -1099,7 +1140,7 @@
     </p:spTree>
     <p:extLst>
       <p:ext uri="{BB962C8B-B14F-4D97-AF65-F5344CB8AC3E}">
-        <p14:creationId xmlns:p14="http://schemas.microsoft.com/office/powerpoint/2010/main" val="752451786"/>
+        <p14:creationId xmlns:p14="http://schemas.microsoft.com/office/powerpoint/2010/main" val="219076219"/>
       </p:ext>
     </p:extLst>
   </p:cSld>
@@ -1110,313 +1151,6 @@
 </file>
 
 <file path=ppt/notesSlides/notesSlide4.xml><?xml version="1.0" encoding="utf-8"?>
-<p:notes xmlns:a="http://schemas.openxmlformats.org/drawingml/2006/main" xmlns:r="http://schemas.openxmlformats.org/officeDocument/2006/relationships" xmlns:p="http://schemas.openxmlformats.org/presentationml/2006/main">
-  <p:cSld>
-    <p:spTree>
-      <p:nvGrpSpPr>
-        <p:cNvPr id="1" name=""/>
-        <p:cNvGrpSpPr/>
-        <p:nvPr/>
-      </p:nvGrpSpPr>
-      <p:grpSpPr>
-        <a:xfrm>
-          <a:off x="0" y="0"/>
-          <a:ext cx="0" cy="0"/>
-          <a:chOff x="0" y="0"/>
-          <a:chExt cx="0" cy="0"/>
-        </a:xfrm>
-      </p:grpSpPr>
-      <p:sp>
-        <p:nvSpPr>
-          <p:cNvPr id="2" name="Marcador de imagen de diapositiva 1"/>
-          <p:cNvSpPr>
-            <a:spLocks noGrp="1" noRot="1" noChangeAspect="1"/>
-          </p:cNvSpPr>
-          <p:nvPr>
-            <p:ph type="sldImg"/>
-          </p:nvPr>
-        </p:nvSpPr>
-        <p:spPr>
-          <a:xfrm>
-            <a:off x="381000" y="685800"/>
-            <a:ext cx="6096000" cy="3429000"/>
-          </a:xfrm>
-        </p:spPr>
-      </p:sp>
-      <p:sp>
-        <p:nvSpPr>
-          <p:cNvPr id="3" name="Marcador de notas 2"/>
-          <p:cNvSpPr>
-            <a:spLocks noGrp="1"/>
-          </p:cNvSpPr>
-          <p:nvPr>
-            <p:ph type="body" idx="1"/>
-          </p:nvPr>
-        </p:nvSpPr>
-        <p:spPr/>
-        <p:txBody>
-          <a:bodyPr/>
-          <a:lstStyle/>
-          <a:p>
-            <a:endParaRPr lang="es-CO" dirty="0"/>
-          </a:p>
-        </p:txBody>
-      </p:sp>
-    </p:spTree>
-    <p:extLst>
-      <p:ext uri="{BB962C8B-B14F-4D97-AF65-F5344CB8AC3E}">
-        <p14:creationId xmlns:p14="http://schemas.microsoft.com/office/powerpoint/2010/main" val="464656134"/>
-      </p:ext>
-    </p:extLst>
-  </p:cSld>
-  <p:clrMapOvr>
-    <a:masterClrMapping/>
-  </p:clrMapOvr>
-</p:notes>
-</file>
-
-<file path=ppt/notesSlides/notesSlide5.xml><?xml version="1.0" encoding="utf-8"?>
-<p:notes xmlns:a="http://schemas.openxmlformats.org/drawingml/2006/main" xmlns:r="http://schemas.openxmlformats.org/officeDocument/2006/relationships" xmlns:p="http://schemas.openxmlformats.org/presentationml/2006/main">
-  <p:cSld>
-    <p:spTree>
-      <p:nvGrpSpPr>
-        <p:cNvPr id="1" name=""/>
-        <p:cNvGrpSpPr/>
-        <p:nvPr/>
-      </p:nvGrpSpPr>
-      <p:grpSpPr>
-        <a:xfrm>
-          <a:off x="0" y="0"/>
-          <a:ext cx="0" cy="0"/>
-          <a:chOff x="0" y="0"/>
-          <a:chExt cx="0" cy="0"/>
-        </a:xfrm>
-      </p:grpSpPr>
-      <p:sp>
-        <p:nvSpPr>
-          <p:cNvPr id="2" name="Marcador de imagen de diapositiva 1"/>
-          <p:cNvSpPr>
-            <a:spLocks noGrp="1" noRot="1" noChangeAspect="1"/>
-          </p:cNvSpPr>
-          <p:nvPr>
-            <p:ph type="sldImg"/>
-          </p:nvPr>
-        </p:nvSpPr>
-        <p:spPr>
-          <a:xfrm>
-            <a:off x="381000" y="685800"/>
-            <a:ext cx="6096000" cy="3429000"/>
-          </a:xfrm>
-        </p:spPr>
-      </p:sp>
-      <p:sp>
-        <p:nvSpPr>
-          <p:cNvPr id="3" name="Marcador de notas 2"/>
-          <p:cNvSpPr>
-            <a:spLocks noGrp="1"/>
-          </p:cNvSpPr>
-          <p:nvPr>
-            <p:ph type="body" idx="1"/>
-          </p:nvPr>
-        </p:nvSpPr>
-        <p:spPr/>
-        <p:txBody>
-          <a:bodyPr/>
-          <a:lstStyle/>
-          <a:p>
-            <a:endParaRPr lang="es-CO" dirty="0"/>
-          </a:p>
-        </p:txBody>
-      </p:sp>
-    </p:spTree>
-    <p:extLst>
-      <p:ext uri="{BB962C8B-B14F-4D97-AF65-F5344CB8AC3E}">
-        <p14:creationId xmlns:p14="http://schemas.microsoft.com/office/powerpoint/2010/main" val="3782119068"/>
-      </p:ext>
-    </p:extLst>
-  </p:cSld>
-  <p:clrMapOvr>
-    <a:masterClrMapping/>
-  </p:clrMapOvr>
-</p:notes>
-</file>
-
-<file path=ppt/notesSlides/notesSlide6.xml><?xml version="1.0" encoding="utf-8"?>
-<p:notes xmlns:a="http://schemas.openxmlformats.org/drawingml/2006/main" xmlns:r="http://schemas.openxmlformats.org/officeDocument/2006/relationships" xmlns:p="http://schemas.openxmlformats.org/presentationml/2006/main">
-  <p:cSld>
-    <p:spTree>
-      <p:nvGrpSpPr>
-        <p:cNvPr id="1" name=""/>
-        <p:cNvGrpSpPr/>
-        <p:nvPr/>
-      </p:nvGrpSpPr>
-      <p:grpSpPr>
-        <a:xfrm>
-          <a:off x="0" y="0"/>
-          <a:ext cx="0" cy="0"/>
-          <a:chOff x="0" y="0"/>
-          <a:chExt cx="0" cy="0"/>
-        </a:xfrm>
-      </p:grpSpPr>
-      <p:sp>
-        <p:nvSpPr>
-          <p:cNvPr id="2" name="Marcador de imagen de diapositiva 1"/>
-          <p:cNvSpPr>
-            <a:spLocks noGrp="1" noRot="1" noChangeAspect="1"/>
-          </p:cNvSpPr>
-          <p:nvPr>
-            <p:ph type="sldImg"/>
-          </p:nvPr>
-        </p:nvSpPr>
-        <p:spPr>
-          <a:xfrm>
-            <a:off x="381000" y="685800"/>
-            <a:ext cx="6096000" cy="3429000"/>
-          </a:xfrm>
-        </p:spPr>
-      </p:sp>
-      <p:sp>
-        <p:nvSpPr>
-          <p:cNvPr id="3" name="Marcador de notas 2"/>
-          <p:cNvSpPr>
-            <a:spLocks noGrp="1"/>
-          </p:cNvSpPr>
-          <p:nvPr>
-            <p:ph type="body" idx="1"/>
-          </p:nvPr>
-        </p:nvSpPr>
-        <p:spPr/>
-        <p:txBody>
-          <a:bodyPr/>
-          <a:lstStyle/>
-          <a:p>
-            <a:endParaRPr lang="es-CO" dirty="0"/>
-          </a:p>
-        </p:txBody>
-      </p:sp>
-    </p:spTree>
-    <p:extLst>
-      <p:ext uri="{BB962C8B-B14F-4D97-AF65-F5344CB8AC3E}">
-        <p14:creationId xmlns:p14="http://schemas.microsoft.com/office/powerpoint/2010/main" val="1071785948"/>
-      </p:ext>
-    </p:extLst>
-  </p:cSld>
-  <p:clrMapOvr>
-    <a:masterClrMapping/>
-  </p:clrMapOvr>
-</p:notes>
-</file>
-
-<file path=ppt/notesSlides/notesSlide7.xml><?xml version="1.0" encoding="utf-8"?>
-<p:notes xmlns:a="http://schemas.openxmlformats.org/drawingml/2006/main" xmlns:r="http://schemas.openxmlformats.org/officeDocument/2006/relationships" xmlns:p="http://schemas.openxmlformats.org/presentationml/2006/main" showMasterSp="0" showMasterPhAnim="0">
-  <p:cSld>
-    <p:spTree>
-      <p:nvGrpSpPr>
-        <p:cNvPr id="1" name="Shape 136"/>
-        <p:cNvGrpSpPr/>
-        <p:nvPr/>
-      </p:nvGrpSpPr>
-      <p:grpSpPr>
-        <a:xfrm>
-          <a:off x="0" y="0"/>
-          <a:ext cx="0" cy="0"/>
-          <a:chOff x="0" y="0"/>
-          <a:chExt cx="0" cy="0"/>
-        </a:xfrm>
-      </p:grpSpPr>
-      <p:sp>
-        <p:nvSpPr>
-          <p:cNvPr id="137" name="Google Shape;137;g4dfce81f19_0_45:notes"/>
-          <p:cNvSpPr>
-            <a:spLocks noGrp="1" noRot="1" noChangeAspect="1"/>
-          </p:cNvSpPr>
-          <p:nvPr>
-            <p:ph type="sldImg" idx="2"/>
-          </p:nvPr>
-        </p:nvSpPr>
-        <p:spPr>
-          <a:xfrm>
-            <a:off x="381000" y="685800"/>
-            <a:ext cx="6096000" cy="3429000"/>
-          </a:xfrm>
-          <a:custGeom>
-            <a:avLst/>
-            <a:gdLst/>
-            <a:ahLst/>
-            <a:cxnLst/>
-            <a:rect l="l" t="t" r="r" b="b"/>
-            <a:pathLst>
-              <a:path w="120000" h="120000" extrusionOk="0">
-                <a:moveTo>
-                  <a:pt x="0" y="0"/>
-                </a:moveTo>
-                <a:lnTo>
-                  <a:pt x="120000" y="0"/>
-                </a:lnTo>
-                <a:lnTo>
-                  <a:pt x="120000" y="120000"/>
-                </a:lnTo>
-                <a:lnTo>
-                  <a:pt x="0" y="120000"/>
-                </a:lnTo>
-                <a:close/>
-              </a:path>
-            </a:pathLst>
-          </a:custGeom>
-        </p:spPr>
-      </p:sp>
-      <p:sp>
-        <p:nvSpPr>
-          <p:cNvPr id="138" name="Google Shape;138;g4dfce81f19_0_45:notes"/>
-          <p:cNvSpPr txBox="1">
-            <a:spLocks noGrp="1"/>
-          </p:cNvSpPr>
-          <p:nvPr>
-            <p:ph type="body" idx="1"/>
-          </p:nvPr>
-        </p:nvSpPr>
-        <p:spPr>
-          <a:xfrm>
-            <a:off x="685800" y="4343400"/>
-            <a:ext cx="5486400" cy="4114800"/>
-          </a:xfrm>
-          <a:prstGeom prst="rect">
-            <a:avLst/>
-          </a:prstGeom>
-        </p:spPr>
-        <p:txBody>
-          <a:bodyPr spcFirstLastPara="1" wrap="square" lIns="91425" tIns="91425" rIns="91425" bIns="91425" anchor="t" anchorCtr="0">
-            <a:noAutofit/>
-          </a:bodyPr>
-          <a:lstStyle/>
-          <a:p>
-            <a:pPr marL="0" lvl="0" indent="0" algn="l" rtl="0">
-              <a:spcBef>
-                <a:spcPts val="0"/>
-              </a:spcBef>
-              <a:spcAft>
-                <a:spcPts val="0"/>
-              </a:spcAft>
-              <a:buNone/>
-            </a:pPr>
-            <a:endParaRPr/>
-          </a:p>
-        </p:txBody>
-      </p:sp>
-    </p:spTree>
-    <p:extLst>
-      <p:ext uri="{BB962C8B-B14F-4D97-AF65-F5344CB8AC3E}">
-        <p14:creationId xmlns:p14="http://schemas.microsoft.com/office/powerpoint/2010/main" val="219076219"/>
-      </p:ext>
-    </p:extLst>
-  </p:cSld>
-  <p:clrMapOvr>
-    <a:masterClrMapping/>
-  </p:clrMapOvr>
-</p:notes>
-</file>
-
-<file path=ppt/notesSlides/notesSlide8.xml><?xml version="1.0" encoding="utf-8"?>
 <p:notes xmlns:a="http://schemas.openxmlformats.org/drawingml/2006/main" xmlns:r="http://schemas.openxmlformats.org/officeDocument/2006/relationships" xmlns:p="http://schemas.openxmlformats.org/presentationml/2006/main" showMasterSp="0" showMasterPhAnim="0">
   <p:cSld>
     <p:spTree>
@@ -5112,9 +4846,17 @@
 <file path=ppt/slides/slide10.xml><?xml version="1.0" encoding="utf-8"?>
 <p:sld xmlns:a="http://schemas.openxmlformats.org/drawingml/2006/main" xmlns:r="http://schemas.openxmlformats.org/officeDocument/2006/relationships" xmlns:p="http://schemas.openxmlformats.org/presentationml/2006/main">
   <p:cSld>
+    <p:bg>
+      <p:bgPr>
+        <a:solidFill>
+          <a:schemeClr val="dk1"/>
+        </a:solidFill>
+        <a:effectLst/>
+      </p:bgPr>
+    </p:bg>
     <p:spTree>
       <p:nvGrpSpPr>
-        <p:cNvPr id="1" name=""/>
+        <p:cNvPr id="1" name="Shape 2531"/>
         <p:cNvGrpSpPr/>
         <p:nvPr/>
       </p:nvGrpSpPr>
@@ -5126,136 +4868,10 @@
           <a:chExt cx="0" cy="0"/>
         </a:xfrm>
       </p:grpSpPr>
-      <mc:AlternateContent xmlns:mc="http://schemas.openxmlformats.org/markup-compatibility/2006" xmlns:a14="http://schemas.microsoft.com/office/drawing/2010/main">
-        <mc:Choice Requires="a14">
-          <p:sp>
-            <p:nvSpPr>
-              <p:cNvPr id="2" name="Subtítulo 1">
-                <a:extLst>
-                  <a:ext uri="{FF2B5EF4-FFF2-40B4-BE49-F238E27FC236}">
-                    <a16:creationId xmlns:a16="http://schemas.microsoft.com/office/drawing/2014/main" id="{29A75048-B2F8-4A8B-9645-CF6D9A7AE10B}"/>
-                  </a:ext>
-                </a:extLst>
-              </p:cNvPr>
-              <p:cNvSpPr>
-                <a:spLocks noGrp="1"/>
-              </p:cNvSpPr>
-              <p:nvPr>
-                <p:ph type="subTitle" idx="1"/>
-              </p:nvPr>
-            </p:nvSpPr>
-            <p:spPr>
-              <a:xfrm flipH="1">
-                <a:off x="4329594" y="2329674"/>
-                <a:ext cx="4624477" cy="1082474"/>
-              </a:xfrm>
-            </p:spPr>
-            <p:txBody>
-              <a:bodyPr/>
-              <a:lstStyle/>
-              <a:p>
-                <a:pPr marL="152400" indent="0">
-                  <a:buNone/>
-                </a:pPr>
-                <a:r>
-                  <a:rPr lang="es-ES" dirty="0">
-                    <a:latin typeface="Abadi" panose="020B0604020104020204" pitchFamily="34" charset="0"/>
-                  </a:rPr>
-                  <a:t>Si tenemos un conjunto de n elementos podemos calcular cada uno de los sub conjuntos posibles con los números menores de </a:t>
-                </a:r>
-                <a14:m>
-                  <m:oMath xmlns:m="http://schemas.openxmlformats.org/officeDocument/2006/math">
-                    <m:sSup>
-                      <m:sSupPr>
-                        <m:ctrlPr>
-                          <a:rPr lang="es-ES" i="1" smtClean="0">
-                            <a:latin typeface="Cambria Math" panose="02040503050406030204" pitchFamily="18" charset="0"/>
-                          </a:rPr>
-                        </m:ctrlPr>
-                      </m:sSupPr>
-                      <m:e>
-                        <m:r>
-                          <a:rPr lang="es-ES" b="0" i="1" smtClean="0">
-                            <a:latin typeface="Cambria Math" panose="02040503050406030204" pitchFamily="18" charset="0"/>
-                          </a:rPr>
-                          <m:t>2</m:t>
-                        </m:r>
-                      </m:e>
-                      <m:sup>
-                        <m:r>
-                          <a:rPr lang="es-ES" b="0" i="1" smtClean="0">
-                            <a:latin typeface="Cambria Math" panose="02040503050406030204" pitchFamily="18" charset="0"/>
-                          </a:rPr>
-                          <m:t>𝑛</m:t>
-                        </m:r>
-                      </m:sup>
-                    </m:sSup>
-                  </m:oMath>
-                </a14:m>
-                <a:r>
-                  <a:rPr lang="es-ES" dirty="0">
-                    <a:latin typeface="Abadi" panose="020B0604020104020204" pitchFamily="34" charset="0"/>
-                  </a:rPr>
-                  <a:t> como que cada bit es que esta presente o no uno de los elementos del conjunto</a:t>
-                </a:r>
-              </a:p>
-            </p:txBody>
-          </p:sp>
-        </mc:Choice>
-        <mc:Fallback xmlns="">
-          <p:sp>
-            <p:nvSpPr>
-              <p:cNvPr id="2" name="Subtítulo 1">
-                <a:extLst>
-                  <a:ext uri="{FF2B5EF4-FFF2-40B4-BE49-F238E27FC236}">
-                    <a16:creationId xmlns:a16="http://schemas.microsoft.com/office/drawing/2014/main" id="{29A75048-B2F8-4A8B-9645-CF6D9A7AE10B}"/>
-                  </a:ext>
-                </a:extLst>
-              </p:cNvPr>
-              <p:cNvSpPr>
-                <a:spLocks noGrp="1" noRot="1" noChangeAspect="1" noMove="1" noResize="1" noEditPoints="1" noAdjustHandles="1" noChangeArrowheads="1" noChangeShapeType="1" noTextEdit="1"/>
-              </p:cNvSpPr>
-              <p:nvPr>
-                <p:ph type="subTitle" idx="1"/>
-              </p:nvPr>
-            </p:nvSpPr>
-            <p:spPr>
-              <a:xfrm flipH="1">
-                <a:off x="4329594" y="2329674"/>
-                <a:ext cx="4624477" cy="1082474"/>
-              </a:xfrm>
-              <a:blipFill>
-                <a:blip r:embed="rId2"/>
-                <a:stretch>
-                  <a:fillRect/>
-                </a:stretch>
-              </a:blipFill>
-            </p:spPr>
-            <p:txBody>
-              <a:bodyPr/>
-              <a:lstStyle/>
-              <a:p>
-                <a:r>
-                  <a:rPr lang="es-CO">
-                    <a:noFill/>
-                  </a:rPr>
-                  <a:t> </a:t>
-                </a:r>
-              </a:p>
-            </p:txBody>
-          </p:sp>
-        </mc:Fallback>
-      </mc:AlternateContent>
       <p:sp>
         <p:nvSpPr>
-          <p:cNvPr id="3" name="Título 2">
-            <a:extLst>
-              <a:ext uri="{FF2B5EF4-FFF2-40B4-BE49-F238E27FC236}">
-                <a16:creationId xmlns:a16="http://schemas.microsoft.com/office/drawing/2014/main" id="{958E9C0A-1B7C-480F-B568-0D2DDEF32A6F}"/>
-              </a:ext>
-            </a:extLst>
-          </p:cNvPr>
-          <p:cNvSpPr>
+          <p:cNvPr id="2537" name="Google Shape;2537;p46"/>
+          <p:cNvSpPr txBox="1">
             <a:spLocks noGrp="1"/>
           </p:cNvSpPr>
           <p:nvPr>
@@ -5264,75 +4880,632 @@
         </p:nvSpPr>
         <p:spPr>
           <a:xfrm>
-            <a:off x="5653463" y="439731"/>
-            <a:ext cx="3194700" cy="481200"/>
+            <a:off x="876441" y="-677381"/>
+            <a:ext cx="3248400" cy="2419500"/>
           </a:xfrm>
+          <a:prstGeom prst="rect">
+            <a:avLst/>
+          </a:prstGeom>
         </p:spPr>
         <p:txBody>
-          <a:bodyPr/>
+          <a:bodyPr spcFirstLastPara="1" wrap="square" lIns="91425" tIns="91425" rIns="91425" bIns="91425" anchor="b" anchorCtr="0">
+            <a:noAutofit/>
+          </a:bodyPr>
           <a:lstStyle/>
           <a:p>
+            <a:pPr marL="0" lvl="0" indent="0" algn="l" rtl="0">
+              <a:spcBef>
+                <a:spcPts val="0"/>
+              </a:spcBef>
+              <a:spcAft>
+                <a:spcPts val="0"/>
+              </a:spcAft>
+              <a:buNone/>
+            </a:pPr>
             <a:r>
               <a:rPr lang="es-ES" dirty="0"/>
-              <a:t>Mascara de bits</a:t>
+              <a:t>gracias</a:t>
             </a:r>
-            <a:endParaRPr lang="es-CO" dirty="0"/>
+            <a:endParaRPr dirty="0"/>
+          </a:p>
+        </p:txBody>
+      </p:sp>
+      <p:grpSp>
+        <p:nvGrpSpPr>
+          <p:cNvPr id="2566" name="Google Shape;2566;p46"/>
+          <p:cNvGrpSpPr/>
+          <p:nvPr/>
+        </p:nvGrpSpPr>
+        <p:grpSpPr>
+          <a:xfrm>
+            <a:off x="4534350" y="4713051"/>
+            <a:ext cx="4600713" cy="150450"/>
+            <a:chOff x="0" y="4397412"/>
+            <a:chExt cx="4600713" cy="150450"/>
+          </a:xfrm>
+        </p:grpSpPr>
+        <p:sp>
+          <p:nvSpPr>
+            <p:cNvPr id="2567" name="Google Shape;2567;p46"/>
+            <p:cNvSpPr/>
+            <p:nvPr/>
+          </p:nvSpPr>
+          <p:spPr>
+            <a:xfrm>
+              <a:off x="0" y="4397412"/>
+              <a:ext cx="4600713" cy="2416"/>
+            </a:xfrm>
+            <a:custGeom>
+              <a:avLst/>
+              <a:gdLst/>
+              <a:ahLst/>
+              <a:cxnLst/>
+              <a:rect l="l" t="t" r="r" b="b"/>
+              <a:pathLst>
+                <a:path w="131402" h="69" extrusionOk="0">
+                  <a:moveTo>
+                    <a:pt x="0" y="1"/>
+                  </a:moveTo>
+                  <a:lnTo>
+                    <a:pt x="0" y="69"/>
+                  </a:lnTo>
+                  <a:lnTo>
+                    <a:pt x="131401" y="69"/>
+                  </a:lnTo>
+                  <a:lnTo>
+                    <a:pt x="131401" y="1"/>
+                  </a:lnTo>
+                  <a:close/>
+                </a:path>
+              </a:pathLst>
+            </a:custGeom>
+            <a:solidFill>
+              <a:schemeClr val="accent3"/>
+            </a:solidFill>
+            <a:ln w="9525" cap="flat" cmpd="sng">
+              <a:solidFill>
+                <a:srgbClr val="000000"/>
+              </a:solidFill>
+              <a:prstDash val="solid"/>
+              <a:round/>
+              <a:headEnd type="none" w="sm" len="sm"/>
+              <a:tailEnd type="none" w="sm" len="sm"/>
+            </a:ln>
+          </p:spPr>
+          <p:txBody>
+            <a:bodyPr spcFirstLastPara="1" wrap="square" lIns="91425" tIns="91425" rIns="91425" bIns="91425" anchor="ctr" anchorCtr="0">
+              <a:noAutofit/>
+            </a:bodyPr>
+            <a:lstStyle/>
+            <a:p>
+              <a:pPr marL="0" lvl="0" indent="0" algn="l" rtl="0">
+                <a:spcBef>
+                  <a:spcPts val="0"/>
+                </a:spcBef>
+                <a:spcAft>
+                  <a:spcPts val="0"/>
+                </a:spcAft>
+                <a:buNone/>
+              </a:pPr>
+              <a:endParaRPr/>
+            </a:p>
+          </p:txBody>
+        </p:sp>
+        <p:sp>
+          <p:nvSpPr>
+            <p:cNvPr id="2568" name="Google Shape;2568;p46"/>
+            <p:cNvSpPr/>
+            <p:nvPr/>
+          </p:nvSpPr>
+          <p:spPr>
+            <a:xfrm>
+              <a:off x="755786" y="4545586"/>
+              <a:ext cx="305519" cy="2276"/>
+            </a:xfrm>
+            <a:custGeom>
+              <a:avLst/>
+              <a:gdLst/>
+              <a:ahLst/>
+              <a:cxnLst/>
+              <a:rect l="l" t="t" r="r" b="b"/>
+              <a:pathLst>
+                <a:path w="8726" h="65" extrusionOk="0">
+                  <a:moveTo>
+                    <a:pt x="0" y="0"/>
+                  </a:moveTo>
+                  <a:lnTo>
+                    <a:pt x="0" y="65"/>
+                  </a:lnTo>
+                  <a:lnTo>
+                    <a:pt x="8726" y="65"/>
+                  </a:lnTo>
+                  <a:lnTo>
+                    <a:pt x="8726" y="0"/>
+                  </a:lnTo>
+                  <a:close/>
+                </a:path>
+              </a:pathLst>
+            </a:custGeom>
+            <a:solidFill>
+              <a:schemeClr val="accent3"/>
+            </a:solidFill>
+            <a:ln w="9525" cap="flat" cmpd="sng">
+              <a:solidFill>
+                <a:srgbClr val="000000"/>
+              </a:solidFill>
+              <a:prstDash val="solid"/>
+              <a:round/>
+              <a:headEnd type="none" w="sm" len="sm"/>
+              <a:tailEnd type="none" w="sm" len="sm"/>
+            </a:ln>
+          </p:spPr>
+          <p:txBody>
+            <a:bodyPr spcFirstLastPara="1" wrap="square" lIns="91425" tIns="91425" rIns="91425" bIns="91425" anchor="ctr" anchorCtr="0">
+              <a:noAutofit/>
+            </a:bodyPr>
+            <a:lstStyle/>
+            <a:p>
+              <a:pPr marL="0" lvl="0" indent="0" algn="l" rtl="0">
+                <a:spcBef>
+                  <a:spcPts val="0"/>
+                </a:spcBef>
+                <a:spcAft>
+                  <a:spcPts val="0"/>
+                </a:spcAft>
+                <a:buNone/>
+              </a:pPr>
+              <a:endParaRPr/>
+            </a:p>
+          </p:txBody>
+        </p:sp>
+        <p:sp>
+          <p:nvSpPr>
+            <p:cNvPr id="2569" name="Google Shape;2569;p46"/>
+            <p:cNvSpPr/>
+            <p:nvPr/>
+          </p:nvSpPr>
+          <p:spPr>
+            <a:xfrm>
+              <a:off x="1619552" y="4536412"/>
+              <a:ext cx="497808" cy="2276"/>
+            </a:xfrm>
+            <a:custGeom>
+              <a:avLst/>
+              <a:gdLst/>
+              <a:ahLst/>
+              <a:cxnLst/>
+              <a:rect l="l" t="t" r="r" b="b"/>
+              <a:pathLst>
+                <a:path w="14218" h="65" extrusionOk="0">
+                  <a:moveTo>
+                    <a:pt x="0" y="0"/>
+                  </a:moveTo>
+                  <a:lnTo>
+                    <a:pt x="0" y="65"/>
+                  </a:lnTo>
+                  <a:lnTo>
+                    <a:pt x="14217" y="65"/>
+                  </a:lnTo>
+                  <a:lnTo>
+                    <a:pt x="14217" y="0"/>
+                  </a:lnTo>
+                  <a:close/>
+                </a:path>
+              </a:pathLst>
+            </a:custGeom>
+            <a:solidFill>
+              <a:schemeClr val="dk1"/>
+            </a:solidFill>
+            <a:ln w="9525" cap="flat" cmpd="sng">
+              <a:solidFill>
+                <a:schemeClr val="accent3"/>
+              </a:solidFill>
+              <a:prstDash val="solid"/>
+              <a:round/>
+              <a:headEnd type="none" w="sm" len="sm"/>
+              <a:tailEnd type="none" w="sm" len="sm"/>
+            </a:ln>
+          </p:spPr>
+          <p:txBody>
+            <a:bodyPr spcFirstLastPara="1" wrap="square" lIns="91425" tIns="91425" rIns="91425" bIns="91425" anchor="ctr" anchorCtr="0">
+              <a:noAutofit/>
+            </a:bodyPr>
+            <a:lstStyle/>
+            <a:p>
+              <a:pPr marL="0" lvl="0" indent="0" algn="l" rtl="0">
+                <a:spcBef>
+                  <a:spcPts val="0"/>
+                </a:spcBef>
+                <a:spcAft>
+                  <a:spcPts val="0"/>
+                </a:spcAft>
+                <a:buNone/>
+              </a:pPr>
+              <a:endParaRPr/>
+            </a:p>
+          </p:txBody>
+        </p:sp>
+        <p:sp>
+          <p:nvSpPr>
+            <p:cNvPr id="2570" name="Google Shape;2570;p46"/>
+            <p:cNvSpPr/>
+            <p:nvPr/>
+          </p:nvSpPr>
+          <p:spPr>
+            <a:xfrm>
+              <a:off x="1070481" y="4460119"/>
+              <a:ext cx="175833" cy="2311"/>
+            </a:xfrm>
+            <a:custGeom>
+              <a:avLst/>
+              <a:gdLst/>
+              <a:ahLst/>
+              <a:cxnLst/>
+              <a:rect l="l" t="t" r="r" b="b"/>
+              <a:pathLst>
+                <a:path w="5022" h="66" extrusionOk="0">
+                  <a:moveTo>
+                    <a:pt x="1" y="1"/>
+                  </a:moveTo>
+                  <a:lnTo>
+                    <a:pt x="1" y="65"/>
+                  </a:lnTo>
+                  <a:lnTo>
+                    <a:pt x="5022" y="65"/>
+                  </a:lnTo>
+                  <a:lnTo>
+                    <a:pt x="5022" y="1"/>
+                  </a:lnTo>
+                  <a:close/>
+                </a:path>
+              </a:pathLst>
+            </a:custGeom>
+            <a:solidFill>
+              <a:schemeClr val="accent3"/>
+            </a:solidFill>
+            <a:ln w="9525" cap="flat" cmpd="sng">
+              <a:solidFill>
+                <a:srgbClr val="000000"/>
+              </a:solidFill>
+              <a:prstDash val="solid"/>
+              <a:round/>
+              <a:headEnd type="none" w="sm" len="sm"/>
+              <a:tailEnd type="none" w="sm" len="sm"/>
+            </a:ln>
+          </p:spPr>
+          <p:txBody>
+            <a:bodyPr spcFirstLastPara="1" wrap="square" lIns="91425" tIns="91425" rIns="91425" bIns="91425" anchor="ctr" anchorCtr="0">
+              <a:noAutofit/>
+            </a:bodyPr>
+            <a:lstStyle/>
+            <a:p>
+              <a:pPr marL="0" lvl="0" indent="0" algn="l" rtl="0">
+                <a:spcBef>
+                  <a:spcPts val="0"/>
+                </a:spcBef>
+                <a:spcAft>
+                  <a:spcPts val="0"/>
+                </a:spcAft>
+                <a:buNone/>
+              </a:pPr>
+              <a:endParaRPr/>
+            </a:p>
+          </p:txBody>
+        </p:sp>
+        <p:sp>
+          <p:nvSpPr>
+            <p:cNvPr id="2571" name="Google Shape;2571;p46"/>
+            <p:cNvSpPr/>
+            <p:nvPr/>
+          </p:nvSpPr>
+          <p:spPr>
+            <a:xfrm>
+              <a:off x="2732853" y="4514424"/>
+              <a:ext cx="418259" cy="2276"/>
+            </a:xfrm>
+            <a:custGeom>
+              <a:avLst/>
+              <a:gdLst/>
+              <a:ahLst/>
+              <a:cxnLst/>
+              <a:rect l="l" t="t" r="r" b="b"/>
+              <a:pathLst>
+                <a:path w="11946" h="65" extrusionOk="0">
+                  <a:moveTo>
+                    <a:pt x="0" y="0"/>
+                  </a:moveTo>
+                  <a:lnTo>
+                    <a:pt x="0" y="65"/>
+                  </a:lnTo>
+                  <a:lnTo>
+                    <a:pt x="11946" y="65"/>
+                  </a:lnTo>
+                  <a:lnTo>
+                    <a:pt x="11946" y="0"/>
+                  </a:lnTo>
+                  <a:close/>
+                </a:path>
+              </a:pathLst>
+            </a:custGeom>
+            <a:solidFill>
+              <a:schemeClr val="dk1"/>
+            </a:solidFill>
+            <a:ln w="9525" cap="flat" cmpd="sng">
+              <a:solidFill>
+                <a:srgbClr val="000000"/>
+              </a:solidFill>
+              <a:prstDash val="solid"/>
+              <a:round/>
+              <a:headEnd type="none" w="sm" len="sm"/>
+              <a:tailEnd type="none" w="sm" len="sm"/>
+            </a:ln>
+          </p:spPr>
+          <p:txBody>
+            <a:bodyPr spcFirstLastPara="1" wrap="square" lIns="91425" tIns="91425" rIns="91425" bIns="91425" anchor="ctr" anchorCtr="0">
+              <a:noAutofit/>
+            </a:bodyPr>
+            <a:lstStyle/>
+            <a:p>
+              <a:pPr marL="0" lvl="0" indent="0" algn="l" rtl="0">
+                <a:spcBef>
+                  <a:spcPts val="0"/>
+                </a:spcBef>
+                <a:spcAft>
+                  <a:spcPts val="0"/>
+                </a:spcAft>
+                <a:buNone/>
+              </a:pPr>
+              <a:endParaRPr/>
+            </a:p>
+          </p:txBody>
+        </p:sp>
+      </p:grpSp>
+      <p:sp>
+        <p:nvSpPr>
+          <p:cNvPr id="2620" name="Google Shape;2620;p46"/>
+          <p:cNvSpPr txBox="1"/>
+          <p:nvPr/>
+        </p:nvSpPr>
+        <p:spPr>
+          <a:xfrm>
+            <a:off x="650467" y="1458661"/>
+            <a:ext cx="2922072" cy="382618"/>
+          </a:xfrm>
+          <a:prstGeom prst="rect">
+            <a:avLst/>
+          </a:prstGeom>
+          <a:noFill/>
+          <a:ln>
+            <a:noFill/>
+          </a:ln>
+        </p:spPr>
+        <p:txBody>
+          <a:bodyPr spcFirstLastPara="1" wrap="square" lIns="91425" tIns="91425" rIns="91425" bIns="91425" anchor="t" anchorCtr="0">
+            <a:noAutofit/>
+          </a:bodyPr>
+          <a:lstStyle/>
+          <a:p>
+            <a:pPr marL="0" lvl="0" indent="0" algn="ctr" rtl="0">
+              <a:spcBef>
+                <a:spcPts val="300"/>
+              </a:spcBef>
+              <a:spcAft>
+                <a:spcPts val="0"/>
+              </a:spcAft>
+              <a:buNone/>
+            </a:pPr>
+            <a:r>
+              <a:rPr lang="en" sz="1600" dirty="0">
+                <a:solidFill>
+                  <a:schemeClr val="accent3"/>
+                </a:solidFill>
+                <a:latin typeface="Bahnschrift" panose="020B0502040204020203" pitchFamily="34" charset="0"/>
+                <a:ea typeface="Anaheim"/>
+                <a:cs typeface="Anaheim"/>
+                <a:sym typeface="Anaheim"/>
+              </a:rPr>
+              <a:t>CONTACTOS</a:t>
+            </a:r>
+          </a:p>
+          <a:p>
+            <a:pPr algn="ctr"/>
+            <a:r>
+              <a:rPr lang="pt-BR" b="1" i="0" u="none" strike="noStrike" dirty="0">
+                <a:solidFill>
+                  <a:srgbClr val="000000"/>
+                </a:solidFill>
+                <a:effectLst/>
+                <a:latin typeface="Bahnschrift Light" panose="020B0502040204020203" pitchFamily="34" charset="0"/>
+              </a:rPr>
+              <a:t>Docente Coordinador: </a:t>
+            </a:r>
+          </a:p>
+          <a:p>
+            <a:pPr algn="ctr"/>
+            <a:r>
+              <a:rPr lang="pt-BR" b="0" i="0" u="none" strike="noStrike" dirty="0">
+                <a:solidFill>
+                  <a:srgbClr val="000000"/>
+                </a:solidFill>
+                <a:effectLst/>
+                <a:latin typeface="Bahnschrift Light" panose="020B0502040204020203" pitchFamily="34" charset="0"/>
+              </a:rPr>
+              <a:t>Ing. Marcela Guerrero</a:t>
+            </a:r>
+            <a:endParaRPr lang="pt-BR" dirty="0">
+              <a:solidFill>
+                <a:srgbClr val="000000"/>
+              </a:solidFill>
+              <a:effectLst/>
+              <a:latin typeface="Bahnschrift Light" panose="020B0502040204020203" pitchFamily="34" charset="0"/>
+            </a:endParaRPr>
+          </a:p>
+          <a:p>
+            <a:pPr algn="ctr"/>
+            <a:r>
+              <a:rPr lang="pt-BR" b="1" i="0" u="none" strike="noStrike" dirty="0" err="1">
+                <a:solidFill>
+                  <a:srgbClr val="000000"/>
+                </a:solidFill>
+                <a:effectLst/>
+                <a:latin typeface="Bahnschrift Light" panose="020B0502040204020203" pitchFamily="34" charset="0"/>
+              </a:rPr>
+              <a:t>Email</a:t>
+            </a:r>
+            <a:r>
+              <a:rPr lang="pt-BR" b="1" i="0" u="none" strike="noStrike" dirty="0">
+                <a:solidFill>
+                  <a:srgbClr val="000000"/>
+                </a:solidFill>
+                <a:effectLst/>
+                <a:latin typeface="Bahnschrift Light" panose="020B0502040204020203" pitchFamily="34" charset="0"/>
+              </a:rPr>
+              <a:t>:</a:t>
+            </a:r>
+            <a:r>
+              <a:rPr lang="pt-BR" b="0" i="0" u="none" strike="noStrike" dirty="0">
+                <a:solidFill>
+                  <a:srgbClr val="000000"/>
+                </a:solidFill>
+                <a:effectLst/>
+                <a:latin typeface="Bahnschrift Light" panose="020B0502040204020203" pitchFamily="34" charset="0"/>
+              </a:rPr>
+              <a:t> </a:t>
+            </a:r>
+            <a:r>
+              <a:rPr lang="pt-BR" b="0" i="0" u="none" strike="noStrike" dirty="0">
+                <a:solidFill>
+                  <a:srgbClr val="000000"/>
+                </a:solidFill>
+                <a:effectLst/>
+                <a:latin typeface="Bahnschrift Light" panose="020B0502040204020203" pitchFamily="34" charset="0"/>
+                <a:hlinkClick r:id="rId3"/>
+              </a:rPr>
+              <a:t>greenclouds@udenar.edu.co</a:t>
+            </a:r>
+            <a:endParaRPr lang="pt-BR" b="0" i="0" u="none" strike="noStrike" dirty="0">
+              <a:solidFill>
+                <a:srgbClr val="000000"/>
+              </a:solidFill>
+              <a:effectLst/>
+              <a:latin typeface="Bahnschrift Light" panose="020B0502040204020203" pitchFamily="34" charset="0"/>
+            </a:endParaRPr>
+          </a:p>
+          <a:p>
+            <a:pPr algn="ctr"/>
+            <a:r>
+              <a:rPr lang="pt-BR" b="1" dirty="0">
+                <a:solidFill>
+                  <a:srgbClr val="000000"/>
+                </a:solidFill>
+                <a:effectLst/>
+                <a:latin typeface="Bahnschrift Light" panose="020B0502040204020203" pitchFamily="34" charset="0"/>
+              </a:rPr>
+              <a:t>Facebook:</a:t>
+            </a:r>
+          </a:p>
+          <a:p>
+            <a:pPr algn="ctr"/>
+            <a:r>
+              <a:rPr lang="pt-BR" dirty="0">
+                <a:solidFill>
+                  <a:srgbClr val="000000"/>
+                </a:solidFill>
+                <a:effectLst/>
+                <a:latin typeface="Bahnschrift Light" panose="020B0502040204020203" pitchFamily="34" charset="0"/>
+                <a:hlinkClick r:id="rId4"/>
+              </a:rPr>
+              <a:t>https://www.facebook.com/greencloudsIpiales</a:t>
+            </a:r>
+            <a:r>
+              <a:rPr lang="pt-BR" dirty="0">
+                <a:solidFill>
+                  <a:srgbClr val="000000"/>
+                </a:solidFill>
+                <a:effectLst/>
+                <a:latin typeface="Bahnschrift Light" panose="020B0502040204020203" pitchFamily="34" charset="0"/>
+              </a:rPr>
+              <a:t> </a:t>
+            </a:r>
+          </a:p>
+          <a:p>
+            <a:pPr algn="ctr"/>
+            <a:r>
+              <a:rPr lang="pt-BR" b="1" i="0" u="none" strike="noStrike" dirty="0">
+                <a:solidFill>
+                  <a:srgbClr val="000000"/>
+                </a:solidFill>
+                <a:effectLst/>
+                <a:latin typeface="Bahnschrift Light" panose="020B0502040204020203" pitchFamily="34" charset="0"/>
+              </a:rPr>
+              <a:t>Celular: </a:t>
+            </a:r>
+            <a:r>
+              <a:rPr lang="pt-BR" b="0" i="0" u="none" strike="noStrike" dirty="0">
+                <a:solidFill>
+                  <a:srgbClr val="000000"/>
+                </a:solidFill>
+                <a:effectLst/>
+                <a:latin typeface="Bahnschrift Light" panose="020B0502040204020203" pitchFamily="34" charset="0"/>
+              </a:rPr>
+              <a:t>310 527 37 27</a:t>
+            </a:r>
+            <a:endParaRPr lang="pt-BR" dirty="0">
+              <a:solidFill>
+                <a:srgbClr val="000000"/>
+              </a:solidFill>
+              <a:effectLst/>
+              <a:latin typeface="Bahnschrift Light" panose="020B0502040204020203" pitchFamily="34" charset="0"/>
+            </a:endParaRPr>
+          </a:p>
+          <a:p>
+            <a:pPr marL="0" lvl="0" indent="0" algn="l" rtl="0">
+              <a:spcBef>
+                <a:spcPts val="300"/>
+              </a:spcBef>
+              <a:spcAft>
+                <a:spcPts val="0"/>
+              </a:spcAft>
+              <a:buNone/>
+            </a:pPr>
+            <a:endParaRPr lang="en" sz="1000" dirty="0">
+              <a:solidFill>
+                <a:schemeClr val="accent3"/>
+              </a:solidFill>
+              <a:latin typeface="Anaheim"/>
+              <a:ea typeface="Anaheim"/>
+              <a:cs typeface="Anaheim"/>
+              <a:sym typeface="Anaheim"/>
+            </a:endParaRPr>
+          </a:p>
+          <a:p>
+            <a:pPr marL="0" lvl="0" indent="0" algn="l" rtl="0">
+              <a:spcBef>
+                <a:spcPts val="300"/>
+              </a:spcBef>
+              <a:spcAft>
+                <a:spcPts val="0"/>
+              </a:spcAft>
+              <a:buNone/>
+            </a:pPr>
+            <a:endParaRPr sz="900" dirty="0">
+              <a:solidFill>
+                <a:schemeClr val="accent3"/>
+              </a:solidFill>
+              <a:latin typeface="Anaheim"/>
+              <a:ea typeface="Anaheim"/>
+              <a:cs typeface="Anaheim"/>
+              <a:sym typeface="Anaheim"/>
+            </a:endParaRPr>
           </a:p>
         </p:txBody>
       </p:sp>
       <p:pic>
         <p:nvPicPr>
-          <p:cNvPr id="4" name="Picture 4" descr="Símbolos Universitarios – Universidad de Nariño">
+          <p:cNvPr id="3" name="Imagen 2">
             <a:extLst>
               <a:ext uri="{FF2B5EF4-FFF2-40B4-BE49-F238E27FC236}">
-                <a16:creationId xmlns:a16="http://schemas.microsoft.com/office/drawing/2014/main" id="{0B2EA667-CB57-4DF8-BB35-E9AFDF367C2B}"/>
-              </a:ext>
-            </a:extLst>
-          </p:cNvPr>
-          <p:cNvPicPr>
-            <a:picLocks noChangeAspect="1" noChangeArrowheads="1"/>
-          </p:cNvPicPr>
-          <p:nvPr/>
-        </p:nvPicPr>
-        <p:blipFill>
-          <a:blip r:embed="rId3">
-            <a:extLst>
-              <a:ext uri="{28A0092B-C50C-407E-A947-70E740481C1C}">
-                <a14:useLocalDpi xmlns:a14="http://schemas.microsoft.com/office/drawing/2010/main" val="0"/>
-              </a:ext>
-            </a:extLst>
-          </a:blip>
-          <a:srcRect/>
-          <a:stretch>
-            <a:fillRect/>
-          </a:stretch>
-        </p:blipFill>
-        <p:spPr bwMode="auto">
-          <a:xfrm>
-            <a:off x="215587" y="259970"/>
-            <a:ext cx="660961" cy="660961"/>
-          </a:xfrm>
-          <a:prstGeom prst="rect">
-            <a:avLst/>
-          </a:prstGeom>
-          <a:noFill/>
-          <a:extLst>
-            <a:ext uri="{909E8E84-426E-40DD-AFC4-6F175D3DCCD1}">
-              <a14:hiddenFill xmlns:a14="http://schemas.microsoft.com/office/drawing/2010/main">
-                <a:solidFill>
-                  <a:srgbClr val="FFFFFF"/>
-                </a:solidFill>
-              </a14:hiddenFill>
-            </a:ext>
-          </a:extLst>
-        </p:spPr>
-      </p:pic>
-      <p:pic>
-        <p:nvPicPr>
-          <p:cNvPr id="5" name="Imagen 4">
-            <a:extLst>
-              <a:ext uri="{FF2B5EF4-FFF2-40B4-BE49-F238E27FC236}">
-                <a16:creationId xmlns:a16="http://schemas.microsoft.com/office/drawing/2014/main" id="{1B46FA37-FA47-4459-8828-383FB697E3AF}"/>
+                <a16:creationId xmlns:a16="http://schemas.microsoft.com/office/drawing/2014/main" id="{32B50B43-AA7B-437B-9BF5-8A4F4CD03F1E}"/>
               </a:ext>
             </a:extLst>
           </p:cNvPr>
@@ -5342,16 +5515,16 @@
           <p:nvPr/>
         </p:nvPicPr>
         <p:blipFill rotWithShape="1">
-          <a:blip r:embed="rId4"/>
-          <a:srcRect l="53279" t="4713" r="5319"/>
+          <a:blip r:embed="rId5"/>
+          <a:srcRect r="59264"/>
           <a:stretch/>
         </p:blipFill>
         <p:spPr>
           <a:xfrm>
-            <a:off x="984125" y="201706"/>
-            <a:ext cx="918577" cy="804385"/>
+            <a:off x="4706698" y="477652"/>
+            <a:ext cx="3890020" cy="3633400"/>
           </a:xfrm>
-          <a:prstGeom prst="ellipse">
+          <a:prstGeom prst="rect">
             <a:avLst/>
           </a:prstGeom>
           <a:ln>
@@ -5362,198 +5535,7 @@
           </a:effectLst>
         </p:spPr>
       </p:pic>
-      <p:sp>
-        <p:nvSpPr>
-          <p:cNvPr id="6" name="Rectángulo 5">
-            <a:extLst>
-              <a:ext uri="{FF2B5EF4-FFF2-40B4-BE49-F238E27FC236}">
-                <a16:creationId xmlns:a16="http://schemas.microsoft.com/office/drawing/2014/main" id="{7DCDF11F-935D-413B-93EB-EC9C70694C19}"/>
-              </a:ext>
-            </a:extLst>
-          </p:cNvPr>
-          <p:cNvSpPr/>
-          <p:nvPr/>
-        </p:nvSpPr>
-        <p:spPr>
-          <a:xfrm>
-            <a:off x="295837" y="1276419"/>
-            <a:ext cx="3887057" cy="3355041"/>
-          </a:xfrm>
-          <a:prstGeom prst="rect">
-            <a:avLst/>
-          </a:prstGeom>
-          <a:solidFill>
-            <a:srgbClr val="FFFFFF"/>
-          </a:solidFill>
-          <a:ln>
-            <a:solidFill>
-              <a:srgbClr val="BAF7C9"/>
-            </a:solidFill>
-          </a:ln>
-        </p:spPr>
-        <p:style>
-          <a:lnRef idx="2">
-            <a:schemeClr val="accent1">
-              <a:shade val="50000"/>
-            </a:schemeClr>
-          </a:lnRef>
-          <a:fillRef idx="1">
-            <a:schemeClr val="accent1"/>
-          </a:fillRef>
-          <a:effectRef idx="0">
-            <a:schemeClr val="accent1"/>
-          </a:effectRef>
-          <a:fontRef idx="minor">
-            <a:schemeClr val="lt1"/>
-          </a:fontRef>
-        </p:style>
-        <p:txBody>
-          <a:bodyPr rtlCol="0" anchor="ctr"/>
-          <a:lstStyle/>
-          <a:p>
-            <a:pPr marL="0" marR="0" lvl="0" indent="0" algn="ctr" defTabSz="914400" rtl="0" eaLnBrk="1" fontAlgn="auto" latinLnBrk="0" hangingPunct="1">
-              <a:lnSpc>
-                <a:spcPct val="100000"/>
-              </a:lnSpc>
-              <a:spcBef>
-                <a:spcPts val="0"/>
-              </a:spcBef>
-              <a:spcAft>
-                <a:spcPts val="0"/>
-              </a:spcAft>
-              <a:buClr>
-                <a:srgbClr val="000000"/>
-              </a:buClr>
-              <a:buSzTx/>
-              <a:buFont typeface="Arial"/>
-              <a:buNone/>
-              <a:tabLst/>
-              <a:defRPr/>
-            </a:pPr>
-            <a:endParaRPr kumimoji="0" lang="es-CO" sz="1400" b="0" i="0" u="none" strike="noStrike" kern="0" cap="none" spc="0" normalizeH="0" baseline="0" noProof="0">
-              <a:ln>
-                <a:noFill/>
-              </a:ln>
-              <a:solidFill>
-                <a:srgbClr val="BAF7C9"/>
-              </a:solidFill>
-              <a:effectLst/>
-              <a:uLnTx/>
-              <a:uFillTx/>
-              <a:latin typeface="Arial"/>
-              <a:ea typeface="+mn-ea"/>
-              <a:cs typeface="+mn-cs"/>
-              <a:sym typeface="Arial"/>
-            </a:endParaRPr>
-          </a:p>
-        </p:txBody>
-      </p:sp>
-      <p:sp>
-        <p:nvSpPr>
-          <p:cNvPr id="9" name="CuadroTexto 8">
-            <a:extLst>
-              <a:ext uri="{FF2B5EF4-FFF2-40B4-BE49-F238E27FC236}">
-                <a16:creationId xmlns:a16="http://schemas.microsoft.com/office/drawing/2014/main" id="{96A49DC7-5E6F-47D9-B4D4-5E7A5DC31FAE}"/>
-              </a:ext>
-            </a:extLst>
-          </p:cNvPr>
-          <p:cNvSpPr txBox="1"/>
-          <p:nvPr/>
-        </p:nvSpPr>
-        <p:spPr>
-          <a:xfrm>
-            <a:off x="5959659" y="1052271"/>
-            <a:ext cx="2823653" cy="307777"/>
-          </a:xfrm>
-          <a:prstGeom prst="rect">
-            <a:avLst/>
-          </a:prstGeom>
-          <a:noFill/>
-        </p:spPr>
-        <p:txBody>
-          <a:bodyPr wrap="square" rtlCol="0">
-            <a:spAutoFit/>
-          </a:bodyPr>
-          <a:lstStyle/>
-          <a:p>
-            <a:pPr marL="0" marR="0" lvl="0" indent="0" algn="r" defTabSz="914400" rtl="0" eaLnBrk="1" fontAlgn="auto" latinLnBrk="0" hangingPunct="1">
-              <a:lnSpc>
-                <a:spcPct val="100000"/>
-              </a:lnSpc>
-              <a:spcBef>
-                <a:spcPts val="0"/>
-              </a:spcBef>
-              <a:spcAft>
-                <a:spcPts val="0"/>
-              </a:spcAft>
-              <a:buClr>
-                <a:srgbClr val="000000"/>
-              </a:buClr>
-              <a:buSzTx/>
-              <a:buFont typeface="Arial"/>
-              <a:buNone/>
-              <a:tabLst/>
-              <a:defRPr/>
-            </a:pPr>
-            <a:r>
-              <a:rPr kumimoji="0" lang="es-ES" sz="1400" b="0" i="0" u="none" strike="noStrike" kern="0" cap="none" spc="0" normalizeH="0" baseline="0" noProof="0" dirty="0">
-                <a:ln>
-                  <a:noFill/>
-                </a:ln>
-                <a:solidFill>
-                  <a:srgbClr val="666666">
-                    <a:lumMod val="60000"/>
-                    <a:lumOff val="40000"/>
-                  </a:srgbClr>
-                </a:solidFill>
-                <a:effectLst/>
-                <a:uLnTx/>
-                <a:uFillTx/>
-                <a:latin typeface="Staatliches" panose="020B0604020202020204" charset="0"/>
-                <a:cs typeface="Arial"/>
-                <a:sym typeface="Arial"/>
-              </a:rPr>
-              <a:t>Conjunto potencia</a:t>
-            </a:r>
-          </a:p>
-        </p:txBody>
-      </p:sp>
-      <p:pic>
-        <p:nvPicPr>
-          <p:cNvPr id="10" name="Imagen 9" descr="Forma&#10;&#10;Descripción generada automáticamente con confianza baja">
-            <a:extLst>
-              <a:ext uri="{FF2B5EF4-FFF2-40B4-BE49-F238E27FC236}">
-                <a16:creationId xmlns:a16="http://schemas.microsoft.com/office/drawing/2014/main" id="{B5EE1F81-DB03-419A-93A5-F043F385393E}"/>
-              </a:ext>
-            </a:extLst>
-          </p:cNvPr>
-          <p:cNvPicPr>
-            <a:picLocks noChangeAspect="1"/>
-          </p:cNvPicPr>
-          <p:nvPr/>
-        </p:nvPicPr>
-        <p:blipFill>
-          <a:blip r:embed="rId5"/>
-          <a:stretch>
-            <a:fillRect/>
-          </a:stretch>
-        </p:blipFill>
-        <p:spPr>
-          <a:xfrm>
-            <a:off x="1892886" y="1405037"/>
-            <a:ext cx="692958" cy="3201465"/>
-          </a:xfrm>
-          <a:prstGeom prst="rect">
-            <a:avLst/>
-          </a:prstGeom>
-        </p:spPr>
-      </p:pic>
     </p:spTree>
-    <p:extLst>
-      <p:ext uri="{BB962C8B-B14F-4D97-AF65-F5344CB8AC3E}">
-        <p14:creationId xmlns:p14="http://schemas.microsoft.com/office/powerpoint/2010/main" val="3930771841"/>
-      </p:ext>
-    </p:extLst>
   </p:cSld>
   <p:clrMapOvr>
     <a:masterClrMapping/>
@@ -5561,7 +5543,7 @@
 </p:sld>
 </file>
 
-<file path=ppt/slides/slide11.xml><?xml version="1.0" encoding="utf-8"?>
+<file path=ppt/slides/slide2.xml><?xml version="1.0" encoding="utf-8"?>
 <p:sld xmlns:a="http://schemas.openxmlformats.org/drawingml/2006/main" xmlns:r="http://schemas.openxmlformats.org/officeDocument/2006/relationships" xmlns:p="http://schemas.openxmlformats.org/presentationml/2006/main">
   <p:cSld>
     <p:spTree>
@@ -6028,7 +6010,7 @@
 </p:sld>
 </file>
 
-<file path=ppt/slides/slide12.xml><?xml version="1.0" encoding="utf-8"?>
+<file path=ppt/slides/slide3.xml><?xml version="1.0" encoding="utf-8"?>
 <p:sld xmlns:a="http://schemas.openxmlformats.org/drawingml/2006/main" xmlns:r="http://schemas.openxmlformats.org/officeDocument/2006/relationships" xmlns:p="http://schemas.openxmlformats.org/presentationml/2006/main">
   <p:cSld>
     <p:spTree>
@@ -6303,7 +6285,7 @@
 </p:sld>
 </file>
 
-<file path=ppt/slides/slide13.xml><?xml version="1.0" encoding="utf-8"?>
+<file path=ppt/slides/slide4.xml><?xml version="1.0" encoding="utf-8"?>
 <p:sld xmlns:a="http://schemas.openxmlformats.org/drawingml/2006/main" xmlns:r="http://schemas.openxmlformats.org/officeDocument/2006/relationships" xmlns:p="http://schemas.openxmlformats.org/presentationml/2006/main">
   <p:cSld>
     <p:spTree>
@@ -6711,7 +6693,7 @@
 </p:sld>
 </file>
 
-<file path=ppt/slides/slide14.xml><?xml version="1.0" encoding="utf-8"?>
+<file path=ppt/slides/slide5.xml><?xml version="1.0" encoding="utf-8"?>
 <p:sld xmlns:a="http://schemas.openxmlformats.org/drawingml/2006/main" xmlns:r="http://schemas.openxmlformats.org/officeDocument/2006/relationships" xmlns:p="http://schemas.openxmlformats.org/presentationml/2006/main">
   <p:cSld>
     <p:spTree>
@@ -6728,381 +6710,137 @@
           <a:chExt cx="0" cy="0"/>
         </a:xfrm>
       </p:grpSpPr>
-      <mc:AlternateContent xmlns:mc="http://schemas.openxmlformats.org/markup-compatibility/2006" xmlns:a14="http://schemas.microsoft.com/office/drawing/2010/main">
-        <mc:Choice Requires="a14">
-          <p:sp>
-            <p:nvSpPr>
-              <p:cNvPr id="2" name="Subtítulo 1">
-                <a:extLst>
-                  <a:ext uri="{FF2B5EF4-FFF2-40B4-BE49-F238E27FC236}">
-                    <a16:creationId xmlns:a16="http://schemas.microsoft.com/office/drawing/2014/main" id="{29A75048-B2F8-4A8B-9645-CF6D9A7AE10B}"/>
-                  </a:ext>
-                </a:extLst>
-              </p:cNvPr>
-              <p:cNvSpPr>
-                <a:spLocks noGrp="1"/>
-              </p:cNvSpPr>
-              <p:nvPr>
-                <p:ph type="subTitle" idx="1"/>
-              </p:nvPr>
-            </p:nvSpPr>
-            <p:spPr>
-              <a:xfrm flipH="1">
-                <a:off x="3904322" y="1517500"/>
-                <a:ext cx="4873792" cy="2763650"/>
-              </a:xfrm>
-            </p:spPr>
-            <p:txBody>
-              <a:bodyPr/>
-              <a:lstStyle/>
-              <a:p>
-                <a:pPr marL="152400" indent="0" algn="just">
-                  <a:buNone/>
-                </a:pPr>
-                <a:endParaRPr lang="es-CO" sz="1200" dirty="0">
-                  <a:latin typeface="Abadi" panose="020B0604020104020204" pitchFamily="34" charset="0"/>
-                </a:endParaRPr>
-              </a:p>
-              <a:p>
-                <a:pPr marL="152400" indent="0" algn="just">
-                  <a:buNone/>
-                </a:pPr>
-                <a:r>
-                  <a:rPr lang="es-CO" sz="1200" dirty="0">
-                    <a:latin typeface="Abadi" panose="020B0604020104020204" pitchFamily="34" charset="0"/>
-                  </a:rPr>
-                  <a:t>La potenciación rápida es un algoritmo para calcular la potencia enésima de cualquier estructura donde este definida la multiplicación y el algoritmo es el siguiente: mientras exponente sea diferente de 0 se repiten los siguientes pasos:</a:t>
-                </a:r>
-              </a:p>
-              <a:p>
-                <a:pPr marL="323850" indent="-171450" algn="just">
-                  <a:buFont typeface="Arial" panose="020B0604020202020204" pitchFamily="34" charset="0"/>
-                  <a:buChar char="•"/>
-                </a:pPr>
-                <a:r>
-                  <a:rPr lang="es-CO" sz="1200" dirty="0">
-                    <a:latin typeface="Abadi" panose="020B0604020104020204" pitchFamily="34" charset="0"/>
-                  </a:rPr>
-                  <a:t>Hacemos el resultado igual a la unidad, si el exponente es impar multiplicamos el resultado por nuestra base ósea </a:t>
-                </a:r>
-                <a14:m>
-                  <m:oMath xmlns:m="http://schemas.openxmlformats.org/officeDocument/2006/math">
-                    <m:r>
-                      <a:rPr lang="es-CO" sz="1200" b="0" i="1" smtClean="0">
-                        <a:latin typeface="Cambria Math" panose="02040503050406030204" pitchFamily="18" charset="0"/>
-                      </a:rPr>
-                      <m:t>𝑟𝑒𝑠𝑢𝑙𝑡𝑎𝑑𝑜</m:t>
-                    </m:r>
-                    <m:r>
-                      <a:rPr lang="es-CO" sz="1200" b="0" i="1" smtClean="0">
-                        <a:latin typeface="Cambria Math" panose="02040503050406030204" pitchFamily="18" charset="0"/>
-                      </a:rPr>
-                      <m:t>=</m:t>
-                    </m:r>
-                    <m:d>
-                      <m:dPr>
-                        <m:ctrlPr>
-                          <a:rPr lang="es-CO" sz="1200" b="0" i="1" smtClean="0">
-                            <a:latin typeface="Cambria Math" panose="02040503050406030204" pitchFamily="18" charset="0"/>
-                          </a:rPr>
-                        </m:ctrlPr>
-                      </m:dPr>
-                      <m:e>
-                        <m:r>
-                          <a:rPr lang="es-CO" sz="1200" b="0" i="1" smtClean="0">
-                            <a:latin typeface="Cambria Math" panose="02040503050406030204" pitchFamily="18" charset="0"/>
-                          </a:rPr>
-                          <m:t>𝑟𝑒𝑠𝑢𝑙𝑡𝑎𝑑𝑜</m:t>
-                        </m:r>
-                      </m:e>
-                    </m:d>
-                    <m:d>
-                      <m:dPr>
-                        <m:ctrlPr>
-                          <a:rPr lang="es-CO" sz="1200" b="0" i="1" smtClean="0">
-                            <a:latin typeface="Cambria Math" panose="02040503050406030204" pitchFamily="18" charset="0"/>
-                          </a:rPr>
-                        </m:ctrlPr>
-                      </m:dPr>
-                      <m:e>
-                        <m:r>
-                          <a:rPr lang="es-CO" sz="1200" b="0" i="1" smtClean="0">
-                            <a:latin typeface="Cambria Math" panose="02040503050406030204" pitchFamily="18" charset="0"/>
-                          </a:rPr>
-                          <m:t>𝑏𝑎𝑠𝑒</m:t>
-                        </m:r>
-                      </m:e>
-                    </m:d>
-                  </m:oMath>
-                </a14:m>
-                <a:endParaRPr lang="es-CO" sz="1200" dirty="0">
-                  <a:latin typeface="Abadi" panose="020B0604020104020204" pitchFamily="34" charset="0"/>
-                </a:endParaRPr>
-              </a:p>
-              <a:p>
-                <a:pPr marL="323850" indent="-171450" algn="just">
-                  <a:buFont typeface="Arial" panose="020B0604020202020204" pitchFamily="34" charset="0"/>
-                  <a:buChar char="•"/>
-                </a:pPr>
-                <a:r>
-                  <a:rPr lang="es-CO" sz="1200" dirty="0">
-                    <a:latin typeface="Abadi" panose="020B0604020104020204" pitchFamily="34" charset="0"/>
-                  </a:rPr>
-                  <a:t>hacemos la </a:t>
-                </a:r>
-                <a14:m>
-                  <m:oMath xmlns:m="http://schemas.openxmlformats.org/officeDocument/2006/math">
-                    <m:r>
-                      <a:rPr lang="es-CO" sz="1200" b="0" i="1" smtClean="0">
-                        <a:latin typeface="Cambria Math" panose="02040503050406030204" pitchFamily="18" charset="0"/>
-                      </a:rPr>
-                      <m:t>𝑏𝑎𝑠𝑒</m:t>
-                    </m:r>
-                    <m:r>
-                      <a:rPr lang="es-CO" sz="1200" b="0" i="1" smtClean="0">
-                        <a:latin typeface="Cambria Math" panose="02040503050406030204" pitchFamily="18" charset="0"/>
-                      </a:rPr>
-                      <m:t>=</m:t>
-                    </m:r>
-                    <m:d>
-                      <m:dPr>
-                        <m:ctrlPr>
-                          <a:rPr lang="es-CO" sz="1200" b="0" i="1" smtClean="0">
-                            <a:latin typeface="Cambria Math" panose="02040503050406030204" pitchFamily="18" charset="0"/>
-                          </a:rPr>
-                        </m:ctrlPr>
-                      </m:dPr>
-                      <m:e>
-                        <m:r>
-                          <a:rPr lang="es-CO" sz="1200" b="0" i="1" smtClean="0">
-                            <a:latin typeface="Cambria Math" panose="02040503050406030204" pitchFamily="18" charset="0"/>
-                          </a:rPr>
-                          <m:t>𝑏𝑎𝑠𝑒</m:t>
-                        </m:r>
-                      </m:e>
-                    </m:d>
-                    <m:d>
-                      <m:dPr>
-                        <m:ctrlPr>
-                          <a:rPr lang="es-CO" sz="1200" b="0" i="1" smtClean="0">
-                            <a:latin typeface="Cambria Math" panose="02040503050406030204" pitchFamily="18" charset="0"/>
-                          </a:rPr>
-                        </m:ctrlPr>
-                      </m:dPr>
-                      <m:e>
-                        <m:r>
-                          <a:rPr lang="es-CO" sz="1200" b="0" i="1" smtClean="0">
-                            <a:latin typeface="Cambria Math" panose="02040503050406030204" pitchFamily="18" charset="0"/>
-                          </a:rPr>
-                          <m:t>𝑏𝑎𝑠𝑒</m:t>
-                        </m:r>
-                      </m:e>
-                    </m:d>
-                  </m:oMath>
-                </a14:m>
-                <a:endParaRPr lang="es-CO" sz="1200" dirty="0">
-                  <a:latin typeface="Abadi" panose="020B0604020104020204" pitchFamily="34" charset="0"/>
-                </a:endParaRPr>
-              </a:p>
-              <a:p>
-                <a:pPr marL="323850" indent="-171450" algn="just">
-                  <a:buFont typeface="Arial" panose="020B0604020202020204" pitchFamily="34" charset="0"/>
-                  <a:buChar char="•"/>
-                </a:pPr>
-                <a:r>
-                  <a:rPr lang="es-CO" sz="1200" dirty="0">
-                    <a:latin typeface="Abadi" panose="020B0604020104020204" pitchFamily="34" charset="0"/>
-                  </a:rPr>
-                  <a:t>tomamos la parte entera de dividir nuestro exponente por 2, </a:t>
-                </a:r>
-                <a14:m>
-                  <m:oMath xmlns:m="http://schemas.openxmlformats.org/officeDocument/2006/math">
-                    <m:r>
-                      <a:rPr lang="es-CO" sz="1200" b="0" i="1" smtClean="0">
-                        <a:latin typeface="Cambria Math" panose="02040503050406030204" pitchFamily="18" charset="0"/>
-                      </a:rPr>
-                      <m:t>𝑒𝑥𝑝𝑜𝑛𝑒𝑛𝑡𝑒</m:t>
-                    </m:r>
-                    <m:r>
-                      <a:rPr lang="es-CO" sz="1200" b="0" i="1" smtClean="0">
-                        <a:latin typeface="Cambria Math" panose="02040503050406030204" pitchFamily="18" charset="0"/>
-                      </a:rPr>
-                      <m:t>=</m:t>
-                    </m:r>
-                    <m:f>
-                      <m:fPr>
-                        <m:ctrlPr>
-                          <a:rPr lang="es-CO" sz="1200" b="0" i="1" smtClean="0">
-                            <a:latin typeface="Cambria Math" panose="02040503050406030204" pitchFamily="18" charset="0"/>
-                          </a:rPr>
-                        </m:ctrlPr>
-                      </m:fPr>
-                      <m:num>
-                        <m:r>
-                          <a:rPr lang="es-CO" sz="1200" b="0" i="1" smtClean="0">
-                            <a:latin typeface="Cambria Math" panose="02040503050406030204" pitchFamily="18" charset="0"/>
-                          </a:rPr>
-                          <m:t>𝑒𝑥𝑝𝑜𝑛𝑒𝑛𝑡𝑒</m:t>
-                        </m:r>
-                      </m:num>
-                      <m:den>
-                        <m:r>
-                          <a:rPr lang="es-CO" sz="1200" b="0" i="1" smtClean="0">
-                            <a:latin typeface="Cambria Math" panose="02040503050406030204" pitchFamily="18" charset="0"/>
-                          </a:rPr>
-                          <m:t>2</m:t>
-                        </m:r>
-                      </m:den>
-                    </m:f>
-                  </m:oMath>
-                </a14:m>
-                <a:r>
-                  <a:rPr lang="es-CO" sz="1200" dirty="0">
-                    <a:latin typeface="Abadi" panose="020B0604020104020204" pitchFamily="34" charset="0"/>
-                  </a:rPr>
-                  <a:t> estamos utilizando la propiedad de la potenciación que dice </a:t>
-                </a:r>
-                <a14:m>
-                  <m:oMath xmlns:m="http://schemas.openxmlformats.org/officeDocument/2006/math">
-                    <m:sSup>
-                      <m:sSupPr>
-                        <m:ctrlPr>
-                          <a:rPr lang="es-CO" sz="1200" i="1" smtClean="0">
-                            <a:latin typeface="Cambria Math" panose="02040503050406030204" pitchFamily="18" charset="0"/>
-                          </a:rPr>
-                        </m:ctrlPr>
-                      </m:sSupPr>
-                      <m:e>
-                        <m:d>
-                          <m:dPr>
-                            <m:ctrlPr>
-                              <a:rPr lang="es-CO" sz="1200" i="1">
-                                <a:latin typeface="Cambria Math" panose="02040503050406030204" pitchFamily="18" charset="0"/>
-                              </a:rPr>
-                            </m:ctrlPr>
-                          </m:dPr>
-                          <m:e>
-                            <m:sSup>
-                              <m:sSupPr>
-                                <m:ctrlPr>
-                                  <a:rPr lang="es-CO" sz="1200" i="1">
-                                    <a:latin typeface="Cambria Math" panose="02040503050406030204" pitchFamily="18" charset="0"/>
-                                  </a:rPr>
-                                </m:ctrlPr>
-                              </m:sSupPr>
-                              <m:e>
-                                <m:r>
-                                  <a:rPr lang="es-CO" sz="1200" i="1">
-                                    <a:latin typeface="Cambria Math" panose="02040503050406030204" pitchFamily="18" charset="0"/>
-                                  </a:rPr>
-                                  <m:t>2</m:t>
-                                </m:r>
-                              </m:e>
-                              <m:sup>
-                                <m:r>
-                                  <a:rPr lang="es-CO" sz="1200" i="1">
-                                    <a:latin typeface="Cambria Math" panose="02040503050406030204" pitchFamily="18" charset="0"/>
-                                  </a:rPr>
-                                  <m:t>𝑛</m:t>
-                                </m:r>
-                              </m:sup>
-                            </m:sSup>
-                          </m:e>
-                        </m:d>
-                      </m:e>
-                      <m:sup>
-                        <m:r>
-                          <a:rPr lang="es-CO" sz="1200" b="0" i="1" smtClean="0">
-                            <a:latin typeface="Cambria Math" panose="02040503050406030204" pitchFamily="18" charset="0"/>
-                          </a:rPr>
-                          <m:t>𝑚</m:t>
-                        </m:r>
-                      </m:sup>
-                    </m:sSup>
-                    <m:r>
-                      <a:rPr lang="es-CO" sz="1200" b="0" i="1" smtClean="0">
-                        <a:latin typeface="Cambria Math" panose="02040503050406030204" pitchFamily="18" charset="0"/>
-                      </a:rPr>
-                      <m:t>=</m:t>
-                    </m:r>
-                    <m:sSup>
-                      <m:sSupPr>
-                        <m:ctrlPr>
-                          <a:rPr lang="es-CO" sz="1200" b="0" i="1" smtClean="0">
-                            <a:latin typeface="Cambria Math" panose="02040503050406030204" pitchFamily="18" charset="0"/>
-                          </a:rPr>
-                        </m:ctrlPr>
-                      </m:sSupPr>
-                      <m:e>
-                        <m:r>
-                          <a:rPr lang="es-CO" sz="1200" b="0" i="1" smtClean="0">
-                            <a:latin typeface="Cambria Math" panose="02040503050406030204" pitchFamily="18" charset="0"/>
-                          </a:rPr>
-                          <m:t>2</m:t>
-                        </m:r>
-                      </m:e>
-                      <m:sup>
-                        <m:r>
-                          <a:rPr lang="es-CO" sz="1200" b="0" i="1" smtClean="0">
-                            <a:latin typeface="Cambria Math" panose="02040503050406030204" pitchFamily="18" charset="0"/>
-                          </a:rPr>
-                          <m:t>𝑛𝑚</m:t>
-                        </m:r>
-                      </m:sup>
-                    </m:sSup>
-                  </m:oMath>
-                </a14:m>
-                <a:endParaRPr lang="es-CO" sz="1200" dirty="0">
-                  <a:latin typeface="Abadi" panose="020B0604020104020204" pitchFamily="34" charset="0"/>
-                </a:endParaRPr>
-              </a:p>
-            </p:txBody>
-          </p:sp>
-        </mc:Choice>
-        <mc:Fallback xmlns="">
-          <p:sp>
-            <p:nvSpPr>
-              <p:cNvPr id="2" name="Subtítulo 1">
-                <a:extLst>
-                  <a:ext uri="{FF2B5EF4-FFF2-40B4-BE49-F238E27FC236}">
-                    <a16:creationId xmlns:a16="http://schemas.microsoft.com/office/drawing/2014/main" id="{29A75048-B2F8-4A8B-9645-CF6D9A7AE10B}"/>
-                  </a:ext>
-                </a:extLst>
-              </p:cNvPr>
-              <p:cNvSpPr>
-                <a:spLocks noGrp="1" noRot="1" noChangeAspect="1" noMove="1" noResize="1" noEditPoints="1" noAdjustHandles="1" noChangeArrowheads="1" noChangeShapeType="1" noTextEdit="1"/>
-              </p:cNvSpPr>
-              <p:nvPr>
-                <p:ph type="subTitle" idx="1"/>
-              </p:nvPr>
-            </p:nvSpPr>
-            <p:spPr>
-              <a:xfrm flipH="1">
-                <a:off x="3904322" y="1517500"/>
-                <a:ext cx="4873792" cy="2763650"/>
-              </a:xfrm>
-              <a:blipFill>
-                <a:blip r:embed="rId2"/>
-                <a:stretch>
-                  <a:fillRect/>
-                </a:stretch>
-              </a:blipFill>
-            </p:spPr>
-            <p:txBody>
-              <a:bodyPr/>
-              <a:lstStyle/>
-              <a:p>
-                <a:r>
-                  <a:rPr lang="es-CO">
-                    <a:noFill/>
-                  </a:rPr>
-                  <a:t> </a:t>
-                </a:r>
-              </a:p>
-            </p:txBody>
-          </p:sp>
-        </mc:Fallback>
-      </mc:AlternateContent>
+      <p:sp>
+        <p:nvSpPr>
+          <p:cNvPr id="2" name="Subtítulo 1">
+            <a:extLst>
+              <a:ext uri="{FF2B5EF4-FFF2-40B4-BE49-F238E27FC236}">
+                <a16:creationId xmlns:a16="http://schemas.microsoft.com/office/drawing/2014/main" id="{29A75048-B2F8-4A8B-9645-CF6D9A7AE10B}"/>
+              </a:ext>
+            </a:extLst>
+          </p:cNvPr>
+          <p:cNvSpPr>
+            <a:spLocks noGrp="1"/>
+          </p:cNvSpPr>
+          <p:nvPr>
+            <p:ph type="subTitle" idx="1"/>
+          </p:nvPr>
+        </p:nvSpPr>
+        <p:spPr>
+          <a:xfrm flipH="1">
+            <a:off x="3904322" y="1517500"/>
+            <a:ext cx="4873792" cy="3125962"/>
+          </a:xfrm>
+        </p:spPr>
+        <p:txBody>
+          <a:bodyPr/>
+          <a:lstStyle/>
+          <a:p>
+            <a:pPr marL="152400" indent="0" algn="just">
+              <a:buNone/>
+            </a:pPr>
+            <a:endParaRPr lang="es-CO" sz="1200" dirty="0">
+              <a:latin typeface="Abadi" panose="020B0604020104020204" pitchFamily="34" charset="0"/>
+            </a:endParaRPr>
+          </a:p>
+          <a:p>
+            <a:pPr marL="152400" indent="0" algn="just">
+              <a:buNone/>
+            </a:pPr>
+            <a:r>
+              <a:rPr lang="es-ES" sz="1200" dirty="0">
+                <a:latin typeface="Abadi" panose="020B0604020104020204" pitchFamily="34" charset="0"/>
+              </a:rPr>
+              <a:t>primer paso:</a:t>
+            </a:r>
+          </a:p>
+          <a:p>
+            <a:pPr marL="152400" indent="0" algn="just">
+              <a:buNone/>
+            </a:pPr>
+            <a:r>
+              <a:rPr lang="es-ES" sz="1200" dirty="0">
+                <a:latin typeface="Abadi" panose="020B0604020104020204" pitchFamily="34" charset="0"/>
+              </a:rPr>
+              <a:t>iniciamos la tortuga en f(x0) y la libre en f(f(x0)), avanzamos la tortuga f(tortuga) y la libre f(f(liebre)) hasta que los 2 punteros coincidan</a:t>
+            </a:r>
+          </a:p>
+          <a:p>
+            <a:pPr marL="152400" indent="0" algn="just">
+              <a:buNone/>
+            </a:pPr>
+            <a:endParaRPr lang="es-ES" sz="1200" dirty="0">
+              <a:latin typeface="Abadi" panose="020B0604020104020204" pitchFamily="34" charset="0"/>
+            </a:endParaRPr>
+          </a:p>
+          <a:p>
+            <a:pPr marL="152400" indent="0" algn="just">
+              <a:buNone/>
+            </a:pPr>
+            <a:r>
+              <a:rPr lang="es-ES" sz="1200" dirty="0">
+                <a:latin typeface="Abadi" panose="020B0604020104020204" pitchFamily="34" charset="0"/>
+              </a:rPr>
+              <a:t>paso 2:</a:t>
+            </a:r>
+          </a:p>
+          <a:p>
+            <a:pPr marL="152400" indent="0" algn="just">
+              <a:buNone/>
+            </a:pPr>
+            <a:r>
+              <a:rPr lang="es-ES" sz="1200" dirty="0">
+                <a:latin typeface="Abadi" panose="020B0604020104020204" pitchFamily="34" charset="0"/>
+              </a:rPr>
+              <a:t>iniciamos mu = 0 hacemos la liebre igual a nuestro inicio y empezamos iterar los 2 punteros paso a paso sumando le 1 a mu hasta que coincidan.</a:t>
+            </a:r>
+          </a:p>
+          <a:p>
+            <a:pPr marL="152400" indent="0" algn="just">
+              <a:buNone/>
+            </a:pPr>
+            <a:endParaRPr lang="es-ES" sz="1200" dirty="0">
+              <a:latin typeface="Abadi" panose="020B0604020104020204" pitchFamily="34" charset="0"/>
+            </a:endParaRPr>
+          </a:p>
+          <a:p>
+            <a:pPr marL="152400" indent="0" algn="just">
+              <a:buNone/>
+            </a:pPr>
+            <a:r>
+              <a:rPr lang="es-ES" sz="1200" dirty="0">
+                <a:latin typeface="Abadi" panose="020B0604020104020204" pitchFamily="34" charset="0"/>
+              </a:rPr>
+              <a:t>paso 3:</a:t>
+            </a:r>
+          </a:p>
+          <a:p>
+            <a:pPr marL="152400" indent="0" algn="just">
+              <a:buNone/>
+            </a:pPr>
+            <a:r>
+              <a:rPr lang="es-ES" sz="1200" dirty="0">
+                <a:latin typeface="Abadi" panose="020B0604020104020204" pitchFamily="34" charset="0"/>
+              </a:rPr>
+              <a:t>estando los dos punteros en el mismo lugar iniciamos lambda = 1 y libre = f(liebre) e iteramos</a:t>
+            </a:r>
+          </a:p>
+          <a:p>
+            <a:pPr marL="152400" indent="0" algn="just">
+              <a:buNone/>
+            </a:pPr>
+            <a:r>
+              <a:rPr lang="es-ES" sz="1200" dirty="0">
+                <a:latin typeface="Abadi" panose="020B0604020104020204" pitchFamily="34" charset="0"/>
+              </a:rPr>
+              <a:t>solo con la liebre hasta que vuelva a coincidir con la tortuga sumándole 1 a lambda por cada iteración.</a:t>
+            </a:r>
+            <a:endParaRPr lang="es-CO" sz="1200" dirty="0">
+              <a:latin typeface="Abadi" panose="020B0604020104020204" pitchFamily="34" charset="0"/>
+            </a:endParaRPr>
+          </a:p>
+        </p:txBody>
+      </p:sp>
       <p:pic>
         <p:nvPicPr>
           <p:cNvPr id="4" name="Picture 4" descr="Símbolos Universitarios – Universidad de Nariño">
@@ -7118,7 +6856,7 @@
           <p:nvPr/>
         </p:nvPicPr>
         <p:blipFill>
-          <a:blip r:embed="rId3">
+          <a:blip r:embed="rId2">
             <a:extLst>
               <a:ext uri="{28A0092B-C50C-407E-A947-70E740481C1C}">
                 <a14:useLocalDpi xmlns:a14="http://schemas.microsoft.com/office/drawing/2010/main" val="0"/>
@@ -7165,7 +6903,7 @@
           <p:nvPr/>
         </p:nvPicPr>
         <p:blipFill rotWithShape="1">
-          <a:blip r:embed="rId4"/>
+          <a:blip r:embed="rId3"/>
           <a:srcRect l="53279" t="4713" r="5319"/>
           <a:stretch/>
         </p:blipFill>
@@ -7201,6 +6939,380 @@
           <a:xfrm>
             <a:off x="477806" y="1288421"/>
             <a:ext cx="3361377" cy="3355041"/>
+          </a:xfrm>
+          <a:prstGeom prst="rect">
+            <a:avLst/>
+          </a:prstGeom>
+          <a:solidFill>
+            <a:srgbClr val="EEEEEE"/>
+          </a:solidFill>
+          <a:ln>
+            <a:solidFill>
+              <a:srgbClr val="BAF7C9"/>
+            </a:solidFill>
+          </a:ln>
+        </p:spPr>
+        <p:style>
+          <a:lnRef idx="2">
+            <a:schemeClr val="accent1">
+              <a:shade val="50000"/>
+            </a:schemeClr>
+          </a:lnRef>
+          <a:fillRef idx="1">
+            <a:schemeClr val="accent1"/>
+          </a:fillRef>
+          <a:effectRef idx="0">
+            <a:schemeClr val="accent1"/>
+          </a:effectRef>
+          <a:fontRef idx="minor">
+            <a:schemeClr val="lt1"/>
+          </a:fontRef>
+        </p:style>
+        <p:txBody>
+          <a:bodyPr rtlCol="0" anchor="ctr"/>
+          <a:lstStyle/>
+          <a:p>
+            <a:pPr algn="ctr"/>
+            <a:endParaRPr lang="es-CO"/>
+          </a:p>
+        </p:txBody>
+      </p:sp>
+      <p:sp>
+        <p:nvSpPr>
+          <p:cNvPr id="10" name="Título 2">
+            <a:extLst>
+              <a:ext uri="{FF2B5EF4-FFF2-40B4-BE49-F238E27FC236}">
+                <a16:creationId xmlns:a16="http://schemas.microsoft.com/office/drawing/2014/main" id="{4B4F06C2-20E6-40C1-BAD4-30FB77130CD3}"/>
+              </a:ext>
+            </a:extLst>
+          </p:cNvPr>
+          <p:cNvSpPr>
+            <a:spLocks noGrp="1"/>
+          </p:cNvSpPr>
+          <p:nvPr>
+            <p:ph type="ctrTitle"/>
+          </p:nvPr>
+        </p:nvSpPr>
+        <p:spPr>
+          <a:xfrm>
+            <a:off x="5686373" y="372041"/>
+            <a:ext cx="3195637" cy="481013"/>
+          </a:xfrm>
+        </p:spPr>
+        <p:txBody>
+          <a:bodyPr/>
+          <a:lstStyle/>
+          <a:p>
+            <a:r>
+              <a:rPr lang="es-CO" dirty="0" err="1"/>
+              <a:t>Floyd’s</a:t>
+            </a:r>
+            <a:r>
+              <a:rPr lang="es-CO" dirty="0"/>
+              <a:t> </a:t>
+            </a:r>
+            <a:r>
+              <a:rPr lang="es-CO" dirty="0" err="1"/>
+              <a:t>Cycle-Finding</a:t>
+            </a:r>
+            <a:endParaRPr lang="es-CO" dirty="0"/>
+          </a:p>
+        </p:txBody>
+      </p:sp>
+      <p:pic>
+        <p:nvPicPr>
+          <p:cNvPr id="8" name="Imagen 7">
+            <a:extLst>
+              <a:ext uri="{FF2B5EF4-FFF2-40B4-BE49-F238E27FC236}">
+                <a16:creationId xmlns:a16="http://schemas.microsoft.com/office/drawing/2014/main" id="{ED88B3B5-B357-4A13-A9E7-5563D9EDF1C3}"/>
+              </a:ext>
+            </a:extLst>
+          </p:cNvPr>
+          <p:cNvPicPr>
+            <a:picLocks noChangeAspect="1"/>
+          </p:cNvPicPr>
+          <p:nvPr/>
+        </p:nvPicPr>
+        <p:blipFill>
+          <a:blip r:embed="rId4"/>
+          <a:stretch>
+            <a:fillRect/>
+          </a:stretch>
+        </p:blipFill>
+        <p:spPr>
+          <a:xfrm>
+            <a:off x="712494" y="1580420"/>
+            <a:ext cx="2892000" cy="2771042"/>
+          </a:xfrm>
+          <a:prstGeom prst="rect">
+            <a:avLst/>
+          </a:prstGeom>
+        </p:spPr>
+      </p:pic>
+      <mc:AlternateContent xmlns:mc="http://schemas.openxmlformats.org/markup-compatibility/2006" xmlns:a14="http://schemas.microsoft.com/office/drawing/2010/main">
+        <mc:Choice Requires="a14">
+          <p:sp>
+            <p:nvSpPr>
+              <p:cNvPr id="11" name="CuadroTexto 10">
+                <a:extLst>
+                  <a:ext uri="{FF2B5EF4-FFF2-40B4-BE49-F238E27FC236}">
+                    <a16:creationId xmlns:a16="http://schemas.microsoft.com/office/drawing/2014/main" id="{8FB8CDDF-70CC-4603-B579-68371DC7FA70}"/>
+                  </a:ext>
+                </a:extLst>
+              </p:cNvPr>
+              <p:cNvSpPr txBox="1"/>
+              <p:nvPr/>
+            </p:nvSpPr>
+            <p:spPr>
+              <a:xfrm>
+                <a:off x="1191062" y="4351462"/>
+                <a:ext cx="1716688" cy="215444"/>
+              </a:xfrm>
+              <a:prstGeom prst="rect">
+                <a:avLst/>
+              </a:prstGeom>
+              <a:noFill/>
+            </p:spPr>
+            <p:txBody>
+              <a:bodyPr wrap="none" lIns="0" tIns="0" rIns="0" bIns="0" rtlCol="0">
+                <a:spAutoFit/>
+              </a:bodyPr>
+              <a:lstStyle/>
+              <a:p>
+                <a14:m>
+                  <m:oMath xmlns:m="http://schemas.openxmlformats.org/officeDocument/2006/math">
+                    <m:sSup>
+                      <m:sSupPr>
+                        <m:ctrlPr>
+                          <a:rPr lang="es-ES" b="0" i="1" smtClean="0">
+                            <a:latin typeface="Cambria Math" panose="02040503050406030204" pitchFamily="18" charset="0"/>
+                          </a:rPr>
+                        </m:ctrlPr>
+                      </m:sSupPr>
+                      <m:e>
+                        <m:r>
+                          <a:rPr lang="es-ES" b="0" i="1" smtClean="0">
+                            <a:latin typeface="Cambria Math" panose="02040503050406030204" pitchFamily="18" charset="0"/>
+                          </a:rPr>
+                          <m:t>(3</m:t>
+                        </m:r>
+                        <m:r>
+                          <a:rPr lang="es-ES" b="0" i="1" smtClean="0">
+                            <a:latin typeface="Cambria Math" panose="02040503050406030204" pitchFamily="18" charset="0"/>
+                          </a:rPr>
+                          <m:t>𝑥</m:t>
+                        </m:r>
+                      </m:e>
+                      <m:sup>
+                        <m:r>
+                          <a:rPr lang="es-ES" b="0" i="1" smtClean="0">
+                            <a:latin typeface="Cambria Math" panose="02040503050406030204" pitchFamily="18" charset="0"/>
+                          </a:rPr>
+                          <m:t>2</m:t>
+                        </m:r>
+                      </m:sup>
+                    </m:sSup>
+                    <m:r>
+                      <a:rPr lang="es-ES" b="0" i="1" smtClean="0">
+                        <a:latin typeface="Cambria Math" panose="02040503050406030204" pitchFamily="18" charset="0"/>
+                      </a:rPr>
+                      <m:t>+7</m:t>
+                    </m:r>
+                    <m:r>
+                      <a:rPr lang="es-ES" b="0" i="1" smtClean="0">
+                        <a:latin typeface="Cambria Math" panose="02040503050406030204" pitchFamily="18" charset="0"/>
+                      </a:rPr>
+                      <m:t>𝑥</m:t>
+                    </m:r>
+                    <m:r>
+                      <a:rPr lang="es-ES" b="0" i="1" smtClean="0">
+                        <a:latin typeface="Cambria Math" panose="02040503050406030204" pitchFamily="18" charset="0"/>
+                      </a:rPr>
+                      <m:t>+5</m:t>
+                    </m:r>
+                  </m:oMath>
+                </a14:m>
+                <a:r>
+                  <a:rPr lang="es-CO" dirty="0"/>
+                  <a:t>) mod 97</a:t>
+                </a:r>
+              </a:p>
+            </p:txBody>
+          </p:sp>
+        </mc:Choice>
+        <mc:Fallback xmlns="">
+          <p:sp>
+            <p:nvSpPr>
+              <p:cNvPr id="11" name="CuadroTexto 10">
+                <a:extLst>
+                  <a:ext uri="{FF2B5EF4-FFF2-40B4-BE49-F238E27FC236}">
+                    <a16:creationId xmlns:a16="http://schemas.microsoft.com/office/drawing/2014/main" id="{8FB8CDDF-70CC-4603-B579-68371DC7FA70}"/>
+                  </a:ext>
+                </a:extLst>
+              </p:cNvPr>
+              <p:cNvSpPr txBox="1">
+                <a:spLocks noRot="1" noChangeAspect="1" noMove="1" noResize="1" noEditPoints="1" noAdjustHandles="1" noChangeArrowheads="1" noChangeShapeType="1" noTextEdit="1"/>
+              </p:cNvSpPr>
+              <p:nvPr/>
+            </p:nvSpPr>
+            <p:spPr>
+              <a:xfrm>
+                <a:off x="1191062" y="4351462"/>
+                <a:ext cx="1716688" cy="215444"/>
+              </a:xfrm>
+              <a:prstGeom prst="rect">
+                <a:avLst/>
+              </a:prstGeom>
+              <a:blipFill>
+                <a:blip r:embed="rId5"/>
+                <a:stretch>
+                  <a:fillRect l="-4610" t="-25714" r="-4965" b="-51429"/>
+                </a:stretch>
+              </a:blipFill>
+            </p:spPr>
+            <p:txBody>
+              <a:bodyPr/>
+              <a:lstStyle/>
+              <a:p>
+                <a:r>
+                  <a:rPr lang="es-CO">
+                    <a:noFill/>
+                  </a:rPr>
+                  <a:t> </a:t>
+                </a:r>
+              </a:p>
+            </p:txBody>
+          </p:sp>
+        </mc:Fallback>
+      </mc:AlternateContent>
+    </p:spTree>
+    <p:extLst>
+      <p:ext uri="{BB962C8B-B14F-4D97-AF65-F5344CB8AC3E}">
+        <p14:creationId xmlns:p14="http://schemas.microsoft.com/office/powerpoint/2010/main" val="4062622684"/>
+      </p:ext>
+    </p:extLst>
+  </p:cSld>
+  <p:clrMapOvr>
+    <a:masterClrMapping/>
+  </p:clrMapOvr>
+</p:sld>
+</file>
+
+<file path=ppt/slides/slide6.xml><?xml version="1.0" encoding="utf-8"?>
+<p:sld xmlns:a="http://schemas.openxmlformats.org/drawingml/2006/main" xmlns:r="http://schemas.openxmlformats.org/officeDocument/2006/relationships" xmlns:p="http://schemas.openxmlformats.org/presentationml/2006/main">
+  <p:cSld>
+    <p:spTree>
+      <p:nvGrpSpPr>
+        <p:cNvPr id="1" name=""/>
+        <p:cNvGrpSpPr/>
+        <p:nvPr/>
+      </p:nvGrpSpPr>
+      <p:grpSpPr>
+        <a:xfrm>
+          <a:off x="0" y="0"/>
+          <a:ext cx="0" cy="0"/>
+          <a:chOff x="0" y="0"/>
+          <a:chExt cx="0" cy="0"/>
+        </a:xfrm>
+      </p:grpSpPr>
+      <p:pic>
+        <p:nvPicPr>
+          <p:cNvPr id="4" name="Picture 4" descr="Símbolos Universitarios – Universidad de Nariño">
+            <a:extLst>
+              <a:ext uri="{FF2B5EF4-FFF2-40B4-BE49-F238E27FC236}">
+                <a16:creationId xmlns:a16="http://schemas.microsoft.com/office/drawing/2014/main" id="{0B2EA667-CB57-4DF8-BB35-E9AFDF367C2B}"/>
+              </a:ext>
+            </a:extLst>
+          </p:cNvPr>
+          <p:cNvPicPr>
+            <a:picLocks noChangeAspect="1" noChangeArrowheads="1"/>
+          </p:cNvPicPr>
+          <p:nvPr/>
+        </p:nvPicPr>
+        <p:blipFill>
+          <a:blip r:embed="rId2">
+            <a:extLst>
+              <a:ext uri="{28A0092B-C50C-407E-A947-70E740481C1C}">
+                <a14:useLocalDpi xmlns:a14="http://schemas.microsoft.com/office/drawing/2010/main" val="0"/>
+              </a:ext>
+            </a:extLst>
+          </a:blip>
+          <a:srcRect/>
+          <a:stretch>
+            <a:fillRect/>
+          </a:stretch>
+        </p:blipFill>
+        <p:spPr bwMode="auto">
+          <a:xfrm>
+            <a:off x="261990" y="192093"/>
+            <a:ext cx="660961" cy="660961"/>
+          </a:xfrm>
+          <a:prstGeom prst="rect">
+            <a:avLst/>
+          </a:prstGeom>
+          <a:noFill/>
+          <a:extLst>
+            <a:ext uri="{909E8E84-426E-40DD-AFC4-6F175D3DCCD1}">
+              <a14:hiddenFill xmlns:a14="http://schemas.microsoft.com/office/drawing/2010/main">
+                <a:solidFill>
+                  <a:srgbClr val="FFFFFF"/>
+                </a:solidFill>
+              </a14:hiddenFill>
+            </a:ext>
+          </a:extLst>
+        </p:spPr>
+      </p:pic>
+      <p:pic>
+        <p:nvPicPr>
+          <p:cNvPr id="5" name="Imagen 4">
+            <a:extLst>
+              <a:ext uri="{FF2B5EF4-FFF2-40B4-BE49-F238E27FC236}">
+                <a16:creationId xmlns:a16="http://schemas.microsoft.com/office/drawing/2014/main" id="{1B46FA37-FA47-4459-8828-383FB697E3AF}"/>
+              </a:ext>
+            </a:extLst>
+          </p:cNvPr>
+          <p:cNvPicPr>
+            <a:picLocks noChangeAspect="1"/>
+          </p:cNvPicPr>
+          <p:nvPr/>
+        </p:nvPicPr>
+        <p:blipFill rotWithShape="1">
+          <a:blip r:embed="rId3"/>
+          <a:srcRect l="53279" t="4713" r="5319"/>
+          <a:stretch/>
+        </p:blipFill>
+        <p:spPr>
+          <a:xfrm>
+            <a:off x="1071372" y="144121"/>
+            <a:ext cx="918577" cy="804385"/>
+          </a:xfrm>
+          <a:prstGeom prst="ellipse">
+            <a:avLst/>
+          </a:prstGeom>
+          <a:ln>
+            <a:noFill/>
+          </a:ln>
+          <a:effectLst>
+            <a:softEdge rad="112500"/>
+          </a:effectLst>
+        </p:spPr>
+      </p:pic>
+      <p:sp>
+        <p:nvSpPr>
+          <p:cNvPr id="6" name="Rectángulo 5">
+            <a:extLst>
+              <a:ext uri="{FF2B5EF4-FFF2-40B4-BE49-F238E27FC236}">
+                <a16:creationId xmlns:a16="http://schemas.microsoft.com/office/drawing/2014/main" id="{EC2D0E56-7D0C-40D0-8E56-B8801C98D13A}"/>
+              </a:ext>
+            </a:extLst>
+          </p:cNvPr>
+          <p:cNvSpPr/>
+          <p:nvPr/>
+        </p:nvSpPr>
+        <p:spPr>
+          <a:xfrm>
+            <a:off x="981307" y="1311679"/>
+            <a:ext cx="7768683" cy="3355041"/>
           </a:xfrm>
           <a:prstGeom prst="rect">
             <a:avLst/>
@@ -7267,17 +7379,17 @@
           <a:p>
             <a:r>
               <a:rPr lang="es-CO" dirty="0"/>
-              <a:t>Potenciación rápida </a:t>
+              <a:t>Sumatorios</a:t>
             </a:r>
           </a:p>
         </p:txBody>
       </p:sp>
       <p:pic>
         <p:nvPicPr>
-          <p:cNvPr id="7" name="Imagen 6" descr="Diagrama&#10;&#10;Descripción generada automáticamente con confianza media">
+          <p:cNvPr id="9" name="Imagen 8">
             <a:extLst>
               <a:ext uri="{FF2B5EF4-FFF2-40B4-BE49-F238E27FC236}">
-                <a16:creationId xmlns:a16="http://schemas.microsoft.com/office/drawing/2014/main" id="{D734F0AA-2BD4-4222-BC1B-8187D729261E}"/>
+                <a16:creationId xmlns:a16="http://schemas.microsoft.com/office/drawing/2014/main" id="{1B3ADAAC-73CC-4D10-918C-80E4C76ECE8F}"/>
               </a:ext>
             </a:extLst>
           </p:cNvPr>
@@ -7287,15 +7399,15 @@
           <p:nvPr/>
         </p:nvPicPr>
         <p:blipFill>
-          <a:blip r:embed="rId5"/>
+          <a:blip r:embed="rId4"/>
           <a:stretch>
             <a:fillRect/>
           </a:stretch>
         </p:blipFill>
         <p:spPr>
           <a:xfrm>
-            <a:off x="663424" y="2395369"/>
-            <a:ext cx="2990140" cy="1007912"/>
+            <a:off x="3440826" y="1361585"/>
+            <a:ext cx="2717856" cy="3255227"/>
           </a:xfrm>
           <a:prstGeom prst="rect">
             <a:avLst/>
@@ -7305,7 +7417,7 @@
     </p:spTree>
     <p:extLst>
       <p:ext uri="{BB962C8B-B14F-4D97-AF65-F5344CB8AC3E}">
-        <p14:creationId xmlns:p14="http://schemas.microsoft.com/office/powerpoint/2010/main" val="4062622684"/>
+        <p14:creationId xmlns:p14="http://schemas.microsoft.com/office/powerpoint/2010/main" val="3599436201"/>
       </p:ext>
     </p:extLst>
   </p:cSld>
@@ -7315,1927 +7427,7 @@
 </p:sld>
 </file>
 
-<file path=ppt/slides/slide15.xml><?xml version="1.0" encoding="utf-8"?>
-<p:sld xmlns:a="http://schemas.openxmlformats.org/drawingml/2006/main" xmlns:r="http://schemas.openxmlformats.org/officeDocument/2006/relationships" xmlns:p="http://schemas.openxmlformats.org/presentationml/2006/main">
-  <p:cSld>
-    <p:spTree>
-      <p:nvGrpSpPr>
-        <p:cNvPr id="1" name=""/>
-        <p:cNvGrpSpPr/>
-        <p:nvPr/>
-      </p:nvGrpSpPr>
-      <p:grpSpPr>
-        <a:xfrm>
-          <a:off x="0" y="0"/>
-          <a:ext cx="0" cy="0"/>
-          <a:chOff x="0" y="0"/>
-          <a:chExt cx="0" cy="0"/>
-        </a:xfrm>
-      </p:grpSpPr>
-      <p:sp>
-        <p:nvSpPr>
-          <p:cNvPr id="26" name="Rectángulo 25">
-            <a:extLst>
-              <a:ext uri="{FF2B5EF4-FFF2-40B4-BE49-F238E27FC236}">
-                <a16:creationId xmlns:a16="http://schemas.microsoft.com/office/drawing/2014/main" id="{20871D08-49C4-4991-A1DB-2916029C3E9B}"/>
-              </a:ext>
-            </a:extLst>
-          </p:cNvPr>
-          <p:cNvSpPr/>
-          <p:nvPr/>
-        </p:nvSpPr>
-        <p:spPr>
-          <a:xfrm>
-            <a:off x="1111703" y="1696278"/>
-            <a:ext cx="6879357" cy="2822713"/>
-          </a:xfrm>
-          <a:prstGeom prst="rect">
-            <a:avLst/>
-          </a:prstGeom>
-          <a:solidFill>
-            <a:srgbClr val="F7F7F7"/>
-          </a:solidFill>
-        </p:spPr>
-        <p:style>
-          <a:lnRef idx="2">
-            <a:schemeClr val="accent1">
-              <a:shade val="50000"/>
-            </a:schemeClr>
-          </a:lnRef>
-          <a:fillRef idx="1">
-            <a:schemeClr val="accent1"/>
-          </a:fillRef>
-          <a:effectRef idx="0">
-            <a:schemeClr val="accent1"/>
-          </a:effectRef>
-          <a:fontRef idx="minor">
-            <a:schemeClr val="lt1"/>
-          </a:fontRef>
-        </p:style>
-        <p:txBody>
-          <a:bodyPr rtlCol="0" anchor="ctr"/>
-          <a:lstStyle/>
-          <a:p>
-            <a:pPr marL="0" marR="0" lvl="0" indent="0" algn="ctr" defTabSz="914400" rtl="0" eaLnBrk="1" fontAlgn="auto" latinLnBrk="0" hangingPunct="1">
-              <a:lnSpc>
-                <a:spcPct val="100000"/>
-              </a:lnSpc>
-              <a:spcBef>
-                <a:spcPts val="0"/>
-              </a:spcBef>
-              <a:spcAft>
-                <a:spcPts val="0"/>
-              </a:spcAft>
-              <a:buClr>
-                <a:srgbClr val="000000"/>
-              </a:buClr>
-              <a:buSzTx/>
-              <a:buFont typeface="Arial"/>
-              <a:buNone/>
-              <a:tabLst/>
-              <a:defRPr/>
-            </a:pPr>
-            <a:endParaRPr kumimoji="0" lang="es-CO" sz="1400" b="0" i="0" u="none" strike="noStrike" kern="0" cap="none" spc="0" normalizeH="0" baseline="0" noProof="0">
-              <a:ln>
-                <a:noFill/>
-              </a:ln>
-              <a:solidFill>
-                <a:srgbClr val="BAF7C9"/>
-              </a:solidFill>
-              <a:effectLst/>
-              <a:uLnTx/>
-              <a:uFillTx/>
-              <a:latin typeface="Arial"/>
-              <a:ea typeface="+mn-ea"/>
-              <a:cs typeface="+mn-cs"/>
-              <a:sym typeface="Arial"/>
-            </a:endParaRPr>
-          </a:p>
-        </p:txBody>
-      </p:sp>
-      <p:sp>
-        <p:nvSpPr>
-          <p:cNvPr id="27" name="Rectángulo 26">
-            <a:extLst>
-              <a:ext uri="{FF2B5EF4-FFF2-40B4-BE49-F238E27FC236}">
-                <a16:creationId xmlns:a16="http://schemas.microsoft.com/office/drawing/2014/main" id="{C271E673-D168-4137-8F6F-3C6D1FF393F3}"/>
-              </a:ext>
-            </a:extLst>
-          </p:cNvPr>
-          <p:cNvSpPr/>
-          <p:nvPr/>
-        </p:nvSpPr>
-        <p:spPr>
-          <a:xfrm>
-            <a:off x="1190" y="2464821"/>
-            <a:ext cx="1110513" cy="895868"/>
-          </a:xfrm>
-          <a:prstGeom prst="rect">
-            <a:avLst/>
-          </a:prstGeom>
-          <a:solidFill>
-            <a:srgbClr val="BAF7C9"/>
-          </a:solidFill>
-          <a:ln>
-            <a:noFill/>
-          </a:ln>
-        </p:spPr>
-        <p:style>
-          <a:lnRef idx="2">
-            <a:schemeClr val="accent1">
-              <a:shade val="50000"/>
-            </a:schemeClr>
-          </a:lnRef>
-          <a:fillRef idx="1">
-            <a:schemeClr val="accent1"/>
-          </a:fillRef>
-          <a:effectRef idx="0">
-            <a:schemeClr val="accent1"/>
-          </a:effectRef>
-          <a:fontRef idx="minor">
-            <a:schemeClr val="lt1"/>
-          </a:fontRef>
-        </p:style>
-        <p:txBody>
-          <a:bodyPr rtlCol="0" anchor="ctr"/>
-          <a:lstStyle/>
-          <a:p>
-            <a:pPr marL="0" marR="0" lvl="0" indent="0" algn="ctr" defTabSz="914400" rtl="0" eaLnBrk="1" fontAlgn="auto" latinLnBrk="0" hangingPunct="1">
-              <a:lnSpc>
-                <a:spcPct val="100000"/>
-              </a:lnSpc>
-              <a:spcBef>
-                <a:spcPts val="0"/>
-              </a:spcBef>
-              <a:spcAft>
-                <a:spcPts val="0"/>
-              </a:spcAft>
-              <a:buClr>
-                <a:srgbClr val="000000"/>
-              </a:buClr>
-              <a:buSzTx/>
-              <a:buFont typeface="Arial"/>
-              <a:buNone/>
-              <a:tabLst/>
-              <a:defRPr/>
-            </a:pPr>
-            <a:endParaRPr kumimoji="0" lang="es-CO" sz="1400" b="0" i="0" u="none" strike="noStrike" kern="0" cap="none" spc="0" normalizeH="0" baseline="0" noProof="0">
-              <a:ln>
-                <a:noFill/>
-              </a:ln>
-              <a:solidFill>
-                <a:srgbClr val="BAF7C9"/>
-              </a:solidFill>
-              <a:effectLst/>
-              <a:uLnTx/>
-              <a:uFillTx/>
-              <a:latin typeface="Arial"/>
-              <a:ea typeface="+mn-ea"/>
-              <a:cs typeface="+mn-cs"/>
-              <a:sym typeface="Arial"/>
-            </a:endParaRPr>
-          </a:p>
-        </p:txBody>
-      </p:sp>
-      <p:sp>
-        <p:nvSpPr>
-          <p:cNvPr id="28" name="Rectángulo 27">
-            <a:extLst>
-              <a:ext uri="{FF2B5EF4-FFF2-40B4-BE49-F238E27FC236}">
-                <a16:creationId xmlns:a16="http://schemas.microsoft.com/office/drawing/2014/main" id="{F87A6902-5CAB-482B-A04D-990353BC1E7D}"/>
-              </a:ext>
-            </a:extLst>
-          </p:cNvPr>
-          <p:cNvSpPr/>
-          <p:nvPr/>
-        </p:nvSpPr>
-        <p:spPr>
-          <a:xfrm>
-            <a:off x="7991061" y="2464821"/>
-            <a:ext cx="1154128" cy="895868"/>
-          </a:xfrm>
-          <a:prstGeom prst="rect">
-            <a:avLst/>
-          </a:prstGeom>
-          <a:solidFill>
-            <a:srgbClr val="BAF7C9"/>
-          </a:solidFill>
-          <a:ln>
-            <a:noFill/>
-          </a:ln>
-        </p:spPr>
-        <p:style>
-          <a:lnRef idx="2">
-            <a:schemeClr val="accent1">
-              <a:shade val="50000"/>
-            </a:schemeClr>
-          </a:lnRef>
-          <a:fillRef idx="1">
-            <a:schemeClr val="accent1"/>
-          </a:fillRef>
-          <a:effectRef idx="0">
-            <a:schemeClr val="accent1"/>
-          </a:effectRef>
-          <a:fontRef idx="minor">
-            <a:schemeClr val="lt1"/>
-          </a:fontRef>
-        </p:style>
-        <p:txBody>
-          <a:bodyPr rtlCol="0" anchor="ctr"/>
-          <a:lstStyle/>
-          <a:p>
-            <a:pPr marL="0" marR="0" lvl="0" indent="0" algn="ctr" defTabSz="914400" rtl="0" eaLnBrk="1" fontAlgn="auto" latinLnBrk="0" hangingPunct="1">
-              <a:lnSpc>
-                <a:spcPct val="100000"/>
-              </a:lnSpc>
-              <a:spcBef>
-                <a:spcPts val="0"/>
-              </a:spcBef>
-              <a:spcAft>
-                <a:spcPts val="0"/>
-              </a:spcAft>
-              <a:buClr>
-                <a:srgbClr val="000000"/>
-              </a:buClr>
-              <a:buSzTx/>
-              <a:buFont typeface="Arial"/>
-              <a:buNone/>
-              <a:tabLst/>
-              <a:defRPr/>
-            </a:pPr>
-            <a:endParaRPr kumimoji="0" lang="es-CO" sz="1400" b="0" i="0" u="none" strike="noStrike" kern="0" cap="none" spc="0" normalizeH="0" baseline="0" noProof="0">
-              <a:ln>
-                <a:noFill/>
-              </a:ln>
-              <a:solidFill>
-                <a:srgbClr val="BAF7C9"/>
-              </a:solidFill>
-              <a:effectLst/>
-              <a:uLnTx/>
-              <a:uFillTx/>
-              <a:latin typeface="Arial"/>
-              <a:ea typeface="+mn-ea"/>
-              <a:cs typeface="+mn-cs"/>
-              <a:sym typeface="Arial"/>
-            </a:endParaRPr>
-          </a:p>
-        </p:txBody>
-      </p:sp>
-      <p:sp>
-        <p:nvSpPr>
-          <p:cNvPr id="3" name="Título 2">
-            <a:extLst>
-              <a:ext uri="{FF2B5EF4-FFF2-40B4-BE49-F238E27FC236}">
-                <a16:creationId xmlns:a16="http://schemas.microsoft.com/office/drawing/2014/main" id="{958E9C0A-1B7C-480F-B568-0D2DDEF32A6F}"/>
-              </a:ext>
-            </a:extLst>
-          </p:cNvPr>
-          <p:cNvSpPr>
-            <a:spLocks noGrp="1"/>
-          </p:cNvSpPr>
-          <p:nvPr>
-            <p:ph type="ctrTitle"/>
-          </p:nvPr>
-        </p:nvSpPr>
-        <p:spPr>
-          <a:xfrm>
-            <a:off x="5152727" y="425272"/>
-            <a:ext cx="3194700" cy="481200"/>
-          </a:xfrm>
-        </p:spPr>
-        <p:txBody>
-          <a:bodyPr/>
-          <a:lstStyle/>
-          <a:p>
-            <a:pPr algn="ctr"/>
-            <a:r>
-              <a:rPr lang="es-CO" dirty="0"/>
-              <a:t>Potenciación rápida </a:t>
-            </a:r>
-          </a:p>
-        </p:txBody>
-      </p:sp>
-      <p:pic>
-        <p:nvPicPr>
-          <p:cNvPr id="4" name="Picture 4" descr="Símbolos Universitarios – Universidad de Nariño">
-            <a:extLst>
-              <a:ext uri="{FF2B5EF4-FFF2-40B4-BE49-F238E27FC236}">
-                <a16:creationId xmlns:a16="http://schemas.microsoft.com/office/drawing/2014/main" id="{0B2EA667-CB57-4DF8-BB35-E9AFDF367C2B}"/>
-              </a:ext>
-            </a:extLst>
-          </p:cNvPr>
-          <p:cNvPicPr>
-            <a:picLocks noChangeAspect="1" noChangeArrowheads="1"/>
-          </p:cNvPicPr>
-          <p:nvPr/>
-        </p:nvPicPr>
-        <p:blipFill>
-          <a:blip r:embed="rId3">
-            <a:extLst>
-              <a:ext uri="{28A0092B-C50C-407E-A947-70E740481C1C}">
-                <a14:useLocalDpi xmlns:a14="http://schemas.microsoft.com/office/drawing/2010/main" val="0"/>
-              </a:ext>
-            </a:extLst>
-          </a:blip>
-          <a:srcRect/>
-          <a:stretch>
-            <a:fillRect/>
-          </a:stretch>
-        </p:blipFill>
-        <p:spPr bwMode="auto">
-          <a:xfrm>
-            <a:off x="282654" y="292080"/>
-            <a:ext cx="660961" cy="660961"/>
-          </a:xfrm>
-          <a:prstGeom prst="rect">
-            <a:avLst/>
-          </a:prstGeom>
-          <a:noFill/>
-          <a:extLst>
-            <a:ext uri="{909E8E84-426E-40DD-AFC4-6F175D3DCCD1}">
-              <a14:hiddenFill xmlns:a14="http://schemas.microsoft.com/office/drawing/2010/main">
-                <a:solidFill>
-                  <a:srgbClr val="FFFFFF"/>
-                </a:solidFill>
-              </a14:hiddenFill>
-            </a:ext>
-          </a:extLst>
-        </p:spPr>
-      </p:pic>
-      <p:pic>
-        <p:nvPicPr>
-          <p:cNvPr id="5" name="Imagen 4">
-            <a:extLst>
-              <a:ext uri="{FF2B5EF4-FFF2-40B4-BE49-F238E27FC236}">
-                <a16:creationId xmlns:a16="http://schemas.microsoft.com/office/drawing/2014/main" id="{1B46FA37-FA47-4459-8828-383FB697E3AF}"/>
-              </a:ext>
-            </a:extLst>
-          </p:cNvPr>
-          <p:cNvPicPr>
-            <a:picLocks noChangeAspect="1"/>
-          </p:cNvPicPr>
-          <p:nvPr/>
-        </p:nvPicPr>
-        <p:blipFill rotWithShape="1">
-          <a:blip r:embed="rId4"/>
-          <a:srcRect l="53279" t="4713" r="5319"/>
-          <a:stretch/>
-        </p:blipFill>
-        <p:spPr>
-          <a:xfrm>
-            <a:off x="1111703" y="220369"/>
-            <a:ext cx="918577" cy="804385"/>
-          </a:xfrm>
-          <a:prstGeom prst="ellipse">
-            <a:avLst/>
-          </a:prstGeom>
-          <a:ln>
-            <a:noFill/>
-          </a:ln>
-          <a:effectLst>
-            <a:softEdge rad="112500"/>
-          </a:effectLst>
-        </p:spPr>
-      </p:pic>
-      <p:pic>
-        <p:nvPicPr>
-          <p:cNvPr id="6" name="Imagen 5">
-            <a:extLst>
-              <a:ext uri="{FF2B5EF4-FFF2-40B4-BE49-F238E27FC236}">
-                <a16:creationId xmlns:a16="http://schemas.microsoft.com/office/drawing/2014/main" id="{E55A8BD0-1757-45A5-B6C0-0F3EB311D4F8}"/>
-              </a:ext>
-            </a:extLst>
-          </p:cNvPr>
-          <p:cNvPicPr>
-            <a:picLocks noChangeAspect="1"/>
-          </p:cNvPicPr>
-          <p:nvPr/>
-        </p:nvPicPr>
-        <p:blipFill>
-          <a:blip r:embed="rId5"/>
-          <a:stretch>
-            <a:fillRect/>
-          </a:stretch>
-        </p:blipFill>
-        <p:spPr>
-          <a:xfrm>
-            <a:off x="1303019" y="2190232"/>
-            <a:ext cx="6537961" cy="1981200"/>
-          </a:xfrm>
-          <a:prstGeom prst="rect">
-            <a:avLst/>
-          </a:prstGeom>
-        </p:spPr>
-      </p:pic>
-    </p:spTree>
-    <p:extLst>
-      <p:ext uri="{BB962C8B-B14F-4D97-AF65-F5344CB8AC3E}">
-        <p14:creationId xmlns:p14="http://schemas.microsoft.com/office/powerpoint/2010/main" val="3740948652"/>
-      </p:ext>
-    </p:extLst>
-  </p:cSld>
-  <p:clrMapOvr>
-    <a:masterClrMapping/>
-  </p:clrMapOvr>
-</p:sld>
-</file>
-
-<file path=ppt/slides/slide16.xml><?xml version="1.0" encoding="utf-8"?>
-<p:sld xmlns:a="http://schemas.openxmlformats.org/drawingml/2006/main" xmlns:r="http://schemas.openxmlformats.org/officeDocument/2006/relationships" xmlns:p="http://schemas.openxmlformats.org/presentationml/2006/main">
-  <p:cSld>
-    <p:spTree>
-      <p:nvGrpSpPr>
-        <p:cNvPr id="1" name=""/>
-        <p:cNvGrpSpPr/>
-        <p:nvPr/>
-      </p:nvGrpSpPr>
-      <p:grpSpPr>
-        <a:xfrm>
-          <a:off x="0" y="0"/>
-          <a:ext cx="0" cy="0"/>
-          <a:chOff x="0" y="0"/>
-          <a:chExt cx="0" cy="0"/>
-        </a:xfrm>
-      </p:grpSpPr>
-      <p:sp>
-        <p:nvSpPr>
-          <p:cNvPr id="26" name="Rectángulo 25">
-            <a:extLst>
-              <a:ext uri="{FF2B5EF4-FFF2-40B4-BE49-F238E27FC236}">
-                <a16:creationId xmlns:a16="http://schemas.microsoft.com/office/drawing/2014/main" id="{20871D08-49C4-4991-A1DB-2916029C3E9B}"/>
-              </a:ext>
-            </a:extLst>
-          </p:cNvPr>
-          <p:cNvSpPr/>
-          <p:nvPr/>
-        </p:nvSpPr>
-        <p:spPr>
-          <a:xfrm>
-            <a:off x="1111703" y="1696278"/>
-            <a:ext cx="6879357" cy="2822713"/>
-          </a:xfrm>
-          <a:prstGeom prst="rect">
-            <a:avLst/>
-          </a:prstGeom>
-          <a:solidFill>
-            <a:srgbClr val="FFFFFF"/>
-          </a:solidFill>
-        </p:spPr>
-        <p:style>
-          <a:lnRef idx="2">
-            <a:schemeClr val="accent1">
-              <a:shade val="50000"/>
-            </a:schemeClr>
-          </a:lnRef>
-          <a:fillRef idx="1">
-            <a:schemeClr val="accent1"/>
-          </a:fillRef>
-          <a:effectRef idx="0">
-            <a:schemeClr val="accent1"/>
-          </a:effectRef>
-          <a:fontRef idx="minor">
-            <a:schemeClr val="lt1"/>
-          </a:fontRef>
-        </p:style>
-        <p:txBody>
-          <a:bodyPr rtlCol="0" anchor="ctr"/>
-          <a:lstStyle/>
-          <a:p>
-            <a:pPr marL="0" marR="0" lvl="0" indent="0" algn="ctr" defTabSz="914400" rtl="0" eaLnBrk="1" fontAlgn="auto" latinLnBrk="0" hangingPunct="1">
-              <a:lnSpc>
-                <a:spcPct val="100000"/>
-              </a:lnSpc>
-              <a:spcBef>
-                <a:spcPts val="0"/>
-              </a:spcBef>
-              <a:spcAft>
-                <a:spcPts val="0"/>
-              </a:spcAft>
-              <a:buClr>
-                <a:srgbClr val="000000"/>
-              </a:buClr>
-              <a:buSzTx/>
-              <a:buFont typeface="Arial"/>
-              <a:buNone/>
-              <a:tabLst/>
-              <a:defRPr/>
-            </a:pPr>
-            <a:endParaRPr kumimoji="0" lang="es-CO" sz="1400" b="0" i="0" u="none" strike="noStrike" kern="0" cap="none" spc="0" normalizeH="0" baseline="0" noProof="0">
-              <a:ln>
-                <a:noFill/>
-              </a:ln>
-              <a:solidFill>
-                <a:srgbClr val="BAF7C9"/>
-              </a:solidFill>
-              <a:effectLst/>
-              <a:uLnTx/>
-              <a:uFillTx/>
-              <a:latin typeface="Arial"/>
-              <a:ea typeface="+mn-ea"/>
-              <a:cs typeface="+mn-cs"/>
-              <a:sym typeface="Arial"/>
-            </a:endParaRPr>
-          </a:p>
-        </p:txBody>
-      </p:sp>
-      <p:sp>
-        <p:nvSpPr>
-          <p:cNvPr id="27" name="Rectángulo 26">
-            <a:extLst>
-              <a:ext uri="{FF2B5EF4-FFF2-40B4-BE49-F238E27FC236}">
-                <a16:creationId xmlns:a16="http://schemas.microsoft.com/office/drawing/2014/main" id="{C271E673-D168-4137-8F6F-3C6D1FF393F3}"/>
-              </a:ext>
-            </a:extLst>
-          </p:cNvPr>
-          <p:cNvSpPr/>
-          <p:nvPr/>
-        </p:nvSpPr>
-        <p:spPr>
-          <a:xfrm>
-            <a:off x="1190" y="2464821"/>
-            <a:ext cx="1110513" cy="895868"/>
-          </a:xfrm>
-          <a:prstGeom prst="rect">
-            <a:avLst/>
-          </a:prstGeom>
-          <a:solidFill>
-            <a:srgbClr val="BAF7C9"/>
-          </a:solidFill>
-          <a:ln>
-            <a:noFill/>
-          </a:ln>
-        </p:spPr>
-        <p:style>
-          <a:lnRef idx="2">
-            <a:schemeClr val="accent1">
-              <a:shade val="50000"/>
-            </a:schemeClr>
-          </a:lnRef>
-          <a:fillRef idx="1">
-            <a:schemeClr val="accent1"/>
-          </a:fillRef>
-          <a:effectRef idx="0">
-            <a:schemeClr val="accent1"/>
-          </a:effectRef>
-          <a:fontRef idx="minor">
-            <a:schemeClr val="lt1"/>
-          </a:fontRef>
-        </p:style>
-        <p:txBody>
-          <a:bodyPr rtlCol="0" anchor="ctr"/>
-          <a:lstStyle/>
-          <a:p>
-            <a:pPr marL="0" marR="0" lvl="0" indent="0" algn="ctr" defTabSz="914400" rtl="0" eaLnBrk="1" fontAlgn="auto" latinLnBrk="0" hangingPunct="1">
-              <a:lnSpc>
-                <a:spcPct val="100000"/>
-              </a:lnSpc>
-              <a:spcBef>
-                <a:spcPts val="0"/>
-              </a:spcBef>
-              <a:spcAft>
-                <a:spcPts val="0"/>
-              </a:spcAft>
-              <a:buClr>
-                <a:srgbClr val="000000"/>
-              </a:buClr>
-              <a:buSzTx/>
-              <a:buFont typeface="Arial"/>
-              <a:buNone/>
-              <a:tabLst/>
-              <a:defRPr/>
-            </a:pPr>
-            <a:endParaRPr kumimoji="0" lang="es-CO" sz="1400" b="0" i="0" u="none" strike="noStrike" kern="0" cap="none" spc="0" normalizeH="0" baseline="0" noProof="0">
-              <a:ln>
-                <a:noFill/>
-              </a:ln>
-              <a:solidFill>
-                <a:srgbClr val="BAF7C9"/>
-              </a:solidFill>
-              <a:effectLst/>
-              <a:uLnTx/>
-              <a:uFillTx/>
-              <a:latin typeface="Arial"/>
-              <a:ea typeface="+mn-ea"/>
-              <a:cs typeface="+mn-cs"/>
-              <a:sym typeface="Arial"/>
-            </a:endParaRPr>
-          </a:p>
-        </p:txBody>
-      </p:sp>
-      <p:sp>
-        <p:nvSpPr>
-          <p:cNvPr id="28" name="Rectángulo 27">
-            <a:extLst>
-              <a:ext uri="{FF2B5EF4-FFF2-40B4-BE49-F238E27FC236}">
-                <a16:creationId xmlns:a16="http://schemas.microsoft.com/office/drawing/2014/main" id="{F87A6902-5CAB-482B-A04D-990353BC1E7D}"/>
-              </a:ext>
-            </a:extLst>
-          </p:cNvPr>
-          <p:cNvSpPr/>
-          <p:nvPr/>
-        </p:nvSpPr>
-        <p:spPr>
-          <a:xfrm>
-            <a:off x="7991061" y="2464821"/>
-            <a:ext cx="1154128" cy="895868"/>
-          </a:xfrm>
-          <a:prstGeom prst="rect">
-            <a:avLst/>
-          </a:prstGeom>
-          <a:solidFill>
-            <a:srgbClr val="BAF7C9"/>
-          </a:solidFill>
-          <a:ln>
-            <a:noFill/>
-          </a:ln>
-        </p:spPr>
-        <p:style>
-          <a:lnRef idx="2">
-            <a:schemeClr val="accent1">
-              <a:shade val="50000"/>
-            </a:schemeClr>
-          </a:lnRef>
-          <a:fillRef idx="1">
-            <a:schemeClr val="accent1"/>
-          </a:fillRef>
-          <a:effectRef idx="0">
-            <a:schemeClr val="accent1"/>
-          </a:effectRef>
-          <a:fontRef idx="minor">
-            <a:schemeClr val="lt1"/>
-          </a:fontRef>
-        </p:style>
-        <p:txBody>
-          <a:bodyPr rtlCol="0" anchor="ctr"/>
-          <a:lstStyle/>
-          <a:p>
-            <a:pPr marL="0" marR="0" lvl="0" indent="0" algn="ctr" defTabSz="914400" rtl="0" eaLnBrk="1" fontAlgn="auto" latinLnBrk="0" hangingPunct="1">
-              <a:lnSpc>
-                <a:spcPct val="100000"/>
-              </a:lnSpc>
-              <a:spcBef>
-                <a:spcPts val="0"/>
-              </a:spcBef>
-              <a:spcAft>
-                <a:spcPts val="0"/>
-              </a:spcAft>
-              <a:buClr>
-                <a:srgbClr val="000000"/>
-              </a:buClr>
-              <a:buSzTx/>
-              <a:buFont typeface="Arial"/>
-              <a:buNone/>
-              <a:tabLst/>
-              <a:defRPr/>
-            </a:pPr>
-            <a:endParaRPr kumimoji="0" lang="es-CO" sz="1400" b="0" i="0" u="none" strike="noStrike" kern="0" cap="none" spc="0" normalizeH="0" baseline="0" noProof="0">
-              <a:ln>
-                <a:noFill/>
-              </a:ln>
-              <a:solidFill>
-                <a:srgbClr val="BAF7C9"/>
-              </a:solidFill>
-              <a:effectLst/>
-              <a:uLnTx/>
-              <a:uFillTx/>
-              <a:latin typeface="Arial"/>
-              <a:ea typeface="+mn-ea"/>
-              <a:cs typeface="+mn-cs"/>
-              <a:sym typeface="Arial"/>
-            </a:endParaRPr>
-          </a:p>
-        </p:txBody>
-      </p:sp>
-      <p:sp>
-        <p:nvSpPr>
-          <p:cNvPr id="3" name="Título 2">
-            <a:extLst>
-              <a:ext uri="{FF2B5EF4-FFF2-40B4-BE49-F238E27FC236}">
-                <a16:creationId xmlns:a16="http://schemas.microsoft.com/office/drawing/2014/main" id="{958E9C0A-1B7C-480F-B568-0D2DDEF32A6F}"/>
-              </a:ext>
-            </a:extLst>
-          </p:cNvPr>
-          <p:cNvSpPr>
-            <a:spLocks noGrp="1"/>
-          </p:cNvSpPr>
-          <p:nvPr>
-            <p:ph type="ctrTitle"/>
-          </p:nvPr>
-        </p:nvSpPr>
-        <p:spPr>
-          <a:xfrm>
-            <a:off x="5152727" y="425272"/>
-            <a:ext cx="3194700" cy="481200"/>
-          </a:xfrm>
-        </p:spPr>
-        <p:txBody>
-          <a:bodyPr/>
-          <a:lstStyle/>
-          <a:p>
-            <a:pPr algn="ctr"/>
-            <a:r>
-              <a:rPr lang="es-CO" dirty="0"/>
-              <a:t>Potenciación rápida </a:t>
-            </a:r>
-          </a:p>
-        </p:txBody>
-      </p:sp>
-      <p:pic>
-        <p:nvPicPr>
-          <p:cNvPr id="4" name="Picture 4" descr="Símbolos Universitarios – Universidad de Nariño">
-            <a:extLst>
-              <a:ext uri="{FF2B5EF4-FFF2-40B4-BE49-F238E27FC236}">
-                <a16:creationId xmlns:a16="http://schemas.microsoft.com/office/drawing/2014/main" id="{0B2EA667-CB57-4DF8-BB35-E9AFDF367C2B}"/>
-              </a:ext>
-            </a:extLst>
-          </p:cNvPr>
-          <p:cNvPicPr>
-            <a:picLocks noChangeAspect="1" noChangeArrowheads="1"/>
-          </p:cNvPicPr>
-          <p:nvPr/>
-        </p:nvPicPr>
-        <p:blipFill>
-          <a:blip r:embed="rId3">
-            <a:extLst>
-              <a:ext uri="{28A0092B-C50C-407E-A947-70E740481C1C}">
-                <a14:useLocalDpi xmlns:a14="http://schemas.microsoft.com/office/drawing/2010/main" val="0"/>
-              </a:ext>
-            </a:extLst>
-          </a:blip>
-          <a:srcRect/>
-          <a:stretch>
-            <a:fillRect/>
-          </a:stretch>
-        </p:blipFill>
-        <p:spPr bwMode="auto">
-          <a:xfrm>
-            <a:off x="282654" y="292080"/>
-            <a:ext cx="660961" cy="660961"/>
-          </a:xfrm>
-          <a:prstGeom prst="rect">
-            <a:avLst/>
-          </a:prstGeom>
-          <a:noFill/>
-          <a:extLst>
-            <a:ext uri="{909E8E84-426E-40DD-AFC4-6F175D3DCCD1}">
-              <a14:hiddenFill xmlns:a14="http://schemas.microsoft.com/office/drawing/2010/main">
-                <a:solidFill>
-                  <a:srgbClr val="FFFFFF"/>
-                </a:solidFill>
-              </a14:hiddenFill>
-            </a:ext>
-          </a:extLst>
-        </p:spPr>
-      </p:pic>
-      <p:pic>
-        <p:nvPicPr>
-          <p:cNvPr id="5" name="Imagen 4">
-            <a:extLst>
-              <a:ext uri="{FF2B5EF4-FFF2-40B4-BE49-F238E27FC236}">
-                <a16:creationId xmlns:a16="http://schemas.microsoft.com/office/drawing/2014/main" id="{1B46FA37-FA47-4459-8828-383FB697E3AF}"/>
-              </a:ext>
-            </a:extLst>
-          </p:cNvPr>
-          <p:cNvPicPr>
-            <a:picLocks noChangeAspect="1"/>
-          </p:cNvPicPr>
-          <p:nvPr/>
-        </p:nvPicPr>
-        <p:blipFill rotWithShape="1">
-          <a:blip r:embed="rId4"/>
-          <a:srcRect l="53279" t="4713" r="5319"/>
-          <a:stretch/>
-        </p:blipFill>
-        <p:spPr>
-          <a:xfrm>
-            <a:off x="1111703" y="220369"/>
-            <a:ext cx="918577" cy="804385"/>
-          </a:xfrm>
-          <a:prstGeom prst="ellipse">
-            <a:avLst/>
-          </a:prstGeom>
-          <a:ln>
-            <a:noFill/>
-          </a:ln>
-          <a:effectLst>
-            <a:softEdge rad="112500"/>
-          </a:effectLst>
-        </p:spPr>
-      </p:pic>
-      <p:pic>
-        <p:nvPicPr>
-          <p:cNvPr id="6" name="Imagen 5">
-            <a:extLst>
-              <a:ext uri="{FF2B5EF4-FFF2-40B4-BE49-F238E27FC236}">
-                <a16:creationId xmlns:a16="http://schemas.microsoft.com/office/drawing/2014/main" id="{82B2A6DD-99A8-47B4-807E-F33EB8C76395}"/>
-              </a:ext>
-            </a:extLst>
-          </p:cNvPr>
-          <p:cNvPicPr>
-            <a:picLocks noChangeAspect="1"/>
-          </p:cNvPicPr>
-          <p:nvPr/>
-        </p:nvPicPr>
-        <p:blipFill rotWithShape="1">
-          <a:blip r:embed="rId5"/>
-          <a:srcRect t="4284"/>
-          <a:stretch/>
-        </p:blipFill>
-        <p:spPr>
-          <a:xfrm>
-            <a:off x="2644473" y="1752942"/>
-            <a:ext cx="3693360" cy="2690840"/>
-          </a:xfrm>
-          <a:prstGeom prst="rect">
-            <a:avLst/>
-          </a:prstGeom>
-        </p:spPr>
-      </p:pic>
-    </p:spTree>
-    <p:extLst>
-      <p:ext uri="{BB962C8B-B14F-4D97-AF65-F5344CB8AC3E}">
-        <p14:creationId xmlns:p14="http://schemas.microsoft.com/office/powerpoint/2010/main" val="2939270348"/>
-      </p:ext>
-    </p:extLst>
-  </p:cSld>
-  <p:clrMapOvr>
-    <a:masterClrMapping/>
-  </p:clrMapOvr>
-</p:sld>
-</file>
-
-<file path=ppt/slides/slide17.xml><?xml version="1.0" encoding="utf-8"?>
-<p:sld xmlns:a="http://schemas.openxmlformats.org/drawingml/2006/main" xmlns:r="http://schemas.openxmlformats.org/officeDocument/2006/relationships" xmlns:p="http://schemas.openxmlformats.org/presentationml/2006/main">
-  <p:cSld>
-    <p:spTree>
-      <p:nvGrpSpPr>
-        <p:cNvPr id="1" name=""/>
-        <p:cNvGrpSpPr/>
-        <p:nvPr/>
-      </p:nvGrpSpPr>
-      <p:grpSpPr>
-        <a:xfrm>
-          <a:off x="0" y="0"/>
-          <a:ext cx="0" cy="0"/>
-          <a:chOff x="0" y="0"/>
-          <a:chExt cx="0" cy="0"/>
-        </a:xfrm>
-      </p:grpSpPr>
-      <p:sp>
-        <p:nvSpPr>
-          <p:cNvPr id="26" name="Rectángulo 25">
-            <a:extLst>
-              <a:ext uri="{FF2B5EF4-FFF2-40B4-BE49-F238E27FC236}">
-                <a16:creationId xmlns:a16="http://schemas.microsoft.com/office/drawing/2014/main" id="{20871D08-49C4-4991-A1DB-2916029C3E9B}"/>
-              </a:ext>
-            </a:extLst>
-          </p:cNvPr>
-          <p:cNvSpPr/>
-          <p:nvPr/>
-        </p:nvSpPr>
-        <p:spPr>
-          <a:xfrm>
-            <a:off x="1111703" y="1696278"/>
-            <a:ext cx="6879357" cy="2822713"/>
-          </a:xfrm>
-          <a:prstGeom prst="rect">
-            <a:avLst/>
-          </a:prstGeom>
-          <a:solidFill>
-            <a:srgbClr val="F7F7F7"/>
-          </a:solidFill>
-        </p:spPr>
-        <p:style>
-          <a:lnRef idx="2">
-            <a:schemeClr val="accent1">
-              <a:shade val="50000"/>
-            </a:schemeClr>
-          </a:lnRef>
-          <a:fillRef idx="1">
-            <a:schemeClr val="accent1"/>
-          </a:fillRef>
-          <a:effectRef idx="0">
-            <a:schemeClr val="accent1"/>
-          </a:effectRef>
-          <a:fontRef idx="minor">
-            <a:schemeClr val="lt1"/>
-          </a:fontRef>
-        </p:style>
-        <p:txBody>
-          <a:bodyPr rtlCol="0" anchor="ctr"/>
-          <a:lstStyle/>
-          <a:p>
-            <a:pPr marL="0" marR="0" lvl="0" indent="0" algn="ctr" defTabSz="914400" rtl="0" eaLnBrk="1" fontAlgn="auto" latinLnBrk="0" hangingPunct="1">
-              <a:lnSpc>
-                <a:spcPct val="100000"/>
-              </a:lnSpc>
-              <a:spcBef>
-                <a:spcPts val="0"/>
-              </a:spcBef>
-              <a:spcAft>
-                <a:spcPts val="0"/>
-              </a:spcAft>
-              <a:buClr>
-                <a:srgbClr val="000000"/>
-              </a:buClr>
-              <a:buSzTx/>
-              <a:buFont typeface="Arial"/>
-              <a:buNone/>
-              <a:tabLst/>
-              <a:defRPr/>
-            </a:pPr>
-            <a:endParaRPr kumimoji="0" lang="es-CO" sz="1400" b="0" i="0" u="none" strike="noStrike" kern="0" cap="none" spc="0" normalizeH="0" baseline="0" noProof="0">
-              <a:ln>
-                <a:noFill/>
-              </a:ln>
-              <a:solidFill>
-                <a:srgbClr val="BAF7C9"/>
-              </a:solidFill>
-              <a:effectLst/>
-              <a:uLnTx/>
-              <a:uFillTx/>
-              <a:latin typeface="Arial"/>
-              <a:ea typeface="+mn-ea"/>
-              <a:cs typeface="+mn-cs"/>
-              <a:sym typeface="Arial"/>
-            </a:endParaRPr>
-          </a:p>
-        </p:txBody>
-      </p:sp>
-      <p:sp>
-        <p:nvSpPr>
-          <p:cNvPr id="27" name="Rectángulo 26">
-            <a:extLst>
-              <a:ext uri="{FF2B5EF4-FFF2-40B4-BE49-F238E27FC236}">
-                <a16:creationId xmlns:a16="http://schemas.microsoft.com/office/drawing/2014/main" id="{C271E673-D168-4137-8F6F-3C6D1FF393F3}"/>
-              </a:ext>
-            </a:extLst>
-          </p:cNvPr>
-          <p:cNvSpPr/>
-          <p:nvPr/>
-        </p:nvSpPr>
-        <p:spPr>
-          <a:xfrm>
-            <a:off x="1190" y="2464821"/>
-            <a:ext cx="1110513" cy="895868"/>
-          </a:xfrm>
-          <a:prstGeom prst="rect">
-            <a:avLst/>
-          </a:prstGeom>
-          <a:solidFill>
-            <a:srgbClr val="BAF7C9"/>
-          </a:solidFill>
-          <a:ln>
-            <a:noFill/>
-          </a:ln>
-        </p:spPr>
-        <p:style>
-          <a:lnRef idx="2">
-            <a:schemeClr val="accent1">
-              <a:shade val="50000"/>
-            </a:schemeClr>
-          </a:lnRef>
-          <a:fillRef idx="1">
-            <a:schemeClr val="accent1"/>
-          </a:fillRef>
-          <a:effectRef idx="0">
-            <a:schemeClr val="accent1"/>
-          </a:effectRef>
-          <a:fontRef idx="minor">
-            <a:schemeClr val="lt1"/>
-          </a:fontRef>
-        </p:style>
-        <p:txBody>
-          <a:bodyPr rtlCol="0" anchor="ctr"/>
-          <a:lstStyle/>
-          <a:p>
-            <a:pPr marL="0" marR="0" lvl="0" indent="0" algn="ctr" defTabSz="914400" rtl="0" eaLnBrk="1" fontAlgn="auto" latinLnBrk="0" hangingPunct="1">
-              <a:lnSpc>
-                <a:spcPct val="100000"/>
-              </a:lnSpc>
-              <a:spcBef>
-                <a:spcPts val="0"/>
-              </a:spcBef>
-              <a:spcAft>
-                <a:spcPts val="0"/>
-              </a:spcAft>
-              <a:buClr>
-                <a:srgbClr val="000000"/>
-              </a:buClr>
-              <a:buSzTx/>
-              <a:buFont typeface="Arial"/>
-              <a:buNone/>
-              <a:tabLst/>
-              <a:defRPr/>
-            </a:pPr>
-            <a:endParaRPr kumimoji="0" lang="es-CO" sz="1400" b="0" i="0" u="none" strike="noStrike" kern="0" cap="none" spc="0" normalizeH="0" baseline="0" noProof="0">
-              <a:ln>
-                <a:noFill/>
-              </a:ln>
-              <a:solidFill>
-                <a:srgbClr val="BAF7C9"/>
-              </a:solidFill>
-              <a:effectLst/>
-              <a:uLnTx/>
-              <a:uFillTx/>
-              <a:latin typeface="Arial"/>
-              <a:ea typeface="+mn-ea"/>
-              <a:cs typeface="+mn-cs"/>
-              <a:sym typeface="Arial"/>
-            </a:endParaRPr>
-          </a:p>
-        </p:txBody>
-      </p:sp>
-      <p:sp>
-        <p:nvSpPr>
-          <p:cNvPr id="28" name="Rectángulo 27">
-            <a:extLst>
-              <a:ext uri="{FF2B5EF4-FFF2-40B4-BE49-F238E27FC236}">
-                <a16:creationId xmlns:a16="http://schemas.microsoft.com/office/drawing/2014/main" id="{F87A6902-5CAB-482B-A04D-990353BC1E7D}"/>
-              </a:ext>
-            </a:extLst>
-          </p:cNvPr>
-          <p:cNvSpPr/>
-          <p:nvPr/>
-        </p:nvSpPr>
-        <p:spPr>
-          <a:xfrm>
-            <a:off x="7991061" y="2464821"/>
-            <a:ext cx="1154128" cy="895868"/>
-          </a:xfrm>
-          <a:prstGeom prst="rect">
-            <a:avLst/>
-          </a:prstGeom>
-          <a:solidFill>
-            <a:srgbClr val="BAF7C9"/>
-          </a:solidFill>
-          <a:ln>
-            <a:noFill/>
-          </a:ln>
-        </p:spPr>
-        <p:style>
-          <a:lnRef idx="2">
-            <a:schemeClr val="accent1">
-              <a:shade val="50000"/>
-            </a:schemeClr>
-          </a:lnRef>
-          <a:fillRef idx="1">
-            <a:schemeClr val="accent1"/>
-          </a:fillRef>
-          <a:effectRef idx="0">
-            <a:schemeClr val="accent1"/>
-          </a:effectRef>
-          <a:fontRef idx="minor">
-            <a:schemeClr val="lt1"/>
-          </a:fontRef>
-        </p:style>
-        <p:txBody>
-          <a:bodyPr rtlCol="0" anchor="ctr"/>
-          <a:lstStyle/>
-          <a:p>
-            <a:pPr marL="0" marR="0" lvl="0" indent="0" algn="ctr" defTabSz="914400" rtl="0" eaLnBrk="1" fontAlgn="auto" latinLnBrk="0" hangingPunct="1">
-              <a:lnSpc>
-                <a:spcPct val="100000"/>
-              </a:lnSpc>
-              <a:spcBef>
-                <a:spcPts val="0"/>
-              </a:spcBef>
-              <a:spcAft>
-                <a:spcPts val="0"/>
-              </a:spcAft>
-              <a:buClr>
-                <a:srgbClr val="000000"/>
-              </a:buClr>
-              <a:buSzTx/>
-              <a:buFont typeface="Arial"/>
-              <a:buNone/>
-              <a:tabLst/>
-              <a:defRPr/>
-            </a:pPr>
-            <a:endParaRPr kumimoji="0" lang="es-CO" sz="1400" b="0" i="0" u="none" strike="noStrike" kern="0" cap="none" spc="0" normalizeH="0" baseline="0" noProof="0">
-              <a:ln>
-                <a:noFill/>
-              </a:ln>
-              <a:solidFill>
-                <a:srgbClr val="BAF7C9"/>
-              </a:solidFill>
-              <a:effectLst/>
-              <a:uLnTx/>
-              <a:uFillTx/>
-              <a:latin typeface="Arial"/>
-              <a:ea typeface="+mn-ea"/>
-              <a:cs typeface="+mn-cs"/>
-              <a:sym typeface="Arial"/>
-            </a:endParaRPr>
-          </a:p>
-        </p:txBody>
-      </p:sp>
-      <p:sp>
-        <p:nvSpPr>
-          <p:cNvPr id="3" name="Título 2">
-            <a:extLst>
-              <a:ext uri="{FF2B5EF4-FFF2-40B4-BE49-F238E27FC236}">
-                <a16:creationId xmlns:a16="http://schemas.microsoft.com/office/drawing/2014/main" id="{958E9C0A-1B7C-480F-B568-0D2DDEF32A6F}"/>
-              </a:ext>
-            </a:extLst>
-          </p:cNvPr>
-          <p:cNvSpPr>
-            <a:spLocks noGrp="1"/>
-          </p:cNvSpPr>
-          <p:nvPr>
-            <p:ph type="ctrTitle"/>
-          </p:nvPr>
-        </p:nvSpPr>
-        <p:spPr>
-          <a:xfrm>
-            <a:off x="5152727" y="425272"/>
-            <a:ext cx="3194700" cy="481200"/>
-          </a:xfrm>
-        </p:spPr>
-        <p:txBody>
-          <a:bodyPr/>
-          <a:lstStyle/>
-          <a:p>
-            <a:pPr algn="ctr"/>
-            <a:r>
-              <a:rPr lang="es-CO" dirty="0"/>
-              <a:t>Potenciación rápida </a:t>
-            </a:r>
-          </a:p>
-        </p:txBody>
-      </p:sp>
-      <p:pic>
-        <p:nvPicPr>
-          <p:cNvPr id="4" name="Picture 4" descr="Símbolos Universitarios – Universidad de Nariño">
-            <a:extLst>
-              <a:ext uri="{FF2B5EF4-FFF2-40B4-BE49-F238E27FC236}">
-                <a16:creationId xmlns:a16="http://schemas.microsoft.com/office/drawing/2014/main" id="{0B2EA667-CB57-4DF8-BB35-E9AFDF367C2B}"/>
-              </a:ext>
-            </a:extLst>
-          </p:cNvPr>
-          <p:cNvPicPr>
-            <a:picLocks noChangeAspect="1" noChangeArrowheads="1"/>
-          </p:cNvPicPr>
-          <p:nvPr/>
-        </p:nvPicPr>
-        <p:blipFill>
-          <a:blip r:embed="rId3">
-            <a:extLst>
-              <a:ext uri="{28A0092B-C50C-407E-A947-70E740481C1C}">
-                <a14:useLocalDpi xmlns:a14="http://schemas.microsoft.com/office/drawing/2010/main" val="0"/>
-              </a:ext>
-            </a:extLst>
-          </a:blip>
-          <a:srcRect/>
-          <a:stretch>
-            <a:fillRect/>
-          </a:stretch>
-        </p:blipFill>
-        <p:spPr bwMode="auto">
-          <a:xfrm>
-            <a:off x="282654" y="292080"/>
-            <a:ext cx="660961" cy="660961"/>
-          </a:xfrm>
-          <a:prstGeom prst="rect">
-            <a:avLst/>
-          </a:prstGeom>
-          <a:noFill/>
-          <a:extLst>
-            <a:ext uri="{909E8E84-426E-40DD-AFC4-6F175D3DCCD1}">
-              <a14:hiddenFill xmlns:a14="http://schemas.microsoft.com/office/drawing/2010/main">
-                <a:solidFill>
-                  <a:srgbClr val="FFFFFF"/>
-                </a:solidFill>
-              </a14:hiddenFill>
-            </a:ext>
-          </a:extLst>
-        </p:spPr>
-      </p:pic>
-      <p:pic>
-        <p:nvPicPr>
-          <p:cNvPr id="5" name="Imagen 4">
-            <a:extLst>
-              <a:ext uri="{FF2B5EF4-FFF2-40B4-BE49-F238E27FC236}">
-                <a16:creationId xmlns:a16="http://schemas.microsoft.com/office/drawing/2014/main" id="{1B46FA37-FA47-4459-8828-383FB697E3AF}"/>
-              </a:ext>
-            </a:extLst>
-          </p:cNvPr>
-          <p:cNvPicPr>
-            <a:picLocks noChangeAspect="1"/>
-          </p:cNvPicPr>
-          <p:nvPr/>
-        </p:nvPicPr>
-        <p:blipFill rotWithShape="1">
-          <a:blip r:embed="rId4"/>
-          <a:srcRect l="53279" t="4713" r="5319"/>
-          <a:stretch/>
-        </p:blipFill>
-        <p:spPr>
-          <a:xfrm>
-            <a:off x="1111703" y="220369"/>
-            <a:ext cx="918577" cy="804385"/>
-          </a:xfrm>
-          <a:prstGeom prst="ellipse">
-            <a:avLst/>
-          </a:prstGeom>
-          <a:ln>
-            <a:noFill/>
-          </a:ln>
-          <a:effectLst>
-            <a:softEdge rad="112500"/>
-          </a:effectLst>
-        </p:spPr>
-      </p:pic>
-      <p:pic>
-        <p:nvPicPr>
-          <p:cNvPr id="7" name="Gráfico 6">
-            <a:extLst>
-              <a:ext uri="{FF2B5EF4-FFF2-40B4-BE49-F238E27FC236}">
-                <a16:creationId xmlns:a16="http://schemas.microsoft.com/office/drawing/2014/main" id="{5DCC6F48-FBB3-4041-B07E-E9627BE571C2}"/>
-              </a:ext>
-            </a:extLst>
-          </p:cNvPr>
-          <p:cNvPicPr>
-            <a:picLocks noChangeAspect="1"/>
-          </p:cNvPicPr>
-          <p:nvPr/>
-        </p:nvPicPr>
-        <p:blipFill>
-          <a:blip r:embed="rId5">
-            <a:extLst>
-              <a:ext uri="{96DAC541-7B7A-43D3-8B79-37D633B846F1}">
-                <asvg:svgBlip xmlns:asvg="http://schemas.microsoft.com/office/drawing/2016/SVG/main" r:embed="rId6"/>
-              </a:ext>
-            </a:extLst>
-          </a:blip>
-          <a:stretch>
-            <a:fillRect/>
-          </a:stretch>
-        </p:blipFill>
-        <p:spPr>
-          <a:xfrm>
-            <a:off x="4960044" y="2010766"/>
-            <a:ext cx="2292415" cy="2433016"/>
-          </a:xfrm>
-          <a:prstGeom prst="rect">
-            <a:avLst/>
-          </a:prstGeom>
-        </p:spPr>
-      </p:pic>
-      <p:pic>
-        <p:nvPicPr>
-          <p:cNvPr id="10" name="Gráfico 9">
-            <a:extLst>
-              <a:ext uri="{FF2B5EF4-FFF2-40B4-BE49-F238E27FC236}">
-                <a16:creationId xmlns:a16="http://schemas.microsoft.com/office/drawing/2014/main" id="{F59ABD10-1F01-4CBD-B883-FAEA075D64FC}"/>
-              </a:ext>
-            </a:extLst>
-          </p:cNvPr>
-          <p:cNvPicPr>
-            <a:picLocks noChangeAspect="1"/>
-          </p:cNvPicPr>
-          <p:nvPr/>
-        </p:nvPicPr>
-        <p:blipFill>
-          <a:blip r:embed="rId7">
-            <a:extLst>
-              <a:ext uri="{96DAC541-7B7A-43D3-8B79-37D633B846F1}">
-                <asvg:svgBlip xmlns:asvg="http://schemas.microsoft.com/office/drawing/2016/SVG/main" r:embed="rId8"/>
-              </a:ext>
-            </a:extLst>
-          </a:blip>
-          <a:stretch>
-            <a:fillRect/>
-          </a:stretch>
-        </p:blipFill>
-        <p:spPr>
-          <a:xfrm>
-            <a:off x="1837372" y="1852715"/>
-            <a:ext cx="3176587" cy="2509837"/>
-          </a:xfrm>
-          <a:prstGeom prst="rect">
-            <a:avLst/>
-          </a:prstGeom>
-        </p:spPr>
-      </p:pic>
-    </p:spTree>
-    <p:extLst>
-      <p:ext uri="{BB962C8B-B14F-4D97-AF65-F5344CB8AC3E}">
-        <p14:creationId xmlns:p14="http://schemas.microsoft.com/office/powerpoint/2010/main" val="1118077777"/>
-      </p:ext>
-    </p:extLst>
-  </p:cSld>
-  <p:clrMapOvr>
-    <a:masterClrMapping/>
-  </p:clrMapOvr>
-</p:sld>
-</file>
-
-<file path=ppt/slides/slide18.xml><?xml version="1.0" encoding="utf-8"?>
-<p:sld xmlns:a="http://schemas.openxmlformats.org/drawingml/2006/main" xmlns:r="http://schemas.openxmlformats.org/officeDocument/2006/relationships" xmlns:p="http://schemas.openxmlformats.org/presentationml/2006/main">
-  <p:cSld>
-    <p:spTree>
-      <p:nvGrpSpPr>
-        <p:cNvPr id="1" name=""/>
-        <p:cNvGrpSpPr/>
-        <p:nvPr/>
-      </p:nvGrpSpPr>
-      <p:grpSpPr>
-        <a:xfrm>
-          <a:off x="0" y="0"/>
-          <a:ext cx="0" cy="0"/>
-          <a:chOff x="0" y="0"/>
-          <a:chExt cx="0" cy="0"/>
-        </a:xfrm>
-      </p:grpSpPr>
-      <mc:AlternateContent xmlns:mc="http://schemas.openxmlformats.org/markup-compatibility/2006" xmlns:a14="http://schemas.microsoft.com/office/drawing/2010/main">
-        <mc:Choice Requires="a14">
-          <p:sp>
-            <p:nvSpPr>
-              <p:cNvPr id="2" name="Subtítulo 1">
-                <a:extLst>
-                  <a:ext uri="{FF2B5EF4-FFF2-40B4-BE49-F238E27FC236}">
-                    <a16:creationId xmlns:a16="http://schemas.microsoft.com/office/drawing/2014/main" id="{29A75048-B2F8-4A8B-9645-CF6D9A7AE10B}"/>
-                  </a:ext>
-                </a:extLst>
-              </p:cNvPr>
-              <p:cNvSpPr>
-                <a:spLocks noGrp="1"/>
-              </p:cNvSpPr>
-              <p:nvPr>
-                <p:ph type="subTitle" idx="1"/>
-              </p:nvPr>
-            </p:nvSpPr>
-            <p:spPr>
-              <a:xfrm flipH="1">
-                <a:off x="3904322" y="1517500"/>
-                <a:ext cx="4873792" cy="2763650"/>
-              </a:xfrm>
-            </p:spPr>
-            <p:txBody>
-              <a:bodyPr/>
-              <a:lstStyle/>
-              <a:p>
-                <a:pPr marL="152400" indent="0" algn="just">
-                  <a:buNone/>
-                </a:pPr>
-                <a:endParaRPr lang="es-CO" sz="1200" dirty="0">
-                  <a:latin typeface="Abadi" panose="020B0604020104020204" pitchFamily="34" charset="0"/>
-                </a:endParaRPr>
-              </a:p>
-              <a:p>
-                <a:pPr marL="152400" indent="0" algn="just">
-                  <a:buNone/>
-                </a:pPr>
-                <a:r>
-                  <a:rPr lang="es-CO" sz="1200" dirty="0">
-                    <a:latin typeface="Abadi" panose="020B0604020104020204" pitchFamily="34" charset="0"/>
-                  </a:rPr>
-                  <a:t>La potenciación rápida es un algoritmo para calcular la potencia enésima de cualquier estructura donde este definida la multiplicación y el algoritmo es el siguiente: mientras exponente sea diferente de 0 se repiten los siguientes pasos:</a:t>
-                </a:r>
-              </a:p>
-              <a:p>
-                <a:pPr marL="323850" indent="-171450" algn="just">
-                  <a:buFont typeface="Arial" panose="020B0604020202020204" pitchFamily="34" charset="0"/>
-                  <a:buChar char="•"/>
-                </a:pPr>
-                <a:r>
-                  <a:rPr lang="es-CO" sz="1200" dirty="0">
-                    <a:latin typeface="Abadi" panose="020B0604020104020204" pitchFamily="34" charset="0"/>
-                  </a:rPr>
-                  <a:t>Hacemos el resultado igual a la unidad, si el exponente es impar multiplicamos el resultado por nuestra base ósea </a:t>
-                </a:r>
-                <a14:m>
-                  <m:oMath xmlns:m="http://schemas.openxmlformats.org/officeDocument/2006/math">
-                    <m:r>
-                      <a:rPr lang="es-CO" sz="1200" b="0" i="1" smtClean="0">
-                        <a:latin typeface="Cambria Math" panose="02040503050406030204" pitchFamily="18" charset="0"/>
-                      </a:rPr>
-                      <m:t>𝑟𝑒𝑠𝑢𝑙𝑡𝑎𝑑𝑜</m:t>
-                    </m:r>
-                    <m:r>
-                      <a:rPr lang="es-CO" sz="1200" b="0" i="1" smtClean="0">
-                        <a:latin typeface="Cambria Math" panose="02040503050406030204" pitchFamily="18" charset="0"/>
-                      </a:rPr>
-                      <m:t>=</m:t>
-                    </m:r>
-                    <m:d>
-                      <m:dPr>
-                        <m:ctrlPr>
-                          <a:rPr lang="es-CO" sz="1200" b="0" i="1" smtClean="0">
-                            <a:latin typeface="Cambria Math" panose="02040503050406030204" pitchFamily="18" charset="0"/>
-                          </a:rPr>
-                        </m:ctrlPr>
-                      </m:dPr>
-                      <m:e>
-                        <m:r>
-                          <a:rPr lang="es-CO" sz="1200" b="0" i="1" smtClean="0">
-                            <a:latin typeface="Cambria Math" panose="02040503050406030204" pitchFamily="18" charset="0"/>
-                          </a:rPr>
-                          <m:t>𝑟𝑒𝑠𝑢𝑙𝑡𝑎𝑑𝑜</m:t>
-                        </m:r>
-                      </m:e>
-                    </m:d>
-                    <m:d>
-                      <m:dPr>
-                        <m:ctrlPr>
-                          <a:rPr lang="es-CO" sz="1200" b="0" i="1" smtClean="0">
-                            <a:latin typeface="Cambria Math" panose="02040503050406030204" pitchFamily="18" charset="0"/>
-                          </a:rPr>
-                        </m:ctrlPr>
-                      </m:dPr>
-                      <m:e>
-                        <m:r>
-                          <a:rPr lang="es-CO" sz="1200" b="0" i="1" smtClean="0">
-                            <a:latin typeface="Cambria Math" panose="02040503050406030204" pitchFamily="18" charset="0"/>
-                          </a:rPr>
-                          <m:t>𝑏𝑎𝑠𝑒</m:t>
-                        </m:r>
-                      </m:e>
-                    </m:d>
-                  </m:oMath>
-                </a14:m>
-                <a:endParaRPr lang="es-CO" sz="1200" dirty="0">
-                  <a:latin typeface="Abadi" panose="020B0604020104020204" pitchFamily="34" charset="0"/>
-                </a:endParaRPr>
-              </a:p>
-              <a:p>
-                <a:pPr marL="323850" indent="-171450" algn="just">
-                  <a:buFont typeface="Arial" panose="020B0604020202020204" pitchFamily="34" charset="0"/>
-                  <a:buChar char="•"/>
-                </a:pPr>
-                <a:r>
-                  <a:rPr lang="es-CO" sz="1200" dirty="0">
-                    <a:latin typeface="Abadi" panose="020B0604020104020204" pitchFamily="34" charset="0"/>
-                  </a:rPr>
-                  <a:t>hacemos la </a:t>
-                </a:r>
-                <a14:m>
-                  <m:oMath xmlns:m="http://schemas.openxmlformats.org/officeDocument/2006/math">
-                    <m:r>
-                      <a:rPr lang="es-CO" sz="1200" b="0" i="1" smtClean="0">
-                        <a:latin typeface="Cambria Math" panose="02040503050406030204" pitchFamily="18" charset="0"/>
-                      </a:rPr>
-                      <m:t>𝑏𝑎𝑠𝑒</m:t>
-                    </m:r>
-                    <m:r>
-                      <a:rPr lang="es-CO" sz="1200" b="0" i="1" smtClean="0">
-                        <a:latin typeface="Cambria Math" panose="02040503050406030204" pitchFamily="18" charset="0"/>
-                      </a:rPr>
-                      <m:t>=</m:t>
-                    </m:r>
-                    <m:d>
-                      <m:dPr>
-                        <m:ctrlPr>
-                          <a:rPr lang="es-CO" sz="1200" b="0" i="1" smtClean="0">
-                            <a:latin typeface="Cambria Math" panose="02040503050406030204" pitchFamily="18" charset="0"/>
-                          </a:rPr>
-                        </m:ctrlPr>
-                      </m:dPr>
-                      <m:e>
-                        <m:r>
-                          <a:rPr lang="es-CO" sz="1200" b="0" i="1" smtClean="0">
-                            <a:latin typeface="Cambria Math" panose="02040503050406030204" pitchFamily="18" charset="0"/>
-                          </a:rPr>
-                          <m:t>𝑏𝑎𝑠𝑒</m:t>
-                        </m:r>
-                      </m:e>
-                    </m:d>
-                    <m:d>
-                      <m:dPr>
-                        <m:ctrlPr>
-                          <a:rPr lang="es-CO" sz="1200" b="0" i="1" smtClean="0">
-                            <a:latin typeface="Cambria Math" panose="02040503050406030204" pitchFamily="18" charset="0"/>
-                          </a:rPr>
-                        </m:ctrlPr>
-                      </m:dPr>
-                      <m:e>
-                        <m:r>
-                          <a:rPr lang="es-CO" sz="1200" b="0" i="1" smtClean="0">
-                            <a:latin typeface="Cambria Math" panose="02040503050406030204" pitchFamily="18" charset="0"/>
-                          </a:rPr>
-                          <m:t>𝑏𝑎𝑠𝑒</m:t>
-                        </m:r>
-                      </m:e>
-                    </m:d>
-                  </m:oMath>
-                </a14:m>
-                <a:endParaRPr lang="es-CO" sz="1200" dirty="0">
-                  <a:latin typeface="Abadi" panose="020B0604020104020204" pitchFamily="34" charset="0"/>
-                </a:endParaRPr>
-              </a:p>
-              <a:p>
-                <a:pPr marL="323850" indent="-171450" algn="just">
-                  <a:buFont typeface="Arial" panose="020B0604020202020204" pitchFamily="34" charset="0"/>
-                  <a:buChar char="•"/>
-                </a:pPr>
-                <a:r>
-                  <a:rPr lang="es-CO" sz="1200" dirty="0">
-                    <a:latin typeface="Abadi" panose="020B0604020104020204" pitchFamily="34" charset="0"/>
-                  </a:rPr>
-                  <a:t>tomamos la parte entera de dividir nuestro exponente por 2, </a:t>
-                </a:r>
-                <a14:m>
-                  <m:oMath xmlns:m="http://schemas.openxmlformats.org/officeDocument/2006/math">
-                    <m:r>
-                      <a:rPr lang="es-CO" sz="1200" b="0" i="1" smtClean="0">
-                        <a:latin typeface="Cambria Math" panose="02040503050406030204" pitchFamily="18" charset="0"/>
-                      </a:rPr>
-                      <m:t>𝑒𝑥𝑝𝑜𝑛𝑒𝑛𝑡𝑒</m:t>
-                    </m:r>
-                    <m:r>
-                      <a:rPr lang="es-CO" sz="1200" b="0" i="1" smtClean="0">
-                        <a:latin typeface="Cambria Math" panose="02040503050406030204" pitchFamily="18" charset="0"/>
-                      </a:rPr>
-                      <m:t>=</m:t>
-                    </m:r>
-                    <m:f>
-                      <m:fPr>
-                        <m:ctrlPr>
-                          <a:rPr lang="es-CO" sz="1200" b="0" i="1" smtClean="0">
-                            <a:latin typeface="Cambria Math" panose="02040503050406030204" pitchFamily="18" charset="0"/>
-                          </a:rPr>
-                        </m:ctrlPr>
-                      </m:fPr>
-                      <m:num>
-                        <m:r>
-                          <a:rPr lang="es-CO" sz="1200" b="0" i="1" smtClean="0">
-                            <a:latin typeface="Cambria Math" panose="02040503050406030204" pitchFamily="18" charset="0"/>
-                          </a:rPr>
-                          <m:t>𝑒𝑥𝑝𝑜𝑛𝑒𝑛𝑡𝑒</m:t>
-                        </m:r>
-                      </m:num>
-                      <m:den>
-                        <m:r>
-                          <a:rPr lang="es-CO" sz="1200" b="0" i="1" smtClean="0">
-                            <a:latin typeface="Cambria Math" panose="02040503050406030204" pitchFamily="18" charset="0"/>
-                          </a:rPr>
-                          <m:t>2</m:t>
-                        </m:r>
-                      </m:den>
-                    </m:f>
-                  </m:oMath>
-                </a14:m>
-                <a:r>
-                  <a:rPr lang="es-CO" sz="1200" dirty="0">
-                    <a:latin typeface="Abadi" panose="020B0604020104020204" pitchFamily="34" charset="0"/>
-                  </a:rPr>
-                  <a:t> estamos utilizando la propiedad de la potenciación que dice </a:t>
-                </a:r>
-                <a14:m>
-                  <m:oMath xmlns:m="http://schemas.openxmlformats.org/officeDocument/2006/math">
-                    <m:sSup>
-                      <m:sSupPr>
-                        <m:ctrlPr>
-                          <a:rPr lang="es-CO" sz="1200" i="1" smtClean="0">
-                            <a:latin typeface="Cambria Math" panose="02040503050406030204" pitchFamily="18" charset="0"/>
-                          </a:rPr>
-                        </m:ctrlPr>
-                      </m:sSupPr>
-                      <m:e>
-                        <m:d>
-                          <m:dPr>
-                            <m:ctrlPr>
-                              <a:rPr lang="es-CO" sz="1200" i="1">
-                                <a:latin typeface="Cambria Math" panose="02040503050406030204" pitchFamily="18" charset="0"/>
-                              </a:rPr>
-                            </m:ctrlPr>
-                          </m:dPr>
-                          <m:e>
-                            <m:sSup>
-                              <m:sSupPr>
-                                <m:ctrlPr>
-                                  <a:rPr lang="es-CO" sz="1200" i="1">
-                                    <a:latin typeface="Cambria Math" panose="02040503050406030204" pitchFamily="18" charset="0"/>
-                                  </a:rPr>
-                                </m:ctrlPr>
-                              </m:sSupPr>
-                              <m:e>
-                                <m:r>
-                                  <a:rPr lang="es-CO" sz="1200" i="1">
-                                    <a:latin typeface="Cambria Math" panose="02040503050406030204" pitchFamily="18" charset="0"/>
-                                  </a:rPr>
-                                  <m:t>2</m:t>
-                                </m:r>
-                              </m:e>
-                              <m:sup>
-                                <m:r>
-                                  <a:rPr lang="es-CO" sz="1200" i="1">
-                                    <a:latin typeface="Cambria Math" panose="02040503050406030204" pitchFamily="18" charset="0"/>
-                                  </a:rPr>
-                                  <m:t>𝑛</m:t>
-                                </m:r>
-                              </m:sup>
-                            </m:sSup>
-                          </m:e>
-                        </m:d>
-                      </m:e>
-                      <m:sup>
-                        <m:r>
-                          <a:rPr lang="es-CO" sz="1200" b="0" i="1" smtClean="0">
-                            <a:latin typeface="Cambria Math" panose="02040503050406030204" pitchFamily="18" charset="0"/>
-                          </a:rPr>
-                          <m:t>𝑚</m:t>
-                        </m:r>
-                      </m:sup>
-                    </m:sSup>
-                    <m:r>
-                      <a:rPr lang="es-CO" sz="1200" b="0" i="1" smtClean="0">
-                        <a:latin typeface="Cambria Math" panose="02040503050406030204" pitchFamily="18" charset="0"/>
-                      </a:rPr>
-                      <m:t>=</m:t>
-                    </m:r>
-                    <m:sSup>
-                      <m:sSupPr>
-                        <m:ctrlPr>
-                          <a:rPr lang="es-CO" sz="1200" b="0" i="1" smtClean="0">
-                            <a:latin typeface="Cambria Math" panose="02040503050406030204" pitchFamily="18" charset="0"/>
-                          </a:rPr>
-                        </m:ctrlPr>
-                      </m:sSupPr>
-                      <m:e>
-                        <m:r>
-                          <a:rPr lang="es-CO" sz="1200" b="0" i="1" smtClean="0">
-                            <a:latin typeface="Cambria Math" panose="02040503050406030204" pitchFamily="18" charset="0"/>
-                          </a:rPr>
-                          <m:t>2</m:t>
-                        </m:r>
-                      </m:e>
-                      <m:sup>
-                        <m:r>
-                          <a:rPr lang="es-CO" sz="1200" b="0" i="1" smtClean="0">
-                            <a:latin typeface="Cambria Math" panose="02040503050406030204" pitchFamily="18" charset="0"/>
-                          </a:rPr>
-                          <m:t>𝑛𝑚</m:t>
-                        </m:r>
-                      </m:sup>
-                    </m:sSup>
-                  </m:oMath>
-                </a14:m>
-                <a:endParaRPr lang="es-CO" sz="1200" dirty="0">
-                  <a:latin typeface="Abadi" panose="020B0604020104020204" pitchFamily="34" charset="0"/>
-                </a:endParaRPr>
-              </a:p>
-            </p:txBody>
-          </p:sp>
-        </mc:Choice>
-        <mc:Fallback xmlns="">
-          <p:sp>
-            <p:nvSpPr>
-              <p:cNvPr id="2" name="Subtítulo 1">
-                <a:extLst>
-                  <a:ext uri="{FF2B5EF4-FFF2-40B4-BE49-F238E27FC236}">
-                    <a16:creationId xmlns:a16="http://schemas.microsoft.com/office/drawing/2014/main" id="{29A75048-B2F8-4A8B-9645-CF6D9A7AE10B}"/>
-                  </a:ext>
-                </a:extLst>
-              </p:cNvPr>
-              <p:cNvSpPr>
-                <a:spLocks noGrp="1" noRot="1" noChangeAspect="1" noMove="1" noResize="1" noEditPoints="1" noAdjustHandles="1" noChangeArrowheads="1" noChangeShapeType="1" noTextEdit="1"/>
-              </p:cNvSpPr>
-              <p:nvPr>
-                <p:ph type="subTitle" idx="1"/>
-              </p:nvPr>
-            </p:nvSpPr>
-            <p:spPr>
-              <a:xfrm flipH="1">
-                <a:off x="3904322" y="1517500"/>
-                <a:ext cx="4873792" cy="2763650"/>
-              </a:xfrm>
-              <a:blipFill>
-                <a:blip r:embed="rId2"/>
-                <a:stretch>
-                  <a:fillRect/>
-                </a:stretch>
-              </a:blipFill>
-            </p:spPr>
-            <p:txBody>
-              <a:bodyPr/>
-              <a:lstStyle/>
-              <a:p>
-                <a:r>
-                  <a:rPr lang="es-CO">
-                    <a:noFill/>
-                  </a:rPr>
-                  <a:t> </a:t>
-                </a:r>
-              </a:p>
-            </p:txBody>
-          </p:sp>
-        </mc:Fallback>
-      </mc:AlternateContent>
-      <p:pic>
-        <p:nvPicPr>
-          <p:cNvPr id="4" name="Picture 4" descr="Símbolos Universitarios – Universidad de Nariño">
-            <a:extLst>
-              <a:ext uri="{FF2B5EF4-FFF2-40B4-BE49-F238E27FC236}">
-                <a16:creationId xmlns:a16="http://schemas.microsoft.com/office/drawing/2014/main" id="{0B2EA667-CB57-4DF8-BB35-E9AFDF367C2B}"/>
-              </a:ext>
-            </a:extLst>
-          </p:cNvPr>
-          <p:cNvPicPr>
-            <a:picLocks noChangeAspect="1" noChangeArrowheads="1"/>
-          </p:cNvPicPr>
-          <p:nvPr/>
-        </p:nvPicPr>
-        <p:blipFill>
-          <a:blip r:embed="rId3">
-            <a:extLst>
-              <a:ext uri="{28A0092B-C50C-407E-A947-70E740481C1C}">
-                <a14:useLocalDpi xmlns:a14="http://schemas.microsoft.com/office/drawing/2010/main" val="0"/>
-              </a:ext>
-            </a:extLst>
-          </a:blip>
-          <a:srcRect/>
-          <a:stretch>
-            <a:fillRect/>
-          </a:stretch>
-        </p:blipFill>
-        <p:spPr bwMode="auto">
-          <a:xfrm>
-            <a:off x="261990" y="192093"/>
-            <a:ext cx="660961" cy="660961"/>
-          </a:xfrm>
-          <a:prstGeom prst="rect">
-            <a:avLst/>
-          </a:prstGeom>
-          <a:noFill/>
-          <a:extLst>
-            <a:ext uri="{909E8E84-426E-40DD-AFC4-6F175D3DCCD1}">
-              <a14:hiddenFill xmlns:a14="http://schemas.microsoft.com/office/drawing/2010/main">
-                <a:solidFill>
-                  <a:srgbClr val="FFFFFF"/>
-                </a:solidFill>
-              </a14:hiddenFill>
-            </a:ext>
-          </a:extLst>
-        </p:spPr>
-      </p:pic>
-      <p:pic>
-        <p:nvPicPr>
-          <p:cNvPr id="5" name="Imagen 4">
-            <a:extLst>
-              <a:ext uri="{FF2B5EF4-FFF2-40B4-BE49-F238E27FC236}">
-                <a16:creationId xmlns:a16="http://schemas.microsoft.com/office/drawing/2014/main" id="{1B46FA37-FA47-4459-8828-383FB697E3AF}"/>
-              </a:ext>
-            </a:extLst>
-          </p:cNvPr>
-          <p:cNvPicPr>
-            <a:picLocks noChangeAspect="1"/>
-          </p:cNvPicPr>
-          <p:nvPr/>
-        </p:nvPicPr>
-        <p:blipFill rotWithShape="1">
-          <a:blip r:embed="rId4"/>
-          <a:srcRect l="53279" t="4713" r="5319"/>
-          <a:stretch/>
-        </p:blipFill>
-        <p:spPr>
-          <a:xfrm>
-            <a:off x="1071372" y="144121"/>
-            <a:ext cx="918577" cy="804385"/>
-          </a:xfrm>
-          <a:prstGeom prst="ellipse">
-            <a:avLst/>
-          </a:prstGeom>
-          <a:ln>
-            <a:noFill/>
-          </a:ln>
-          <a:effectLst>
-            <a:softEdge rad="112500"/>
-          </a:effectLst>
-        </p:spPr>
-      </p:pic>
-      <p:sp>
-        <p:nvSpPr>
-          <p:cNvPr id="6" name="Rectángulo 5">
-            <a:extLst>
-              <a:ext uri="{FF2B5EF4-FFF2-40B4-BE49-F238E27FC236}">
-                <a16:creationId xmlns:a16="http://schemas.microsoft.com/office/drawing/2014/main" id="{EC2D0E56-7D0C-40D0-8E56-B8801C98D13A}"/>
-              </a:ext>
-            </a:extLst>
-          </p:cNvPr>
-          <p:cNvSpPr/>
-          <p:nvPr/>
-        </p:nvSpPr>
-        <p:spPr>
-          <a:xfrm>
-            <a:off x="477806" y="1288421"/>
-            <a:ext cx="3361377" cy="3355041"/>
-          </a:xfrm>
-          <a:prstGeom prst="rect">
-            <a:avLst/>
-          </a:prstGeom>
-          <a:solidFill>
-            <a:srgbClr val="FFFFFF"/>
-          </a:solidFill>
-          <a:ln>
-            <a:solidFill>
-              <a:srgbClr val="BAF7C9"/>
-            </a:solidFill>
-          </a:ln>
-        </p:spPr>
-        <p:style>
-          <a:lnRef idx="2">
-            <a:schemeClr val="accent1">
-              <a:shade val="50000"/>
-            </a:schemeClr>
-          </a:lnRef>
-          <a:fillRef idx="1">
-            <a:schemeClr val="accent1"/>
-          </a:fillRef>
-          <a:effectRef idx="0">
-            <a:schemeClr val="accent1"/>
-          </a:effectRef>
-          <a:fontRef idx="minor">
-            <a:schemeClr val="lt1"/>
-          </a:fontRef>
-        </p:style>
-        <p:txBody>
-          <a:bodyPr rtlCol="0" anchor="ctr"/>
-          <a:lstStyle/>
-          <a:p>
-            <a:pPr algn="ctr"/>
-            <a:endParaRPr lang="es-CO"/>
-          </a:p>
-        </p:txBody>
-      </p:sp>
-      <p:sp>
-        <p:nvSpPr>
-          <p:cNvPr id="10" name="Título 2">
-            <a:extLst>
-              <a:ext uri="{FF2B5EF4-FFF2-40B4-BE49-F238E27FC236}">
-                <a16:creationId xmlns:a16="http://schemas.microsoft.com/office/drawing/2014/main" id="{4B4F06C2-20E6-40C1-BAD4-30FB77130CD3}"/>
-              </a:ext>
-            </a:extLst>
-          </p:cNvPr>
-          <p:cNvSpPr>
-            <a:spLocks noGrp="1"/>
-          </p:cNvSpPr>
-          <p:nvPr>
-            <p:ph type="ctrTitle"/>
-          </p:nvPr>
-        </p:nvSpPr>
-        <p:spPr>
-          <a:xfrm>
-            <a:off x="5686373" y="372041"/>
-            <a:ext cx="3195637" cy="481013"/>
-          </a:xfrm>
-        </p:spPr>
-        <p:txBody>
-          <a:bodyPr/>
-          <a:lstStyle/>
-          <a:p>
-            <a:r>
-              <a:rPr lang="es-CO" dirty="0"/>
-              <a:t>Potenciación rápida </a:t>
-            </a:r>
-          </a:p>
-        </p:txBody>
-      </p:sp>
-      <p:pic>
-        <p:nvPicPr>
-          <p:cNvPr id="7" name="Imagen 6" descr="Diagrama&#10;&#10;Descripción generada automáticamente con confianza media">
-            <a:extLst>
-              <a:ext uri="{FF2B5EF4-FFF2-40B4-BE49-F238E27FC236}">
-                <a16:creationId xmlns:a16="http://schemas.microsoft.com/office/drawing/2014/main" id="{D734F0AA-2BD4-4222-BC1B-8187D729261E}"/>
-              </a:ext>
-            </a:extLst>
-          </p:cNvPr>
-          <p:cNvPicPr>
-            <a:picLocks noChangeAspect="1"/>
-          </p:cNvPicPr>
-          <p:nvPr/>
-        </p:nvPicPr>
-        <p:blipFill>
-          <a:blip r:embed="rId5"/>
-          <a:stretch>
-            <a:fillRect/>
-          </a:stretch>
-        </p:blipFill>
-        <p:spPr>
-          <a:xfrm>
-            <a:off x="663424" y="2395369"/>
-            <a:ext cx="2990140" cy="1007912"/>
-          </a:xfrm>
-          <a:prstGeom prst="rect">
-            <a:avLst/>
-          </a:prstGeom>
-        </p:spPr>
-      </p:pic>
-    </p:spTree>
-    <p:extLst>
-      <p:ext uri="{BB962C8B-B14F-4D97-AF65-F5344CB8AC3E}">
-        <p14:creationId xmlns:p14="http://schemas.microsoft.com/office/powerpoint/2010/main" val="3396185687"/>
-      </p:ext>
-    </p:extLst>
-  </p:cSld>
-  <p:clrMapOvr>
-    <a:masterClrMapping/>
-  </p:clrMapOvr>
-</p:sld>
-</file>
-
-<file path=ppt/slides/slide19.xml><?xml version="1.0" encoding="utf-8"?>
+<file path=ppt/slides/slide7.xml><?xml version="1.0" encoding="utf-8"?>
 <p:sld xmlns:a="http://schemas.openxmlformats.org/drawingml/2006/main" xmlns:r="http://schemas.openxmlformats.org/officeDocument/2006/relationships" xmlns:p="http://schemas.openxmlformats.org/presentationml/2006/main">
   <p:cSld>
     <p:spTree>
@@ -9643,450 +7835,7 @@
 </p:sld>
 </file>
 
-<file path=ppt/slides/slide2.xml><?xml version="1.0" encoding="utf-8"?>
-<p:sld xmlns:a="http://schemas.openxmlformats.org/drawingml/2006/main" xmlns:r="http://schemas.openxmlformats.org/officeDocument/2006/relationships" xmlns:p="http://schemas.openxmlformats.org/presentationml/2006/main">
-  <p:cSld>
-    <p:spTree>
-      <p:nvGrpSpPr>
-        <p:cNvPr id="1" name="Shape 139"/>
-        <p:cNvGrpSpPr/>
-        <p:nvPr/>
-      </p:nvGrpSpPr>
-      <p:grpSpPr>
-        <a:xfrm>
-          <a:off x="0" y="0"/>
-          <a:ext cx="0" cy="0"/>
-          <a:chOff x="0" y="0"/>
-          <a:chExt cx="0" cy="0"/>
-        </a:xfrm>
-      </p:grpSpPr>
-      <p:sp>
-        <p:nvSpPr>
-          <p:cNvPr id="6" name="Rectángulo 5">
-            <a:extLst>
-              <a:ext uri="{FF2B5EF4-FFF2-40B4-BE49-F238E27FC236}">
-                <a16:creationId xmlns:a16="http://schemas.microsoft.com/office/drawing/2014/main" id="{1C2148E8-29B0-47B9-AB82-4263D9C3E039}"/>
-              </a:ext>
-            </a:extLst>
-          </p:cNvPr>
-          <p:cNvSpPr/>
-          <p:nvPr/>
-        </p:nvSpPr>
-        <p:spPr>
-          <a:xfrm>
-            <a:off x="3193043" y="403410"/>
-            <a:ext cx="5801865" cy="4390465"/>
-          </a:xfrm>
-          <a:prstGeom prst="rect">
-            <a:avLst/>
-          </a:prstGeom>
-          <a:solidFill>
-            <a:srgbClr val="FFDE59"/>
-          </a:solidFill>
-          <a:ln>
-            <a:noFill/>
-          </a:ln>
-        </p:spPr>
-        <p:style>
-          <a:lnRef idx="2">
-            <a:schemeClr val="accent1">
-              <a:shade val="50000"/>
-            </a:schemeClr>
-          </a:lnRef>
-          <a:fillRef idx="1">
-            <a:schemeClr val="accent1"/>
-          </a:fillRef>
-          <a:effectRef idx="0">
-            <a:schemeClr val="accent1"/>
-          </a:effectRef>
-          <a:fontRef idx="minor">
-            <a:schemeClr val="lt1"/>
-          </a:fontRef>
-        </p:style>
-        <p:txBody>
-          <a:bodyPr rtlCol="0" anchor="ctr"/>
-          <a:lstStyle/>
-          <a:p>
-            <a:pPr algn="ctr"/>
-            <a:endParaRPr lang="es-CO"/>
-          </a:p>
-        </p:txBody>
-      </p:sp>
-      <p:sp>
-        <p:nvSpPr>
-          <p:cNvPr id="7" name="Rectángulo 6">
-            <a:extLst>
-              <a:ext uri="{FF2B5EF4-FFF2-40B4-BE49-F238E27FC236}">
-                <a16:creationId xmlns:a16="http://schemas.microsoft.com/office/drawing/2014/main" id="{7D51D62D-F866-480C-BB56-3911EC80193D}"/>
-              </a:ext>
-            </a:extLst>
-          </p:cNvPr>
-          <p:cNvSpPr/>
-          <p:nvPr/>
-        </p:nvSpPr>
-        <p:spPr>
-          <a:xfrm>
-            <a:off x="-10483" y="2212040"/>
-            <a:ext cx="3356034" cy="1169895"/>
-          </a:xfrm>
-          <a:prstGeom prst="rect">
-            <a:avLst/>
-          </a:prstGeom>
-          <a:solidFill>
-            <a:srgbClr val="94DD26"/>
-          </a:solidFill>
-          <a:ln>
-            <a:noFill/>
-          </a:ln>
-        </p:spPr>
-        <p:style>
-          <a:lnRef idx="2">
-            <a:schemeClr val="accent1">
-              <a:shade val="50000"/>
-            </a:schemeClr>
-          </a:lnRef>
-          <a:fillRef idx="1">
-            <a:schemeClr val="accent1"/>
-          </a:fillRef>
-          <a:effectRef idx="0">
-            <a:schemeClr val="accent1"/>
-          </a:effectRef>
-          <a:fontRef idx="minor">
-            <a:schemeClr val="lt1"/>
-          </a:fontRef>
-        </p:style>
-        <p:txBody>
-          <a:bodyPr rtlCol="0" anchor="ctr"/>
-          <a:lstStyle/>
-          <a:p>
-            <a:pPr algn="ctr"/>
-            <a:endParaRPr lang="es-CO"/>
-          </a:p>
-        </p:txBody>
-      </p:sp>
-      <p:sp>
-        <p:nvSpPr>
-          <p:cNvPr id="8" name="Rectángulo 7">
-            <a:extLst>
-              <a:ext uri="{FF2B5EF4-FFF2-40B4-BE49-F238E27FC236}">
-                <a16:creationId xmlns:a16="http://schemas.microsoft.com/office/drawing/2014/main" id="{13EB4147-DCE5-4698-A3B6-4D7F472AAE93}"/>
-              </a:ext>
-            </a:extLst>
-          </p:cNvPr>
-          <p:cNvSpPr/>
-          <p:nvPr/>
-        </p:nvSpPr>
-        <p:spPr>
-          <a:xfrm>
-            <a:off x="3342135" y="496605"/>
-            <a:ext cx="5801865" cy="4390465"/>
-          </a:xfrm>
-          <a:prstGeom prst="rect">
-            <a:avLst/>
-          </a:prstGeom>
-          <a:solidFill>
-            <a:srgbClr val="94DD26"/>
-          </a:solidFill>
-          <a:ln>
-            <a:noFill/>
-          </a:ln>
-        </p:spPr>
-        <p:style>
-          <a:lnRef idx="2">
-            <a:schemeClr val="accent1">
-              <a:shade val="50000"/>
-            </a:schemeClr>
-          </a:lnRef>
-          <a:fillRef idx="1">
-            <a:schemeClr val="accent1"/>
-          </a:fillRef>
-          <a:effectRef idx="0">
-            <a:schemeClr val="accent1"/>
-          </a:effectRef>
-          <a:fontRef idx="minor">
-            <a:schemeClr val="lt1"/>
-          </a:fontRef>
-        </p:style>
-        <p:txBody>
-          <a:bodyPr rtlCol="0" anchor="ctr"/>
-          <a:lstStyle/>
-          <a:p>
-            <a:pPr algn="ctr"/>
-            <a:endParaRPr lang="es-CO"/>
-          </a:p>
-        </p:txBody>
-      </p:sp>
-      <p:sp>
-        <p:nvSpPr>
-          <p:cNvPr id="166" name="Google Shape;166;p26"/>
-          <p:cNvSpPr txBox="1">
-            <a:spLocks noGrp="1"/>
-          </p:cNvSpPr>
-          <p:nvPr>
-            <p:ph type="ctrTitle"/>
-          </p:nvPr>
-        </p:nvSpPr>
-        <p:spPr>
-          <a:xfrm>
-            <a:off x="129970" y="2474147"/>
-            <a:ext cx="2913981" cy="660961"/>
-          </a:xfrm>
-          <a:prstGeom prst="rect">
-            <a:avLst/>
-          </a:prstGeom>
-        </p:spPr>
-        <p:txBody>
-          <a:bodyPr spcFirstLastPara="1" wrap="square" lIns="91425" tIns="91425" rIns="91425" bIns="91425" anchor="b" anchorCtr="0">
-            <a:noAutofit/>
-          </a:bodyPr>
-          <a:lstStyle/>
-          <a:p>
-            <a:pPr marL="0" lvl="0" indent="0" algn="ctr" rtl="0">
-              <a:spcBef>
-                <a:spcPts val="0"/>
-              </a:spcBef>
-              <a:spcAft>
-                <a:spcPts val="0"/>
-              </a:spcAft>
-              <a:buNone/>
-            </a:pPr>
-            <a:r>
-              <a:rPr lang="en" sz="3200" dirty="0">
-                <a:solidFill>
-                  <a:schemeClr val="tx1"/>
-                </a:solidFill>
-              </a:rPr>
-              <a:t>01. </a:t>
-            </a:r>
-            <a:r>
-              <a:rPr lang="es-ES" sz="3200" dirty="0">
-                <a:solidFill>
-                  <a:schemeClr val="tx1"/>
-                </a:solidFill>
-              </a:rPr>
-              <a:t>BITMASK </a:t>
-            </a:r>
-            <a:endParaRPr sz="3200" dirty="0">
-              <a:solidFill>
-                <a:schemeClr val="tx1"/>
-              </a:solidFill>
-            </a:endParaRPr>
-          </a:p>
-        </p:txBody>
-      </p:sp>
-      <p:pic>
-        <p:nvPicPr>
-          <p:cNvPr id="1028" name="Picture 4" descr="Símbolos Universitarios – Universidad de Nariño">
-            <a:extLst>
-              <a:ext uri="{FF2B5EF4-FFF2-40B4-BE49-F238E27FC236}">
-                <a16:creationId xmlns:a16="http://schemas.microsoft.com/office/drawing/2014/main" id="{EDF64FA2-360A-4D3A-AF78-F1E4C7CCFD55}"/>
-              </a:ext>
-            </a:extLst>
-          </p:cNvPr>
-          <p:cNvPicPr>
-            <a:picLocks noChangeAspect="1" noChangeArrowheads="1"/>
-          </p:cNvPicPr>
-          <p:nvPr/>
-        </p:nvPicPr>
-        <p:blipFill>
-          <a:blip r:embed="rId3">
-            <a:extLst>
-              <a:ext uri="{28A0092B-C50C-407E-A947-70E740481C1C}">
-                <a14:useLocalDpi xmlns:a14="http://schemas.microsoft.com/office/drawing/2010/main" val="0"/>
-              </a:ext>
-            </a:extLst>
-          </a:blip>
-          <a:srcRect/>
-          <a:stretch>
-            <a:fillRect/>
-          </a:stretch>
-        </p:blipFill>
-        <p:spPr bwMode="auto">
-          <a:xfrm>
-            <a:off x="291117" y="219456"/>
-            <a:ext cx="660961" cy="660961"/>
-          </a:xfrm>
-          <a:prstGeom prst="rect">
-            <a:avLst/>
-          </a:prstGeom>
-          <a:noFill/>
-          <a:extLst>
-            <a:ext uri="{909E8E84-426E-40DD-AFC4-6F175D3DCCD1}">
-              <a14:hiddenFill xmlns:a14="http://schemas.microsoft.com/office/drawing/2010/main">
-                <a:solidFill>
-                  <a:srgbClr val="FFFFFF"/>
-                </a:solidFill>
-              </a14:hiddenFill>
-            </a:ext>
-          </a:extLst>
-        </p:spPr>
-      </p:pic>
-      <p:pic>
-        <p:nvPicPr>
-          <p:cNvPr id="417" name="Imagen 416">
-            <a:extLst>
-              <a:ext uri="{FF2B5EF4-FFF2-40B4-BE49-F238E27FC236}">
-                <a16:creationId xmlns:a16="http://schemas.microsoft.com/office/drawing/2014/main" id="{6C54B729-21DA-4852-927D-4E13F29541B2}"/>
-              </a:ext>
-            </a:extLst>
-          </p:cNvPr>
-          <p:cNvPicPr>
-            <a:picLocks noChangeAspect="1"/>
-          </p:cNvPicPr>
-          <p:nvPr/>
-        </p:nvPicPr>
-        <p:blipFill rotWithShape="1">
-          <a:blip r:embed="rId4"/>
-          <a:srcRect l="53279" t="4713" r="5319"/>
-          <a:stretch/>
-        </p:blipFill>
-        <p:spPr>
-          <a:xfrm>
-            <a:off x="1082048" y="147745"/>
-            <a:ext cx="918577" cy="804385"/>
-          </a:xfrm>
-          <a:prstGeom prst="ellipse">
-            <a:avLst/>
-          </a:prstGeom>
-          <a:ln>
-            <a:noFill/>
-          </a:ln>
-          <a:effectLst>
-            <a:softEdge rad="112500"/>
-          </a:effectLst>
-        </p:spPr>
-      </p:pic>
-      <p:sp>
-        <p:nvSpPr>
-          <p:cNvPr id="4" name="Rectángulo 3">
-            <a:extLst>
-              <a:ext uri="{FF2B5EF4-FFF2-40B4-BE49-F238E27FC236}">
-                <a16:creationId xmlns:a16="http://schemas.microsoft.com/office/drawing/2014/main" id="{F04C2CAB-775C-4D47-9732-B8CCEE3CC5EB}"/>
-              </a:ext>
-            </a:extLst>
-          </p:cNvPr>
-          <p:cNvSpPr/>
-          <p:nvPr/>
-        </p:nvSpPr>
-        <p:spPr>
-          <a:xfrm>
-            <a:off x="3494643" y="665629"/>
-            <a:ext cx="5555228" cy="4128246"/>
-          </a:xfrm>
-          <a:prstGeom prst="rect">
-            <a:avLst/>
-          </a:prstGeom>
-          <a:solidFill>
-            <a:srgbClr val="FFFFFF"/>
-          </a:solidFill>
-          <a:ln>
-            <a:noFill/>
-          </a:ln>
-        </p:spPr>
-        <p:style>
-          <a:lnRef idx="2">
-            <a:schemeClr val="accent1">
-              <a:shade val="50000"/>
-            </a:schemeClr>
-          </a:lnRef>
-          <a:fillRef idx="1">
-            <a:schemeClr val="accent1"/>
-          </a:fillRef>
-          <a:effectRef idx="0">
-            <a:schemeClr val="accent1"/>
-          </a:effectRef>
-          <a:fontRef idx="minor">
-            <a:schemeClr val="lt1"/>
-          </a:fontRef>
-        </p:style>
-        <p:txBody>
-          <a:bodyPr rtlCol="0" anchor="ctr"/>
-          <a:lstStyle/>
-          <a:p>
-            <a:pPr algn="ctr"/>
-            <a:endParaRPr lang="es-CO"/>
-          </a:p>
-        </p:txBody>
-      </p:sp>
-      <p:pic>
-        <p:nvPicPr>
-          <p:cNvPr id="5" name="Imagen 4" descr="Un dibujo de un reloj&#10;&#10;Descripción generada automáticamente con confianza media">
-            <a:extLst>
-              <a:ext uri="{FF2B5EF4-FFF2-40B4-BE49-F238E27FC236}">
-                <a16:creationId xmlns:a16="http://schemas.microsoft.com/office/drawing/2014/main" id="{2EDA199C-8110-48EF-A4BB-89D78FA627EC}"/>
-              </a:ext>
-            </a:extLst>
-          </p:cNvPr>
-          <p:cNvPicPr>
-            <a:picLocks noChangeAspect="1"/>
-          </p:cNvPicPr>
-          <p:nvPr/>
-        </p:nvPicPr>
-        <p:blipFill>
-          <a:blip r:embed="rId5"/>
-          <a:stretch>
-            <a:fillRect/>
-          </a:stretch>
-        </p:blipFill>
-        <p:spPr>
-          <a:xfrm>
-            <a:off x="4572000" y="952130"/>
-            <a:ext cx="3227498" cy="1691333"/>
-          </a:xfrm>
-          <a:prstGeom prst="rect">
-            <a:avLst/>
-          </a:prstGeom>
-        </p:spPr>
-      </p:pic>
-      <p:pic>
-        <p:nvPicPr>
-          <p:cNvPr id="14" name="Gráfico 13" descr="Máscara de fiesta con relleno sólido">
-            <a:extLst>
-              <a:ext uri="{FF2B5EF4-FFF2-40B4-BE49-F238E27FC236}">
-                <a16:creationId xmlns:a16="http://schemas.microsoft.com/office/drawing/2014/main" id="{C6F40E09-1375-451C-A990-32BFA664681C}"/>
-              </a:ext>
-            </a:extLst>
-          </p:cNvPr>
-          <p:cNvPicPr>
-            <a:picLocks noChangeAspect="1"/>
-          </p:cNvPicPr>
-          <p:nvPr/>
-        </p:nvPicPr>
-        <p:blipFill rotWithShape="1">
-          <a:blip r:embed="rId6">
-            <a:extLst>
-              <a:ext uri="{96DAC541-7B7A-43D3-8B79-37D633B846F1}">
-                <asvg:svgBlip xmlns:asvg="http://schemas.microsoft.com/office/drawing/2016/SVG/main" r:embed="rId7"/>
-              </a:ext>
-            </a:extLst>
-          </a:blip>
-          <a:srcRect t="16706" b="11331"/>
-          <a:stretch/>
-        </p:blipFill>
-        <p:spPr>
-          <a:xfrm>
-            <a:off x="5139969" y="2812486"/>
-            <a:ext cx="2314256" cy="1665385"/>
-          </a:xfrm>
-          <a:prstGeom prst="rect">
-            <a:avLst/>
-          </a:prstGeom>
-        </p:spPr>
-      </p:pic>
-    </p:spTree>
-    <p:extLst>
-      <p:ext uri="{BB962C8B-B14F-4D97-AF65-F5344CB8AC3E}">
-        <p14:creationId xmlns:p14="http://schemas.microsoft.com/office/powerpoint/2010/main" val="945607087"/>
-      </p:ext>
-    </p:extLst>
-  </p:cSld>
-  <p:clrMapOvr>
-    <a:masterClrMapping/>
-  </p:clrMapOvr>
-</p:sld>
-</file>
-
-<file path=ppt/slides/slide20.xml><?xml version="1.0" encoding="utf-8"?>
+<file path=ppt/slides/slide8.xml><?xml version="1.0" encoding="utf-8"?>
 <p:sld xmlns:a="http://schemas.openxmlformats.org/drawingml/2006/main" xmlns:r="http://schemas.openxmlformats.org/officeDocument/2006/relationships" xmlns:p="http://schemas.openxmlformats.org/presentationml/2006/main">
   <p:cSld>
     <p:spTree>
@@ -11026,856 +8775,127 @@
           </a:prstGeom>
         </p:spPr>
       </p:pic>
-    </p:spTree>
-    <p:extLst>
-      <p:ext uri="{BB962C8B-B14F-4D97-AF65-F5344CB8AC3E}">
-        <p14:creationId xmlns:p14="http://schemas.microsoft.com/office/powerpoint/2010/main" val="2405181293"/>
-      </p:ext>
-    </p:extLst>
-  </p:cSld>
-  <p:clrMapOvr>
-    <a:masterClrMapping/>
-  </p:clrMapOvr>
-</p:sld>
-</file>
-
-<file path=ppt/slides/slide21.xml><?xml version="1.0" encoding="utf-8"?>
-<p:sld xmlns:a="http://schemas.openxmlformats.org/drawingml/2006/main" xmlns:r="http://schemas.openxmlformats.org/officeDocument/2006/relationships" xmlns:p="http://schemas.openxmlformats.org/presentationml/2006/main">
-  <p:cSld>
-    <p:bg>
-      <p:bgPr>
-        <a:solidFill>
-          <a:schemeClr val="dk1"/>
-        </a:solidFill>
-        <a:effectLst/>
-      </p:bgPr>
-    </p:bg>
-    <p:spTree>
-      <p:nvGrpSpPr>
-        <p:cNvPr id="1" name="Shape 2531"/>
-        <p:cNvGrpSpPr/>
-        <p:nvPr/>
-      </p:nvGrpSpPr>
-      <p:grpSpPr>
-        <a:xfrm>
-          <a:off x="0" y="0"/>
-          <a:ext cx="0" cy="0"/>
-          <a:chOff x="0" y="0"/>
-          <a:chExt cx="0" cy="0"/>
-        </a:xfrm>
-      </p:grpSpPr>
-      <p:sp>
-        <p:nvSpPr>
-          <p:cNvPr id="2537" name="Google Shape;2537;p46"/>
-          <p:cNvSpPr txBox="1">
-            <a:spLocks noGrp="1"/>
-          </p:cNvSpPr>
-          <p:nvPr>
-            <p:ph type="ctrTitle"/>
-          </p:nvPr>
-        </p:nvSpPr>
-        <p:spPr>
-          <a:xfrm>
-            <a:off x="876441" y="-677381"/>
-            <a:ext cx="3248400" cy="2419500"/>
-          </a:xfrm>
-          <a:prstGeom prst="rect">
-            <a:avLst/>
-          </a:prstGeom>
-        </p:spPr>
-        <p:txBody>
-          <a:bodyPr spcFirstLastPara="1" wrap="square" lIns="91425" tIns="91425" rIns="91425" bIns="91425" anchor="b" anchorCtr="0">
-            <a:noAutofit/>
-          </a:bodyPr>
-          <a:lstStyle/>
-          <a:p>
-            <a:pPr marL="0" lvl="0" indent="0" algn="l" rtl="0">
-              <a:spcBef>
-                <a:spcPts val="0"/>
-              </a:spcBef>
-              <a:spcAft>
-                <a:spcPts val="0"/>
-              </a:spcAft>
-              <a:buNone/>
-            </a:pPr>
-            <a:r>
-              <a:rPr lang="es-ES" dirty="0"/>
-              <a:t>gracias</a:t>
-            </a:r>
-            <a:endParaRPr dirty="0"/>
-          </a:p>
-        </p:txBody>
-      </p:sp>
-      <p:grpSp>
-        <p:nvGrpSpPr>
-          <p:cNvPr id="2566" name="Google Shape;2566;p46"/>
-          <p:cNvGrpSpPr/>
-          <p:nvPr/>
-        </p:nvGrpSpPr>
-        <p:grpSpPr>
-          <a:xfrm>
-            <a:off x="4534350" y="4713051"/>
-            <a:ext cx="4600713" cy="150450"/>
-            <a:chOff x="0" y="4397412"/>
-            <a:chExt cx="4600713" cy="150450"/>
-          </a:xfrm>
-        </p:grpSpPr>
-        <p:sp>
-          <p:nvSpPr>
-            <p:cNvPr id="2567" name="Google Shape;2567;p46"/>
-            <p:cNvSpPr/>
-            <p:nvPr/>
-          </p:nvSpPr>
-          <p:spPr>
-            <a:xfrm>
-              <a:off x="0" y="4397412"/>
-              <a:ext cx="4600713" cy="2416"/>
-            </a:xfrm>
-            <a:custGeom>
-              <a:avLst/>
-              <a:gdLst/>
-              <a:ahLst/>
-              <a:cxnLst/>
-              <a:rect l="l" t="t" r="r" b="b"/>
-              <a:pathLst>
-                <a:path w="131402" h="69" extrusionOk="0">
-                  <a:moveTo>
-                    <a:pt x="0" y="1"/>
-                  </a:moveTo>
-                  <a:lnTo>
-                    <a:pt x="0" y="69"/>
-                  </a:lnTo>
-                  <a:lnTo>
-                    <a:pt x="131401" y="69"/>
-                  </a:lnTo>
-                  <a:lnTo>
-                    <a:pt x="131401" y="1"/>
-                  </a:lnTo>
-                  <a:close/>
-                </a:path>
-              </a:pathLst>
-            </a:custGeom>
-            <a:solidFill>
-              <a:schemeClr val="accent3"/>
-            </a:solidFill>
-            <a:ln w="9525" cap="flat" cmpd="sng">
-              <a:solidFill>
-                <a:srgbClr val="000000"/>
-              </a:solidFill>
-              <a:prstDash val="solid"/>
-              <a:round/>
-              <a:headEnd type="none" w="sm" len="sm"/>
-              <a:tailEnd type="none" w="sm" len="sm"/>
-            </a:ln>
-          </p:spPr>
-          <p:txBody>
-            <a:bodyPr spcFirstLastPara="1" wrap="square" lIns="91425" tIns="91425" rIns="91425" bIns="91425" anchor="ctr" anchorCtr="0">
-              <a:noAutofit/>
-            </a:bodyPr>
-            <a:lstStyle/>
-            <a:p>
-              <a:pPr marL="0" lvl="0" indent="0" algn="l" rtl="0">
-                <a:spcBef>
-                  <a:spcPts val="0"/>
-                </a:spcBef>
-                <a:spcAft>
-                  <a:spcPts val="0"/>
-                </a:spcAft>
-                <a:buNone/>
-              </a:pPr>
-              <a:endParaRPr/>
-            </a:p>
-          </p:txBody>
-        </p:sp>
-        <p:sp>
-          <p:nvSpPr>
-            <p:cNvPr id="2568" name="Google Shape;2568;p46"/>
-            <p:cNvSpPr/>
-            <p:nvPr/>
-          </p:nvSpPr>
-          <p:spPr>
-            <a:xfrm>
-              <a:off x="755786" y="4545586"/>
-              <a:ext cx="305519" cy="2276"/>
-            </a:xfrm>
-            <a:custGeom>
-              <a:avLst/>
-              <a:gdLst/>
-              <a:ahLst/>
-              <a:cxnLst/>
-              <a:rect l="l" t="t" r="r" b="b"/>
-              <a:pathLst>
-                <a:path w="8726" h="65" extrusionOk="0">
-                  <a:moveTo>
-                    <a:pt x="0" y="0"/>
-                  </a:moveTo>
-                  <a:lnTo>
-                    <a:pt x="0" y="65"/>
-                  </a:lnTo>
-                  <a:lnTo>
-                    <a:pt x="8726" y="65"/>
-                  </a:lnTo>
-                  <a:lnTo>
-                    <a:pt x="8726" y="0"/>
-                  </a:lnTo>
-                  <a:close/>
-                </a:path>
-              </a:pathLst>
-            </a:custGeom>
-            <a:solidFill>
-              <a:schemeClr val="accent3"/>
-            </a:solidFill>
-            <a:ln w="9525" cap="flat" cmpd="sng">
-              <a:solidFill>
-                <a:srgbClr val="000000"/>
-              </a:solidFill>
-              <a:prstDash val="solid"/>
-              <a:round/>
-              <a:headEnd type="none" w="sm" len="sm"/>
-              <a:tailEnd type="none" w="sm" len="sm"/>
-            </a:ln>
-          </p:spPr>
-          <p:txBody>
-            <a:bodyPr spcFirstLastPara="1" wrap="square" lIns="91425" tIns="91425" rIns="91425" bIns="91425" anchor="ctr" anchorCtr="0">
-              <a:noAutofit/>
-            </a:bodyPr>
-            <a:lstStyle/>
-            <a:p>
-              <a:pPr marL="0" lvl="0" indent="0" algn="l" rtl="0">
-                <a:spcBef>
-                  <a:spcPts val="0"/>
-                </a:spcBef>
-                <a:spcAft>
-                  <a:spcPts val="0"/>
-                </a:spcAft>
-                <a:buNone/>
-              </a:pPr>
-              <a:endParaRPr/>
-            </a:p>
-          </p:txBody>
-        </p:sp>
-        <p:sp>
-          <p:nvSpPr>
-            <p:cNvPr id="2569" name="Google Shape;2569;p46"/>
-            <p:cNvSpPr/>
-            <p:nvPr/>
-          </p:nvSpPr>
-          <p:spPr>
-            <a:xfrm>
-              <a:off x="1619552" y="4536412"/>
-              <a:ext cx="497808" cy="2276"/>
-            </a:xfrm>
-            <a:custGeom>
-              <a:avLst/>
-              <a:gdLst/>
-              <a:ahLst/>
-              <a:cxnLst/>
-              <a:rect l="l" t="t" r="r" b="b"/>
-              <a:pathLst>
-                <a:path w="14218" h="65" extrusionOk="0">
-                  <a:moveTo>
-                    <a:pt x="0" y="0"/>
-                  </a:moveTo>
-                  <a:lnTo>
-                    <a:pt x="0" y="65"/>
-                  </a:lnTo>
-                  <a:lnTo>
-                    <a:pt x="14217" y="65"/>
-                  </a:lnTo>
-                  <a:lnTo>
-                    <a:pt x="14217" y="0"/>
-                  </a:lnTo>
-                  <a:close/>
-                </a:path>
-              </a:pathLst>
-            </a:custGeom>
-            <a:solidFill>
-              <a:schemeClr val="dk1"/>
-            </a:solidFill>
-            <a:ln w="9525" cap="flat" cmpd="sng">
-              <a:solidFill>
-                <a:schemeClr val="accent3"/>
-              </a:solidFill>
-              <a:prstDash val="solid"/>
-              <a:round/>
-              <a:headEnd type="none" w="sm" len="sm"/>
-              <a:tailEnd type="none" w="sm" len="sm"/>
-            </a:ln>
-          </p:spPr>
-          <p:txBody>
-            <a:bodyPr spcFirstLastPara="1" wrap="square" lIns="91425" tIns="91425" rIns="91425" bIns="91425" anchor="ctr" anchorCtr="0">
-              <a:noAutofit/>
-            </a:bodyPr>
-            <a:lstStyle/>
-            <a:p>
-              <a:pPr marL="0" lvl="0" indent="0" algn="l" rtl="0">
-                <a:spcBef>
-                  <a:spcPts val="0"/>
-                </a:spcBef>
-                <a:spcAft>
-                  <a:spcPts val="0"/>
-                </a:spcAft>
-                <a:buNone/>
-              </a:pPr>
-              <a:endParaRPr/>
-            </a:p>
-          </p:txBody>
-        </p:sp>
-        <p:sp>
-          <p:nvSpPr>
-            <p:cNvPr id="2570" name="Google Shape;2570;p46"/>
-            <p:cNvSpPr/>
-            <p:nvPr/>
-          </p:nvSpPr>
-          <p:spPr>
-            <a:xfrm>
-              <a:off x="1070481" y="4460119"/>
-              <a:ext cx="175833" cy="2311"/>
-            </a:xfrm>
-            <a:custGeom>
-              <a:avLst/>
-              <a:gdLst/>
-              <a:ahLst/>
-              <a:cxnLst/>
-              <a:rect l="l" t="t" r="r" b="b"/>
-              <a:pathLst>
-                <a:path w="5022" h="66" extrusionOk="0">
-                  <a:moveTo>
-                    <a:pt x="1" y="1"/>
-                  </a:moveTo>
-                  <a:lnTo>
-                    <a:pt x="1" y="65"/>
-                  </a:lnTo>
-                  <a:lnTo>
-                    <a:pt x="5022" y="65"/>
-                  </a:lnTo>
-                  <a:lnTo>
-                    <a:pt x="5022" y="1"/>
-                  </a:lnTo>
-                  <a:close/>
-                </a:path>
-              </a:pathLst>
-            </a:custGeom>
-            <a:solidFill>
-              <a:schemeClr val="accent3"/>
-            </a:solidFill>
-            <a:ln w="9525" cap="flat" cmpd="sng">
-              <a:solidFill>
-                <a:srgbClr val="000000"/>
-              </a:solidFill>
-              <a:prstDash val="solid"/>
-              <a:round/>
-              <a:headEnd type="none" w="sm" len="sm"/>
-              <a:tailEnd type="none" w="sm" len="sm"/>
-            </a:ln>
-          </p:spPr>
-          <p:txBody>
-            <a:bodyPr spcFirstLastPara="1" wrap="square" lIns="91425" tIns="91425" rIns="91425" bIns="91425" anchor="ctr" anchorCtr="0">
-              <a:noAutofit/>
-            </a:bodyPr>
-            <a:lstStyle/>
-            <a:p>
-              <a:pPr marL="0" lvl="0" indent="0" algn="l" rtl="0">
-                <a:spcBef>
-                  <a:spcPts val="0"/>
-                </a:spcBef>
-                <a:spcAft>
-                  <a:spcPts val="0"/>
-                </a:spcAft>
-                <a:buNone/>
-              </a:pPr>
-              <a:endParaRPr/>
-            </a:p>
-          </p:txBody>
-        </p:sp>
-        <p:sp>
-          <p:nvSpPr>
-            <p:cNvPr id="2571" name="Google Shape;2571;p46"/>
-            <p:cNvSpPr/>
-            <p:nvPr/>
-          </p:nvSpPr>
-          <p:spPr>
-            <a:xfrm>
-              <a:off x="2732853" y="4514424"/>
-              <a:ext cx="418259" cy="2276"/>
-            </a:xfrm>
-            <a:custGeom>
-              <a:avLst/>
-              <a:gdLst/>
-              <a:ahLst/>
-              <a:cxnLst/>
-              <a:rect l="l" t="t" r="r" b="b"/>
-              <a:pathLst>
-                <a:path w="11946" h="65" extrusionOk="0">
-                  <a:moveTo>
-                    <a:pt x="0" y="0"/>
-                  </a:moveTo>
-                  <a:lnTo>
-                    <a:pt x="0" y="65"/>
-                  </a:lnTo>
-                  <a:lnTo>
-                    <a:pt x="11946" y="65"/>
-                  </a:lnTo>
-                  <a:lnTo>
-                    <a:pt x="11946" y="0"/>
-                  </a:lnTo>
-                  <a:close/>
-                </a:path>
-              </a:pathLst>
-            </a:custGeom>
-            <a:solidFill>
-              <a:schemeClr val="dk1"/>
-            </a:solidFill>
-            <a:ln w="9525" cap="flat" cmpd="sng">
-              <a:solidFill>
-                <a:srgbClr val="000000"/>
-              </a:solidFill>
-              <a:prstDash val="solid"/>
-              <a:round/>
-              <a:headEnd type="none" w="sm" len="sm"/>
-              <a:tailEnd type="none" w="sm" len="sm"/>
-            </a:ln>
-          </p:spPr>
-          <p:txBody>
-            <a:bodyPr spcFirstLastPara="1" wrap="square" lIns="91425" tIns="91425" rIns="91425" bIns="91425" anchor="ctr" anchorCtr="0">
-              <a:noAutofit/>
-            </a:bodyPr>
-            <a:lstStyle/>
-            <a:p>
-              <a:pPr marL="0" lvl="0" indent="0" algn="l" rtl="0">
-                <a:spcBef>
-                  <a:spcPts val="0"/>
-                </a:spcBef>
-                <a:spcAft>
-                  <a:spcPts val="0"/>
-                </a:spcAft>
-                <a:buNone/>
-              </a:pPr>
-              <a:endParaRPr/>
-            </a:p>
-          </p:txBody>
-        </p:sp>
-      </p:grpSp>
-      <p:sp>
-        <p:nvSpPr>
-          <p:cNvPr id="2620" name="Google Shape;2620;p46"/>
-          <p:cNvSpPr txBox="1"/>
-          <p:nvPr/>
-        </p:nvSpPr>
-        <p:spPr>
-          <a:xfrm>
-            <a:off x="650467" y="1458661"/>
-            <a:ext cx="2922072" cy="382618"/>
-          </a:xfrm>
-          <a:prstGeom prst="rect">
-            <a:avLst/>
-          </a:prstGeom>
-          <a:noFill/>
-          <a:ln>
-            <a:noFill/>
-          </a:ln>
-        </p:spPr>
-        <p:txBody>
-          <a:bodyPr spcFirstLastPara="1" wrap="square" lIns="91425" tIns="91425" rIns="91425" bIns="91425" anchor="t" anchorCtr="0">
-            <a:noAutofit/>
-          </a:bodyPr>
-          <a:lstStyle/>
-          <a:p>
-            <a:pPr marL="0" lvl="0" indent="0" algn="ctr" rtl="0">
-              <a:spcBef>
-                <a:spcPts val="300"/>
-              </a:spcBef>
-              <a:spcAft>
-                <a:spcPts val="0"/>
-              </a:spcAft>
-              <a:buNone/>
-            </a:pPr>
-            <a:r>
-              <a:rPr lang="en" sz="1600" dirty="0">
-                <a:solidFill>
-                  <a:schemeClr val="accent3"/>
-                </a:solidFill>
-                <a:latin typeface="Bahnschrift" panose="020B0502040204020203" pitchFamily="34" charset="0"/>
-                <a:ea typeface="Anaheim"/>
-                <a:cs typeface="Anaheim"/>
-                <a:sym typeface="Anaheim"/>
-              </a:rPr>
-              <a:t>CONTACTOS</a:t>
-            </a:r>
-          </a:p>
-          <a:p>
-            <a:pPr algn="ctr"/>
-            <a:r>
-              <a:rPr lang="pt-BR" b="1" i="0" u="none" strike="noStrike" dirty="0">
-                <a:solidFill>
-                  <a:srgbClr val="000000"/>
-                </a:solidFill>
-                <a:effectLst/>
-                <a:latin typeface="Bahnschrift Light" panose="020B0502040204020203" pitchFamily="34" charset="0"/>
-              </a:rPr>
-              <a:t>Docente Coordinador: </a:t>
-            </a:r>
-          </a:p>
-          <a:p>
-            <a:pPr algn="ctr"/>
-            <a:r>
-              <a:rPr lang="pt-BR" b="0" i="0" u="none" strike="noStrike" dirty="0">
-                <a:solidFill>
-                  <a:srgbClr val="000000"/>
-                </a:solidFill>
-                <a:effectLst/>
-                <a:latin typeface="Bahnschrift Light" panose="020B0502040204020203" pitchFamily="34" charset="0"/>
-              </a:rPr>
-              <a:t>Ing. Marcela Guerrero</a:t>
-            </a:r>
-            <a:endParaRPr lang="pt-BR" dirty="0">
-              <a:solidFill>
-                <a:srgbClr val="000000"/>
-              </a:solidFill>
-              <a:effectLst/>
-              <a:latin typeface="Bahnschrift Light" panose="020B0502040204020203" pitchFamily="34" charset="0"/>
-            </a:endParaRPr>
-          </a:p>
-          <a:p>
-            <a:pPr algn="ctr"/>
-            <a:r>
-              <a:rPr lang="pt-BR" b="1" i="0" u="none" strike="noStrike" dirty="0" err="1">
-                <a:solidFill>
-                  <a:srgbClr val="000000"/>
-                </a:solidFill>
-                <a:effectLst/>
-                <a:latin typeface="Bahnschrift Light" panose="020B0502040204020203" pitchFamily="34" charset="0"/>
-              </a:rPr>
-              <a:t>Email</a:t>
-            </a:r>
-            <a:r>
-              <a:rPr lang="pt-BR" b="1" i="0" u="none" strike="noStrike" dirty="0">
-                <a:solidFill>
-                  <a:srgbClr val="000000"/>
-                </a:solidFill>
-                <a:effectLst/>
-                <a:latin typeface="Bahnschrift Light" panose="020B0502040204020203" pitchFamily="34" charset="0"/>
-              </a:rPr>
-              <a:t>:</a:t>
-            </a:r>
-            <a:r>
-              <a:rPr lang="pt-BR" b="0" i="0" u="none" strike="noStrike" dirty="0">
-                <a:solidFill>
-                  <a:srgbClr val="000000"/>
-                </a:solidFill>
-                <a:effectLst/>
-                <a:latin typeface="Bahnschrift Light" panose="020B0502040204020203" pitchFamily="34" charset="0"/>
-              </a:rPr>
-              <a:t> </a:t>
-            </a:r>
-            <a:r>
-              <a:rPr lang="pt-BR" b="0" i="0" u="none" strike="noStrike" dirty="0">
-                <a:solidFill>
-                  <a:srgbClr val="000000"/>
-                </a:solidFill>
-                <a:effectLst/>
-                <a:latin typeface="Bahnschrift Light" panose="020B0502040204020203" pitchFamily="34" charset="0"/>
-                <a:hlinkClick r:id="rId3"/>
-              </a:rPr>
-              <a:t>greenclouds@udenar.edu.co</a:t>
-            </a:r>
-            <a:endParaRPr lang="pt-BR" b="0" i="0" u="none" strike="noStrike" dirty="0">
-              <a:solidFill>
-                <a:srgbClr val="000000"/>
-              </a:solidFill>
-              <a:effectLst/>
-              <a:latin typeface="Bahnschrift Light" panose="020B0502040204020203" pitchFamily="34" charset="0"/>
-            </a:endParaRPr>
-          </a:p>
-          <a:p>
-            <a:pPr algn="ctr"/>
-            <a:r>
-              <a:rPr lang="pt-BR" b="1" dirty="0">
-                <a:solidFill>
-                  <a:srgbClr val="000000"/>
-                </a:solidFill>
-                <a:effectLst/>
-                <a:latin typeface="Bahnschrift Light" panose="020B0502040204020203" pitchFamily="34" charset="0"/>
-              </a:rPr>
-              <a:t>Facebook:</a:t>
-            </a:r>
-          </a:p>
-          <a:p>
-            <a:pPr algn="ctr"/>
-            <a:r>
-              <a:rPr lang="pt-BR" dirty="0">
-                <a:solidFill>
-                  <a:srgbClr val="000000"/>
-                </a:solidFill>
-                <a:effectLst/>
-                <a:latin typeface="Bahnschrift Light" panose="020B0502040204020203" pitchFamily="34" charset="0"/>
-                <a:hlinkClick r:id="rId4"/>
-              </a:rPr>
-              <a:t>https://www.facebook.com/greencloudsIpiales</a:t>
-            </a:r>
-            <a:r>
-              <a:rPr lang="pt-BR" dirty="0">
-                <a:solidFill>
-                  <a:srgbClr val="000000"/>
-                </a:solidFill>
-                <a:effectLst/>
-                <a:latin typeface="Bahnschrift Light" panose="020B0502040204020203" pitchFamily="34" charset="0"/>
-              </a:rPr>
-              <a:t> </a:t>
-            </a:r>
-          </a:p>
-          <a:p>
-            <a:pPr algn="ctr"/>
-            <a:r>
-              <a:rPr lang="pt-BR" b="1" i="0" u="none" strike="noStrike" dirty="0">
-                <a:solidFill>
-                  <a:srgbClr val="000000"/>
-                </a:solidFill>
-                <a:effectLst/>
-                <a:latin typeface="Bahnschrift Light" panose="020B0502040204020203" pitchFamily="34" charset="0"/>
-              </a:rPr>
-              <a:t>Celular: </a:t>
-            </a:r>
-            <a:r>
-              <a:rPr lang="pt-BR" b="0" i="0" u="none" strike="noStrike" dirty="0">
-                <a:solidFill>
-                  <a:srgbClr val="000000"/>
-                </a:solidFill>
-                <a:effectLst/>
-                <a:latin typeface="Bahnschrift Light" panose="020B0502040204020203" pitchFamily="34" charset="0"/>
-              </a:rPr>
-              <a:t>310 527 37 27</a:t>
-            </a:r>
-            <a:endParaRPr lang="pt-BR" dirty="0">
-              <a:solidFill>
-                <a:srgbClr val="000000"/>
-              </a:solidFill>
-              <a:effectLst/>
-              <a:latin typeface="Bahnschrift Light" panose="020B0502040204020203" pitchFamily="34" charset="0"/>
-            </a:endParaRPr>
-          </a:p>
-          <a:p>
-            <a:pPr marL="0" lvl="0" indent="0" algn="l" rtl="0">
-              <a:spcBef>
-                <a:spcPts val="300"/>
-              </a:spcBef>
-              <a:spcAft>
-                <a:spcPts val="0"/>
-              </a:spcAft>
-              <a:buNone/>
-            </a:pPr>
-            <a:endParaRPr lang="en" sz="1000" dirty="0">
-              <a:solidFill>
-                <a:schemeClr val="accent3"/>
-              </a:solidFill>
-              <a:latin typeface="Anaheim"/>
-              <a:ea typeface="Anaheim"/>
-              <a:cs typeface="Anaheim"/>
-              <a:sym typeface="Anaheim"/>
-            </a:endParaRPr>
-          </a:p>
-          <a:p>
-            <a:pPr marL="0" lvl="0" indent="0" algn="l" rtl="0">
-              <a:spcBef>
-                <a:spcPts val="300"/>
-              </a:spcBef>
-              <a:spcAft>
-                <a:spcPts val="0"/>
-              </a:spcAft>
-              <a:buNone/>
-            </a:pPr>
-            <a:endParaRPr sz="900" dirty="0">
-              <a:solidFill>
-                <a:schemeClr val="accent3"/>
-              </a:solidFill>
-              <a:latin typeface="Anaheim"/>
-              <a:ea typeface="Anaheim"/>
-              <a:cs typeface="Anaheim"/>
-              <a:sym typeface="Anaheim"/>
-            </a:endParaRPr>
-          </a:p>
-        </p:txBody>
-      </p:sp>
-      <p:pic>
-        <p:nvPicPr>
-          <p:cNvPr id="3" name="Imagen 2">
-            <a:extLst>
-              <a:ext uri="{FF2B5EF4-FFF2-40B4-BE49-F238E27FC236}">
-                <a16:creationId xmlns:a16="http://schemas.microsoft.com/office/drawing/2014/main" id="{32B50B43-AA7B-437B-9BF5-8A4F4CD03F1E}"/>
-              </a:ext>
-            </a:extLst>
-          </p:cNvPr>
-          <p:cNvPicPr>
-            <a:picLocks noChangeAspect="1"/>
-          </p:cNvPicPr>
-          <p:nvPr/>
-        </p:nvPicPr>
-        <p:blipFill rotWithShape="1">
-          <a:blip r:embed="rId5"/>
-          <a:srcRect r="59264"/>
-          <a:stretch/>
-        </p:blipFill>
-        <p:spPr>
-          <a:xfrm>
-            <a:off x="4706698" y="477652"/>
-            <a:ext cx="3890020" cy="3633400"/>
-          </a:xfrm>
-          <a:prstGeom prst="rect">
-            <a:avLst/>
-          </a:prstGeom>
-          <a:ln>
-            <a:noFill/>
-          </a:ln>
-          <a:effectLst>
-            <a:softEdge rad="112500"/>
-          </a:effectLst>
-        </p:spPr>
-      </p:pic>
-    </p:spTree>
-  </p:cSld>
-  <p:clrMapOvr>
-    <a:masterClrMapping/>
-  </p:clrMapOvr>
-</p:sld>
-</file>
-
-<file path=ppt/slides/slide3.xml><?xml version="1.0" encoding="utf-8"?>
-<p:sld xmlns:a="http://schemas.openxmlformats.org/drawingml/2006/main" xmlns:r="http://schemas.openxmlformats.org/officeDocument/2006/relationships" xmlns:p="http://schemas.openxmlformats.org/presentationml/2006/main">
-  <p:cSld>
-    <p:spTree>
-      <p:nvGrpSpPr>
-        <p:cNvPr id="1" name=""/>
-        <p:cNvGrpSpPr/>
-        <p:nvPr/>
-      </p:nvGrpSpPr>
-      <p:grpSpPr>
-        <a:xfrm>
-          <a:off x="0" y="0"/>
-          <a:ext cx="0" cy="0"/>
-          <a:chOff x="0" y="0"/>
-          <a:chExt cx="0" cy="0"/>
-        </a:xfrm>
-      </p:grpSpPr>
-      <mc:AlternateContent xmlns:mc="http://schemas.openxmlformats.org/markup-compatibility/2006" xmlns:a14="http://schemas.microsoft.com/office/drawing/2010/main">
-        <mc:Choice Requires="a14">
+      <mc:AlternateContent xmlns:mc="http://schemas.openxmlformats.org/markup-compatibility/2006">
+        <mc:Choice xmlns:a14="http://schemas.microsoft.com/office/drawing/2010/main" Requires="a14">
           <p:sp>
             <p:nvSpPr>
-              <p:cNvPr id="2" name="Subtítulo 1">
+              <p:cNvPr id="3" name="CuadroTexto 2">
                 <a:extLst>
                   <a:ext uri="{FF2B5EF4-FFF2-40B4-BE49-F238E27FC236}">
-                    <a16:creationId xmlns:a16="http://schemas.microsoft.com/office/drawing/2014/main" id="{29A75048-B2F8-4A8B-9645-CF6D9A7AE10B}"/>
+                    <a16:creationId xmlns:a16="http://schemas.microsoft.com/office/drawing/2014/main" id="{2B4C1C35-637C-4CE7-87A1-EA4ED1574026}"/>
                   </a:ext>
                 </a:extLst>
               </p:cNvPr>
-              <p:cNvSpPr>
-                <a:spLocks noGrp="1"/>
-              </p:cNvSpPr>
-              <p:nvPr>
-                <p:ph type="subTitle" idx="1"/>
-              </p:nvPr>
+              <p:cNvSpPr txBox="1"/>
+              <p:nvPr/>
             </p:nvSpPr>
             <p:spPr>
-              <a:xfrm flipH="1">
-                <a:off x="3919818" y="1258649"/>
-                <a:ext cx="4988858" cy="3355041"/>
+              <a:xfrm>
+                <a:off x="4553318" y="1595849"/>
+                <a:ext cx="1001813" cy="215444"/>
               </a:xfrm>
+              <a:prstGeom prst="rect">
+                <a:avLst/>
+              </a:prstGeom>
+              <a:noFill/>
             </p:spPr>
             <p:txBody>
-              <a:bodyPr/>
+              <a:bodyPr wrap="none" lIns="0" tIns="0" rIns="0" bIns="0" rtlCol="0">
+                <a:spAutoFit/>
+              </a:bodyPr>
               <a:lstStyle/>
               <a:p>
-                <a:pPr marL="152400" indent="0">
-                  <a:buNone/>
-                </a:pPr>
-                <a:r>
-                  <a:rPr lang="es-ES" dirty="0">
-                    <a:latin typeface="Abadi" panose="020B0604020104020204" pitchFamily="34" charset="0"/>
-                  </a:rPr>
-                  <a:t>Para multiplicar un numero por dos vasta con desplazar todos los bits a la izquierda, si tenemos una variable s y queremos desplazar todos sus bits a la izquierda en la mayoría de leguajes basta con usar el operador &lt;&lt; si queremos desplazar un bit a la izquierda usamos s = s&lt;&lt;1 en este caso s quedaría con el doble del valor inicial, si hiciéramos  s = s&lt;&lt; i el resultado seria el mismo que hacer </a:t>
-                </a:r>
                 <a14:m>
-                  <m:oMath xmlns:m="http://schemas.openxmlformats.org/officeDocument/2006/math">
-                    <m:r>
-                      <m:rPr>
-                        <m:sty m:val="p"/>
-                      </m:rPr>
-                      <a:rPr lang="es-ES" b="0" i="0" smtClean="0">
-                        <a:latin typeface="Cambria Math" panose="02040503050406030204" pitchFamily="18" charset="0"/>
-                      </a:rPr>
-                      <m:t>s</m:t>
-                    </m:r>
-                    <m:r>
-                      <a:rPr lang="es-ES" i="1" smtClean="0">
-                        <a:latin typeface="Cambria Math" panose="02040503050406030204" pitchFamily="18" charset="0"/>
-                      </a:rPr>
-                      <m:t>=</m:t>
-                    </m:r>
-                    <m:r>
-                      <a:rPr lang="es-ES" b="0" i="1" smtClean="0">
-                        <a:latin typeface="Cambria Math" panose="02040503050406030204" pitchFamily="18" charset="0"/>
-                      </a:rPr>
-                      <m:t>𝑠</m:t>
-                    </m:r>
-                    <m:sSup>
-                      <m:sSupPr>
-                        <m:ctrlPr>
-                          <a:rPr lang="es-ES" i="1" smtClean="0">
-                            <a:latin typeface="Cambria Math" panose="02040503050406030204" pitchFamily="18" charset="0"/>
-                          </a:rPr>
-                        </m:ctrlPr>
-                      </m:sSupPr>
-                      <m:e>
-                        <m:r>
-                          <a:rPr lang="es-ES" b="0" i="1" smtClean="0">
-                            <a:latin typeface="Cambria Math" panose="02040503050406030204" pitchFamily="18" charset="0"/>
-                          </a:rPr>
-                          <m:t>∗2</m:t>
-                        </m:r>
-                      </m:e>
-                      <m:sup>
-                        <m:r>
-                          <a:rPr lang="es-ES" b="0" i="1" smtClean="0">
-                            <a:latin typeface="Cambria Math" panose="02040503050406030204" pitchFamily="18" charset="0"/>
-                          </a:rPr>
-                          <m:t>𝑖</m:t>
-                        </m:r>
-                      </m:sup>
-                    </m:sSup>
-                  </m:oMath>
+                  <m:oMathPara xmlns:m="http://schemas.openxmlformats.org/officeDocument/2006/math">
+                    <m:oMathParaPr>
+                      <m:jc m:val="centerGroup"/>
+                    </m:oMathParaPr>
+                    <m:oMath xmlns:m="http://schemas.openxmlformats.org/officeDocument/2006/math">
+                      <m:r>
+                        <a:rPr lang="es-ES" b="0" i="1" smtClean="0">
+                          <a:latin typeface="Cambria Math" panose="02040503050406030204" pitchFamily="18" charset="0"/>
+                        </a:rPr>
+                        <m:t>𝑑𝑝</m:t>
+                      </m:r>
+                      <m:d>
+                        <m:dPr>
+                          <m:begChr m:val="["/>
+                          <m:endChr m:val="]"/>
+                          <m:ctrlPr>
+                            <a:rPr lang="es-ES" b="0" i="1" smtClean="0">
+                              <a:latin typeface="Cambria Math" panose="02040503050406030204" pitchFamily="18" charset="0"/>
+                            </a:rPr>
+                          </m:ctrlPr>
+                        </m:dPr>
+                        <m:e>
+                          <m:r>
+                            <a:rPr lang="es-ES" b="0" i="1" smtClean="0">
+                              <a:latin typeface="Cambria Math" panose="02040503050406030204" pitchFamily="18" charset="0"/>
+                            </a:rPr>
+                            <m:t>𝑖</m:t>
+                          </m:r>
+                        </m:e>
+                      </m:d>
+                      <m:d>
+                        <m:dPr>
+                          <m:begChr m:val="["/>
+                          <m:endChr m:val="]"/>
+                          <m:ctrlPr>
+                            <a:rPr lang="es-ES" b="0" i="1" smtClean="0">
+                              <a:latin typeface="Cambria Math" panose="02040503050406030204" pitchFamily="18" charset="0"/>
+                            </a:rPr>
+                          </m:ctrlPr>
+                        </m:dPr>
+                        <m:e>
+                          <m:r>
+                            <a:rPr lang="es-ES" b="0" i="1" smtClean="0">
+                              <a:latin typeface="Cambria Math" panose="02040503050406030204" pitchFamily="18" charset="0"/>
+                            </a:rPr>
+                            <m:t>0</m:t>
+                          </m:r>
+                        </m:e>
+                      </m:d>
+                      <m:r>
+                        <a:rPr lang="es-ES" b="0" i="1" smtClean="0">
+                          <a:latin typeface="Cambria Math" panose="02040503050406030204" pitchFamily="18" charset="0"/>
+                        </a:rPr>
+                        <m:t>=0</m:t>
+                      </m:r>
+                    </m:oMath>
+                  </m:oMathPara>
                 </a14:m>
-                <a:endParaRPr lang="es-ES" dirty="0">
-                  <a:latin typeface="Abadi" panose="020B0604020104020204" pitchFamily="34" charset="0"/>
-                </a:endParaRPr>
+                <a:endParaRPr lang="es-CO" dirty="0"/>
               </a:p>
             </p:txBody>
           </p:sp>
         </mc:Choice>
-        <mc:Fallback xmlns="">
+        <mc:Fallback>
           <p:sp>
             <p:nvSpPr>
-              <p:cNvPr id="2" name="Subtítulo 1">
+              <p:cNvPr id="3" name="CuadroTexto 2">
                 <a:extLst>
                   <a:ext uri="{FF2B5EF4-FFF2-40B4-BE49-F238E27FC236}">
-                    <a16:creationId xmlns:a16="http://schemas.microsoft.com/office/drawing/2014/main" id="{29A75048-B2F8-4A8B-9645-CF6D9A7AE10B}"/>
+                    <a16:creationId xmlns:a16="http://schemas.microsoft.com/office/drawing/2014/main" id="{2B4C1C35-637C-4CE7-87A1-EA4ED1574026}"/>
                   </a:ext>
                 </a:extLst>
               </p:cNvPr>
-              <p:cNvSpPr>
-                <a:spLocks noGrp="1" noRot="1" noChangeAspect="1" noMove="1" noResize="1" noEditPoints="1" noAdjustHandles="1" noChangeArrowheads="1" noChangeShapeType="1" noTextEdit="1"/>
+              <p:cNvSpPr txBox="1">
+                <a:spLocks noRot="1" noChangeAspect="1" noMove="1" noResize="1" noEditPoints="1" noAdjustHandles="1" noChangeArrowheads="1" noChangeShapeType="1" noTextEdit="1"/>
               </p:cNvSpPr>
-              <p:nvPr>
-                <p:ph type="subTitle" idx="1"/>
-              </p:nvPr>
+              <p:nvPr/>
             </p:nvSpPr>
             <p:spPr>
-              <a:xfrm flipH="1">
-                <a:off x="3919818" y="1258649"/>
-                <a:ext cx="4988858" cy="3355041"/>
+              <a:xfrm>
+                <a:off x="4553318" y="1595849"/>
+                <a:ext cx="1001813" cy="215444"/>
               </a:xfrm>
+              <a:prstGeom prst="rect">
+                <a:avLst/>
+              </a:prstGeom>
               <a:blipFill>
-                <a:blip r:embed="rId2"/>
+                <a:blip r:embed="rId7"/>
                 <a:stretch>
-                  <a:fillRect r="-733"/>
+                  <a:fillRect l="-5488" r="-3049" b="-34286"/>
                 </a:stretch>
               </a:blipFill>
             </p:spPr>
@@ -11894,2483 +8914,10 @@
           </p:sp>
         </mc:Fallback>
       </mc:AlternateContent>
-      <p:sp>
-        <p:nvSpPr>
-          <p:cNvPr id="3" name="Título 2">
-            <a:extLst>
-              <a:ext uri="{FF2B5EF4-FFF2-40B4-BE49-F238E27FC236}">
-                <a16:creationId xmlns:a16="http://schemas.microsoft.com/office/drawing/2014/main" id="{958E9C0A-1B7C-480F-B568-0D2DDEF32A6F}"/>
-              </a:ext>
-            </a:extLst>
-          </p:cNvPr>
-          <p:cNvSpPr>
-            <a:spLocks noGrp="1"/>
-          </p:cNvSpPr>
-          <p:nvPr>
-            <p:ph type="ctrTitle"/>
-          </p:nvPr>
-        </p:nvSpPr>
-        <p:spPr>
-          <a:xfrm>
-            <a:off x="5180650" y="402191"/>
-            <a:ext cx="3194700" cy="481200"/>
-          </a:xfrm>
-        </p:spPr>
-        <p:txBody>
-          <a:bodyPr/>
-          <a:lstStyle/>
-          <a:p>
-            <a:r>
-              <a:rPr lang="es-ES" dirty="0"/>
-              <a:t>Mascara de bits</a:t>
-            </a:r>
-            <a:endParaRPr lang="es-CO" dirty="0"/>
-          </a:p>
-        </p:txBody>
-      </p:sp>
-      <p:pic>
-        <p:nvPicPr>
-          <p:cNvPr id="4" name="Picture 4" descr="Símbolos Universitarios – Universidad de Nariño">
-            <a:extLst>
-              <a:ext uri="{FF2B5EF4-FFF2-40B4-BE49-F238E27FC236}">
-                <a16:creationId xmlns:a16="http://schemas.microsoft.com/office/drawing/2014/main" id="{0B2EA667-CB57-4DF8-BB35-E9AFDF367C2B}"/>
-              </a:ext>
-            </a:extLst>
-          </p:cNvPr>
-          <p:cNvPicPr>
-            <a:picLocks noChangeAspect="1" noChangeArrowheads="1"/>
-          </p:cNvPicPr>
-          <p:nvPr/>
-        </p:nvPicPr>
-        <p:blipFill>
-          <a:blip r:embed="rId3">
-            <a:extLst>
-              <a:ext uri="{28A0092B-C50C-407E-A947-70E740481C1C}">
-                <a14:useLocalDpi xmlns:a14="http://schemas.microsoft.com/office/drawing/2010/main" val="0"/>
-              </a:ext>
-            </a:extLst>
-          </a:blip>
-          <a:srcRect/>
-          <a:stretch>
-            <a:fillRect/>
-          </a:stretch>
-        </p:blipFill>
-        <p:spPr bwMode="auto">
-          <a:xfrm>
-            <a:off x="215587" y="259970"/>
-            <a:ext cx="660961" cy="660961"/>
-          </a:xfrm>
-          <a:prstGeom prst="rect">
-            <a:avLst/>
-          </a:prstGeom>
-          <a:noFill/>
-          <a:extLst>
-            <a:ext uri="{909E8E84-426E-40DD-AFC4-6F175D3DCCD1}">
-              <a14:hiddenFill xmlns:a14="http://schemas.microsoft.com/office/drawing/2010/main">
-                <a:solidFill>
-                  <a:srgbClr val="FFFFFF"/>
-                </a:solidFill>
-              </a14:hiddenFill>
-            </a:ext>
-          </a:extLst>
-        </p:spPr>
-      </p:pic>
-      <p:pic>
-        <p:nvPicPr>
-          <p:cNvPr id="5" name="Imagen 4">
-            <a:extLst>
-              <a:ext uri="{FF2B5EF4-FFF2-40B4-BE49-F238E27FC236}">
-                <a16:creationId xmlns:a16="http://schemas.microsoft.com/office/drawing/2014/main" id="{1B46FA37-FA47-4459-8828-383FB697E3AF}"/>
-              </a:ext>
-            </a:extLst>
-          </p:cNvPr>
-          <p:cNvPicPr>
-            <a:picLocks noChangeAspect="1"/>
-          </p:cNvPicPr>
-          <p:nvPr/>
-        </p:nvPicPr>
-        <p:blipFill rotWithShape="1">
-          <a:blip r:embed="rId4"/>
-          <a:srcRect l="53279" t="4713" r="5319"/>
-          <a:stretch/>
-        </p:blipFill>
-        <p:spPr>
-          <a:xfrm>
-            <a:off x="984125" y="201706"/>
-            <a:ext cx="918577" cy="804385"/>
-          </a:xfrm>
-          <a:prstGeom prst="ellipse">
-            <a:avLst/>
-          </a:prstGeom>
-          <a:ln>
-            <a:noFill/>
-          </a:ln>
-          <a:effectLst>
-            <a:softEdge rad="112500"/>
-          </a:effectLst>
-        </p:spPr>
-      </p:pic>
-      <p:sp>
-        <p:nvSpPr>
-          <p:cNvPr id="6" name="Rectángulo 5">
-            <a:extLst>
-              <a:ext uri="{FF2B5EF4-FFF2-40B4-BE49-F238E27FC236}">
-                <a16:creationId xmlns:a16="http://schemas.microsoft.com/office/drawing/2014/main" id="{7DCDF11F-935D-413B-93EB-EC9C70694C19}"/>
-              </a:ext>
-            </a:extLst>
-          </p:cNvPr>
-          <p:cNvSpPr/>
-          <p:nvPr/>
-        </p:nvSpPr>
-        <p:spPr>
-          <a:xfrm>
-            <a:off x="295837" y="1276419"/>
-            <a:ext cx="3388225" cy="3355041"/>
-          </a:xfrm>
-          <a:prstGeom prst="rect">
-            <a:avLst/>
-          </a:prstGeom>
-          <a:solidFill>
-            <a:srgbClr val="FFFFFF"/>
-          </a:solidFill>
-          <a:ln>
-            <a:solidFill>
-              <a:srgbClr val="BAF7C9"/>
-            </a:solidFill>
-          </a:ln>
-        </p:spPr>
-        <p:style>
-          <a:lnRef idx="2">
-            <a:schemeClr val="accent1">
-              <a:shade val="50000"/>
-            </a:schemeClr>
-          </a:lnRef>
-          <a:fillRef idx="1">
-            <a:schemeClr val="accent1"/>
-          </a:fillRef>
-          <a:effectRef idx="0">
-            <a:schemeClr val="accent1"/>
-          </a:effectRef>
-          <a:fontRef idx="minor">
-            <a:schemeClr val="lt1"/>
-          </a:fontRef>
-        </p:style>
-        <p:txBody>
-          <a:bodyPr rtlCol="0" anchor="ctr"/>
-          <a:lstStyle/>
-          <a:p>
-            <a:pPr marL="0" marR="0" lvl="0" indent="0" algn="ctr" defTabSz="914400" rtl="0" eaLnBrk="1" fontAlgn="auto" latinLnBrk="0" hangingPunct="1">
-              <a:lnSpc>
-                <a:spcPct val="100000"/>
-              </a:lnSpc>
-              <a:spcBef>
-                <a:spcPts val="0"/>
-              </a:spcBef>
-              <a:spcAft>
-                <a:spcPts val="0"/>
-              </a:spcAft>
-              <a:buClr>
-                <a:srgbClr val="000000"/>
-              </a:buClr>
-              <a:buSzTx/>
-              <a:buFont typeface="Arial"/>
-              <a:buNone/>
-              <a:tabLst/>
-              <a:defRPr/>
-            </a:pPr>
-            <a:endParaRPr kumimoji="0" lang="es-CO" sz="1400" b="0" i="0" u="none" strike="noStrike" kern="0" cap="none" spc="0" normalizeH="0" baseline="0" noProof="0">
-              <a:ln>
-                <a:noFill/>
-              </a:ln>
-              <a:solidFill>
-                <a:srgbClr val="BAF7C9"/>
-              </a:solidFill>
-              <a:effectLst/>
-              <a:uLnTx/>
-              <a:uFillTx/>
-              <a:latin typeface="Arial"/>
-              <a:ea typeface="+mn-ea"/>
-              <a:cs typeface="+mn-cs"/>
-              <a:sym typeface="Arial"/>
-            </a:endParaRPr>
-          </a:p>
-        </p:txBody>
-      </p:sp>
-      <p:sp>
-        <p:nvSpPr>
-          <p:cNvPr id="9" name="CuadroTexto 8">
-            <a:extLst>
-              <a:ext uri="{FF2B5EF4-FFF2-40B4-BE49-F238E27FC236}">
-                <a16:creationId xmlns:a16="http://schemas.microsoft.com/office/drawing/2014/main" id="{96A49DC7-5E6F-47D9-B4D4-5E7A5DC31FAE}"/>
-              </a:ext>
-            </a:extLst>
-          </p:cNvPr>
-          <p:cNvSpPr txBox="1"/>
-          <p:nvPr/>
-        </p:nvSpPr>
-        <p:spPr>
-          <a:xfrm>
-            <a:off x="6320347" y="1032816"/>
-            <a:ext cx="2823653" cy="307777"/>
-          </a:xfrm>
-          <a:prstGeom prst="rect">
-            <a:avLst/>
-          </a:prstGeom>
-          <a:noFill/>
-        </p:spPr>
-        <p:txBody>
-          <a:bodyPr wrap="square" rtlCol="0">
-            <a:spAutoFit/>
-          </a:bodyPr>
-          <a:lstStyle/>
-          <a:p>
-            <a:pPr marL="0" marR="0" lvl="0" indent="0" algn="l" defTabSz="914400" rtl="0" eaLnBrk="1" fontAlgn="auto" latinLnBrk="0" hangingPunct="1">
-              <a:lnSpc>
-                <a:spcPct val="100000"/>
-              </a:lnSpc>
-              <a:spcBef>
-                <a:spcPts val="0"/>
-              </a:spcBef>
-              <a:spcAft>
-                <a:spcPts val="0"/>
-              </a:spcAft>
-              <a:buClr>
-                <a:srgbClr val="000000"/>
-              </a:buClr>
-              <a:buSzTx/>
-              <a:buFont typeface="Arial"/>
-              <a:buNone/>
-              <a:tabLst/>
-              <a:defRPr/>
-            </a:pPr>
-            <a:r>
-              <a:rPr kumimoji="0" lang="es-ES" sz="1400" b="0" i="0" u="none" strike="noStrike" kern="0" cap="none" spc="0" normalizeH="0" baseline="0" noProof="0" dirty="0">
-                <a:ln>
-                  <a:noFill/>
-                </a:ln>
-                <a:solidFill>
-                  <a:srgbClr val="666666">
-                    <a:lumMod val="60000"/>
-                    <a:lumOff val="40000"/>
-                  </a:srgbClr>
-                </a:solidFill>
-                <a:effectLst/>
-                <a:uLnTx/>
-                <a:uFillTx/>
-                <a:latin typeface="Staatliches" panose="020B0604020202020204" charset="0"/>
-                <a:cs typeface="Arial"/>
-                <a:sym typeface="Arial"/>
-              </a:rPr>
-              <a:t>multiplicar un numero por 2</a:t>
-            </a:r>
-            <a:endParaRPr kumimoji="0" lang="es-CO" sz="1400" b="0" i="0" u="none" strike="noStrike" kern="0" cap="none" spc="0" normalizeH="0" baseline="0" noProof="0" dirty="0">
-              <a:ln>
-                <a:noFill/>
-              </a:ln>
-              <a:solidFill>
-                <a:srgbClr val="666666">
-                  <a:lumMod val="60000"/>
-                  <a:lumOff val="40000"/>
-                </a:srgbClr>
-              </a:solidFill>
-              <a:effectLst/>
-              <a:uLnTx/>
-              <a:uFillTx/>
-              <a:latin typeface="Staatliches" panose="020B0604020202020204" charset="0"/>
-              <a:cs typeface="Arial"/>
-              <a:sym typeface="Arial"/>
-            </a:endParaRPr>
-          </a:p>
-        </p:txBody>
-      </p:sp>
-      <p:pic>
-        <p:nvPicPr>
-          <p:cNvPr id="1030" name="Picture 6">
-            <a:extLst>
-              <a:ext uri="{FF2B5EF4-FFF2-40B4-BE49-F238E27FC236}">
-                <a16:creationId xmlns:a16="http://schemas.microsoft.com/office/drawing/2014/main" id="{BBCECACF-F7D8-4417-A35F-08D3C0CB77B9}"/>
-              </a:ext>
-            </a:extLst>
-          </p:cNvPr>
-          <p:cNvPicPr>
-            <a:picLocks noChangeAspect="1" noChangeArrowheads="1"/>
-          </p:cNvPicPr>
-          <p:nvPr/>
-        </p:nvPicPr>
-        <p:blipFill>
-          <a:blip r:embed="rId5">
-            <a:extLst>
-              <a:ext uri="{28A0092B-C50C-407E-A947-70E740481C1C}">
-                <a14:useLocalDpi xmlns:a14="http://schemas.microsoft.com/office/drawing/2010/main" val="0"/>
-              </a:ext>
-            </a:extLst>
-          </a:blip>
-          <a:srcRect/>
-          <a:stretch>
-            <a:fillRect/>
-          </a:stretch>
-        </p:blipFill>
-        <p:spPr bwMode="auto">
-          <a:xfrm>
-            <a:off x="842499" y="1949823"/>
-            <a:ext cx="2561664" cy="1707776"/>
-          </a:xfrm>
-          <a:prstGeom prst="rect">
-            <a:avLst/>
-          </a:prstGeom>
-          <a:noFill/>
-          <a:extLst>
-            <a:ext uri="{909E8E84-426E-40DD-AFC4-6F175D3DCCD1}">
-              <a14:hiddenFill xmlns:a14="http://schemas.microsoft.com/office/drawing/2010/main">
-                <a:solidFill>
-                  <a:srgbClr val="FFFFFF"/>
-                </a:solidFill>
-              </a14:hiddenFill>
-            </a:ext>
-          </a:extLst>
-        </p:spPr>
-      </p:pic>
-      <p:sp>
-        <p:nvSpPr>
-          <p:cNvPr id="12" name="Flecha: a la derecha 11">
-            <a:extLst>
-              <a:ext uri="{FF2B5EF4-FFF2-40B4-BE49-F238E27FC236}">
-                <a16:creationId xmlns:a16="http://schemas.microsoft.com/office/drawing/2014/main" id="{D0AF2C93-5979-49D8-A24E-6C9F1BBE408A}"/>
-              </a:ext>
-            </a:extLst>
-          </p:cNvPr>
-          <p:cNvSpPr/>
-          <p:nvPr/>
-        </p:nvSpPr>
-        <p:spPr>
-          <a:xfrm>
-            <a:off x="8361903" y="4746812"/>
-            <a:ext cx="492985" cy="211911"/>
-          </a:xfrm>
-          <a:prstGeom prst="rightArrow">
-            <a:avLst/>
-          </a:prstGeom>
-          <a:solidFill>
-            <a:schemeClr val="bg2">
-              <a:lumMod val="75000"/>
-            </a:schemeClr>
-          </a:solidFill>
-          <a:ln>
-            <a:noFill/>
-          </a:ln>
-        </p:spPr>
-        <p:style>
-          <a:lnRef idx="2">
-            <a:schemeClr val="accent1">
-              <a:shade val="50000"/>
-            </a:schemeClr>
-          </a:lnRef>
-          <a:fillRef idx="1">
-            <a:schemeClr val="accent1"/>
-          </a:fillRef>
-          <a:effectRef idx="0">
-            <a:schemeClr val="accent1"/>
-          </a:effectRef>
-          <a:fontRef idx="minor">
-            <a:schemeClr val="lt1"/>
-          </a:fontRef>
-        </p:style>
-        <p:txBody>
-          <a:bodyPr rtlCol="0" anchor="ctr"/>
-          <a:lstStyle/>
-          <a:p>
-            <a:pPr marL="0" marR="0" lvl="0" indent="0" algn="ctr" defTabSz="914400" rtl="0" eaLnBrk="1" fontAlgn="auto" latinLnBrk="0" hangingPunct="1">
-              <a:lnSpc>
-                <a:spcPct val="100000"/>
-              </a:lnSpc>
-              <a:spcBef>
-                <a:spcPts val="0"/>
-              </a:spcBef>
-              <a:spcAft>
-                <a:spcPts val="0"/>
-              </a:spcAft>
-              <a:buClr>
-                <a:srgbClr val="000000"/>
-              </a:buClr>
-              <a:buSzTx/>
-              <a:buFont typeface="Arial"/>
-              <a:buNone/>
-              <a:tabLst/>
-              <a:defRPr/>
-            </a:pPr>
-            <a:endParaRPr kumimoji="0" lang="es-CO" sz="1400" b="0" i="0" u="none" strike="noStrike" kern="0" cap="none" spc="0" normalizeH="0" baseline="0" noProof="0">
-              <a:ln>
-                <a:noFill/>
-              </a:ln>
-              <a:solidFill>
-                <a:srgbClr val="BAF7C9"/>
-              </a:solidFill>
-              <a:effectLst/>
-              <a:uLnTx/>
-              <a:uFillTx/>
-              <a:latin typeface="Arial"/>
-              <a:ea typeface="+mn-ea"/>
-              <a:cs typeface="+mn-cs"/>
-              <a:sym typeface="Arial"/>
-            </a:endParaRPr>
-          </a:p>
-        </p:txBody>
-      </p:sp>
     </p:spTree>
     <p:extLst>
       <p:ext uri="{BB962C8B-B14F-4D97-AF65-F5344CB8AC3E}">
-        <p14:creationId xmlns:p14="http://schemas.microsoft.com/office/powerpoint/2010/main" val="1265079105"/>
-      </p:ext>
-    </p:extLst>
-  </p:cSld>
-  <p:clrMapOvr>
-    <a:masterClrMapping/>
-  </p:clrMapOvr>
-</p:sld>
-</file>
-
-<file path=ppt/slides/slide4.xml><?xml version="1.0" encoding="utf-8"?>
-<p:sld xmlns:a="http://schemas.openxmlformats.org/drawingml/2006/main" xmlns:r="http://schemas.openxmlformats.org/officeDocument/2006/relationships" xmlns:p="http://schemas.openxmlformats.org/presentationml/2006/main">
-  <p:cSld>
-    <p:spTree>
-      <p:nvGrpSpPr>
-        <p:cNvPr id="1" name=""/>
-        <p:cNvGrpSpPr/>
-        <p:nvPr/>
-      </p:nvGrpSpPr>
-      <p:grpSpPr>
-        <a:xfrm>
-          <a:off x="0" y="0"/>
-          <a:ext cx="0" cy="0"/>
-          <a:chOff x="0" y="0"/>
-          <a:chExt cx="0" cy="0"/>
-        </a:xfrm>
-      </p:grpSpPr>
-      <mc:AlternateContent xmlns:mc="http://schemas.openxmlformats.org/markup-compatibility/2006" xmlns:a14="http://schemas.microsoft.com/office/drawing/2010/main">
-        <mc:Choice Requires="a14">
-          <p:sp>
-            <p:nvSpPr>
-              <p:cNvPr id="2" name="Subtítulo 1">
-                <a:extLst>
-                  <a:ext uri="{FF2B5EF4-FFF2-40B4-BE49-F238E27FC236}">
-                    <a16:creationId xmlns:a16="http://schemas.microsoft.com/office/drawing/2014/main" id="{29A75048-B2F8-4A8B-9645-CF6D9A7AE10B}"/>
-                  </a:ext>
-                </a:extLst>
-              </p:cNvPr>
-              <p:cNvSpPr>
-                <a:spLocks noGrp="1"/>
-              </p:cNvSpPr>
-              <p:nvPr>
-                <p:ph type="subTitle" idx="1"/>
-              </p:nvPr>
-            </p:nvSpPr>
-            <p:spPr>
-              <a:xfrm flipH="1">
-                <a:off x="3919818" y="1258649"/>
-                <a:ext cx="4988858" cy="3355041"/>
-              </a:xfrm>
-            </p:spPr>
-            <p:txBody>
-              <a:bodyPr/>
-              <a:lstStyle/>
-              <a:p>
-                <a:pPr marL="152400" indent="0">
-                  <a:buNone/>
-                </a:pPr>
-                <a:r>
-                  <a:rPr lang="es-ES" dirty="0">
-                    <a:latin typeface="Abadi" panose="020B0604020104020204" pitchFamily="34" charset="0"/>
-                  </a:rPr>
-                  <a:t>Para dividir un numero por dos vasta con desplazar todos los bits a la derecha, si tenemos una variable s y queremos desplazar todos sus bits a la derecha en la mayoría de leguajes basta con usar el operador &gt;&gt; si queremos desplazar un bit a la derecha usamos s = s &gt;&gt; 1 en este caso s quedaría con la mitad del valor inicial, si hiciéramos  s = s &gt;&gt; i el resultado seria el mismo que hacer </a:t>
-                </a:r>
-                <a14:m>
-                  <m:oMath xmlns:m="http://schemas.openxmlformats.org/officeDocument/2006/math">
-                    <m:r>
-                      <m:rPr>
-                        <m:sty m:val="p"/>
-                      </m:rPr>
-                      <a:rPr lang="es-ES" b="0" i="0" smtClean="0">
-                        <a:latin typeface="Cambria Math" panose="02040503050406030204" pitchFamily="18" charset="0"/>
-                      </a:rPr>
-                      <m:t>s</m:t>
-                    </m:r>
-                    <m:r>
-                      <a:rPr lang="es-ES" i="1" smtClean="0">
-                        <a:latin typeface="Cambria Math" panose="02040503050406030204" pitchFamily="18" charset="0"/>
-                      </a:rPr>
-                      <m:t>=</m:t>
-                    </m:r>
-                    <m:f>
-                      <m:fPr>
-                        <m:ctrlPr>
-                          <a:rPr lang="es-ES" i="1">
-                            <a:latin typeface="Cambria Math" panose="02040503050406030204" pitchFamily="18" charset="0"/>
-                          </a:rPr>
-                        </m:ctrlPr>
-                      </m:fPr>
-                      <m:num>
-                        <m:r>
-                          <a:rPr lang="es-ES" i="1">
-                            <a:latin typeface="Cambria Math" panose="02040503050406030204" pitchFamily="18" charset="0"/>
-                          </a:rPr>
-                          <m:t>𝑠</m:t>
-                        </m:r>
-                      </m:num>
-                      <m:den>
-                        <m:sSup>
-                          <m:sSupPr>
-                            <m:ctrlPr>
-                              <a:rPr lang="es-ES" i="1">
-                                <a:latin typeface="Cambria Math" panose="02040503050406030204" pitchFamily="18" charset="0"/>
-                              </a:rPr>
-                            </m:ctrlPr>
-                          </m:sSupPr>
-                          <m:e>
-                            <m:r>
-                              <a:rPr lang="es-ES" i="1">
-                                <a:latin typeface="Cambria Math" panose="02040503050406030204" pitchFamily="18" charset="0"/>
-                              </a:rPr>
-                              <m:t>2</m:t>
-                            </m:r>
-                          </m:e>
-                          <m:sup>
-                            <m:r>
-                              <a:rPr lang="es-ES" i="1">
-                                <a:latin typeface="Cambria Math" panose="02040503050406030204" pitchFamily="18" charset="0"/>
-                              </a:rPr>
-                              <m:t>𝑖</m:t>
-                            </m:r>
-                          </m:sup>
-                        </m:sSup>
-                      </m:den>
-                    </m:f>
-                  </m:oMath>
-                </a14:m>
-                <a:r>
-                  <a:rPr lang="es-ES" dirty="0">
-                    <a:latin typeface="Abadi" panose="020B0604020104020204" pitchFamily="34" charset="0"/>
-                  </a:rPr>
-                  <a:t> tener en cuenta que con esta operación se trunca por defecto hacia abajo</a:t>
-                </a:r>
-              </a:p>
-            </p:txBody>
-          </p:sp>
-        </mc:Choice>
-        <mc:Fallback xmlns="">
-          <p:sp>
-            <p:nvSpPr>
-              <p:cNvPr id="2" name="Subtítulo 1">
-                <a:extLst>
-                  <a:ext uri="{FF2B5EF4-FFF2-40B4-BE49-F238E27FC236}">
-                    <a16:creationId xmlns:a16="http://schemas.microsoft.com/office/drawing/2014/main" id="{29A75048-B2F8-4A8B-9645-CF6D9A7AE10B}"/>
-                  </a:ext>
-                </a:extLst>
-              </p:cNvPr>
-              <p:cNvSpPr>
-                <a:spLocks noGrp="1" noRot="1" noChangeAspect="1" noMove="1" noResize="1" noEditPoints="1" noAdjustHandles="1" noChangeArrowheads="1" noChangeShapeType="1" noTextEdit="1"/>
-              </p:cNvSpPr>
-              <p:nvPr>
-                <p:ph type="subTitle" idx="1"/>
-              </p:nvPr>
-            </p:nvSpPr>
-            <p:spPr>
-              <a:xfrm flipH="1">
-                <a:off x="3919818" y="1258649"/>
-                <a:ext cx="4988858" cy="3355041"/>
-              </a:xfrm>
-              <a:blipFill>
-                <a:blip r:embed="rId2"/>
-                <a:stretch>
-                  <a:fillRect/>
-                </a:stretch>
-              </a:blipFill>
-            </p:spPr>
-            <p:txBody>
-              <a:bodyPr/>
-              <a:lstStyle/>
-              <a:p>
-                <a:r>
-                  <a:rPr lang="es-CO">
-                    <a:noFill/>
-                  </a:rPr>
-                  <a:t> </a:t>
-                </a:r>
-              </a:p>
-            </p:txBody>
-          </p:sp>
-        </mc:Fallback>
-      </mc:AlternateContent>
-      <p:sp>
-        <p:nvSpPr>
-          <p:cNvPr id="3" name="Título 2">
-            <a:extLst>
-              <a:ext uri="{FF2B5EF4-FFF2-40B4-BE49-F238E27FC236}">
-                <a16:creationId xmlns:a16="http://schemas.microsoft.com/office/drawing/2014/main" id="{958E9C0A-1B7C-480F-B568-0D2DDEF32A6F}"/>
-              </a:ext>
-            </a:extLst>
-          </p:cNvPr>
-          <p:cNvSpPr>
-            <a:spLocks noGrp="1"/>
-          </p:cNvSpPr>
-          <p:nvPr>
-            <p:ph type="ctrTitle"/>
-          </p:nvPr>
-        </p:nvSpPr>
-        <p:spPr>
-          <a:xfrm>
-            <a:off x="5180650" y="402191"/>
-            <a:ext cx="3194700" cy="481200"/>
-          </a:xfrm>
-        </p:spPr>
-        <p:txBody>
-          <a:bodyPr/>
-          <a:lstStyle/>
-          <a:p>
-            <a:r>
-              <a:rPr lang="es-ES" dirty="0"/>
-              <a:t>Mascara de bits</a:t>
-            </a:r>
-            <a:endParaRPr lang="es-CO" dirty="0"/>
-          </a:p>
-        </p:txBody>
-      </p:sp>
-      <p:pic>
-        <p:nvPicPr>
-          <p:cNvPr id="4" name="Picture 4" descr="Símbolos Universitarios – Universidad de Nariño">
-            <a:extLst>
-              <a:ext uri="{FF2B5EF4-FFF2-40B4-BE49-F238E27FC236}">
-                <a16:creationId xmlns:a16="http://schemas.microsoft.com/office/drawing/2014/main" id="{0B2EA667-CB57-4DF8-BB35-E9AFDF367C2B}"/>
-              </a:ext>
-            </a:extLst>
-          </p:cNvPr>
-          <p:cNvPicPr>
-            <a:picLocks noChangeAspect="1" noChangeArrowheads="1"/>
-          </p:cNvPicPr>
-          <p:nvPr/>
-        </p:nvPicPr>
-        <p:blipFill>
-          <a:blip r:embed="rId3">
-            <a:extLst>
-              <a:ext uri="{28A0092B-C50C-407E-A947-70E740481C1C}">
-                <a14:useLocalDpi xmlns:a14="http://schemas.microsoft.com/office/drawing/2010/main" val="0"/>
-              </a:ext>
-            </a:extLst>
-          </a:blip>
-          <a:srcRect/>
-          <a:stretch>
-            <a:fillRect/>
-          </a:stretch>
-        </p:blipFill>
-        <p:spPr bwMode="auto">
-          <a:xfrm>
-            <a:off x="215587" y="259970"/>
-            <a:ext cx="660961" cy="660961"/>
-          </a:xfrm>
-          <a:prstGeom prst="rect">
-            <a:avLst/>
-          </a:prstGeom>
-          <a:noFill/>
-          <a:extLst>
-            <a:ext uri="{909E8E84-426E-40DD-AFC4-6F175D3DCCD1}">
-              <a14:hiddenFill xmlns:a14="http://schemas.microsoft.com/office/drawing/2010/main">
-                <a:solidFill>
-                  <a:srgbClr val="FFFFFF"/>
-                </a:solidFill>
-              </a14:hiddenFill>
-            </a:ext>
-          </a:extLst>
-        </p:spPr>
-      </p:pic>
-      <p:pic>
-        <p:nvPicPr>
-          <p:cNvPr id="5" name="Imagen 4">
-            <a:extLst>
-              <a:ext uri="{FF2B5EF4-FFF2-40B4-BE49-F238E27FC236}">
-                <a16:creationId xmlns:a16="http://schemas.microsoft.com/office/drawing/2014/main" id="{1B46FA37-FA47-4459-8828-383FB697E3AF}"/>
-              </a:ext>
-            </a:extLst>
-          </p:cNvPr>
-          <p:cNvPicPr>
-            <a:picLocks noChangeAspect="1"/>
-          </p:cNvPicPr>
-          <p:nvPr/>
-        </p:nvPicPr>
-        <p:blipFill rotWithShape="1">
-          <a:blip r:embed="rId4"/>
-          <a:srcRect l="53279" t="4713" r="5319"/>
-          <a:stretch/>
-        </p:blipFill>
-        <p:spPr>
-          <a:xfrm>
-            <a:off x="984125" y="201706"/>
-            <a:ext cx="918577" cy="804385"/>
-          </a:xfrm>
-          <a:prstGeom prst="ellipse">
-            <a:avLst/>
-          </a:prstGeom>
-          <a:ln>
-            <a:noFill/>
-          </a:ln>
-          <a:effectLst>
-            <a:softEdge rad="112500"/>
-          </a:effectLst>
-        </p:spPr>
-      </p:pic>
-      <p:sp>
-        <p:nvSpPr>
-          <p:cNvPr id="6" name="Rectángulo 5">
-            <a:extLst>
-              <a:ext uri="{FF2B5EF4-FFF2-40B4-BE49-F238E27FC236}">
-                <a16:creationId xmlns:a16="http://schemas.microsoft.com/office/drawing/2014/main" id="{7DCDF11F-935D-413B-93EB-EC9C70694C19}"/>
-              </a:ext>
-            </a:extLst>
-          </p:cNvPr>
-          <p:cNvSpPr/>
-          <p:nvPr/>
-        </p:nvSpPr>
-        <p:spPr>
-          <a:xfrm>
-            <a:off x="295837" y="1276419"/>
-            <a:ext cx="3388225" cy="3355041"/>
-          </a:xfrm>
-          <a:prstGeom prst="rect">
-            <a:avLst/>
-          </a:prstGeom>
-          <a:solidFill>
-            <a:srgbClr val="FFFFFF"/>
-          </a:solidFill>
-          <a:ln>
-            <a:solidFill>
-              <a:srgbClr val="BAF7C9"/>
-            </a:solidFill>
-          </a:ln>
-        </p:spPr>
-        <p:style>
-          <a:lnRef idx="2">
-            <a:schemeClr val="accent1">
-              <a:shade val="50000"/>
-            </a:schemeClr>
-          </a:lnRef>
-          <a:fillRef idx="1">
-            <a:schemeClr val="accent1"/>
-          </a:fillRef>
-          <a:effectRef idx="0">
-            <a:schemeClr val="accent1"/>
-          </a:effectRef>
-          <a:fontRef idx="minor">
-            <a:schemeClr val="lt1"/>
-          </a:fontRef>
-        </p:style>
-        <p:txBody>
-          <a:bodyPr rtlCol="0" anchor="ctr"/>
-          <a:lstStyle/>
-          <a:p>
-            <a:pPr marL="0" marR="0" lvl="0" indent="0" algn="ctr" defTabSz="914400" rtl="0" eaLnBrk="1" fontAlgn="auto" latinLnBrk="0" hangingPunct="1">
-              <a:lnSpc>
-                <a:spcPct val="100000"/>
-              </a:lnSpc>
-              <a:spcBef>
-                <a:spcPts val="0"/>
-              </a:spcBef>
-              <a:spcAft>
-                <a:spcPts val="0"/>
-              </a:spcAft>
-              <a:buClr>
-                <a:srgbClr val="000000"/>
-              </a:buClr>
-              <a:buSzTx/>
-              <a:buFont typeface="Arial"/>
-              <a:buNone/>
-              <a:tabLst/>
-              <a:defRPr/>
-            </a:pPr>
-            <a:endParaRPr kumimoji="0" lang="es-CO" sz="1400" b="0" i="0" u="none" strike="noStrike" kern="0" cap="none" spc="0" normalizeH="0" baseline="0" noProof="0">
-              <a:ln>
-                <a:noFill/>
-              </a:ln>
-              <a:solidFill>
-                <a:srgbClr val="BAF7C9"/>
-              </a:solidFill>
-              <a:effectLst/>
-              <a:uLnTx/>
-              <a:uFillTx/>
-              <a:latin typeface="Arial"/>
-              <a:ea typeface="+mn-ea"/>
-              <a:cs typeface="+mn-cs"/>
-              <a:sym typeface="Arial"/>
-            </a:endParaRPr>
-          </a:p>
-        </p:txBody>
-      </p:sp>
-      <p:sp>
-        <p:nvSpPr>
-          <p:cNvPr id="9" name="CuadroTexto 8">
-            <a:extLst>
-              <a:ext uri="{FF2B5EF4-FFF2-40B4-BE49-F238E27FC236}">
-                <a16:creationId xmlns:a16="http://schemas.microsoft.com/office/drawing/2014/main" id="{96A49DC7-5E6F-47D9-B4D4-5E7A5DC31FAE}"/>
-              </a:ext>
-            </a:extLst>
-          </p:cNvPr>
-          <p:cNvSpPr txBox="1"/>
-          <p:nvPr/>
-        </p:nvSpPr>
-        <p:spPr>
-          <a:xfrm>
-            <a:off x="6320347" y="1032816"/>
-            <a:ext cx="2823653" cy="307777"/>
-          </a:xfrm>
-          <a:prstGeom prst="rect">
-            <a:avLst/>
-          </a:prstGeom>
-          <a:noFill/>
-        </p:spPr>
-        <p:txBody>
-          <a:bodyPr wrap="square" rtlCol="0">
-            <a:spAutoFit/>
-          </a:bodyPr>
-          <a:lstStyle/>
-          <a:p>
-            <a:pPr marL="0" marR="0" lvl="0" indent="0" algn="l" defTabSz="914400" rtl="0" eaLnBrk="1" fontAlgn="auto" latinLnBrk="0" hangingPunct="1">
-              <a:lnSpc>
-                <a:spcPct val="100000"/>
-              </a:lnSpc>
-              <a:spcBef>
-                <a:spcPts val="0"/>
-              </a:spcBef>
-              <a:spcAft>
-                <a:spcPts val="0"/>
-              </a:spcAft>
-              <a:buClr>
-                <a:srgbClr val="000000"/>
-              </a:buClr>
-              <a:buSzTx/>
-              <a:buFont typeface="Arial"/>
-              <a:buNone/>
-              <a:tabLst/>
-              <a:defRPr/>
-            </a:pPr>
-            <a:r>
-              <a:rPr kumimoji="0" lang="es-ES" sz="1400" b="0" i="0" u="none" strike="noStrike" kern="0" cap="none" spc="0" normalizeH="0" baseline="0" noProof="0" dirty="0">
-                <a:ln>
-                  <a:noFill/>
-                </a:ln>
-                <a:solidFill>
-                  <a:srgbClr val="666666">
-                    <a:lumMod val="60000"/>
-                    <a:lumOff val="40000"/>
-                  </a:srgbClr>
-                </a:solidFill>
-                <a:effectLst/>
-                <a:uLnTx/>
-                <a:uFillTx/>
-                <a:latin typeface="Staatliches" panose="020B0604020202020204" charset="0"/>
-                <a:cs typeface="Arial"/>
-                <a:sym typeface="Arial"/>
-              </a:rPr>
-              <a:t>Dividir  un numero por 2</a:t>
-            </a:r>
-            <a:endParaRPr kumimoji="0" lang="es-CO" sz="1400" b="0" i="0" u="none" strike="noStrike" kern="0" cap="none" spc="0" normalizeH="0" baseline="0" noProof="0" dirty="0">
-              <a:ln>
-                <a:noFill/>
-              </a:ln>
-              <a:solidFill>
-                <a:srgbClr val="666666">
-                  <a:lumMod val="60000"/>
-                  <a:lumOff val="40000"/>
-                </a:srgbClr>
-              </a:solidFill>
-              <a:effectLst/>
-              <a:uLnTx/>
-              <a:uFillTx/>
-              <a:latin typeface="Staatliches" panose="020B0604020202020204" charset="0"/>
-              <a:cs typeface="Arial"/>
-              <a:sym typeface="Arial"/>
-            </a:endParaRPr>
-          </a:p>
-        </p:txBody>
-      </p:sp>
-      <p:pic>
-        <p:nvPicPr>
-          <p:cNvPr id="2050" name="Picture 2">
-            <a:extLst>
-              <a:ext uri="{FF2B5EF4-FFF2-40B4-BE49-F238E27FC236}">
-                <a16:creationId xmlns:a16="http://schemas.microsoft.com/office/drawing/2014/main" id="{A1A90AA2-3F17-4C4D-9F53-4FAAFD978F60}"/>
-              </a:ext>
-            </a:extLst>
-          </p:cNvPr>
-          <p:cNvPicPr>
-            <a:picLocks noChangeAspect="1" noChangeArrowheads="1"/>
-          </p:cNvPicPr>
-          <p:nvPr/>
-        </p:nvPicPr>
-        <p:blipFill>
-          <a:blip r:embed="rId5">
-            <a:extLst>
-              <a:ext uri="{28A0092B-C50C-407E-A947-70E740481C1C}">
-                <a14:useLocalDpi xmlns:a14="http://schemas.microsoft.com/office/drawing/2010/main" val="0"/>
-              </a:ext>
-            </a:extLst>
-          </a:blip>
-          <a:srcRect/>
-          <a:stretch>
-            <a:fillRect/>
-          </a:stretch>
-        </p:blipFill>
-        <p:spPr bwMode="auto">
-          <a:xfrm>
-            <a:off x="501635" y="1950875"/>
-            <a:ext cx="2802134" cy="1868089"/>
-          </a:xfrm>
-          <a:prstGeom prst="rect">
-            <a:avLst/>
-          </a:prstGeom>
-          <a:noFill/>
-          <a:extLst>
-            <a:ext uri="{909E8E84-426E-40DD-AFC4-6F175D3DCCD1}">
-              <a14:hiddenFill xmlns:a14="http://schemas.microsoft.com/office/drawing/2010/main">
-                <a:solidFill>
-                  <a:srgbClr val="FFFFFF"/>
-                </a:solidFill>
-              </a14:hiddenFill>
-            </a:ext>
-          </a:extLst>
-        </p:spPr>
-      </p:pic>
-    </p:spTree>
-    <p:extLst>
-      <p:ext uri="{BB962C8B-B14F-4D97-AF65-F5344CB8AC3E}">
-        <p14:creationId xmlns:p14="http://schemas.microsoft.com/office/powerpoint/2010/main" val="3174951884"/>
-      </p:ext>
-    </p:extLst>
-  </p:cSld>
-  <p:clrMapOvr>
-    <a:masterClrMapping/>
-  </p:clrMapOvr>
-</p:sld>
-</file>
-
-<file path=ppt/slides/slide5.xml><?xml version="1.0" encoding="utf-8"?>
-<p:sld xmlns:a="http://schemas.openxmlformats.org/drawingml/2006/main" xmlns:r="http://schemas.openxmlformats.org/officeDocument/2006/relationships" xmlns:p="http://schemas.openxmlformats.org/presentationml/2006/main">
-  <p:cSld>
-    <p:spTree>
-      <p:nvGrpSpPr>
-        <p:cNvPr id="1" name=""/>
-        <p:cNvGrpSpPr/>
-        <p:nvPr/>
-      </p:nvGrpSpPr>
-      <p:grpSpPr>
-        <a:xfrm>
-          <a:off x="0" y="0"/>
-          <a:ext cx="0" cy="0"/>
-          <a:chOff x="0" y="0"/>
-          <a:chExt cx="0" cy="0"/>
-        </a:xfrm>
-      </p:grpSpPr>
-      <p:sp>
-        <p:nvSpPr>
-          <p:cNvPr id="2" name="Subtítulo 1">
-            <a:extLst>
-              <a:ext uri="{FF2B5EF4-FFF2-40B4-BE49-F238E27FC236}">
-                <a16:creationId xmlns:a16="http://schemas.microsoft.com/office/drawing/2014/main" id="{29A75048-B2F8-4A8B-9645-CF6D9A7AE10B}"/>
-              </a:ext>
-            </a:extLst>
-          </p:cNvPr>
-          <p:cNvSpPr>
-            <a:spLocks noGrp="1"/>
-          </p:cNvSpPr>
-          <p:nvPr>
-            <p:ph type="subTitle" idx="1"/>
-          </p:nvPr>
-        </p:nvSpPr>
-        <p:spPr>
-          <a:xfrm flipH="1">
-            <a:off x="3965214" y="2329674"/>
-            <a:ext cx="4988858" cy="1082474"/>
-          </a:xfrm>
-        </p:spPr>
-        <p:txBody>
-          <a:bodyPr/>
-          <a:lstStyle/>
-          <a:p>
-            <a:pPr marL="152400" indent="0">
-              <a:buNone/>
-            </a:pPr>
-            <a:r>
-              <a:rPr lang="es-ES" dirty="0">
-                <a:latin typeface="Abadi" panose="020B0604020104020204" pitchFamily="34" charset="0"/>
-              </a:rPr>
-              <a:t>Podemos usar un OR para encender BITS, haciendo un OR con 1&lt; &lt; i podemos encender la posición i del entero. </a:t>
-            </a:r>
-          </a:p>
-        </p:txBody>
-      </p:sp>
-      <p:sp>
-        <p:nvSpPr>
-          <p:cNvPr id="3" name="Título 2">
-            <a:extLst>
-              <a:ext uri="{FF2B5EF4-FFF2-40B4-BE49-F238E27FC236}">
-                <a16:creationId xmlns:a16="http://schemas.microsoft.com/office/drawing/2014/main" id="{958E9C0A-1B7C-480F-B568-0D2DDEF32A6F}"/>
-              </a:ext>
-            </a:extLst>
-          </p:cNvPr>
-          <p:cNvSpPr>
-            <a:spLocks noGrp="1"/>
-          </p:cNvSpPr>
-          <p:nvPr>
-            <p:ph type="ctrTitle"/>
-          </p:nvPr>
-        </p:nvSpPr>
-        <p:spPr>
-          <a:xfrm>
-            <a:off x="5653463" y="439731"/>
-            <a:ext cx="3194700" cy="481200"/>
-          </a:xfrm>
-        </p:spPr>
-        <p:txBody>
-          <a:bodyPr/>
-          <a:lstStyle/>
-          <a:p>
-            <a:r>
-              <a:rPr lang="es-ES" dirty="0"/>
-              <a:t>Mascara de bits</a:t>
-            </a:r>
-            <a:endParaRPr lang="es-CO" dirty="0"/>
-          </a:p>
-        </p:txBody>
-      </p:sp>
-      <p:pic>
-        <p:nvPicPr>
-          <p:cNvPr id="4" name="Picture 4" descr="Símbolos Universitarios – Universidad de Nariño">
-            <a:extLst>
-              <a:ext uri="{FF2B5EF4-FFF2-40B4-BE49-F238E27FC236}">
-                <a16:creationId xmlns:a16="http://schemas.microsoft.com/office/drawing/2014/main" id="{0B2EA667-CB57-4DF8-BB35-E9AFDF367C2B}"/>
-              </a:ext>
-            </a:extLst>
-          </p:cNvPr>
-          <p:cNvPicPr>
-            <a:picLocks noChangeAspect="1" noChangeArrowheads="1"/>
-          </p:cNvPicPr>
-          <p:nvPr/>
-        </p:nvPicPr>
-        <p:blipFill>
-          <a:blip r:embed="rId2">
-            <a:extLst>
-              <a:ext uri="{28A0092B-C50C-407E-A947-70E740481C1C}">
-                <a14:useLocalDpi xmlns:a14="http://schemas.microsoft.com/office/drawing/2010/main" val="0"/>
-              </a:ext>
-            </a:extLst>
-          </a:blip>
-          <a:srcRect/>
-          <a:stretch>
-            <a:fillRect/>
-          </a:stretch>
-        </p:blipFill>
-        <p:spPr bwMode="auto">
-          <a:xfrm>
-            <a:off x="215587" y="259970"/>
-            <a:ext cx="660961" cy="660961"/>
-          </a:xfrm>
-          <a:prstGeom prst="rect">
-            <a:avLst/>
-          </a:prstGeom>
-          <a:noFill/>
-          <a:extLst>
-            <a:ext uri="{909E8E84-426E-40DD-AFC4-6F175D3DCCD1}">
-              <a14:hiddenFill xmlns:a14="http://schemas.microsoft.com/office/drawing/2010/main">
-                <a:solidFill>
-                  <a:srgbClr val="FFFFFF"/>
-                </a:solidFill>
-              </a14:hiddenFill>
-            </a:ext>
-          </a:extLst>
-        </p:spPr>
-      </p:pic>
-      <p:pic>
-        <p:nvPicPr>
-          <p:cNvPr id="5" name="Imagen 4">
-            <a:extLst>
-              <a:ext uri="{FF2B5EF4-FFF2-40B4-BE49-F238E27FC236}">
-                <a16:creationId xmlns:a16="http://schemas.microsoft.com/office/drawing/2014/main" id="{1B46FA37-FA47-4459-8828-383FB697E3AF}"/>
-              </a:ext>
-            </a:extLst>
-          </p:cNvPr>
-          <p:cNvPicPr>
-            <a:picLocks noChangeAspect="1"/>
-          </p:cNvPicPr>
-          <p:nvPr/>
-        </p:nvPicPr>
-        <p:blipFill rotWithShape="1">
-          <a:blip r:embed="rId3"/>
-          <a:srcRect l="53279" t="4713" r="5319"/>
-          <a:stretch/>
-        </p:blipFill>
-        <p:spPr>
-          <a:xfrm>
-            <a:off x="984125" y="201706"/>
-            <a:ext cx="918577" cy="804385"/>
-          </a:xfrm>
-          <a:prstGeom prst="ellipse">
-            <a:avLst/>
-          </a:prstGeom>
-          <a:ln>
-            <a:noFill/>
-          </a:ln>
-          <a:effectLst>
-            <a:softEdge rad="112500"/>
-          </a:effectLst>
-        </p:spPr>
-      </p:pic>
-      <p:sp>
-        <p:nvSpPr>
-          <p:cNvPr id="6" name="Rectángulo 5">
-            <a:extLst>
-              <a:ext uri="{FF2B5EF4-FFF2-40B4-BE49-F238E27FC236}">
-                <a16:creationId xmlns:a16="http://schemas.microsoft.com/office/drawing/2014/main" id="{7DCDF11F-935D-413B-93EB-EC9C70694C19}"/>
-              </a:ext>
-            </a:extLst>
-          </p:cNvPr>
-          <p:cNvSpPr/>
-          <p:nvPr/>
-        </p:nvSpPr>
-        <p:spPr>
-          <a:xfrm>
-            <a:off x="295837" y="1276419"/>
-            <a:ext cx="3388225" cy="3355041"/>
-          </a:xfrm>
-          <a:prstGeom prst="rect">
-            <a:avLst/>
-          </a:prstGeom>
-          <a:solidFill>
-            <a:srgbClr val="FFFFFF"/>
-          </a:solidFill>
-          <a:ln>
-            <a:solidFill>
-              <a:srgbClr val="BAF7C9"/>
-            </a:solidFill>
-          </a:ln>
-        </p:spPr>
-        <p:style>
-          <a:lnRef idx="2">
-            <a:schemeClr val="accent1">
-              <a:shade val="50000"/>
-            </a:schemeClr>
-          </a:lnRef>
-          <a:fillRef idx="1">
-            <a:schemeClr val="accent1"/>
-          </a:fillRef>
-          <a:effectRef idx="0">
-            <a:schemeClr val="accent1"/>
-          </a:effectRef>
-          <a:fontRef idx="minor">
-            <a:schemeClr val="lt1"/>
-          </a:fontRef>
-        </p:style>
-        <p:txBody>
-          <a:bodyPr rtlCol="0" anchor="ctr"/>
-          <a:lstStyle/>
-          <a:p>
-            <a:pPr marL="0" marR="0" lvl="0" indent="0" algn="ctr" defTabSz="914400" rtl="0" eaLnBrk="1" fontAlgn="auto" latinLnBrk="0" hangingPunct="1">
-              <a:lnSpc>
-                <a:spcPct val="100000"/>
-              </a:lnSpc>
-              <a:spcBef>
-                <a:spcPts val="0"/>
-              </a:spcBef>
-              <a:spcAft>
-                <a:spcPts val="0"/>
-              </a:spcAft>
-              <a:buClr>
-                <a:srgbClr val="000000"/>
-              </a:buClr>
-              <a:buSzTx/>
-              <a:buFont typeface="Arial"/>
-              <a:buNone/>
-              <a:tabLst/>
-              <a:defRPr/>
-            </a:pPr>
-            <a:endParaRPr kumimoji="0" lang="es-CO" sz="1400" b="0" i="0" u="none" strike="noStrike" kern="0" cap="none" spc="0" normalizeH="0" baseline="0" noProof="0">
-              <a:ln>
-                <a:noFill/>
-              </a:ln>
-              <a:solidFill>
-                <a:srgbClr val="BAF7C9"/>
-              </a:solidFill>
-              <a:effectLst/>
-              <a:uLnTx/>
-              <a:uFillTx/>
-              <a:latin typeface="Arial"/>
-              <a:ea typeface="+mn-ea"/>
-              <a:cs typeface="+mn-cs"/>
-              <a:sym typeface="Arial"/>
-            </a:endParaRPr>
-          </a:p>
-        </p:txBody>
-      </p:sp>
-      <p:sp>
-        <p:nvSpPr>
-          <p:cNvPr id="9" name="CuadroTexto 8">
-            <a:extLst>
-              <a:ext uri="{FF2B5EF4-FFF2-40B4-BE49-F238E27FC236}">
-                <a16:creationId xmlns:a16="http://schemas.microsoft.com/office/drawing/2014/main" id="{96A49DC7-5E6F-47D9-B4D4-5E7A5DC31FAE}"/>
-              </a:ext>
-            </a:extLst>
-          </p:cNvPr>
-          <p:cNvSpPr txBox="1"/>
-          <p:nvPr/>
-        </p:nvSpPr>
-        <p:spPr>
-          <a:xfrm>
-            <a:off x="5959659" y="1052271"/>
-            <a:ext cx="2823653" cy="307777"/>
-          </a:xfrm>
-          <a:prstGeom prst="rect">
-            <a:avLst/>
-          </a:prstGeom>
-          <a:noFill/>
-        </p:spPr>
-        <p:txBody>
-          <a:bodyPr wrap="square" rtlCol="0">
-            <a:spAutoFit/>
-          </a:bodyPr>
-          <a:lstStyle/>
-          <a:p>
-            <a:pPr marL="0" marR="0" lvl="0" indent="0" algn="r" defTabSz="914400" rtl="0" eaLnBrk="1" fontAlgn="auto" latinLnBrk="0" hangingPunct="1">
-              <a:lnSpc>
-                <a:spcPct val="100000"/>
-              </a:lnSpc>
-              <a:spcBef>
-                <a:spcPts val="0"/>
-              </a:spcBef>
-              <a:spcAft>
-                <a:spcPts val="0"/>
-              </a:spcAft>
-              <a:buClr>
-                <a:srgbClr val="000000"/>
-              </a:buClr>
-              <a:buSzTx/>
-              <a:buFont typeface="Arial"/>
-              <a:buNone/>
-              <a:tabLst/>
-              <a:defRPr/>
-            </a:pPr>
-            <a:r>
-              <a:rPr kumimoji="0" lang="es-ES" sz="1400" b="0" i="0" u="none" strike="noStrike" kern="0" cap="none" spc="0" normalizeH="0" baseline="0" noProof="0" dirty="0">
-                <a:ln>
-                  <a:noFill/>
-                </a:ln>
-                <a:solidFill>
-                  <a:srgbClr val="666666">
-                    <a:lumMod val="60000"/>
-                    <a:lumOff val="40000"/>
-                  </a:srgbClr>
-                </a:solidFill>
-                <a:effectLst/>
-                <a:uLnTx/>
-                <a:uFillTx/>
-                <a:latin typeface="Staatliches" panose="020B0604020202020204" charset="0"/>
-                <a:cs typeface="Arial"/>
-                <a:sym typeface="Arial"/>
-              </a:rPr>
-              <a:t>Encendiendo bits</a:t>
-            </a:r>
-            <a:endParaRPr kumimoji="0" lang="es-CO" sz="1400" b="0" i="0" u="none" strike="noStrike" kern="0" cap="none" spc="0" normalizeH="0" baseline="0" noProof="0" dirty="0">
-              <a:ln>
-                <a:noFill/>
-              </a:ln>
-              <a:solidFill>
-                <a:srgbClr val="666666">
-                  <a:lumMod val="60000"/>
-                  <a:lumOff val="40000"/>
-                </a:srgbClr>
-              </a:solidFill>
-              <a:effectLst/>
-              <a:uLnTx/>
-              <a:uFillTx/>
-              <a:latin typeface="Staatliches" panose="020B0604020202020204" charset="0"/>
-              <a:cs typeface="Arial"/>
-              <a:sym typeface="Arial"/>
-            </a:endParaRPr>
-          </a:p>
-        </p:txBody>
-      </p:sp>
-      <p:pic>
-        <p:nvPicPr>
-          <p:cNvPr id="8" name="Imagen 7" descr="Interfaz de usuario gráfica, Aplicación&#10;&#10;Descripción generada automáticamente">
-            <a:extLst>
-              <a:ext uri="{FF2B5EF4-FFF2-40B4-BE49-F238E27FC236}">
-                <a16:creationId xmlns:a16="http://schemas.microsoft.com/office/drawing/2014/main" id="{D229814B-366A-46DA-A572-C0E0BBC916B5}"/>
-              </a:ext>
-            </a:extLst>
-          </p:cNvPr>
-          <p:cNvPicPr>
-            <a:picLocks noChangeAspect="1"/>
-          </p:cNvPicPr>
-          <p:nvPr/>
-        </p:nvPicPr>
-        <p:blipFill>
-          <a:blip r:embed="rId4"/>
-          <a:stretch>
-            <a:fillRect/>
-          </a:stretch>
-        </p:blipFill>
-        <p:spPr>
-          <a:xfrm>
-            <a:off x="466366" y="1701603"/>
-            <a:ext cx="3103585" cy="2338617"/>
-          </a:xfrm>
-          <a:prstGeom prst="rect">
-            <a:avLst/>
-          </a:prstGeom>
-        </p:spPr>
-      </p:pic>
-    </p:spTree>
-    <p:extLst>
-      <p:ext uri="{BB962C8B-B14F-4D97-AF65-F5344CB8AC3E}">
-        <p14:creationId xmlns:p14="http://schemas.microsoft.com/office/powerpoint/2010/main" val="466049646"/>
-      </p:ext>
-    </p:extLst>
-  </p:cSld>
-  <p:clrMapOvr>
-    <a:masterClrMapping/>
-  </p:clrMapOvr>
-</p:sld>
-</file>
-
-<file path=ppt/slides/slide6.xml><?xml version="1.0" encoding="utf-8"?>
-<p:sld xmlns:a="http://schemas.openxmlformats.org/drawingml/2006/main" xmlns:r="http://schemas.openxmlformats.org/officeDocument/2006/relationships" xmlns:p="http://schemas.openxmlformats.org/presentationml/2006/main">
-  <p:cSld>
-    <p:spTree>
-      <p:nvGrpSpPr>
-        <p:cNvPr id="1" name=""/>
-        <p:cNvGrpSpPr/>
-        <p:nvPr/>
-      </p:nvGrpSpPr>
-      <p:grpSpPr>
-        <a:xfrm>
-          <a:off x="0" y="0"/>
-          <a:ext cx="0" cy="0"/>
-          <a:chOff x="0" y="0"/>
-          <a:chExt cx="0" cy="0"/>
-        </a:xfrm>
-      </p:grpSpPr>
-      <p:sp>
-        <p:nvSpPr>
-          <p:cNvPr id="2" name="Subtítulo 1">
-            <a:extLst>
-              <a:ext uri="{FF2B5EF4-FFF2-40B4-BE49-F238E27FC236}">
-                <a16:creationId xmlns:a16="http://schemas.microsoft.com/office/drawing/2014/main" id="{29A75048-B2F8-4A8B-9645-CF6D9A7AE10B}"/>
-              </a:ext>
-            </a:extLst>
-          </p:cNvPr>
-          <p:cNvSpPr>
-            <a:spLocks noGrp="1"/>
-          </p:cNvSpPr>
-          <p:nvPr>
-            <p:ph type="subTitle" idx="1"/>
-          </p:nvPr>
-        </p:nvSpPr>
-        <p:spPr>
-          <a:xfrm flipH="1">
-            <a:off x="4329594" y="2329674"/>
-            <a:ext cx="4624477" cy="1082474"/>
-          </a:xfrm>
-        </p:spPr>
-        <p:txBody>
-          <a:bodyPr/>
-          <a:lstStyle/>
-          <a:p>
-            <a:pPr marL="152400" indent="0">
-              <a:buNone/>
-            </a:pPr>
-            <a:r>
-              <a:rPr lang="es-ES" dirty="0">
-                <a:latin typeface="Abadi" panose="020B0604020104020204" pitchFamily="34" charset="0"/>
-              </a:rPr>
-              <a:t>Podemos usar un AND para comprobar si la posición de un BIT está  encendido, haciendo un AND con 1&lt;&lt; i y el resultado nos da mayor que 0 significa que el BIT i está encendido </a:t>
-            </a:r>
-          </a:p>
-          <a:p>
-            <a:pPr marL="152400" indent="0">
-              <a:buNone/>
-            </a:pPr>
-            <a:endParaRPr lang="es-ES" dirty="0">
-              <a:latin typeface="Abadi" panose="020B0604020104020204" pitchFamily="34" charset="0"/>
-            </a:endParaRPr>
-          </a:p>
-        </p:txBody>
-      </p:sp>
-      <p:sp>
-        <p:nvSpPr>
-          <p:cNvPr id="3" name="Título 2">
-            <a:extLst>
-              <a:ext uri="{FF2B5EF4-FFF2-40B4-BE49-F238E27FC236}">
-                <a16:creationId xmlns:a16="http://schemas.microsoft.com/office/drawing/2014/main" id="{958E9C0A-1B7C-480F-B568-0D2DDEF32A6F}"/>
-              </a:ext>
-            </a:extLst>
-          </p:cNvPr>
-          <p:cNvSpPr>
-            <a:spLocks noGrp="1"/>
-          </p:cNvSpPr>
-          <p:nvPr>
-            <p:ph type="ctrTitle"/>
-          </p:nvPr>
-        </p:nvSpPr>
-        <p:spPr>
-          <a:xfrm>
-            <a:off x="5653463" y="439731"/>
-            <a:ext cx="3194700" cy="481200"/>
-          </a:xfrm>
-        </p:spPr>
-        <p:txBody>
-          <a:bodyPr/>
-          <a:lstStyle/>
-          <a:p>
-            <a:r>
-              <a:rPr lang="es-ES" dirty="0"/>
-              <a:t>Mascara de bits</a:t>
-            </a:r>
-            <a:endParaRPr lang="es-CO" dirty="0"/>
-          </a:p>
-        </p:txBody>
-      </p:sp>
-      <p:pic>
-        <p:nvPicPr>
-          <p:cNvPr id="4" name="Picture 4" descr="Símbolos Universitarios – Universidad de Nariño">
-            <a:extLst>
-              <a:ext uri="{FF2B5EF4-FFF2-40B4-BE49-F238E27FC236}">
-                <a16:creationId xmlns:a16="http://schemas.microsoft.com/office/drawing/2014/main" id="{0B2EA667-CB57-4DF8-BB35-E9AFDF367C2B}"/>
-              </a:ext>
-            </a:extLst>
-          </p:cNvPr>
-          <p:cNvPicPr>
-            <a:picLocks noChangeAspect="1" noChangeArrowheads="1"/>
-          </p:cNvPicPr>
-          <p:nvPr/>
-        </p:nvPicPr>
-        <p:blipFill>
-          <a:blip r:embed="rId2">
-            <a:extLst>
-              <a:ext uri="{28A0092B-C50C-407E-A947-70E740481C1C}">
-                <a14:useLocalDpi xmlns:a14="http://schemas.microsoft.com/office/drawing/2010/main" val="0"/>
-              </a:ext>
-            </a:extLst>
-          </a:blip>
-          <a:srcRect/>
-          <a:stretch>
-            <a:fillRect/>
-          </a:stretch>
-        </p:blipFill>
-        <p:spPr bwMode="auto">
-          <a:xfrm>
-            <a:off x="215587" y="259970"/>
-            <a:ext cx="660961" cy="660961"/>
-          </a:xfrm>
-          <a:prstGeom prst="rect">
-            <a:avLst/>
-          </a:prstGeom>
-          <a:noFill/>
-          <a:extLst>
-            <a:ext uri="{909E8E84-426E-40DD-AFC4-6F175D3DCCD1}">
-              <a14:hiddenFill xmlns:a14="http://schemas.microsoft.com/office/drawing/2010/main">
-                <a:solidFill>
-                  <a:srgbClr val="FFFFFF"/>
-                </a:solidFill>
-              </a14:hiddenFill>
-            </a:ext>
-          </a:extLst>
-        </p:spPr>
-      </p:pic>
-      <p:pic>
-        <p:nvPicPr>
-          <p:cNvPr id="5" name="Imagen 4">
-            <a:extLst>
-              <a:ext uri="{FF2B5EF4-FFF2-40B4-BE49-F238E27FC236}">
-                <a16:creationId xmlns:a16="http://schemas.microsoft.com/office/drawing/2014/main" id="{1B46FA37-FA47-4459-8828-383FB697E3AF}"/>
-              </a:ext>
-            </a:extLst>
-          </p:cNvPr>
-          <p:cNvPicPr>
-            <a:picLocks noChangeAspect="1"/>
-          </p:cNvPicPr>
-          <p:nvPr/>
-        </p:nvPicPr>
-        <p:blipFill rotWithShape="1">
-          <a:blip r:embed="rId3"/>
-          <a:srcRect l="53279" t="4713" r="5319"/>
-          <a:stretch/>
-        </p:blipFill>
-        <p:spPr>
-          <a:xfrm>
-            <a:off x="984125" y="201706"/>
-            <a:ext cx="918577" cy="804385"/>
-          </a:xfrm>
-          <a:prstGeom prst="ellipse">
-            <a:avLst/>
-          </a:prstGeom>
-          <a:ln>
-            <a:noFill/>
-          </a:ln>
-          <a:effectLst>
-            <a:softEdge rad="112500"/>
-          </a:effectLst>
-        </p:spPr>
-      </p:pic>
-      <p:sp>
-        <p:nvSpPr>
-          <p:cNvPr id="6" name="Rectángulo 5">
-            <a:extLst>
-              <a:ext uri="{FF2B5EF4-FFF2-40B4-BE49-F238E27FC236}">
-                <a16:creationId xmlns:a16="http://schemas.microsoft.com/office/drawing/2014/main" id="{7DCDF11F-935D-413B-93EB-EC9C70694C19}"/>
-              </a:ext>
-            </a:extLst>
-          </p:cNvPr>
-          <p:cNvSpPr/>
-          <p:nvPr/>
-        </p:nvSpPr>
-        <p:spPr>
-          <a:xfrm>
-            <a:off x="295837" y="1276419"/>
-            <a:ext cx="3887057" cy="3355041"/>
-          </a:xfrm>
-          <a:prstGeom prst="rect">
-            <a:avLst/>
-          </a:prstGeom>
-          <a:solidFill>
-            <a:srgbClr val="FFFFFF"/>
-          </a:solidFill>
-          <a:ln>
-            <a:solidFill>
-              <a:srgbClr val="BAF7C9"/>
-            </a:solidFill>
-          </a:ln>
-        </p:spPr>
-        <p:style>
-          <a:lnRef idx="2">
-            <a:schemeClr val="accent1">
-              <a:shade val="50000"/>
-            </a:schemeClr>
-          </a:lnRef>
-          <a:fillRef idx="1">
-            <a:schemeClr val="accent1"/>
-          </a:fillRef>
-          <a:effectRef idx="0">
-            <a:schemeClr val="accent1"/>
-          </a:effectRef>
-          <a:fontRef idx="minor">
-            <a:schemeClr val="lt1"/>
-          </a:fontRef>
-        </p:style>
-        <p:txBody>
-          <a:bodyPr rtlCol="0" anchor="ctr"/>
-          <a:lstStyle/>
-          <a:p>
-            <a:pPr marL="0" marR="0" lvl="0" indent="0" algn="ctr" defTabSz="914400" rtl="0" eaLnBrk="1" fontAlgn="auto" latinLnBrk="0" hangingPunct="1">
-              <a:lnSpc>
-                <a:spcPct val="100000"/>
-              </a:lnSpc>
-              <a:spcBef>
-                <a:spcPts val="0"/>
-              </a:spcBef>
-              <a:spcAft>
-                <a:spcPts val="0"/>
-              </a:spcAft>
-              <a:buClr>
-                <a:srgbClr val="000000"/>
-              </a:buClr>
-              <a:buSzTx/>
-              <a:buFont typeface="Arial"/>
-              <a:buNone/>
-              <a:tabLst/>
-              <a:defRPr/>
-            </a:pPr>
-            <a:endParaRPr kumimoji="0" lang="es-CO" sz="1400" b="0" i="0" u="none" strike="noStrike" kern="0" cap="none" spc="0" normalizeH="0" baseline="0" noProof="0">
-              <a:ln>
-                <a:noFill/>
-              </a:ln>
-              <a:solidFill>
-                <a:srgbClr val="BAF7C9"/>
-              </a:solidFill>
-              <a:effectLst/>
-              <a:uLnTx/>
-              <a:uFillTx/>
-              <a:latin typeface="Arial"/>
-              <a:ea typeface="+mn-ea"/>
-              <a:cs typeface="+mn-cs"/>
-              <a:sym typeface="Arial"/>
-            </a:endParaRPr>
-          </a:p>
-        </p:txBody>
-      </p:sp>
-      <p:sp>
-        <p:nvSpPr>
-          <p:cNvPr id="9" name="CuadroTexto 8">
-            <a:extLst>
-              <a:ext uri="{FF2B5EF4-FFF2-40B4-BE49-F238E27FC236}">
-                <a16:creationId xmlns:a16="http://schemas.microsoft.com/office/drawing/2014/main" id="{96A49DC7-5E6F-47D9-B4D4-5E7A5DC31FAE}"/>
-              </a:ext>
-            </a:extLst>
-          </p:cNvPr>
-          <p:cNvSpPr txBox="1"/>
-          <p:nvPr/>
-        </p:nvSpPr>
-        <p:spPr>
-          <a:xfrm>
-            <a:off x="5959659" y="1052271"/>
-            <a:ext cx="2823653" cy="307777"/>
-          </a:xfrm>
-          <a:prstGeom prst="rect">
-            <a:avLst/>
-          </a:prstGeom>
-          <a:noFill/>
-        </p:spPr>
-        <p:txBody>
-          <a:bodyPr wrap="square" rtlCol="0">
-            <a:spAutoFit/>
-          </a:bodyPr>
-          <a:lstStyle/>
-          <a:p>
-            <a:pPr marL="0" marR="0" lvl="0" indent="0" algn="r" defTabSz="914400" rtl="0" eaLnBrk="1" fontAlgn="auto" latinLnBrk="0" hangingPunct="1">
-              <a:lnSpc>
-                <a:spcPct val="100000"/>
-              </a:lnSpc>
-              <a:spcBef>
-                <a:spcPts val="0"/>
-              </a:spcBef>
-              <a:spcAft>
-                <a:spcPts val="0"/>
-              </a:spcAft>
-              <a:buClr>
-                <a:srgbClr val="000000"/>
-              </a:buClr>
-              <a:buSzTx/>
-              <a:buFont typeface="Arial"/>
-              <a:buNone/>
-              <a:tabLst/>
-              <a:defRPr/>
-            </a:pPr>
-            <a:r>
-              <a:rPr kumimoji="0" lang="es-ES" sz="1400" b="0" i="0" u="none" strike="noStrike" kern="0" cap="none" spc="0" normalizeH="0" baseline="0" noProof="0" dirty="0">
-                <a:ln>
-                  <a:noFill/>
-                </a:ln>
-                <a:solidFill>
-                  <a:srgbClr val="666666">
-                    <a:lumMod val="60000"/>
-                    <a:lumOff val="40000"/>
-                  </a:srgbClr>
-                </a:solidFill>
-                <a:effectLst/>
-                <a:uLnTx/>
-                <a:uFillTx/>
-                <a:latin typeface="Staatliches" panose="020B0604020202020204" charset="0"/>
-                <a:cs typeface="Arial"/>
-                <a:sym typeface="Arial"/>
-              </a:rPr>
-              <a:t>Comprobando bits </a:t>
-            </a:r>
-            <a:endParaRPr kumimoji="0" lang="es-CO" sz="1400" b="0" i="0" u="none" strike="noStrike" kern="0" cap="none" spc="0" normalizeH="0" baseline="0" noProof="0" dirty="0">
-              <a:ln>
-                <a:noFill/>
-              </a:ln>
-              <a:solidFill>
-                <a:srgbClr val="666666">
-                  <a:lumMod val="60000"/>
-                  <a:lumOff val="40000"/>
-                </a:srgbClr>
-              </a:solidFill>
-              <a:effectLst/>
-              <a:uLnTx/>
-              <a:uFillTx/>
-              <a:latin typeface="Staatliches" panose="020B0604020202020204" charset="0"/>
-              <a:cs typeface="Arial"/>
-              <a:sym typeface="Arial"/>
-            </a:endParaRPr>
-          </a:p>
-        </p:txBody>
-      </p:sp>
-      <p:pic>
-        <p:nvPicPr>
-          <p:cNvPr id="10" name="Imagen 9" descr="Interfaz de usuario gráfica, Aplicación&#10;&#10;Descripción generada automáticamente">
-            <a:extLst>
-              <a:ext uri="{FF2B5EF4-FFF2-40B4-BE49-F238E27FC236}">
-                <a16:creationId xmlns:a16="http://schemas.microsoft.com/office/drawing/2014/main" id="{9B992FD4-5AA2-42B1-A7C0-35C17943F0E4}"/>
-              </a:ext>
-            </a:extLst>
-          </p:cNvPr>
-          <p:cNvPicPr>
-            <a:picLocks noChangeAspect="1"/>
-          </p:cNvPicPr>
-          <p:nvPr/>
-        </p:nvPicPr>
-        <p:blipFill>
-          <a:blip r:embed="rId4"/>
-          <a:stretch>
-            <a:fillRect/>
-          </a:stretch>
-        </p:blipFill>
-        <p:spPr>
-          <a:xfrm>
-            <a:off x="546067" y="1461682"/>
-            <a:ext cx="3593654" cy="2707894"/>
-          </a:xfrm>
-          <a:prstGeom prst="rect">
-            <a:avLst/>
-          </a:prstGeom>
-        </p:spPr>
-      </p:pic>
-    </p:spTree>
-    <p:extLst>
-      <p:ext uri="{BB962C8B-B14F-4D97-AF65-F5344CB8AC3E}">
-        <p14:creationId xmlns:p14="http://schemas.microsoft.com/office/powerpoint/2010/main" val="2672946830"/>
-      </p:ext>
-    </p:extLst>
-  </p:cSld>
-  <p:clrMapOvr>
-    <a:masterClrMapping/>
-  </p:clrMapOvr>
-</p:sld>
-</file>
-
-<file path=ppt/slides/slide7.xml><?xml version="1.0" encoding="utf-8"?>
-<p:sld xmlns:a="http://schemas.openxmlformats.org/drawingml/2006/main" xmlns:r="http://schemas.openxmlformats.org/officeDocument/2006/relationships" xmlns:p="http://schemas.openxmlformats.org/presentationml/2006/main">
-  <p:cSld>
-    <p:spTree>
-      <p:nvGrpSpPr>
-        <p:cNvPr id="1" name=""/>
-        <p:cNvGrpSpPr/>
-        <p:nvPr/>
-      </p:nvGrpSpPr>
-      <p:grpSpPr>
-        <a:xfrm>
-          <a:off x="0" y="0"/>
-          <a:ext cx="0" cy="0"/>
-          <a:chOff x="0" y="0"/>
-          <a:chExt cx="0" cy="0"/>
-        </a:xfrm>
-      </p:grpSpPr>
-      <p:sp>
-        <p:nvSpPr>
-          <p:cNvPr id="2" name="Subtítulo 1">
-            <a:extLst>
-              <a:ext uri="{FF2B5EF4-FFF2-40B4-BE49-F238E27FC236}">
-                <a16:creationId xmlns:a16="http://schemas.microsoft.com/office/drawing/2014/main" id="{29A75048-B2F8-4A8B-9645-CF6D9A7AE10B}"/>
-              </a:ext>
-            </a:extLst>
-          </p:cNvPr>
-          <p:cNvSpPr>
-            <a:spLocks noGrp="1"/>
-          </p:cNvSpPr>
-          <p:nvPr>
-            <p:ph type="subTitle" idx="1"/>
-          </p:nvPr>
-        </p:nvSpPr>
-        <p:spPr>
-          <a:xfrm flipH="1">
-            <a:off x="4329594" y="2329674"/>
-            <a:ext cx="4624477" cy="1082474"/>
-          </a:xfrm>
-        </p:spPr>
-        <p:txBody>
-          <a:bodyPr/>
-          <a:lstStyle/>
-          <a:p>
-            <a:pPr marL="152400" indent="0">
-              <a:buNone/>
-            </a:pPr>
-            <a:r>
-              <a:rPr lang="es-ES" dirty="0">
-                <a:latin typeface="Abadi" panose="020B0604020104020204" pitchFamily="34" charset="0"/>
-              </a:rPr>
-              <a:t>Podemos usar un XOR para invertir la posición de un BIT, haciendo un XOR con 1&lt;&lt; i podemos cambiar la posición i si es un 0 a 1 y si es un 1 a 0. </a:t>
-            </a:r>
-          </a:p>
-        </p:txBody>
-      </p:sp>
-      <p:sp>
-        <p:nvSpPr>
-          <p:cNvPr id="3" name="Título 2">
-            <a:extLst>
-              <a:ext uri="{FF2B5EF4-FFF2-40B4-BE49-F238E27FC236}">
-                <a16:creationId xmlns:a16="http://schemas.microsoft.com/office/drawing/2014/main" id="{958E9C0A-1B7C-480F-B568-0D2DDEF32A6F}"/>
-              </a:ext>
-            </a:extLst>
-          </p:cNvPr>
-          <p:cNvSpPr>
-            <a:spLocks noGrp="1"/>
-          </p:cNvSpPr>
-          <p:nvPr>
-            <p:ph type="ctrTitle"/>
-          </p:nvPr>
-        </p:nvSpPr>
-        <p:spPr>
-          <a:xfrm>
-            <a:off x="5653463" y="439731"/>
-            <a:ext cx="3194700" cy="481200"/>
-          </a:xfrm>
-        </p:spPr>
-        <p:txBody>
-          <a:bodyPr/>
-          <a:lstStyle/>
-          <a:p>
-            <a:r>
-              <a:rPr lang="es-ES" dirty="0"/>
-              <a:t>Mascara de bits</a:t>
-            </a:r>
-            <a:endParaRPr lang="es-CO" dirty="0"/>
-          </a:p>
-        </p:txBody>
-      </p:sp>
-      <p:pic>
-        <p:nvPicPr>
-          <p:cNvPr id="4" name="Picture 4" descr="Símbolos Universitarios – Universidad de Nariño">
-            <a:extLst>
-              <a:ext uri="{FF2B5EF4-FFF2-40B4-BE49-F238E27FC236}">
-                <a16:creationId xmlns:a16="http://schemas.microsoft.com/office/drawing/2014/main" id="{0B2EA667-CB57-4DF8-BB35-E9AFDF367C2B}"/>
-              </a:ext>
-            </a:extLst>
-          </p:cNvPr>
-          <p:cNvPicPr>
-            <a:picLocks noChangeAspect="1" noChangeArrowheads="1"/>
-          </p:cNvPicPr>
-          <p:nvPr/>
-        </p:nvPicPr>
-        <p:blipFill>
-          <a:blip r:embed="rId2">
-            <a:extLst>
-              <a:ext uri="{28A0092B-C50C-407E-A947-70E740481C1C}">
-                <a14:useLocalDpi xmlns:a14="http://schemas.microsoft.com/office/drawing/2010/main" val="0"/>
-              </a:ext>
-            </a:extLst>
-          </a:blip>
-          <a:srcRect/>
-          <a:stretch>
-            <a:fillRect/>
-          </a:stretch>
-        </p:blipFill>
-        <p:spPr bwMode="auto">
-          <a:xfrm>
-            <a:off x="215587" y="259970"/>
-            <a:ext cx="660961" cy="660961"/>
-          </a:xfrm>
-          <a:prstGeom prst="rect">
-            <a:avLst/>
-          </a:prstGeom>
-          <a:noFill/>
-          <a:extLst>
-            <a:ext uri="{909E8E84-426E-40DD-AFC4-6F175D3DCCD1}">
-              <a14:hiddenFill xmlns:a14="http://schemas.microsoft.com/office/drawing/2010/main">
-                <a:solidFill>
-                  <a:srgbClr val="FFFFFF"/>
-                </a:solidFill>
-              </a14:hiddenFill>
-            </a:ext>
-          </a:extLst>
-        </p:spPr>
-      </p:pic>
-      <p:pic>
-        <p:nvPicPr>
-          <p:cNvPr id="5" name="Imagen 4">
-            <a:extLst>
-              <a:ext uri="{FF2B5EF4-FFF2-40B4-BE49-F238E27FC236}">
-                <a16:creationId xmlns:a16="http://schemas.microsoft.com/office/drawing/2014/main" id="{1B46FA37-FA47-4459-8828-383FB697E3AF}"/>
-              </a:ext>
-            </a:extLst>
-          </p:cNvPr>
-          <p:cNvPicPr>
-            <a:picLocks noChangeAspect="1"/>
-          </p:cNvPicPr>
-          <p:nvPr/>
-        </p:nvPicPr>
-        <p:blipFill rotWithShape="1">
-          <a:blip r:embed="rId3"/>
-          <a:srcRect l="53279" t="4713" r="5319"/>
-          <a:stretch/>
-        </p:blipFill>
-        <p:spPr>
-          <a:xfrm>
-            <a:off x="984125" y="201706"/>
-            <a:ext cx="918577" cy="804385"/>
-          </a:xfrm>
-          <a:prstGeom prst="ellipse">
-            <a:avLst/>
-          </a:prstGeom>
-          <a:ln>
-            <a:noFill/>
-          </a:ln>
-          <a:effectLst>
-            <a:softEdge rad="112500"/>
-          </a:effectLst>
-        </p:spPr>
-      </p:pic>
-      <p:sp>
-        <p:nvSpPr>
-          <p:cNvPr id="6" name="Rectángulo 5">
-            <a:extLst>
-              <a:ext uri="{FF2B5EF4-FFF2-40B4-BE49-F238E27FC236}">
-                <a16:creationId xmlns:a16="http://schemas.microsoft.com/office/drawing/2014/main" id="{7DCDF11F-935D-413B-93EB-EC9C70694C19}"/>
-              </a:ext>
-            </a:extLst>
-          </p:cNvPr>
-          <p:cNvSpPr/>
-          <p:nvPr/>
-        </p:nvSpPr>
-        <p:spPr>
-          <a:xfrm>
-            <a:off x="295837" y="1276419"/>
-            <a:ext cx="3887057" cy="3355041"/>
-          </a:xfrm>
-          <a:prstGeom prst="rect">
-            <a:avLst/>
-          </a:prstGeom>
-          <a:solidFill>
-            <a:srgbClr val="FFFFFF"/>
-          </a:solidFill>
-          <a:ln>
-            <a:solidFill>
-              <a:srgbClr val="BAF7C9"/>
-            </a:solidFill>
-          </a:ln>
-        </p:spPr>
-        <p:style>
-          <a:lnRef idx="2">
-            <a:schemeClr val="accent1">
-              <a:shade val="50000"/>
-            </a:schemeClr>
-          </a:lnRef>
-          <a:fillRef idx="1">
-            <a:schemeClr val="accent1"/>
-          </a:fillRef>
-          <a:effectRef idx="0">
-            <a:schemeClr val="accent1"/>
-          </a:effectRef>
-          <a:fontRef idx="minor">
-            <a:schemeClr val="lt1"/>
-          </a:fontRef>
-        </p:style>
-        <p:txBody>
-          <a:bodyPr rtlCol="0" anchor="ctr"/>
-          <a:lstStyle/>
-          <a:p>
-            <a:pPr marL="0" marR="0" lvl="0" indent="0" algn="ctr" defTabSz="914400" rtl="0" eaLnBrk="1" fontAlgn="auto" latinLnBrk="0" hangingPunct="1">
-              <a:lnSpc>
-                <a:spcPct val="100000"/>
-              </a:lnSpc>
-              <a:spcBef>
-                <a:spcPts val="0"/>
-              </a:spcBef>
-              <a:spcAft>
-                <a:spcPts val="0"/>
-              </a:spcAft>
-              <a:buClr>
-                <a:srgbClr val="000000"/>
-              </a:buClr>
-              <a:buSzTx/>
-              <a:buFont typeface="Arial"/>
-              <a:buNone/>
-              <a:tabLst/>
-              <a:defRPr/>
-            </a:pPr>
-            <a:endParaRPr kumimoji="0" lang="es-CO" sz="1400" b="0" i="0" u="none" strike="noStrike" kern="0" cap="none" spc="0" normalizeH="0" baseline="0" noProof="0">
-              <a:ln>
-                <a:noFill/>
-              </a:ln>
-              <a:solidFill>
-                <a:srgbClr val="BAF7C9"/>
-              </a:solidFill>
-              <a:effectLst/>
-              <a:uLnTx/>
-              <a:uFillTx/>
-              <a:latin typeface="Arial"/>
-              <a:ea typeface="+mn-ea"/>
-              <a:cs typeface="+mn-cs"/>
-              <a:sym typeface="Arial"/>
-            </a:endParaRPr>
-          </a:p>
-        </p:txBody>
-      </p:sp>
-      <p:sp>
-        <p:nvSpPr>
-          <p:cNvPr id="9" name="CuadroTexto 8">
-            <a:extLst>
-              <a:ext uri="{FF2B5EF4-FFF2-40B4-BE49-F238E27FC236}">
-                <a16:creationId xmlns:a16="http://schemas.microsoft.com/office/drawing/2014/main" id="{96A49DC7-5E6F-47D9-B4D4-5E7A5DC31FAE}"/>
-              </a:ext>
-            </a:extLst>
-          </p:cNvPr>
-          <p:cNvSpPr txBox="1"/>
-          <p:nvPr/>
-        </p:nvSpPr>
-        <p:spPr>
-          <a:xfrm>
-            <a:off x="5959659" y="1052271"/>
-            <a:ext cx="2823653" cy="307777"/>
-          </a:xfrm>
-          <a:prstGeom prst="rect">
-            <a:avLst/>
-          </a:prstGeom>
-          <a:noFill/>
-        </p:spPr>
-        <p:txBody>
-          <a:bodyPr wrap="square" rtlCol="0">
-            <a:spAutoFit/>
-          </a:bodyPr>
-          <a:lstStyle/>
-          <a:p>
-            <a:pPr marL="0" marR="0" lvl="0" indent="0" algn="r" defTabSz="914400" rtl="0" eaLnBrk="1" fontAlgn="auto" latinLnBrk="0" hangingPunct="1">
-              <a:lnSpc>
-                <a:spcPct val="100000"/>
-              </a:lnSpc>
-              <a:spcBef>
-                <a:spcPts val="0"/>
-              </a:spcBef>
-              <a:spcAft>
-                <a:spcPts val="0"/>
-              </a:spcAft>
-              <a:buClr>
-                <a:srgbClr val="000000"/>
-              </a:buClr>
-              <a:buSzTx/>
-              <a:buFont typeface="Arial"/>
-              <a:buNone/>
-              <a:tabLst/>
-              <a:defRPr/>
-            </a:pPr>
-            <a:r>
-              <a:rPr kumimoji="0" lang="es-ES" sz="1400" b="0" i="0" u="none" strike="noStrike" kern="0" cap="none" spc="0" normalizeH="0" baseline="0" noProof="0" dirty="0">
-                <a:ln>
-                  <a:noFill/>
-                </a:ln>
-                <a:solidFill>
-                  <a:srgbClr val="666666">
-                    <a:lumMod val="60000"/>
-                    <a:lumOff val="40000"/>
-                  </a:srgbClr>
-                </a:solidFill>
-                <a:effectLst/>
-                <a:uLnTx/>
-                <a:uFillTx/>
-                <a:latin typeface="Staatliches" panose="020B0604020202020204" charset="0"/>
-                <a:cs typeface="Arial"/>
-                <a:sym typeface="Arial"/>
-              </a:rPr>
-              <a:t>Invirtiendo  bits </a:t>
-            </a:r>
-            <a:endParaRPr kumimoji="0" lang="es-CO" sz="1400" b="0" i="0" u="none" strike="noStrike" kern="0" cap="none" spc="0" normalizeH="0" baseline="0" noProof="0" dirty="0">
-              <a:ln>
-                <a:noFill/>
-              </a:ln>
-              <a:solidFill>
-                <a:srgbClr val="666666">
-                  <a:lumMod val="60000"/>
-                  <a:lumOff val="40000"/>
-                </a:srgbClr>
-              </a:solidFill>
-              <a:effectLst/>
-              <a:uLnTx/>
-              <a:uFillTx/>
-              <a:latin typeface="Staatliches" panose="020B0604020202020204" charset="0"/>
-              <a:cs typeface="Arial"/>
-              <a:sym typeface="Arial"/>
-            </a:endParaRPr>
-          </a:p>
-        </p:txBody>
-      </p:sp>
-      <p:pic>
-        <p:nvPicPr>
-          <p:cNvPr id="8" name="Imagen 7" descr="Interfaz de usuario gráfica, Aplicación&#10;&#10;Descripción generada automáticamente">
-            <a:extLst>
-              <a:ext uri="{FF2B5EF4-FFF2-40B4-BE49-F238E27FC236}">
-                <a16:creationId xmlns:a16="http://schemas.microsoft.com/office/drawing/2014/main" id="{9F9FE054-82B3-436C-8DEB-469E9964330D}"/>
-              </a:ext>
-            </a:extLst>
-          </p:cNvPr>
-          <p:cNvPicPr>
-            <a:picLocks noChangeAspect="1"/>
-          </p:cNvPicPr>
-          <p:nvPr/>
-        </p:nvPicPr>
-        <p:blipFill>
-          <a:blip r:embed="rId4"/>
-          <a:stretch>
-            <a:fillRect/>
-          </a:stretch>
-        </p:blipFill>
-        <p:spPr>
-          <a:xfrm>
-            <a:off x="520812" y="1624081"/>
-            <a:ext cx="3464659" cy="2610694"/>
-          </a:xfrm>
-          <a:prstGeom prst="rect">
-            <a:avLst/>
-          </a:prstGeom>
-        </p:spPr>
-      </p:pic>
-    </p:spTree>
-    <p:extLst>
-      <p:ext uri="{BB962C8B-B14F-4D97-AF65-F5344CB8AC3E}">
-        <p14:creationId xmlns:p14="http://schemas.microsoft.com/office/powerpoint/2010/main" val="505101825"/>
-      </p:ext>
-    </p:extLst>
-  </p:cSld>
-  <p:clrMapOvr>
-    <a:masterClrMapping/>
-  </p:clrMapOvr>
-</p:sld>
-</file>
-
-<file path=ppt/slides/slide8.xml><?xml version="1.0" encoding="utf-8"?>
-<p:sld xmlns:a="http://schemas.openxmlformats.org/drawingml/2006/main" xmlns:r="http://schemas.openxmlformats.org/officeDocument/2006/relationships" xmlns:p="http://schemas.openxmlformats.org/presentationml/2006/main">
-  <p:cSld>
-    <p:spTree>
-      <p:nvGrpSpPr>
-        <p:cNvPr id="1" name=""/>
-        <p:cNvGrpSpPr/>
-        <p:nvPr/>
-      </p:nvGrpSpPr>
-      <p:grpSpPr>
-        <a:xfrm>
-          <a:off x="0" y="0"/>
-          <a:ext cx="0" cy="0"/>
-          <a:chOff x="0" y="0"/>
-          <a:chExt cx="0" cy="0"/>
-        </a:xfrm>
-      </p:grpSpPr>
-      <p:sp>
-        <p:nvSpPr>
-          <p:cNvPr id="2" name="Subtítulo 1">
-            <a:extLst>
-              <a:ext uri="{FF2B5EF4-FFF2-40B4-BE49-F238E27FC236}">
-                <a16:creationId xmlns:a16="http://schemas.microsoft.com/office/drawing/2014/main" id="{29A75048-B2F8-4A8B-9645-CF6D9A7AE10B}"/>
-              </a:ext>
-            </a:extLst>
-          </p:cNvPr>
-          <p:cNvSpPr>
-            <a:spLocks noGrp="1"/>
-          </p:cNvSpPr>
-          <p:nvPr>
-            <p:ph type="subTitle" idx="1"/>
-          </p:nvPr>
-        </p:nvSpPr>
-        <p:spPr>
-          <a:xfrm flipH="1">
-            <a:off x="4329594" y="2329674"/>
-            <a:ext cx="4624477" cy="1082474"/>
-          </a:xfrm>
-        </p:spPr>
-        <p:txBody>
-          <a:bodyPr/>
-          <a:lstStyle/>
-          <a:p>
-            <a:pPr marL="152400" indent="0">
-              <a:buNone/>
-            </a:pPr>
-            <a:r>
-              <a:rPr lang="es-ES" dirty="0">
-                <a:latin typeface="Abadi" panose="020B0604020104020204" pitchFamily="34" charset="0"/>
-              </a:rPr>
-              <a:t>El negativo de un numero se halla invirtiendo todos los bits y sumando uno a el resultado</a:t>
-            </a:r>
-          </a:p>
-        </p:txBody>
-      </p:sp>
-      <p:sp>
-        <p:nvSpPr>
-          <p:cNvPr id="3" name="Título 2">
-            <a:extLst>
-              <a:ext uri="{FF2B5EF4-FFF2-40B4-BE49-F238E27FC236}">
-                <a16:creationId xmlns:a16="http://schemas.microsoft.com/office/drawing/2014/main" id="{958E9C0A-1B7C-480F-B568-0D2DDEF32A6F}"/>
-              </a:ext>
-            </a:extLst>
-          </p:cNvPr>
-          <p:cNvSpPr>
-            <a:spLocks noGrp="1"/>
-          </p:cNvSpPr>
-          <p:nvPr>
-            <p:ph type="ctrTitle"/>
-          </p:nvPr>
-        </p:nvSpPr>
-        <p:spPr>
-          <a:xfrm>
-            <a:off x="5653463" y="439731"/>
-            <a:ext cx="3194700" cy="481200"/>
-          </a:xfrm>
-        </p:spPr>
-        <p:txBody>
-          <a:bodyPr/>
-          <a:lstStyle/>
-          <a:p>
-            <a:r>
-              <a:rPr lang="es-ES" dirty="0"/>
-              <a:t>Mascara de bits</a:t>
-            </a:r>
-            <a:endParaRPr lang="es-CO" dirty="0"/>
-          </a:p>
-        </p:txBody>
-      </p:sp>
-      <p:pic>
-        <p:nvPicPr>
-          <p:cNvPr id="4" name="Picture 4" descr="Símbolos Universitarios – Universidad de Nariño">
-            <a:extLst>
-              <a:ext uri="{FF2B5EF4-FFF2-40B4-BE49-F238E27FC236}">
-                <a16:creationId xmlns:a16="http://schemas.microsoft.com/office/drawing/2014/main" id="{0B2EA667-CB57-4DF8-BB35-E9AFDF367C2B}"/>
-              </a:ext>
-            </a:extLst>
-          </p:cNvPr>
-          <p:cNvPicPr>
-            <a:picLocks noChangeAspect="1" noChangeArrowheads="1"/>
-          </p:cNvPicPr>
-          <p:nvPr/>
-        </p:nvPicPr>
-        <p:blipFill>
-          <a:blip r:embed="rId2">
-            <a:extLst>
-              <a:ext uri="{28A0092B-C50C-407E-A947-70E740481C1C}">
-                <a14:useLocalDpi xmlns:a14="http://schemas.microsoft.com/office/drawing/2010/main" val="0"/>
-              </a:ext>
-            </a:extLst>
-          </a:blip>
-          <a:srcRect/>
-          <a:stretch>
-            <a:fillRect/>
-          </a:stretch>
-        </p:blipFill>
-        <p:spPr bwMode="auto">
-          <a:xfrm>
-            <a:off x="215587" y="259970"/>
-            <a:ext cx="660961" cy="660961"/>
-          </a:xfrm>
-          <a:prstGeom prst="rect">
-            <a:avLst/>
-          </a:prstGeom>
-          <a:noFill/>
-          <a:extLst>
-            <a:ext uri="{909E8E84-426E-40DD-AFC4-6F175D3DCCD1}">
-              <a14:hiddenFill xmlns:a14="http://schemas.microsoft.com/office/drawing/2010/main">
-                <a:solidFill>
-                  <a:srgbClr val="FFFFFF"/>
-                </a:solidFill>
-              </a14:hiddenFill>
-            </a:ext>
-          </a:extLst>
-        </p:spPr>
-      </p:pic>
-      <p:pic>
-        <p:nvPicPr>
-          <p:cNvPr id="5" name="Imagen 4">
-            <a:extLst>
-              <a:ext uri="{FF2B5EF4-FFF2-40B4-BE49-F238E27FC236}">
-                <a16:creationId xmlns:a16="http://schemas.microsoft.com/office/drawing/2014/main" id="{1B46FA37-FA47-4459-8828-383FB697E3AF}"/>
-              </a:ext>
-            </a:extLst>
-          </p:cNvPr>
-          <p:cNvPicPr>
-            <a:picLocks noChangeAspect="1"/>
-          </p:cNvPicPr>
-          <p:nvPr/>
-        </p:nvPicPr>
-        <p:blipFill rotWithShape="1">
-          <a:blip r:embed="rId3"/>
-          <a:srcRect l="53279" t="4713" r="5319"/>
-          <a:stretch/>
-        </p:blipFill>
-        <p:spPr>
-          <a:xfrm>
-            <a:off x="984125" y="201706"/>
-            <a:ext cx="918577" cy="804385"/>
-          </a:xfrm>
-          <a:prstGeom prst="ellipse">
-            <a:avLst/>
-          </a:prstGeom>
-          <a:ln>
-            <a:noFill/>
-          </a:ln>
-          <a:effectLst>
-            <a:softEdge rad="112500"/>
-          </a:effectLst>
-        </p:spPr>
-      </p:pic>
-      <p:sp>
-        <p:nvSpPr>
-          <p:cNvPr id="6" name="Rectángulo 5">
-            <a:extLst>
-              <a:ext uri="{FF2B5EF4-FFF2-40B4-BE49-F238E27FC236}">
-                <a16:creationId xmlns:a16="http://schemas.microsoft.com/office/drawing/2014/main" id="{7DCDF11F-935D-413B-93EB-EC9C70694C19}"/>
-              </a:ext>
-            </a:extLst>
-          </p:cNvPr>
-          <p:cNvSpPr/>
-          <p:nvPr/>
-        </p:nvSpPr>
-        <p:spPr>
-          <a:xfrm>
-            <a:off x="295837" y="1276419"/>
-            <a:ext cx="3887057" cy="3355041"/>
-          </a:xfrm>
-          <a:prstGeom prst="rect">
-            <a:avLst/>
-          </a:prstGeom>
-          <a:solidFill>
-            <a:srgbClr val="FFFFFF"/>
-          </a:solidFill>
-          <a:ln>
-            <a:solidFill>
-              <a:srgbClr val="BAF7C9"/>
-            </a:solidFill>
-          </a:ln>
-        </p:spPr>
-        <p:style>
-          <a:lnRef idx="2">
-            <a:schemeClr val="accent1">
-              <a:shade val="50000"/>
-            </a:schemeClr>
-          </a:lnRef>
-          <a:fillRef idx="1">
-            <a:schemeClr val="accent1"/>
-          </a:fillRef>
-          <a:effectRef idx="0">
-            <a:schemeClr val="accent1"/>
-          </a:effectRef>
-          <a:fontRef idx="minor">
-            <a:schemeClr val="lt1"/>
-          </a:fontRef>
-        </p:style>
-        <p:txBody>
-          <a:bodyPr rtlCol="0" anchor="ctr"/>
-          <a:lstStyle/>
-          <a:p>
-            <a:pPr marL="0" marR="0" lvl="0" indent="0" algn="ctr" defTabSz="914400" rtl="0" eaLnBrk="1" fontAlgn="auto" latinLnBrk="0" hangingPunct="1">
-              <a:lnSpc>
-                <a:spcPct val="100000"/>
-              </a:lnSpc>
-              <a:spcBef>
-                <a:spcPts val="0"/>
-              </a:spcBef>
-              <a:spcAft>
-                <a:spcPts val="0"/>
-              </a:spcAft>
-              <a:buClr>
-                <a:srgbClr val="000000"/>
-              </a:buClr>
-              <a:buSzTx/>
-              <a:buFont typeface="Arial"/>
-              <a:buNone/>
-              <a:tabLst/>
-              <a:defRPr/>
-            </a:pPr>
-            <a:endParaRPr kumimoji="0" lang="es-CO" sz="1400" b="0" i="0" u="none" strike="noStrike" kern="0" cap="none" spc="0" normalizeH="0" baseline="0" noProof="0">
-              <a:ln>
-                <a:noFill/>
-              </a:ln>
-              <a:solidFill>
-                <a:srgbClr val="BAF7C9"/>
-              </a:solidFill>
-              <a:effectLst/>
-              <a:uLnTx/>
-              <a:uFillTx/>
-              <a:latin typeface="Arial"/>
-              <a:ea typeface="+mn-ea"/>
-              <a:cs typeface="+mn-cs"/>
-              <a:sym typeface="Arial"/>
-            </a:endParaRPr>
-          </a:p>
-        </p:txBody>
-      </p:sp>
-      <p:sp>
-        <p:nvSpPr>
-          <p:cNvPr id="9" name="CuadroTexto 8">
-            <a:extLst>
-              <a:ext uri="{FF2B5EF4-FFF2-40B4-BE49-F238E27FC236}">
-                <a16:creationId xmlns:a16="http://schemas.microsoft.com/office/drawing/2014/main" id="{96A49DC7-5E6F-47D9-B4D4-5E7A5DC31FAE}"/>
-              </a:ext>
-            </a:extLst>
-          </p:cNvPr>
-          <p:cNvSpPr txBox="1"/>
-          <p:nvPr/>
-        </p:nvSpPr>
-        <p:spPr>
-          <a:xfrm>
-            <a:off x="5959659" y="1052271"/>
-            <a:ext cx="2823653" cy="307777"/>
-          </a:xfrm>
-          <a:prstGeom prst="rect">
-            <a:avLst/>
-          </a:prstGeom>
-          <a:noFill/>
-        </p:spPr>
-        <p:txBody>
-          <a:bodyPr wrap="square" rtlCol="0">
-            <a:spAutoFit/>
-          </a:bodyPr>
-          <a:lstStyle/>
-          <a:p>
-            <a:pPr marL="0" marR="0" lvl="0" indent="0" algn="r" defTabSz="914400" rtl="0" eaLnBrk="1" fontAlgn="auto" latinLnBrk="0" hangingPunct="1">
-              <a:lnSpc>
-                <a:spcPct val="100000"/>
-              </a:lnSpc>
-              <a:spcBef>
-                <a:spcPts val="0"/>
-              </a:spcBef>
-              <a:spcAft>
-                <a:spcPts val="0"/>
-              </a:spcAft>
-              <a:buClr>
-                <a:srgbClr val="000000"/>
-              </a:buClr>
-              <a:buSzTx/>
-              <a:buFont typeface="Arial"/>
-              <a:buNone/>
-              <a:tabLst/>
-              <a:defRPr/>
-            </a:pPr>
-            <a:r>
-              <a:rPr lang="es-ES" dirty="0">
-                <a:solidFill>
-                  <a:srgbClr val="666666">
-                    <a:lumMod val="60000"/>
-                    <a:lumOff val="40000"/>
-                  </a:srgbClr>
-                </a:solidFill>
-                <a:latin typeface="Staatliches" panose="020B0604020202020204" charset="0"/>
-              </a:rPr>
-              <a:t>Negativo de un numero</a:t>
-            </a:r>
-          </a:p>
-        </p:txBody>
-      </p:sp>
-      <p:pic>
-        <p:nvPicPr>
-          <p:cNvPr id="10" name="Imagen 9" descr="Forma&#10;&#10;Descripción generada automáticamente con confianza media">
-            <a:extLst>
-              <a:ext uri="{FF2B5EF4-FFF2-40B4-BE49-F238E27FC236}">
-                <a16:creationId xmlns:a16="http://schemas.microsoft.com/office/drawing/2014/main" id="{D198BBEB-B0F5-4149-A787-80D45D1268F8}"/>
-              </a:ext>
-            </a:extLst>
-          </p:cNvPr>
-          <p:cNvPicPr>
-            <a:picLocks noChangeAspect="1"/>
-          </p:cNvPicPr>
-          <p:nvPr/>
-        </p:nvPicPr>
-        <p:blipFill>
-          <a:blip r:embed="rId4"/>
-          <a:stretch>
-            <a:fillRect/>
-          </a:stretch>
-        </p:blipFill>
-        <p:spPr>
-          <a:xfrm>
-            <a:off x="371815" y="1707484"/>
-            <a:ext cx="3631337" cy="2492909"/>
-          </a:xfrm>
-          <a:prstGeom prst="rect">
-            <a:avLst/>
-          </a:prstGeom>
-        </p:spPr>
-      </p:pic>
-    </p:spTree>
-    <p:extLst>
-      <p:ext uri="{BB962C8B-B14F-4D97-AF65-F5344CB8AC3E}">
-        <p14:creationId xmlns:p14="http://schemas.microsoft.com/office/powerpoint/2010/main" val="1962491613"/>
+        <p14:creationId xmlns:p14="http://schemas.microsoft.com/office/powerpoint/2010/main" val="2405181293"/>
       </p:ext>
     </p:extLst>
   </p:cSld>
@@ -14415,57 +8962,47 @@
         </p:nvSpPr>
         <p:spPr>
           <a:xfrm flipH="1">
-            <a:off x="4329594" y="2329674"/>
-            <a:ext cx="4624477" cy="1082474"/>
+            <a:off x="2079628" y="3276200"/>
+            <a:ext cx="6681751" cy="1221236"/>
           </a:xfrm>
         </p:spPr>
         <p:txBody>
           <a:bodyPr/>
           <a:lstStyle/>
           <a:p>
-            <a:pPr marL="152400" indent="0">
+            <a:pPr marL="152400" indent="0" algn="just">
               <a:buNone/>
             </a:pPr>
             <a:r>
-              <a:rPr lang="es-ES" dirty="0">
+              <a:rPr lang="es-CO" sz="1200" dirty="0">
                 <a:latin typeface="Abadi" panose="020B0604020104020204" pitchFamily="34" charset="0"/>
               </a:rPr>
-              <a:t>El bit menos significativo se halla haciendo un and entre el numero y su negativo</a:t>
+              <a:t>“Durante un robo, el ladrón encuentra un botín más cuantioso de lo esperado y tiene que elegir qué llevarse. Su saco puede transportar como máximo W kilos. En el botín hay n objetos que pesan w1,…, </a:t>
             </a:r>
-          </a:p>
-        </p:txBody>
-      </p:sp>
-      <p:sp>
-        <p:nvSpPr>
-          <p:cNvPr id="3" name="Título 2">
-            <a:extLst>
-              <a:ext uri="{FF2B5EF4-FFF2-40B4-BE49-F238E27FC236}">
-                <a16:creationId xmlns:a16="http://schemas.microsoft.com/office/drawing/2014/main" id="{958E9C0A-1B7C-480F-B568-0D2DDEF32A6F}"/>
-              </a:ext>
-            </a:extLst>
-          </p:cNvPr>
-          <p:cNvSpPr>
-            <a:spLocks noGrp="1"/>
-          </p:cNvSpPr>
-          <p:nvPr>
-            <p:ph type="ctrTitle"/>
-          </p:nvPr>
-        </p:nvSpPr>
-        <p:spPr>
-          <a:xfrm>
-            <a:off x="5653463" y="439731"/>
-            <a:ext cx="3194700" cy="481200"/>
-          </a:xfrm>
-        </p:spPr>
-        <p:txBody>
-          <a:bodyPr/>
-          <a:lstStyle/>
-          <a:p>
             <a:r>
-              <a:rPr lang="es-ES" dirty="0"/>
-              <a:t>Mascara de bits</a:t>
+              <a:rPr lang="es-CO" sz="1200" dirty="0" err="1">
+                <a:latin typeface="Abadi" panose="020B0604020104020204" pitchFamily="34" charset="0"/>
+              </a:rPr>
+              <a:t>wn</a:t>
             </a:r>
-            <a:endParaRPr lang="es-CO" dirty="0"/>
+            <a:r>
+              <a:rPr lang="es-CO" sz="1200" dirty="0">
+                <a:latin typeface="Abadi" panose="020B0604020104020204" pitchFamily="34" charset="0"/>
+              </a:rPr>
+              <a:t> kilos y valen v1,…, </a:t>
+            </a:r>
+            <a:r>
+              <a:rPr lang="es-CO" sz="1200" dirty="0" err="1">
+                <a:latin typeface="Abadi" panose="020B0604020104020204" pitchFamily="34" charset="0"/>
+              </a:rPr>
+              <a:t>vn</a:t>
+            </a:r>
+            <a:r>
+              <a:rPr lang="es-CO" sz="1200" dirty="0">
+                <a:latin typeface="Abadi" panose="020B0604020104020204" pitchFamily="34" charset="0"/>
+              </a:rPr>
+              <a:t> euros. ¿Qué objetos debe elegir para llevarse el máximo valor sin que se rompa el saco?”</a:t>
+            </a:r>
           </a:p>
         </p:txBody>
       </p:sp>
@@ -14498,7 +9035,7 @@
         </p:blipFill>
         <p:spPr bwMode="auto">
           <a:xfrm>
-            <a:off x="215587" y="259970"/>
+            <a:off x="261990" y="192093"/>
             <a:ext cx="660961" cy="660961"/>
           </a:xfrm>
           <a:prstGeom prst="rect">
@@ -14537,7 +9074,7 @@
         </p:blipFill>
         <p:spPr>
           <a:xfrm>
-            <a:off x="984125" y="201706"/>
+            <a:off x="1071372" y="144121"/>
             <a:ext cx="918577" cy="804385"/>
           </a:xfrm>
           <a:prstGeom prst="ellipse">
@@ -14556,7 +9093,7 @@
           <p:cNvPr id="6" name="Rectángulo 5">
             <a:extLst>
               <a:ext uri="{FF2B5EF4-FFF2-40B4-BE49-F238E27FC236}">
-                <a16:creationId xmlns:a16="http://schemas.microsoft.com/office/drawing/2014/main" id="{7DCDF11F-935D-413B-93EB-EC9C70694C19}"/>
+                <a16:creationId xmlns:a16="http://schemas.microsoft.com/office/drawing/2014/main" id="{EC2D0E56-7D0C-40D0-8E56-B8801C98D13A}"/>
               </a:ext>
             </a:extLst>
           </p:cNvPr>
@@ -14565,8 +9102,8 @@
         </p:nvSpPr>
         <p:spPr>
           <a:xfrm>
-            <a:off x="295837" y="1276419"/>
-            <a:ext cx="3887057" cy="3355041"/>
+            <a:off x="2919275" y="1464444"/>
+            <a:ext cx="5784715" cy="1221236"/>
           </a:xfrm>
           <a:prstGeom prst="rect">
             <a:avLst/>
@@ -14600,119 +9137,683 @@
           <a:bodyPr rtlCol="0" anchor="ctr"/>
           <a:lstStyle/>
           <a:p>
-            <a:pPr marL="0" marR="0" lvl="0" indent="0" algn="ctr" defTabSz="914400" rtl="0" eaLnBrk="1" fontAlgn="auto" latinLnBrk="0" hangingPunct="1">
-              <a:lnSpc>
-                <a:spcPct val="100000"/>
-              </a:lnSpc>
-              <a:spcBef>
-                <a:spcPts val="0"/>
-              </a:spcBef>
-              <a:spcAft>
-                <a:spcPts val="0"/>
-              </a:spcAft>
-              <a:buClr>
-                <a:srgbClr val="000000"/>
-              </a:buClr>
-              <a:buSzTx/>
-              <a:buFont typeface="Arial"/>
-              <a:buNone/>
-              <a:tabLst/>
-              <a:defRPr/>
-            </a:pPr>
-            <a:endParaRPr kumimoji="0" lang="es-CO" sz="1400" b="0" i="0" u="none" strike="noStrike" kern="0" cap="none" spc="0" normalizeH="0" baseline="0" noProof="0">
-              <a:ln>
-                <a:noFill/>
-              </a:ln>
-              <a:solidFill>
-                <a:srgbClr val="BAF7C9"/>
-              </a:solidFill>
-              <a:effectLst/>
-              <a:uLnTx/>
-              <a:uFillTx/>
-              <a:latin typeface="Arial"/>
-              <a:ea typeface="+mn-ea"/>
-              <a:cs typeface="+mn-cs"/>
-              <a:sym typeface="Arial"/>
-            </a:endParaRPr>
+            <a:pPr algn="ctr"/>
+            <a:endParaRPr lang="es-CO"/>
           </a:p>
         </p:txBody>
       </p:sp>
       <p:sp>
         <p:nvSpPr>
-          <p:cNvPr id="9" name="CuadroTexto 8">
+          <p:cNvPr id="10" name="Título 2">
             <a:extLst>
               <a:ext uri="{FF2B5EF4-FFF2-40B4-BE49-F238E27FC236}">
-                <a16:creationId xmlns:a16="http://schemas.microsoft.com/office/drawing/2014/main" id="{96A49DC7-5E6F-47D9-B4D4-5E7A5DC31FAE}"/>
+                <a16:creationId xmlns:a16="http://schemas.microsoft.com/office/drawing/2014/main" id="{4B4F06C2-20E6-40C1-BAD4-30FB77130CD3}"/>
               </a:ext>
             </a:extLst>
           </p:cNvPr>
-          <p:cNvSpPr txBox="1"/>
-          <p:nvPr/>
+          <p:cNvSpPr>
+            <a:spLocks noGrp="1"/>
+          </p:cNvSpPr>
+          <p:nvPr>
+            <p:ph type="ctrTitle"/>
+          </p:nvPr>
         </p:nvSpPr>
         <p:spPr>
           <a:xfrm>
-            <a:off x="5959659" y="1052271"/>
-            <a:ext cx="2823653" cy="307777"/>
+            <a:off x="5653088" y="371475"/>
+            <a:ext cx="3195637" cy="481013"/>
           </a:xfrm>
-          <a:prstGeom prst="rect">
-            <a:avLst/>
-          </a:prstGeom>
-          <a:noFill/>
         </p:spPr>
         <p:txBody>
-          <a:bodyPr wrap="square" rtlCol="0">
-            <a:spAutoFit/>
-          </a:bodyPr>
+          <a:bodyPr/>
           <a:lstStyle/>
           <a:p>
-            <a:pPr marL="0" marR="0" lvl="0" indent="0" algn="r" defTabSz="914400" rtl="0" eaLnBrk="1" fontAlgn="auto" latinLnBrk="0" hangingPunct="1">
-              <a:lnSpc>
-                <a:spcPct val="100000"/>
-              </a:lnSpc>
-              <a:spcBef>
-                <a:spcPts val="0"/>
-              </a:spcBef>
-              <a:spcAft>
-                <a:spcPts val="0"/>
-              </a:spcAft>
-              <a:buClr>
-                <a:srgbClr val="000000"/>
-              </a:buClr>
-              <a:buSzTx/>
-              <a:buFont typeface="Arial"/>
-              <a:buNone/>
-              <a:tabLst/>
-              <a:defRPr/>
-            </a:pPr>
             <a:r>
-              <a:rPr kumimoji="0" lang="es-ES" sz="1400" b="0" i="0" u="none" strike="noStrike" kern="0" cap="none" spc="0" normalizeH="0" baseline="0" noProof="0" dirty="0">
-                <a:ln>
-                  <a:noFill/>
-                </a:ln>
-                <a:solidFill>
-                  <a:srgbClr val="666666">
-                    <a:lumMod val="60000"/>
-                    <a:lumOff val="40000"/>
-                  </a:srgbClr>
-                </a:solidFill>
-                <a:effectLst/>
-                <a:uLnTx/>
-                <a:uFillTx/>
-                <a:latin typeface="Staatliches" panose="020B0604020202020204" charset="0"/>
-                <a:cs typeface="Arial"/>
-                <a:sym typeface="Arial"/>
-              </a:rPr>
-              <a:t>bit menos significativo</a:t>
+              <a:rPr lang="es-CO" dirty="0"/>
+              <a:t>Problema de la mochila  </a:t>
             </a:r>
           </a:p>
         </p:txBody>
       </p:sp>
+      <p:grpSp>
+        <p:nvGrpSpPr>
+          <p:cNvPr id="9" name="Grupo 8">
+            <a:extLst>
+              <a:ext uri="{FF2B5EF4-FFF2-40B4-BE49-F238E27FC236}">
+                <a16:creationId xmlns:a16="http://schemas.microsoft.com/office/drawing/2014/main" id="{011A2A81-768D-4A4E-B7AE-0AB4A94FC00E}"/>
+              </a:ext>
+            </a:extLst>
+          </p:cNvPr>
+          <p:cNvGrpSpPr/>
+          <p:nvPr/>
+        </p:nvGrpSpPr>
+        <p:grpSpPr>
+          <a:xfrm>
+            <a:off x="2120631" y="4169838"/>
+            <a:ext cx="4127052" cy="461558"/>
+            <a:chOff x="1251626" y="3959154"/>
+            <a:chExt cx="4127052" cy="461558"/>
+          </a:xfrm>
+        </p:grpSpPr>
+        <p:sp>
+          <p:nvSpPr>
+            <p:cNvPr id="11" name="Subtítulo 1">
+              <a:extLst>
+                <a:ext uri="{FF2B5EF4-FFF2-40B4-BE49-F238E27FC236}">
+                  <a16:creationId xmlns:a16="http://schemas.microsoft.com/office/drawing/2014/main" id="{70B1D5AA-3CDB-450E-B6C4-17EE9C2B7921}"/>
+                </a:ext>
+              </a:extLst>
+            </p:cNvPr>
+            <p:cNvSpPr txBox="1">
+              <a:spLocks/>
+            </p:cNvSpPr>
+            <p:nvPr/>
+          </p:nvSpPr>
+          <p:spPr>
+            <a:xfrm flipH="1">
+              <a:off x="1989949" y="3959154"/>
+              <a:ext cx="3388729" cy="461557"/>
+            </a:xfrm>
+            <a:prstGeom prst="rect">
+              <a:avLst/>
+            </a:prstGeom>
+            <a:noFill/>
+            <a:ln>
+              <a:noFill/>
+            </a:ln>
+          </p:spPr>
+          <p:txBody>
+            <a:bodyPr spcFirstLastPara="1" wrap="square" lIns="91425" tIns="91425" rIns="91425" bIns="91425" anchor="ctr" anchorCtr="0">
+              <a:noAutofit/>
+            </a:bodyPr>
+            <a:lstStyle>
+              <a:defPPr marR="0" lvl="0" algn="l" rtl="0">
+                <a:lnSpc>
+                  <a:spcPct val="100000"/>
+                </a:lnSpc>
+                <a:spcBef>
+                  <a:spcPts val="0"/>
+                </a:spcBef>
+                <a:spcAft>
+                  <a:spcPts val="0"/>
+                </a:spcAft>
+              </a:defPPr>
+              <a:lvl1pPr marL="457200" marR="0" lvl="0" indent="-304800" algn="l" rtl="0">
+                <a:lnSpc>
+                  <a:spcPct val="100000"/>
+                </a:lnSpc>
+                <a:spcBef>
+                  <a:spcPts val="0"/>
+                </a:spcBef>
+                <a:spcAft>
+                  <a:spcPts val="0"/>
+                </a:spcAft>
+                <a:buClr>
+                  <a:schemeClr val="accent3"/>
+                </a:buClr>
+                <a:buSzPts val="1000"/>
+                <a:buFont typeface="Josefin Slab"/>
+                <a:buAutoNum type="arabicPeriod"/>
+                <a:defRPr sz="1100" b="0" i="0" u="none" strike="noStrike" cap="none">
+                  <a:solidFill>
+                    <a:schemeClr val="accent3"/>
+                  </a:solidFill>
+                  <a:latin typeface="Anaheim"/>
+                  <a:ea typeface="Anaheim"/>
+                  <a:cs typeface="Anaheim"/>
+                  <a:sym typeface="Anaheim"/>
+                </a:defRPr>
+              </a:lvl1pPr>
+              <a:lvl2pPr marL="914400" marR="0" lvl="1" indent="-304800" algn="ctr" rtl="0">
+                <a:lnSpc>
+                  <a:spcPct val="100000"/>
+                </a:lnSpc>
+                <a:spcBef>
+                  <a:spcPts val="0"/>
+                </a:spcBef>
+                <a:spcAft>
+                  <a:spcPts val="0"/>
+                </a:spcAft>
+                <a:buClr>
+                  <a:schemeClr val="accent3"/>
+                </a:buClr>
+                <a:buSzPts val="1400"/>
+                <a:buFont typeface="Josefin Slab SemiBold"/>
+                <a:buAutoNum type="alphaLcPeriod"/>
+                <a:defRPr sz="1400" b="0" i="0" u="none" strike="noStrike" cap="none">
+                  <a:solidFill>
+                    <a:schemeClr val="accent3"/>
+                  </a:solidFill>
+                  <a:latin typeface="Josefin Slab"/>
+                  <a:ea typeface="Josefin Slab"/>
+                  <a:cs typeface="Josefin Slab"/>
+                  <a:sym typeface="Josefin Slab"/>
+                </a:defRPr>
+              </a:lvl2pPr>
+              <a:lvl3pPr marL="1371600" marR="0" lvl="2" indent="-304800" algn="ctr" rtl="0">
+                <a:lnSpc>
+                  <a:spcPct val="100000"/>
+                </a:lnSpc>
+                <a:spcBef>
+                  <a:spcPts val="0"/>
+                </a:spcBef>
+                <a:spcAft>
+                  <a:spcPts val="0"/>
+                </a:spcAft>
+                <a:buClr>
+                  <a:schemeClr val="accent3"/>
+                </a:buClr>
+                <a:buSzPts val="1400"/>
+                <a:buFont typeface="Josefin Slab SemiBold"/>
+                <a:buAutoNum type="romanLcPeriod"/>
+                <a:defRPr sz="1400" b="0" i="0" u="none" strike="noStrike" cap="none">
+                  <a:solidFill>
+                    <a:schemeClr val="accent3"/>
+                  </a:solidFill>
+                  <a:latin typeface="Josefin Slab"/>
+                  <a:ea typeface="Josefin Slab"/>
+                  <a:cs typeface="Josefin Slab"/>
+                  <a:sym typeface="Josefin Slab"/>
+                </a:defRPr>
+              </a:lvl3pPr>
+              <a:lvl4pPr marL="1828800" marR="0" lvl="3" indent="-304800" algn="ctr" rtl="0">
+                <a:lnSpc>
+                  <a:spcPct val="100000"/>
+                </a:lnSpc>
+                <a:spcBef>
+                  <a:spcPts val="0"/>
+                </a:spcBef>
+                <a:spcAft>
+                  <a:spcPts val="0"/>
+                </a:spcAft>
+                <a:buClr>
+                  <a:schemeClr val="accent3"/>
+                </a:buClr>
+                <a:buSzPts val="1400"/>
+                <a:buFont typeface="Josefin Slab SemiBold"/>
+                <a:buAutoNum type="arabicPeriod"/>
+                <a:defRPr sz="1400" b="0" i="0" u="none" strike="noStrike" cap="none">
+                  <a:solidFill>
+                    <a:schemeClr val="accent3"/>
+                  </a:solidFill>
+                  <a:latin typeface="Josefin Slab"/>
+                  <a:ea typeface="Josefin Slab"/>
+                  <a:cs typeface="Josefin Slab"/>
+                  <a:sym typeface="Josefin Slab"/>
+                </a:defRPr>
+              </a:lvl4pPr>
+              <a:lvl5pPr marL="2286000" marR="0" lvl="4" indent="-304800" algn="ctr" rtl="0">
+                <a:lnSpc>
+                  <a:spcPct val="100000"/>
+                </a:lnSpc>
+                <a:spcBef>
+                  <a:spcPts val="0"/>
+                </a:spcBef>
+                <a:spcAft>
+                  <a:spcPts val="0"/>
+                </a:spcAft>
+                <a:buClr>
+                  <a:schemeClr val="accent3"/>
+                </a:buClr>
+                <a:buSzPts val="1400"/>
+                <a:buFont typeface="Josefin Slab SemiBold"/>
+                <a:buAutoNum type="alphaLcPeriod"/>
+                <a:defRPr sz="1400" b="0" i="0" u="none" strike="noStrike" cap="none">
+                  <a:solidFill>
+                    <a:schemeClr val="accent3"/>
+                  </a:solidFill>
+                  <a:latin typeface="Josefin Slab"/>
+                  <a:ea typeface="Josefin Slab"/>
+                  <a:cs typeface="Josefin Slab"/>
+                  <a:sym typeface="Josefin Slab"/>
+                </a:defRPr>
+              </a:lvl5pPr>
+              <a:lvl6pPr marL="2743200" marR="0" lvl="5" indent="-304800" algn="ctr" rtl="0">
+                <a:lnSpc>
+                  <a:spcPct val="100000"/>
+                </a:lnSpc>
+                <a:spcBef>
+                  <a:spcPts val="0"/>
+                </a:spcBef>
+                <a:spcAft>
+                  <a:spcPts val="0"/>
+                </a:spcAft>
+                <a:buClr>
+                  <a:schemeClr val="accent3"/>
+                </a:buClr>
+                <a:buSzPts val="1400"/>
+                <a:buFont typeface="Josefin Slab SemiBold"/>
+                <a:buAutoNum type="romanLcPeriod"/>
+                <a:defRPr sz="1400" b="0" i="0" u="none" strike="noStrike" cap="none">
+                  <a:solidFill>
+                    <a:schemeClr val="accent3"/>
+                  </a:solidFill>
+                  <a:latin typeface="Josefin Slab"/>
+                  <a:ea typeface="Josefin Slab"/>
+                  <a:cs typeface="Josefin Slab"/>
+                  <a:sym typeface="Josefin Slab"/>
+                </a:defRPr>
+              </a:lvl6pPr>
+              <a:lvl7pPr marL="3200400" marR="0" lvl="6" indent="-304800" algn="ctr" rtl="0">
+                <a:lnSpc>
+                  <a:spcPct val="100000"/>
+                </a:lnSpc>
+                <a:spcBef>
+                  <a:spcPts val="0"/>
+                </a:spcBef>
+                <a:spcAft>
+                  <a:spcPts val="0"/>
+                </a:spcAft>
+                <a:buClr>
+                  <a:schemeClr val="accent3"/>
+                </a:buClr>
+                <a:buSzPts val="1400"/>
+                <a:buFont typeface="Josefin Slab SemiBold"/>
+                <a:buAutoNum type="arabicPeriod"/>
+                <a:defRPr sz="1400" b="0" i="0" u="none" strike="noStrike" cap="none">
+                  <a:solidFill>
+                    <a:schemeClr val="accent3"/>
+                  </a:solidFill>
+                  <a:latin typeface="Josefin Slab"/>
+                  <a:ea typeface="Josefin Slab"/>
+                  <a:cs typeface="Josefin Slab"/>
+                  <a:sym typeface="Josefin Slab"/>
+                </a:defRPr>
+              </a:lvl7pPr>
+              <a:lvl8pPr marL="3657600" marR="0" lvl="7" indent="-304800" algn="ctr" rtl="0">
+                <a:lnSpc>
+                  <a:spcPct val="100000"/>
+                </a:lnSpc>
+                <a:spcBef>
+                  <a:spcPts val="0"/>
+                </a:spcBef>
+                <a:spcAft>
+                  <a:spcPts val="0"/>
+                </a:spcAft>
+                <a:buClr>
+                  <a:schemeClr val="accent3"/>
+                </a:buClr>
+                <a:buSzPts val="1400"/>
+                <a:buFont typeface="Josefin Slab SemiBold"/>
+                <a:buAutoNum type="alphaLcPeriod"/>
+                <a:defRPr sz="1400" b="0" i="0" u="none" strike="noStrike" cap="none">
+                  <a:solidFill>
+                    <a:schemeClr val="accent3"/>
+                  </a:solidFill>
+                  <a:latin typeface="Josefin Slab"/>
+                  <a:ea typeface="Josefin Slab"/>
+                  <a:cs typeface="Josefin Slab"/>
+                  <a:sym typeface="Josefin Slab"/>
+                </a:defRPr>
+              </a:lvl8pPr>
+              <a:lvl9pPr marL="4114800" marR="0" lvl="8" indent="-304800" algn="ctr" rtl="0">
+                <a:lnSpc>
+                  <a:spcPct val="100000"/>
+                </a:lnSpc>
+                <a:spcBef>
+                  <a:spcPts val="0"/>
+                </a:spcBef>
+                <a:spcAft>
+                  <a:spcPts val="0"/>
+                </a:spcAft>
+                <a:buClr>
+                  <a:schemeClr val="accent3"/>
+                </a:buClr>
+                <a:buSzPts val="1400"/>
+                <a:buFont typeface="Josefin Slab SemiBold"/>
+                <a:buAutoNum type="romanLcPeriod"/>
+                <a:defRPr sz="1400" b="0" i="0" u="none" strike="noStrike" cap="none">
+                  <a:solidFill>
+                    <a:schemeClr val="accent3"/>
+                  </a:solidFill>
+                  <a:latin typeface="Josefin Slab"/>
+                  <a:ea typeface="Josefin Slab"/>
+                  <a:cs typeface="Josefin Slab"/>
+                  <a:sym typeface="Josefin Slab"/>
+                </a:defRPr>
+              </a:lvl9pPr>
+            </a:lstStyle>
+            <a:p>
+              <a:pPr marL="152400" indent="0" algn="just">
+                <a:buFont typeface="Josefin Slab"/>
+                <a:buNone/>
+              </a:pPr>
+              <a:r>
+                <a:rPr lang="es-CO" sz="1050" dirty="0">
+                  <a:solidFill>
+                    <a:schemeClr val="accent6">
+                      <a:lumMod val="90000"/>
+                    </a:schemeClr>
+                  </a:solidFill>
+                  <a:latin typeface="Abadi" panose="020B0604020104020204" pitchFamily="34" charset="0"/>
+                  <a:hlinkClick r:id="rId4">
+                    <a:extLst>
+                      <a:ext uri="{A12FA001-AC4F-418D-AE19-62706E023703}">
+                        <ahyp:hlinkClr xmlns:ahyp="http://schemas.microsoft.com/office/drawing/2018/hyperlinkcolor" val="tx"/>
+                      </a:ext>
+                    </a:extLst>
+                  </a:hlinkClick>
+                </a:rPr>
+                <a:t>http://webdiis.unizar.es/asignaturas/AB/?p=425</a:t>
+              </a:r>
+              <a:r>
+                <a:rPr lang="es-CO" sz="1050" dirty="0">
+                  <a:solidFill>
+                    <a:schemeClr val="accent6">
+                      <a:lumMod val="90000"/>
+                    </a:schemeClr>
+                  </a:solidFill>
+                  <a:latin typeface="Abadi" panose="020B0604020104020204" pitchFamily="34" charset="0"/>
+                </a:rPr>
+                <a:t> </a:t>
+              </a:r>
+            </a:p>
+          </p:txBody>
+        </p:sp>
+        <p:sp>
+          <p:nvSpPr>
+            <p:cNvPr id="12" name="Subtítulo 1">
+              <a:extLst>
+                <a:ext uri="{FF2B5EF4-FFF2-40B4-BE49-F238E27FC236}">
+                  <a16:creationId xmlns:a16="http://schemas.microsoft.com/office/drawing/2014/main" id="{F81BA047-A32A-479F-9177-F5B929F83446}"/>
+                </a:ext>
+              </a:extLst>
+            </p:cNvPr>
+            <p:cNvSpPr txBox="1">
+              <a:spLocks/>
+            </p:cNvSpPr>
+            <p:nvPr/>
+          </p:nvSpPr>
+          <p:spPr>
+            <a:xfrm flipH="1">
+              <a:off x="1251626" y="3959155"/>
+              <a:ext cx="1128408" cy="461557"/>
+            </a:xfrm>
+            <a:prstGeom prst="rect">
+              <a:avLst/>
+            </a:prstGeom>
+            <a:noFill/>
+            <a:ln>
+              <a:noFill/>
+            </a:ln>
+          </p:spPr>
+          <p:txBody>
+            <a:bodyPr spcFirstLastPara="1" wrap="square" lIns="91425" tIns="91425" rIns="91425" bIns="91425" anchor="ctr" anchorCtr="0">
+              <a:noAutofit/>
+            </a:bodyPr>
+            <a:lstStyle>
+              <a:defPPr marR="0" lvl="0" algn="l" rtl="0">
+                <a:lnSpc>
+                  <a:spcPct val="100000"/>
+                </a:lnSpc>
+                <a:spcBef>
+                  <a:spcPts val="0"/>
+                </a:spcBef>
+                <a:spcAft>
+                  <a:spcPts val="0"/>
+                </a:spcAft>
+              </a:defPPr>
+              <a:lvl1pPr marL="457200" marR="0" lvl="0" indent="-304800" algn="l" rtl="0">
+                <a:lnSpc>
+                  <a:spcPct val="100000"/>
+                </a:lnSpc>
+                <a:spcBef>
+                  <a:spcPts val="0"/>
+                </a:spcBef>
+                <a:spcAft>
+                  <a:spcPts val="0"/>
+                </a:spcAft>
+                <a:buClr>
+                  <a:schemeClr val="accent3"/>
+                </a:buClr>
+                <a:buSzPts val="1000"/>
+                <a:buFont typeface="Josefin Slab"/>
+                <a:buAutoNum type="arabicPeriod"/>
+                <a:defRPr sz="1100" b="0" i="0" u="none" strike="noStrike" cap="none">
+                  <a:solidFill>
+                    <a:schemeClr val="accent3"/>
+                  </a:solidFill>
+                  <a:latin typeface="Anaheim"/>
+                  <a:ea typeface="Anaheim"/>
+                  <a:cs typeface="Anaheim"/>
+                  <a:sym typeface="Anaheim"/>
+                </a:defRPr>
+              </a:lvl1pPr>
+              <a:lvl2pPr marL="914400" marR="0" lvl="1" indent="-304800" algn="ctr" rtl="0">
+                <a:lnSpc>
+                  <a:spcPct val="100000"/>
+                </a:lnSpc>
+                <a:spcBef>
+                  <a:spcPts val="0"/>
+                </a:spcBef>
+                <a:spcAft>
+                  <a:spcPts val="0"/>
+                </a:spcAft>
+                <a:buClr>
+                  <a:schemeClr val="accent3"/>
+                </a:buClr>
+                <a:buSzPts val="1400"/>
+                <a:buFont typeface="Josefin Slab SemiBold"/>
+                <a:buAutoNum type="alphaLcPeriod"/>
+                <a:defRPr sz="1400" b="0" i="0" u="none" strike="noStrike" cap="none">
+                  <a:solidFill>
+                    <a:schemeClr val="accent3"/>
+                  </a:solidFill>
+                  <a:latin typeface="Josefin Slab"/>
+                  <a:ea typeface="Josefin Slab"/>
+                  <a:cs typeface="Josefin Slab"/>
+                  <a:sym typeface="Josefin Slab"/>
+                </a:defRPr>
+              </a:lvl2pPr>
+              <a:lvl3pPr marL="1371600" marR="0" lvl="2" indent="-304800" algn="ctr" rtl="0">
+                <a:lnSpc>
+                  <a:spcPct val="100000"/>
+                </a:lnSpc>
+                <a:spcBef>
+                  <a:spcPts val="0"/>
+                </a:spcBef>
+                <a:spcAft>
+                  <a:spcPts val="0"/>
+                </a:spcAft>
+                <a:buClr>
+                  <a:schemeClr val="accent3"/>
+                </a:buClr>
+                <a:buSzPts val="1400"/>
+                <a:buFont typeface="Josefin Slab SemiBold"/>
+                <a:buAutoNum type="romanLcPeriod"/>
+                <a:defRPr sz="1400" b="0" i="0" u="none" strike="noStrike" cap="none">
+                  <a:solidFill>
+                    <a:schemeClr val="accent3"/>
+                  </a:solidFill>
+                  <a:latin typeface="Josefin Slab"/>
+                  <a:ea typeface="Josefin Slab"/>
+                  <a:cs typeface="Josefin Slab"/>
+                  <a:sym typeface="Josefin Slab"/>
+                </a:defRPr>
+              </a:lvl3pPr>
+              <a:lvl4pPr marL="1828800" marR="0" lvl="3" indent="-304800" algn="ctr" rtl="0">
+                <a:lnSpc>
+                  <a:spcPct val="100000"/>
+                </a:lnSpc>
+                <a:spcBef>
+                  <a:spcPts val="0"/>
+                </a:spcBef>
+                <a:spcAft>
+                  <a:spcPts val="0"/>
+                </a:spcAft>
+                <a:buClr>
+                  <a:schemeClr val="accent3"/>
+                </a:buClr>
+                <a:buSzPts val="1400"/>
+                <a:buFont typeface="Josefin Slab SemiBold"/>
+                <a:buAutoNum type="arabicPeriod"/>
+                <a:defRPr sz="1400" b="0" i="0" u="none" strike="noStrike" cap="none">
+                  <a:solidFill>
+                    <a:schemeClr val="accent3"/>
+                  </a:solidFill>
+                  <a:latin typeface="Josefin Slab"/>
+                  <a:ea typeface="Josefin Slab"/>
+                  <a:cs typeface="Josefin Slab"/>
+                  <a:sym typeface="Josefin Slab"/>
+                </a:defRPr>
+              </a:lvl4pPr>
+              <a:lvl5pPr marL="2286000" marR="0" lvl="4" indent="-304800" algn="ctr" rtl="0">
+                <a:lnSpc>
+                  <a:spcPct val="100000"/>
+                </a:lnSpc>
+                <a:spcBef>
+                  <a:spcPts val="0"/>
+                </a:spcBef>
+                <a:spcAft>
+                  <a:spcPts val="0"/>
+                </a:spcAft>
+                <a:buClr>
+                  <a:schemeClr val="accent3"/>
+                </a:buClr>
+                <a:buSzPts val="1400"/>
+                <a:buFont typeface="Josefin Slab SemiBold"/>
+                <a:buAutoNum type="alphaLcPeriod"/>
+                <a:defRPr sz="1400" b="0" i="0" u="none" strike="noStrike" cap="none">
+                  <a:solidFill>
+                    <a:schemeClr val="accent3"/>
+                  </a:solidFill>
+                  <a:latin typeface="Josefin Slab"/>
+                  <a:ea typeface="Josefin Slab"/>
+                  <a:cs typeface="Josefin Slab"/>
+                  <a:sym typeface="Josefin Slab"/>
+                </a:defRPr>
+              </a:lvl5pPr>
+              <a:lvl6pPr marL="2743200" marR="0" lvl="5" indent="-304800" algn="ctr" rtl="0">
+                <a:lnSpc>
+                  <a:spcPct val="100000"/>
+                </a:lnSpc>
+                <a:spcBef>
+                  <a:spcPts val="0"/>
+                </a:spcBef>
+                <a:spcAft>
+                  <a:spcPts val="0"/>
+                </a:spcAft>
+                <a:buClr>
+                  <a:schemeClr val="accent3"/>
+                </a:buClr>
+                <a:buSzPts val="1400"/>
+                <a:buFont typeface="Josefin Slab SemiBold"/>
+                <a:buAutoNum type="romanLcPeriod"/>
+                <a:defRPr sz="1400" b="0" i="0" u="none" strike="noStrike" cap="none">
+                  <a:solidFill>
+                    <a:schemeClr val="accent3"/>
+                  </a:solidFill>
+                  <a:latin typeface="Josefin Slab"/>
+                  <a:ea typeface="Josefin Slab"/>
+                  <a:cs typeface="Josefin Slab"/>
+                  <a:sym typeface="Josefin Slab"/>
+                </a:defRPr>
+              </a:lvl6pPr>
+              <a:lvl7pPr marL="3200400" marR="0" lvl="6" indent="-304800" algn="ctr" rtl="0">
+                <a:lnSpc>
+                  <a:spcPct val="100000"/>
+                </a:lnSpc>
+                <a:spcBef>
+                  <a:spcPts val="0"/>
+                </a:spcBef>
+                <a:spcAft>
+                  <a:spcPts val="0"/>
+                </a:spcAft>
+                <a:buClr>
+                  <a:schemeClr val="accent3"/>
+                </a:buClr>
+                <a:buSzPts val="1400"/>
+                <a:buFont typeface="Josefin Slab SemiBold"/>
+                <a:buAutoNum type="arabicPeriod"/>
+                <a:defRPr sz="1400" b="0" i="0" u="none" strike="noStrike" cap="none">
+                  <a:solidFill>
+                    <a:schemeClr val="accent3"/>
+                  </a:solidFill>
+                  <a:latin typeface="Josefin Slab"/>
+                  <a:ea typeface="Josefin Slab"/>
+                  <a:cs typeface="Josefin Slab"/>
+                  <a:sym typeface="Josefin Slab"/>
+                </a:defRPr>
+              </a:lvl7pPr>
+              <a:lvl8pPr marL="3657600" marR="0" lvl="7" indent="-304800" algn="ctr" rtl="0">
+                <a:lnSpc>
+                  <a:spcPct val="100000"/>
+                </a:lnSpc>
+                <a:spcBef>
+                  <a:spcPts val="0"/>
+                </a:spcBef>
+                <a:spcAft>
+                  <a:spcPts val="0"/>
+                </a:spcAft>
+                <a:buClr>
+                  <a:schemeClr val="accent3"/>
+                </a:buClr>
+                <a:buSzPts val="1400"/>
+                <a:buFont typeface="Josefin Slab SemiBold"/>
+                <a:buAutoNum type="alphaLcPeriod"/>
+                <a:defRPr sz="1400" b="0" i="0" u="none" strike="noStrike" cap="none">
+                  <a:solidFill>
+                    <a:schemeClr val="accent3"/>
+                  </a:solidFill>
+                  <a:latin typeface="Josefin Slab"/>
+                  <a:ea typeface="Josefin Slab"/>
+                  <a:cs typeface="Josefin Slab"/>
+                  <a:sym typeface="Josefin Slab"/>
+                </a:defRPr>
+              </a:lvl8pPr>
+              <a:lvl9pPr marL="4114800" marR="0" lvl="8" indent="-304800" algn="ctr" rtl="0">
+                <a:lnSpc>
+                  <a:spcPct val="100000"/>
+                </a:lnSpc>
+                <a:spcBef>
+                  <a:spcPts val="0"/>
+                </a:spcBef>
+                <a:spcAft>
+                  <a:spcPts val="0"/>
+                </a:spcAft>
+                <a:buClr>
+                  <a:schemeClr val="accent3"/>
+                </a:buClr>
+                <a:buSzPts val="1400"/>
+                <a:buFont typeface="Josefin Slab SemiBold"/>
+                <a:buAutoNum type="romanLcPeriod"/>
+                <a:defRPr sz="1400" b="0" i="0" u="none" strike="noStrike" cap="none">
+                  <a:solidFill>
+                    <a:schemeClr val="accent3"/>
+                  </a:solidFill>
+                  <a:latin typeface="Josefin Slab"/>
+                  <a:ea typeface="Josefin Slab"/>
+                  <a:cs typeface="Josefin Slab"/>
+                  <a:sym typeface="Josefin Slab"/>
+                </a:defRPr>
+              </a:lvl9pPr>
+            </a:lstStyle>
+            <a:p>
+              <a:pPr marL="152400" indent="0" algn="just">
+                <a:buFont typeface="Josefin Slab"/>
+                <a:buNone/>
+              </a:pPr>
+              <a:r>
+                <a:rPr lang="es-CO" sz="1050" dirty="0">
+                  <a:solidFill>
+                    <a:schemeClr val="accent6">
+                      <a:lumMod val="90000"/>
+                    </a:schemeClr>
+                  </a:solidFill>
+                  <a:latin typeface="Abadi" panose="020B0604020104020204" pitchFamily="34" charset="0"/>
+                </a:rPr>
+                <a:t>Tomado de: </a:t>
+              </a:r>
+            </a:p>
+          </p:txBody>
+        </p:sp>
+      </p:grpSp>
       <p:pic>
         <p:nvPicPr>
-          <p:cNvPr id="10" name="Imagen 9" descr="Forma&#10;&#10;Descripción generada automáticamente con confianza baja">
+          <p:cNvPr id="14" name="Imagen 13">
             <a:extLst>
               <a:ext uri="{FF2B5EF4-FFF2-40B4-BE49-F238E27FC236}">
-                <a16:creationId xmlns:a16="http://schemas.microsoft.com/office/drawing/2014/main" id="{4B6B5D50-F232-41E8-87F2-8223CAAFA2E6}"/>
+                <a16:creationId xmlns:a16="http://schemas.microsoft.com/office/drawing/2014/main" id="{9B91810B-D64D-4196-AE2B-FF321C15C484}"/>
               </a:ext>
             </a:extLst>
           </p:cNvPr>
@@ -14722,25 +9823,514 @@
           <p:nvPr/>
         </p:nvPicPr>
         <p:blipFill>
-          <a:blip r:embed="rId4"/>
+          <a:blip r:embed="rId5"/>
           <a:stretch>
             <a:fillRect/>
           </a:stretch>
         </p:blipFill>
         <p:spPr>
           <a:xfrm>
-            <a:off x="546067" y="1687428"/>
-            <a:ext cx="3446834" cy="2533022"/>
+            <a:off x="440010" y="1458044"/>
+            <a:ext cx="2285246" cy="2099839"/>
           </a:xfrm>
           <a:prstGeom prst="rect">
             <a:avLst/>
           </a:prstGeom>
         </p:spPr>
       </p:pic>
+      <mc:AlternateContent xmlns:mc="http://schemas.openxmlformats.org/markup-compatibility/2006" xmlns:a14="http://schemas.microsoft.com/office/drawing/2010/main">
+        <mc:Choice Requires="a14">
+          <p:sp>
+            <p:nvSpPr>
+              <p:cNvPr id="3" name="CuadroTexto 2">
+                <a:extLst>
+                  <a:ext uri="{FF2B5EF4-FFF2-40B4-BE49-F238E27FC236}">
+                    <a16:creationId xmlns:a16="http://schemas.microsoft.com/office/drawing/2014/main" id="{4BCE4190-9B63-43E7-A7A5-88C9FF331FDB}"/>
+                  </a:ext>
+                </a:extLst>
+              </p:cNvPr>
+              <p:cNvSpPr txBox="1"/>
+              <p:nvPr/>
+            </p:nvSpPr>
+            <p:spPr>
+              <a:xfrm>
+                <a:off x="5295458" y="1638404"/>
+                <a:ext cx="715260" cy="215444"/>
+              </a:xfrm>
+              <a:prstGeom prst="rect">
+                <a:avLst/>
+              </a:prstGeom>
+              <a:noFill/>
+            </p:spPr>
+            <p:txBody>
+              <a:bodyPr wrap="none" lIns="0" tIns="0" rIns="0" bIns="0" rtlCol="0">
+                <a:spAutoFit/>
+              </a:bodyPr>
+              <a:lstStyle/>
+              <a:p>
+                <a:pPr/>
+                <a14:m>
+                  <m:oMathPara xmlns:m="http://schemas.openxmlformats.org/officeDocument/2006/math">
+                    <m:oMathParaPr>
+                      <m:jc m:val="centerGroup"/>
+                    </m:oMathParaPr>
+                    <m:oMath xmlns:m="http://schemas.openxmlformats.org/officeDocument/2006/math">
+                      <m:r>
+                        <a:rPr lang="es-ES" b="0" i="1" smtClean="0">
+                          <a:latin typeface="Cambria Math" panose="02040503050406030204" pitchFamily="18" charset="0"/>
+                        </a:rPr>
+                        <m:t>𝑑𝑝</m:t>
+                      </m:r>
+                      <m:d>
+                        <m:dPr>
+                          <m:ctrlPr>
+                            <a:rPr lang="es-ES" b="0" i="1" smtClean="0">
+                              <a:latin typeface="Cambria Math" panose="02040503050406030204" pitchFamily="18" charset="0"/>
+                            </a:rPr>
+                          </m:ctrlPr>
+                        </m:dPr>
+                        <m:e>
+                          <m:r>
+                            <a:rPr lang="es-ES" b="0" i="1" smtClean="0">
+                              <a:latin typeface="Cambria Math" panose="02040503050406030204" pitchFamily="18" charset="0"/>
+                            </a:rPr>
+                            <m:t>𝑛</m:t>
+                          </m:r>
+                          <m:r>
+                            <a:rPr lang="es-ES" b="0" i="1" smtClean="0">
+                              <a:latin typeface="Cambria Math" panose="02040503050406030204" pitchFamily="18" charset="0"/>
+                            </a:rPr>
+                            <m:t>,</m:t>
+                          </m:r>
+                          <m:r>
+                            <a:rPr lang="es-ES" b="0" i="1" smtClean="0">
+                              <a:latin typeface="Cambria Math" panose="02040503050406030204" pitchFamily="18" charset="0"/>
+                            </a:rPr>
+                            <m:t>𝑤</m:t>
+                          </m:r>
+                        </m:e>
+                      </m:d>
+                    </m:oMath>
+                  </m:oMathPara>
+                </a14:m>
+                <a:endParaRPr lang="es-CO" dirty="0"/>
+              </a:p>
+            </p:txBody>
+          </p:sp>
+        </mc:Choice>
+        <mc:Fallback xmlns="">
+          <p:sp>
+            <p:nvSpPr>
+              <p:cNvPr id="3" name="CuadroTexto 2">
+                <a:extLst>
+                  <a:ext uri="{FF2B5EF4-FFF2-40B4-BE49-F238E27FC236}">
+                    <a16:creationId xmlns:a16="http://schemas.microsoft.com/office/drawing/2014/main" id="{4BCE4190-9B63-43E7-A7A5-88C9FF331FDB}"/>
+                  </a:ext>
+                </a:extLst>
+              </p:cNvPr>
+              <p:cNvSpPr txBox="1">
+                <a:spLocks noRot="1" noChangeAspect="1" noMove="1" noResize="1" noEditPoints="1" noAdjustHandles="1" noChangeArrowheads="1" noChangeShapeType="1" noTextEdit="1"/>
+              </p:cNvSpPr>
+              <p:nvPr/>
+            </p:nvSpPr>
+            <p:spPr>
+              <a:xfrm>
+                <a:off x="5295458" y="1638404"/>
+                <a:ext cx="715260" cy="215444"/>
+              </a:xfrm>
+              <a:prstGeom prst="rect">
+                <a:avLst/>
+              </a:prstGeom>
+              <a:blipFill>
+                <a:blip r:embed="rId6"/>
+                <a:stretch>
+                  <a:fillRect l="-7692" b="-34286"/>
+                </a:stretch>
+              </a:blipFill>
+            </p:spPr>
+            <p:txBody>
+              <a:bodyPr/>
+              <a:lstStyle/>
+              <a:p>
+                <a:r>
+                  <a:rPr lang="es-CO">
+                    <a:noFill/>
+                  </a:rPr>
+                  <a:t> </a:t>
+                </a:r>
+              </a:p>
+            </p:txBody>
+          </p:sp>
+        </mc:Fallback>
+      </mc:AlternateContent>
+      <mc:AlternateContent xmlns:mc="http://schemas.openxmlformats.org/markup-compatibility/2006" xmlns:a14="http://schemas.microsoft.com/office/drawing/2010/main">
+        <mc:Choice Requires="a14">
+          <p:sp>
+            <p:nvSpPr>
+              <p:cNvPr id="13" name="CuadroTexto 12">
+                <a:extLst>
+                  <a:ext uri="{FF2B5EF4-FFF2-40B4-BE49-F238E27FC236}">
+                    <a16:creationId xmlns:a16="http://schemas.microsoft.com/office/drawing/2014/main" id="{E6805A36-6A3F-4AE9-90A2-CA08CCEF48A9}"/>
+                  </a:ext>
+                </a:extLst>
+              </p:cNvPr>
+              <p:cNvSpPr txBox="1"/>
+              <p:nvPr/>
+            </p:nvSpPr>
+            <p:spPr>
+              <a:xfrm>
+                <a:off x="3677424" y="2228607"/>
+                <a:ext cx="1029064" cy="215444"/>
+              </a:xfrm>
+              <a:prstGeom prst="rect">
+                <a:avLst/>
+              </a:prstGeom>
+              <a:noFill/>
+            </p:spPr>
+            <p:txBody>
+              <a:bodyPr wrap="none" lIns="0" tIns="0" rIns="0" bIns="0" rtlCol="0">
+                <a:spAutoFit/>
+              </a:bodyPr>
+              <a:lstStyle/>
+              <a:p>
+                <a:pPr/>
+                <a14:m>
+                  <m:oMathPara xmlns:m="http://schemas.openxmlformats.org/officeDocument/2006/math">
+                    <m:oMathParaPr>
+                      <m:jc m:val="centerGroup"/>
+                    </m:oMathParaPr>
+                    <m:oMath xmlns:m="http://schemas.openxmlformats.org/officeDocument/2006/math">
+                      <m:r>
+                        <a:rPr lang="es-ES" b="0" i="1" smtClean="0">
+                          <a:latin typeface="Cambria Math" panose="02040503050406030204" pitchFamily="18" charset="0"/>
+                        </a:rPr>
+                        <m:t>𝑑𝑝</m:t>
+                      </m:r>
+                      <m:d>
+                        <m:dPr>
+                          <m:ctrlPr>
+                            <a:rPr lang="es-ES" b="0" i="1" smtClean="0">
+                              <a:latin typeface="Cambria Math" panose="02040503050406030204" pitchFamily="18" charset="0"/>
+                            </a:rPr>
+                          </m:ctrlPr>
+                        </m:dPr>
+                        <m:e>
+                          <m:r>
+                            <a:rPr lang="es-ES" b="0" i="1" smtClean="0">
+                              <a:latin typeface="Cambria Math" panose="02040503050406030204" pitchFamily="18" charset="0"/>
+                            </a:rPr>
+                            <m:t>𝑛</m:t>
+                          </m:r>
+                          <m:r>
+                            <a:rPr lang="es-ES" b="0" i="1" smtClean="0">
+                              <a:latin typeface="Cambria Math" panose="02040503050406030204" pitchFamily="18" charset="0"/>
+                            </a:rPr>
+                            <m:t>−1,</m:t>
+                          </m:r>
+                          <m:r>
+                            <a:rPr lang="es-ES" b="0" i="1" smtClean="0">
+                              <a:latin typeface="Cambria Math" panose="02040503050406030204" pitchFamily="18" charset="0"/>
+                            </a:rPr>
+                            <m:t>𝑤</m:t>
+                          </m:r>
+                        </m:e>
+                      </m:d>
+                    </m:oMath>
+                  </m:oMathPara>
+                </a14:m>
+                <a:endParaRPr lang="es-CO" dirty="0"/>
+              </a:p>
+            </p:txBody>
+          </p:sp>
+        </mc:Choice>
+        <mc:Fallback xmlns="">
+          <p:sp>
+            <p:nvSpPr>
+              <p:cNvPr id="13" name="CuadroTexto 12">
+                <a:extLst>
+                  <a:ext uri="{FF2B5EF4-FFF2-40B4-BE49-F238E27FC236}">
+                    <a16:creationId xmlns:a16="http://schemas.microsoft.com/office/drawing/2014/main" id="{E6805A36-6A3F-4AE9-90A2-CA08CCEF48A9}"/>
+                  </a:ext>
+                </a:extLst>
+              </p:cNvPr>
+              <p:cNvSpPr txBox="1">
+                <a:spLocks noRot="1" noChangeAspect="1" noMove="1" noResize="1" noEditPoints="1" noAdjustHandles="1" noChangeArrowheads="1" noChangeShapeType="1" noTextEdit="1"/>
+              </p:cNvSpPr>
+              <p:nvPr/>
+            </p:nvSpPr>
+            <p:spPr>
+              <a:xfrm>
+                <a:off x="3677424" y="2228607"/>
+                <a:ext cx="1029064" cy="215444"/>
+              </a:xfrm>
+              <a:prstGeom prst="rect">
+                <a:avLst/>
+              </a:prstGeom>
+              <a:blipFill>
+                <a:blip r:embed="rId7"/>
+                <a:stretch>
+                  <a:fillRect l="-4734" b="-34286"/>
+                </a:stretch>
+              </a:blipFill>
+            </p:spPr>
+            <p:txBody>
+              <a:bodyPr/>
+              <a:lstStyle/>
+              <a:p>
+                <a:r>
+                  <a:rPr lang="es-CO">
+                    <a:noFill/>
+                  </a:rPr>
+                  <a:t> </a:t>
+                </a:r>
+              </a:p>
+            </p:txBody>
+          </p:sp>
+        </mc:Fallback>
+      </mc:AlternateContent>
+      <mc:AlternateContent xmlns:mc="http://schemas.openxmlformats.org/markup-compatibility/2006" xmlns:a14="http://schemas.microsoft.com/office/drawing/2010/main">
+        <mc:Choice Requires="a14">
+          <p:sp>
+            <p:nvSpPr>
+              <p:cNvPr id="15" name="CuadroTexto 14">
+                <a:extLst>
+                  <a:ext uri="{FF2B5EF4-FFF2-40B4-BE49-F238E27FC236}">
+                    <a16:creationId xmlns:a16="http://schemas.microsoft.com/office/drawing/2014/main" id="{C4567120-0C43-48A2-8D44-1FC364512AB0}"/>
+                  </a:ext>
+                </a:extLst>
+              </p:cNvPr>
+              <p:cNvSpPr txBox="1"/>
+              <p:nvPr/>
+            </p:nvSpPr>
+            <p:spPr>
+              <a:xfrm>
+                <a:off x="6436837" y="2228607"/>
+                <a:ext cx="1482201" cy="215444"/>
+              </a:xfrm>
+              <a:prstGeom prst="rect">
+                <a:avLst/>
+              </a:prstGeom>
+              <a:noFill/>
+            </p:spPr>
+            <p:txBody>
+              <a:bodyPr wrap="none" lIns="0" tIns="0" rIns="0" bIns="0" rtlCol="0">
+                <a:spAutoFit/>
+              </a:bodyPr>
+              <a:lstStyle/>
+              <a:p>
+                <a:pPr/>
+                <a14:m>
+                  <m:oMathPara xmlns:m="http://schemas.openxmlformats.org/officeDocument/2006/math">
+                    <m:oMathParaPr>
+                      <m:jc m:val="centerGroup"/>
+                    </m:oMathParaPr>
+                    <m:oMath xmlns:m="http://schemas.openxmlformats.org/officeDocument/2006/math">
+                      <m:r>
+                        <a:rPr lang="es-ES" b="0" i="1" smtClean="0">
+                          <a:latin typeface="Cambria Math" panose="02040503050406030204" pitchFamily="18" charset="0"/>
+                        </a:rPr>
+                        <m:t>𝑑𝑝</m:t>
+                      </m:r>
+                      <m:d>
+                        <m:dPr>
+                          <m:ctrlPr>
+                            <a:rPr lang="es-ES" b="0" i="1" smtClean="0">
+                              <a:latin typeface="Cambria Math" panose="02040503050406030204" pitchFamily="18" charset="0"/>
+                            </a:rPr>
+                          </m:ctrlPr>
+                        </m:dPr>
+                        <m:e>
+                          <m:r>
+                            <a:rPr lang="es-ES" b="0" i="1" smtClean="0">
+                              <a:latin typeface="Cambria Math" panose="02040503050406030204" pitchFamily="18" charset="0"/>
+                            </a:rPr>
+                            <m:t>𝑛</m:t>
+                          </m:r>
+                          <m:r>
+                            <a:rPr lang="es-ES" b="0" i="1" smtClean="0">
+                              <a:latin typeface="Cambria Math" panose="02040503050406030204" pitchFamily="18" charset="0"/>
+                            </a:rPr>
+                            <m:t>−1,</m:t>
+                          </m:r>
+                          <m:r>
+                            <a:rPr lang="es-ES" b="0" i="1" smtClean="0">
+                              <a:latin typeface="Cambria Math" panose="02040503050406030204" pitchFamily="18" charset="0"/>
+                            </a:rPr>
+                            <m:t>𝑤</m:t>
+                          </m:r>
+                          <m:r>
+                            <a:rPr lang="es-ES" b="0" i="1" smtClean="0">
+                              <a:latin typeface="Cambria Math" panose="02040503050406030204" pitchFamily="18" charset="0"/>
+                            </a:rPr>
+                            <m:t>−</m:t>
+                          </m:r>
+                          <m:r>
+                            <a:rPr lang="es-ES" b="0" i="1" smtClean="0">
+                              <a:latin typeface="Cambria Math" panose="02040503050406030204" pitchFamily="18" charset="0"/>
+                            </a:rPr>
+                            <m:t>𝑤𝑛</m:t>
+                          </m:r>
+                        </m:e>
+                      </m:d>
+                    </m:oMath>
+                  </m:oMathPara>
+                </a14:m>
+                <a:endParaRPr lang="es-CO" dirty="0"/>
+              </a:p>
+            </p:txBody>
+          </p:sp>
+        </mc:Choice>
+        <mc:Fallback xmlns="">
+          <p:sp>
+            <p:nvSpPr>
+              <p:cNvPr id="15" name="CuadroTexto 14">
+                <a:extLst>
+                  <a:ext uri="{FF2B5EF4-FFF2-40B4-BE49-F238E27FC236}">
+                    <a16:creationId xmlns:a16="http://schemas.microsoft.com/office/drawing/2014/main" id="{C4567120-0C43-48A2-8D44-1FC364512AB0}"/>
+                  </a:ext>
+                </a:extLst>
+              </p:cNvPr>
+              <p:cNvSpPr txBox="1">
+                <a:spLocks noRot="1" noChangeAspect="1" noMove="1" noResize="1" noEditPoints="1" noAdjustHandles="1" noChangeArrowheads="1" noChangeShapeType="1" noTextEdit="1"/>
+              </p:cNvSpPr>
+              <p:nvPr/>
+            </p:nvSpPr>
+            <p:spPr>
+              <a:xfrm>
+                <a:off x="6436837" y="2228607"/>
+                <a:ext cx="1482201" cy="215444"/>
+              </a:xfrm>
+              <a:prstGeom prst="rect">
+                <a:avLst/>
+              </a:prstGeom>
+              <a:blipFill>
+                <a:blip r:embed="rId8"/>
+                <a:stretch>
+                  <a:fillRect l="-3704" b="-34286"/>
+                </a:stretch>
+              </a:blipFill>
+            </p:spPr>
+            <p:txBody>
+              <a:bodyPr/>
+              <a:lstStyle/>
+              <a:p>
+                <a:r>
+                  <a:rPr lang="es-CO">
+                    <a:noFill/>
+                  </a:rPr>
+                  <a:t> </a:t>
+                </a:r>
+              </a:p>
+            </p:txBody>
+          </p:sp>
+        </mc:Fallback>
+      </mc:AlternateContent>
+      <mc:AlternateContent xmlns:mc="http://schemas.openxmlformats.org/markup-compatibility/2006" xmlns:p14="http://schemas.microsoft.com/office/powerpoint/2010/main">
+        <mc:Choice Requires="p14">
+          <p:contentPart p14:bwMode="auto" r:id="rId9">
+            <p14:nvContentPartPr>
+              <p14:cNvPr id="17" name="Entrada de lápiz 16">
+                <a:extLst>
+                  <a:ext uri="{FF2B5EF4-FFF2-40B4-BE49-F238E27FC236}">
+                    <a16:creationId xmlns:a16="http://schemas.microsoft.com/office/drawing/2014/main" id="{C8957A01-9210-4911-A504-A0FC0019E8BB}"/>
+                  </a:ext>
+                </a:extLst>
+              </p14:cNvPr>
+              <p14:cNvContentPartPr/>
+              <p14:nvPr/>
+            </p14:nvContentPartPr>
+            <p14:xfrm>
+              <a:off x="5989357" y="1822284"/>
+              <a:ext cx="447480" cy="447480"/>
+            </p14:xfrm>
+          </p:contentPart>
+        </mc:Choice>
+        <mc:Fallback xmlns="">
+          <p:pic>
+            <p:nvPicPr>
+              <p:cNvPr id="17" name="Entrada de lápiz 16">
+                <a:extLst>
+                  <a:ext uri="{FF2B5EF4-FFF2-40B4-BE49-F238E27FC236}">
+                    <a16:creationId xmlns:a16="http://schemas.microsoft.com/office/drawing/2014/main" id="{C8957A01-9210-4911-A504-A0FC0019E8BB}"/>
+                  </a:ext>
+                </a:extLst>
+              </p:cNvPr>
+              <p:cNvPicPr/>
+              <p:nvPr/>
+            </p:nvPicPr>
+            <p:blipFill>
+              <a:blip r:embed="rId10"/>
+              <a:stretch>
+                <a:fillRect/>
+              </a:stretch>
+            </p:blipFill>
+            <p:spPr>
+              <a:xfrm>
+                <a:off x="5980717" y="1813644"/>
+                <a:ext cx="465120" cy="465120"/>
+              </a:xfrm>
+              <a:prstGeom prst="rect">
+                <a:avLst/>
+              </a:prstGeom>
+            </p:spPr>
+          </p:pic>
+        </mc:Fallback>
+      </mc:AlternateContent>
+      <mc:AlternateContent xmlns:mc="http://schemas.openxmlformats.org/markup-compatibility/2006" xmlns:p14="http://schemas.microsoft.com/office/powerpoint/2010/main">
+        <mc:Choice Requires="p14">
+          <p:contentPart p14:bwMode="auto" r:id="rId11">
+            <p14:nvContentPartPr>
+              <p14:cNvPr id="18" name="Entrada de lápiz 17">
+                <a:extLst>
+                  <a:ext uri="{FF2B5EF4-FFF2-40B4-BE49-F238E27FC236}">
+                    <a16:creationId xmlns:a16="http://schemas.microsoft.com/office/drawing/2014/main" id="{4887C5CF-562C-4C44-814F-74B134A0F401}"/>
+                  </a:ext>
+                </a:extLst>
+              </p14:cNvPr>
+              <p14:cNvContentPartPr/>
+              <p14:nvPr/>
+            </p14:nvContentPartPr>
+            <p14:xfrm rot="5770663">
+              <a:off x="4776368" y="1822284"/>
+              <a:ext cx="447480" cy="447480"/>
+            </p14:xfrm>
+          </p:contentPart>
+        </mc:Choice>
+        <mc:Fallback xmlns="">
+          <p:pic>
+            <p:nvPicPr>
+              <p:cNvPr id="18" name="Entrada de lápiz 17">
+                <a:extLst>
+                  <a:ext uri="{FF2B5EF4-FFF2-40B4-BE49-F238E27FC236}">
+                    <a16:creationId xmlns:a16="http://schemas.microsoft.com/office/drawing/2014/main" id="{4887C5CF-562C-4C44-814F-74B134A0F401}"/>
+                  </a:ext>
+                </a:extLst>
+              </p:cNvPr>
+              <p:cNvPicPr/>
+              <p:nvPr/>
+            </p:nvPicPr>
+            <p:blipFill>
+              <a:blip r:embed="rId10"/>
+              <a:stretch>
+                <a:fillRect/>
+              </a:stretch>
+            </p:blipFill>
+            <p:spPr>
+              <a:xfrm rot="5770663">
+                <a:off x="4767728" y="1813644"/>
+                <a:ext cx="465120" cy="465120"/>
+              </a:xfrm>
+              <a:prstGeom prst="rect">
+                <a:avLst/>
+              </a:prstGeom>
+            </p:spPr>
+          </p:pic>
+        </mc:Fallback>
+      </mc:AlternateContent>
     </p:spTree>
     <p:extLst>
       <p:ext uri="{BB962C8B-B14F-4D97-AF65-F5344CB8AC3E}">
-        <p14:creationId xmlns:p14="http://schemas.microsoft.com/office/powerpoint/2010/main" val="1207326019"/>
+        <p14:creationId xmlns:p14="http://schemas.microsoft.com/office/powerpoint/2010/main" val="1075772588"/>
       </p:ext>
     </p:extLst>
   </p:cSld>
